--- a/presentation.pptx
+++ b/presentation.pptx
@@ -5,17 +5,18 @@
     <p:sldMasterId id="2147483660" r:id="rId1"/>
   </p:sldMasterIdLst>
   <p:notesMasterIdLst>
-    <p:notesMasterId r:id="rId10"/>
+    <p:notesMasterId r:id="rId11"/>
   </p:notesMasterIdLst>
   <p:sldIdLst>
     <p:sldId id="256" r:id="rId2"/>
-    <p:sldId id="257" r:id="rId3"/>
+    <p:sldId id="264" r:id="rId3"/>
     <p:sldId id="258" r:id="rId4"/>
     <p:sldId id="259" r:id="rId5"/>
-    <p:sldId id="260" r:id="rId6"/>
-    <p:sldId id="261" r:id="rId7"/>
-    <p:sldId id="262" r:id="rId8"/>
-    <p:sldId id="263" r:id="rId9"/>
+    <p:sldId id="265" r:id="rId6"/>
+    <p:sldId id="260" r:id="rId7"/>
+    <p:sldId id="261" r:id="rId8"/>
+    <p:sldId id="262" r:id="rId9"/>
+    <p:sldId id="263" r:id="rId10"/>
   </p:sldIdLst>
   <p:sldSz cx="9144000" cy="5143500" type="screen16x9"/>
   <p:notesSz cx="6858000" cy="9144000"/>
@@ -131,6 +132,1012 @@
     </p:ext>
   </p:extLst>
 </p:presentation>
+</file>
+
+<file path=ppt/revisionInfo.xml><?xml version="1.0" encoding="utf-8"?>
+<p1510:revInfo xmlns:a="http://schemas.openxmlformats.org/drawingml/2006/main" xmlns:r="http://schemas.openxmlformats.org/officeDocument/2006/relationships" xmlns:p1510="http://schemas.microsoft.com/office/powerpoint/2015/10/main">
+  <p1510:revLst>
+    <p1510:client id="{5AC852AB-BB6F-4532-B269-064141533E55}" v="20" dt="2021-07-09T01:07:53.627"/>
+  </p1510:revLst>
+</p1510:revInfo>
+</file>
+
+<file path=ppt/changesInfos/changesInfo1.xml><?xml version="1.0" encoding="utf-8"?>
+<pc:chgInfo xmlns:a="http://schemas.openxmlformats.org/drawingml/2006/main" xmlns:r="http://schemas.openxmlformats.org/officeDocument/2006/relationships" xmlns:ac="http://schemas.microsoft.com/office/drawing/2013/main/command" xmlns:pc="http://schemas.microsoft.com/office/powerpoint/2013/main/command">
+  <pc:docChgLst>
+    <pc:chgData name="Noelle Ferrari" userId="a847421d777b2bc0" providerId="LiveId" clId="{5AC852AB-BB6F-4532-B269-064141533E55}"/>
+    <pc:docChg chg="undo custSel addSld delSld modSld sldOrd">
+      <pc:chgData name="Noelle Ferrari" userId="a847421d777b2bc0" providerId="LiveId" clId="{5AC852AB-BB6F-4532-B269-064141533E55}" dt="2021-07-09T01:12:25.507" v="907" actId="26606"/>
+      <pc:docMkLst>
+        <pc:docMk/>
+      </pc:docMkLst>
+      <pc:sldChg chg="addSp delSp modSp del mod setBg">
+        <pc:chgData name="Noelle Ferrari" userId="a847421d777b2bc0" providerId="LiveId" clId="{5AC852AB-BB6F-4532-B269-064141533E55}" dt="2021-07-09T00:40:17.234" v="88" actId="47"/>
+        <pc:sldMkLst>
+          <pc:docMk/>
+          <pc:sldMk cId="0" sldId="257"/>
+        </pc:sldMkLst>
+        <pc:spChg chg="mod ord">
+          <ac:chgData name="Noelle Ferrari" userId="a847421d777b2bc0" providerId="LiveId" clId="{5AC852AB-BB6F-4532-B269-064141533E55}" dt="2021-07-09T00:38:36.009" v="61" actId="404"/>
+          <ac:spMkLst>
+            <pc:docMk/>
+            <pc:sldMk cId="0" sldId="257"/>
+            <ac:spMk id="61" creationId="{00000000-0000-0000-0000-000000000000}"/>
+          </ac:spMkLst>
+        </pc:spChg>
+        <pc:spChg chg="mod">
+          <ac:chgData name="Noelle Ferrari" userId="a847421d777b2bc0" providerId="LiveId" clId="{5AC852AB-BB6F-4532-B269-064141533E55}" dt="2021-07-09T00:39:24.729" v="64" actId="207"/>
+          <ac:spMkLst>
+            <pc:docMk/>
+            <pc:sldMk cId="0" sldId="257"/>
+            <ac:spMk id="62" creationId="{00000000-0000-0000-0000-000000000000}"/>
+          </ac:spMkLst>
+        </pc:spChg>
+        <pc:spChg chg="add del">
+          <ac:chgData name="Noelle Ferrari" userId="a847421d777b2bc0" providerId="LiveId" clId="{5AC852AB-BB6F-4532-B269-064141533E55}" dt="2021-07-09T00:38:02.146" v="54" actId="26606"/>
+          <ac:spMkLst>
+            <pc:docMk/>
+            <pc:sldMk cId="0" sldId="257"/>
+            <ac:spMk id="105" creationId="{E9AA9F65-94B8-41A5-A7FF-23D2CFB116BB}"/>
+          </ac:spMkLst>
+        </pc:spChg>
+        <pc:spChg chg="add del">
+          <ac:chgData name="Noelle Ferrari" userId="a847421d777b2bc0" providerId="LiveId" clId="{5AC852AB-BB6F-4532-B269-064141533E55}" dt="2021-07-09T00:38:02.146" v="54" actId="26606"/>
+          <ac:spMkLst>
+            <pc:docMk/>
+            <pc:sldMk cId="0" sldId="257"/>
+            <ac:spMk id="107" creationId="{7E8B0F8E-3F6C-4541-B9C1-774D80A08834}"/>
+          </ac:spMkLst>
+        </pc:spChg>
+        <pc:spChg chg="add del">
+          <ac:chgData name="Noelle Ferrari" userId="a847421d777b2bc0" providerId="LiveId" clId="{5AC852AB-BB6F-4532-B269-064141533E55}" dt="2021-07-09T00:38:02.146" v="54" actId="26606"/>
+          <ac:spMkLst>
+            <pc:docMk/>
+            <pc:sldMk cId="0" sldId="257"/>
+            <ac:spMk id="109" creationId="{7A45F5BC-32D1-41CD-B270-C46F18CA1ACC}"/>
+          </ac:spMkLst>
+        </pc:spChg>
+        <pc:spChg chg="add del">
+          <ac:chgData name="Noelle Ferrari" userId="a847421d777b2bc0" providerId="LiveId" clId="{5AC852AB-BB6F-4532-B269-064141533E55}" dt="2021-07-09T00:38:02.146" v="54" actId="26606"/>
+          <ac:spMkLst>
+            <pc:docMk/>
+            <pc:sldMk cId="0" sldId="257"/>
+            <ac:spMk id="111" creationId="{CE57EE13-72B0-4FFA-ACE1-EBDE89340E47}"/>
+          </ac:spMkLst>
+        </pc:spChg>
+        <pc:spChg chg="add del">
+          <ac:chgData name="Noelle Ferrari" userId="a847421d777b2bc0" providerId="LiveId" clId="{5AC852AB-BB6F-4532-B269-064141533E55}" dt="2021-07-09T00:38:02.146" v="54" actId="26606"/>
+          <ac:spMkLst>
+            <pc:docMk/>
+            <pc:sldMk cId="0" sldId="257"/>
+            <ac:spMk id="113" creationId="{8E019540-1104-4B12-9F83-45F58674186F}"/>
+          </ac:spMkLst>
+        </pc:spChg>
+        <pc:spChg chg="add del">
+          <ac:chgData name="Noelle Ferrari" userId="a847421d777b2bc0" providerId="LiveId" clId="{5AC852AB-BB6F-4532-B269-064141533E55}" dt="2021-07-09T00:38:02.146" v="54" actId="26606"/>
+          <ac:spMkLst>
+            <pc:docMk/>
+            <pc:sldMk cId="0" sldId="257"/>
+            <ac:spMk id="115" creationId="{11D976D6-8C98-48CC-8C34-0468F31678C2}"/>
+          </ac:spMkLst>
+        </pc:spChg>
+        <pc:spChg chg="add del">
+          <ac:chgData name="Noelle Ferrari" userId="a847421d777b2bc0" providerId="LiveId" clId="{5AC852AB-BB6F-4532-B269-064141533E55}" dt="2021-07-09T00:38:02.146" v="54" actId="26606"/>
+          <ac:spMkLst>
+            <pc:docMk/>
+            <pc:sldMk cId="0" sldId="257"/>
+            <ac:spMk id="117" creationId="{3580CFD6-E44A-486A-9E73-D8D948F78A34}"/>
+          </ac:spMkLst>
+        </pc:spChg>
+        <pc:spChg chg="add del">
+          <ac:chgData name="Noelle Ferrari" userId="a847421d777b2bc0" providerId="LiveId" clId="{5AC852AB-BB6F-4532-B269-064141533E55}" dt="2021-07-09T00:38:02.107" v="53" actId="26606"/>
+          <ac:spMkLst>
+            <pc:docMk/>
+            <pc:sldMk cId="0" sldId="257"/>
+            <ac:spMk id="122" creationId="{E9AA9F65-94B8-41A5-A7FF-23D2CFB116BB}"/>
+          </ac:spMkLst>
+        </pc:spChg>
+        <pc:spChg chg="add del">
+          <ac:chgData name="Noelle Ferrari" userId="a847421d777b2bc0" providerId="LiveId" clId="{5AC852AB-BB6F-4532-B269-064141533E55}" dt="2021-07-09T00:38:02.107" v="53" actId="26606"/>
+          <ac:spMkLst>
+            <pc:docMk/>
+            <pc:sldMk cId="0" sldId="257"/>
+            <ac:spMk id="124" creationId="{7E8B0F8E-3F6C-4541-B9C1-774D80A08834}"/>
+          </ac:spMkLst>
+        </pc:spChg>
+        <pc:spChg chg="add del">
+          <ac:chgData name="Noelle Ferrari" userId="a847421d777b2bc0" providerId="LiveId" clId="{5AC852AB-BB6F-4532-B269-064141533E55}" dt="2021-07-09T00:38:02.107" v="53" actId="26606"/>
+          <ac:spMkLst>
+            <pc:docMk/>
+            <pc:sldMk cId="0" sldId="257"/>
+            <ac:spMk id="126" creationId="{7A45F5BC-32D1-41CD-B270-C46F18CA1ACC}"/>
+          </ac:spMkLst>
+        </pc:spChg>
+        <pc:spChg chg="add del">
+          <ac:chgData name="Noelle Ferrari" userId="a847421d777b2bc0" providerId="LiveId" clId="{5AC852AB-BB6F-4532-B269-064141533E55}" dt="2021-07-09T00:38:02.107" v="53" actId="26606"/>
+          <ac:spMkLst>
+            <pc:docMk/>
+            <pc:sldMk cId="0" sldId="257"/>
+            <ac:spMk id="128" creationId="{CE57EE13-72B0-4FFA-ACE1-EBDE89340E47}"/>
+          </ac:spMkLst>
+        </pc:spChg>
+        <pc:spChg chg="add del">
+          <ac:chgData name="Noelle Ferrari" userId="a847421d777b2bc0" providerId="LiveId" clId="{5AC852AB-BB6F-4532-B269-064141533E55}" dt="2021-07-09T00:38:02.107" v="53" actId="26606"/>
+          <ac:spMkLst>
+            <pc:docMk/>
+            <pc:sldMk cId="0" sldId="257"/>
+            <ac:spMk id="130" creationId="{328C565D-A991-4381-AC37-76A58A4A128F}"/>
+          </ac:spMkLst>
+        </pc:spChg>
+        <pc:spChg chg="add del">
+          <ac:chgData name="Noelle Ferrari" userId="a847421d777b2bc0" providerId="LiveId" clId="{5AC852AB-BB6F-4532-B269-064141533E55}" dt="2021-07-09T00:38:02.107" v="53" actId="26606"/>
+          <ac:spMkLst>
+            <pc:docMk/>
+            <pc:sldMk cId="0" sldId="257"/>
+            <ac:spMk id="132" creationId="{B7180431-F4DE-415D-BCBB-9316423C37C1}"/>
+          </ac:spMkLst>
+        </pc:spChg>
+        <pc:spChg chg="add del">
+          <ac:chgData name="Noelle Ferrari" userId="a847421d777b2bc0" providerId="LiveId" clId="{5AC852AB-BB6F-4532-B269-064141533E55}" dt="2021-07-09T00:38:02.107" v="53" actId="26606"/>
+          <ac:spMkLst>
+            <pc:docMk/>
+            <pc:sldMk cId="0" sldId="257"/>
+            <ac:spMk id="134" creationId="{EEABD997-5EF9-4E9B-AFBB-F6DFAAF3ADF0}"/>
+          </ac:spMkLst>
+        </pc:spChg>
+        <pc:spChg chg="add del">
+          <ac:chgData name="Noelle Ferrari" userId="a847421d777b2bc0" providerId="LiveId" clId="{5AC852AB-BB6F-4532-B269-064141533E55}" dt="2021-07-09T00:38:02.107" v="53" actId="26606"/>
+          <ac:spMkLst>
+            <pc:docMk/>
+            <pc:sldMk cId="0" sldId="257"/>
+            <ac:spMk id="136" creationId="{E9AB5EE6-A047-4B18-B998-D46DF3CC36FE}"/>
+          </ac:spMkLst>
+        </pc:spChg>
+        <pc:spChg chg="add">
+          <ac:chgData name="Noelle Ferrari" userId="a847421d777b2bc0" providerId="LiveId" clId="{5AC852AB-BB6F-4532-B269-064141533E55}" dt="2021-07-09T00:38:02.146" v="54" actId="26606"/>
+          <ac:spMkLst>
+            <pc:docMk/>
+            <pc:sldMk cId="0" sldId="257"/>
+            <ac:spMk id="138" creationId="{E9AA9F65-94B8-41A5-A7FF-23D2CFB116BB}"/>
+          </ac:spMkLst>
+        </pc:spChg>
+        <pc:spChg chg="add">
+          <ac:chgData name="Noelle Ferrari" userId="a847421d777b2bc0" providerId="LiveId" clId="{5AC852AB-BB6F-4532-B269-064141533E55}" dt="2021-07-09T00:38:02.146" v="54" actId="26606"/>
+          <ac:spMkLst>
+            <pc:docMk/>
+            <pc:sldMk cId="0" sldId="257"/>
+            <ac:spMk id="139" creationId="{7E8B0F8E-3F6C-4541-B9C1-774D80A08834}"/>
+          </ac:spMkLst>
+        </pc:spChg>
+        <pc:spChg chg="add">
+          <ac:chgData name="Noelle Ferrari" userId="a847421d777b2bc0" providerId="LiveId" clId="{5AC852AB-BB6F-4532-B269-064141533E55}" dt="2021-07-09T00:38:02.146" v="54" actId="26606"/>
+          <ac:spMkLst>
+            <pc:docMk/>
+            <pc:sldMk cId="0" sldId="257"/>
+            <ac:spMk id="140" creationId="{7A45F5BC-32D1-41CD-B270-C46F18CA1ACC}"/>
+          </ac:spMkLst>
+        </pc:spChg>
+        <pc:spChg chg="add">
+          <ac:chgData name="Noelle Ferrari" userId="a847421d777b2bc0" providerId="LiveId" clId="{5AC852AB-BB6F-4532-B269-064141533E55}" dt="2021-07-09T00:38:02.146" v="54" actId="26606"/>
+          <ac:spMkLst>
+            <pc:docMk/>
+            <pc:sldMk cId="0" sldId="257"/>
+            <ac:spMk id="141" creationId="{CE57EE13-72B0-4FFA-ACE1-EBDE89340E47}"/>
+          </ac:spMkLst>
+        </pc:spChg>
+        <pc:spChg chg="add">
+          <ac:chgData name="Noelle Ferrari" userId="a847421d777b2bc0" providerId="LiveId" clId="{5AC852AB-BB6F-4532-B269-064141533E55}" dt="2021-07-09T00:38:02.146" v="54" actId="26606"/>
+          <ac:spMkLst>
+            <pc:docMk/>
+            <pc:sldMk cId="0" sldId="257"/>
+            <ac:spMk id="142" creationId="{DA182162-B517-4B41-B039-339F87FAE1D0}"/>
+          </ac:spMkLst>
+        </pc:spChg>
+        <pc:spChg chg="add">
+          <ac:chgData name="Noelle Ferrari" userId="a847421d777b2bc0" providerId="LiveId" clId="{5AC852AB-BB6F-4532-B269-064141533E55}" dt="2021-07-09T00:38:02.146" v="54" actId="26606"/>
+          <ac:spMkLst>
+            <pc:docMk/>
+            <pc:sldMk cId="0" sldId="257"/>
+            <ac:spMk id="143" creationId="{49B5AD54-1E68-4239-A6AF-FE0F49BB8367}"/>
+          </ac:spMkLst>
+        </pc:spChg>
+      </pc:sldChg>
+      <pc:sldChg chg="modSp">
+        <pc:chgData name="Noelle Ferrari" userId="a847421d777b2bc0" providerId="LiveId" clId="{5AC852AB-BB6F-4532-B269-064141533E55}" dt="2021-07-09T00:34:41.110" v="1" actId="20577"/>
+        <pc:sldMkLst>
+          <pc:docMk/>
+          <pc:sldMk cId="0" sldId="258"/>
+        </pc:sldMkLst>
+        <pc:graphicFrameChg chg="mod">
+          <ac:chgData name="Noelle Ferrari" userId="a847421d777b2bc0" providerId="LiveId" clId="{5AC852AB-BB6F-4532-B269-064141533E55}" dt="2021-07-09T00:34:41.110" v="1" actId="20577"/>
+          <ac:graphicFrameMkLst>
+            <pc:docMk/>
+            <pc:sldMk cId="0" sldId="258"/>
+            <ac:graphicFrameMk id="74" creationId="{27EB50F2-26CA-4654-AA34-AD5941B6D598}"/>
+          </ac:graphicFrameMkLst>
+        </pc:graphicFrameChg>
+      </pc:sldChg>
+      <pc:sldChg chg="addSp delSp modSp mod setBg">
+        <pc:chgData name="Noelle Ferrari" userId="a847421d777b2bc0" providerId="LiveId" clId="{5AC852AB-BB6F-4532-B269-064141533E55}" dt="2021-07-09T00:53:59.658" v="892" actId="26606"/>
+        <pc:sldMkLst>
+          <pc:docMk/>
+          <pc:sldMk cId="0" sldId="259"/>
+        </pc:sldMkLst>
+        <pc:spChg chg="mod">
+          <ac:chgData name="Noelle Ferrari" userId="a847421d777b2bc0" providerId="LiveId" clId="{5AC852AB-BB6F-4532-B269-064141533E55}" dt="2021-07-09T00:53:59.658" v="892" actId="26606"/>
+          <ac:spMkLst>
+            <pc:docMk/>
+            <pc:sldMk cId="0" sldId="259"/>
+            <ac:spMk id="73" creationId="{00000000-0000-0000-0000-000000000000}"/>
+          </ac:spMkLst>
+        </pc:spChg>
+        <pc:spChg chg="mod">
+          <ac:chgData name="Noelle Ferrari" userId="a847421d777b2bc0" providerId="LiveId" clId="{5AC852AB-BB6F-4532-B269-064141533E55}" dt="2021-07-09T00:53:59.658" v="892" actId="26606"/>
+          <ac:spMkLst>
+            <pc:docMk/>
+            <pc:sldMk cId="0" sldId="259"/>
+            <ac:spMk id="74" creationId="{00000000-0000-0000-0000-000000000000}"/>
+          </ac:spMkLst>
+        </pc:spChg>
+        <pc:spChg chg="del">
+          <ac:chgData name="Noelle Ferrari" userId="a847421d777b2bc0" providerId="LiveId" clId="{5AC852AB-BB6F-4532-B269-064141533E55}" dt="2021-07-09T00:53:59.658" v="892" actId="26606"/>
+          <ac:spMkLst>
+            <pc:docMk/>
+            <pc:sldMk cId="0" sldId="259"/>
+            <ac:spMk id="79" creationId="{E9AA9F65-94B8-41A5-A7FF-23D2CFB116BB}"/>
+          </ac:spMkLst>
+        </pc:spChg>
+        <pc:spChg chg="del">
+          <ac:chgData name="Noelle Ferrari" userId="a847421d777b2bc0" providerId="LiveId" clId="{5AC852AB-BB6F-4532-B269-064141533E55}" dt="2021-07-09T00:53:59.658" v="892" actId="26606"/>
+          <ac:spMkLst>
+            <pc:docMk/>
+            <pc:sldMk cId="0" sldId="259"/>
+            <ac:spMk id="81" creationId="{7E8B0F8E-3F6C-4541-B9C1-774D80A08834}"/>
+          </ac:spMkLst>
+        </pc:spChg>
+        <pc:spChg chg="del">
+          <ac:chgData name="Noelle Ferrari" userId="a847421d777b2bc0" providerId="LiveId" clId="{5AC852AB-BB6F-4532-B269-064141533E55}" dt="2021-07-09T00:53:59.658" v="892" actId="26606"/>
+          <ac:spMkLst>
+            <pc:docMk/>
+            <pc:sldMk cId="0" sldId="259"/>
+            <ac:spMk id="83" creationId="{7A45F5BC-32D1-41CD-B270-C46F18CA1ACC}"/>
+          </ac:spMkLst>
+        </pc:spChg>
+        <pc:spChg chg="del">
+          <ac:chgData name="Noelle Ferrari" userId="a847421d777b2bc0" providerId="LiveId" clId="{5AC852AB-BB6F-4532-B269-064141533E55}" dt="2021-07-09T00:53:59.658" v="892" actId="26606"/>
+          <ac:spMkLst>
+            <pc:docMk/>
+            <pc:sldMk cId="0" sldId="259"/>
+            <ac:spMk id="85" creationId="{5BB74D4E-F243-4A10-813D-500A14025392}"/>
+          </ac:spMkLst>
+        </pc:spChg>
+        <pc:spChg chg="del">
+          <ac:chgData name="Noelle Ferrari" userId="a847421d777b2bc0" providerId="LiveId" clId="{5AC852AB-BB6F-4532-B269-064141533E55}" dt="2021-07-09T00:53:59.658" v="892" actId="26606"/>
+          <ac:spMkLst>
+            <pc:docMk/>
+            <pc:sldMk cId="0" sldId="259"/>
+            <ac:spMk id="87" creationId="{D70130DC-F780-43D2-B26A-92EACD78951B}"/>
+          </ac:spMkLst>
+        </pc:spChg>
+        <pc:spChg chg="del">
+          <ac:chgData name="Noelle Ferrari" userId="a847421d777b2bc0" providerId="LiveId" clId="{5AC852AB-BB6F-4532-B269-064141533E55}" dt="2021-07-09T00:53:59.658" v="892" actId="26606"/>
+          <ac:spMkLst>
+            <pc:docMk/>
+            <pc:sldMk cId="0" sldId="259"/>
+            <ac:spMk id="89" creationId="{17676E0E-5B44-4166-8EDD-CFDBAC622C26}"/>
+          </ac:spMkLst>
+        </pc:spChg>
+        <pc:spChg chg="add">
+          <ac:chgData name="Noelle Ferrari" userId="a847421d777b2bc0" providerId="LiveId" clId="{5AC852AB-BB6F-4532-B269-064141533E55}" dt="2021-07-09T00:53:59.658" v="892" actId="26606"/>
+          <ac:spMkLst>
+            <pc:docMk/>
+            <pc:sldMk cId="0" sldId="259"/>
+            <ac:spMk id="94" creationId="{E9AA9F65-94B8-41A5-A7FF-23D2CFB116BB}"/>
+          </ac:spMkLst>
+        </pc:spChg>
+        <pc:spChg chg="add">
+          <ac:chgData name="Noelle Ferrari" userId="a847421d777b2bc0" providerId="LiveId" clId="{5AC852AB-BB6F-4532-B269-064141533E55}" dt="2021-07-09T00:53:59.658" v="892" actId="26606"/>
+          <ac:spMkLst>
+            <pc:docMk/>
+            <pc:sldMk cId="0" sldId="259"/>
+            <ac:spMk id="96" creationId="{7E8B0F8E-3F6C-4541-B9C1-774D80A08834}"/>
+          </ac:spMkLst>
+        </pc:spChg>
+        <pc:spChg chg="add">
+          <ac:chgData name="Noelle Ferrari" userId="a847421d777b2bc0" providerId="LiveId" clId="{5AC852AB-BB6F-4532-B269-064141533E55}" dt="2021-07-09T00:53:59.658" v="892" actId="26606"/>
+          <ac:spMkLst>
+            <pc:docMk/>
+            <pc:sldMk cId="0" sldId="259"/>
+            <ac:spMk id="98" creationId="{7A45F5BC-32D1-41CD-B270-C46F18CA1ACC}"/>
+          </ac:spMkLst>
+        </pc:spChg>
+        <pc:spChg chg="add">
+          <ac:chgData name="Noelle Ferrari" userId="a847421d777b2bc0" providerId="LiveId" clId="{5AC852AB-BB6F-4532-B269-064141533E55}" dt="2021-07-09T00:53:59.658" v="892" actId="26606"/>
+          <ac:spMkLst>
+            <pc:docMk/>
+            <pc:sldMk cId="0" sldId="259"/>
+            <ac:spMk id="100" creationId="{5BB74D4E-F243-4A10-813D-500A14025392}"/>
+          </ac:spMkLst>
+        </pc:spChg>
+        <pc:spChg chg="add">
+          <ac:chgData name="Noelle Ferrari" userId="a847421d777b2bc0" providerId="LiveId" clId="{5AC852AB-BB6F-4532-B269-064141533E55}" dt="2021-07-09T00:53:59.658" v="892" actId="26606"/>
+          <ac:spMkLst>
+            <pc:docMk/>
+            <pc:sldMk cId="0" sldId="259"/>
+            <ac:spMk id="102" creationId="{F92989FB-1024-49B7-BDF1-B3CE27D48623}"/>
+          </ac:spMkLst>
+        </pc:spChg>
+        <pc:spChg chg="add">
+          <ac:chgData name="Noelle Ferrari" userId="a847421d777b2bc0" providerId="LiveId" clId="{5AC852AB-BB6F-4532-B269-064141533E55}" dt="2021-07-09T00:53:59.658" v="892" actId="26606"/>
+          <ac:spMkLst>
+            <pc:docMk/>
+            <pc:sldMk cId="0" sldId="259"/>
+            <ac:spMk id="104" creationId="{DFEE959E-BF10-4204-9556-D1707088D445}"/>
+          </ac:spMkLst>
+        </pc:spChg>
+        <pc:spChg chg="add">
+          <ac:chgData name="Noelle Ferrari" userId="a847421d777b2bc0" providerId="LiveId" clId="{5AC852AB-BB6F-4532-B269-064141533E55}" dt="2021-07-09T00:53:59.658" v="892" actId="26606"/>
+          <ac:spMkLst>
+            <pc:docMk/>
+            <pc:sldMk cId="0" sldId="259"/>
+            <ac:spMk id="106" creationId="{DDD17B6A-CB37-4005-9681-A20AFCDC7822}"/>
+          </ac:spMkLst>
+        </pc:spChg>
+        <pc:spChg chg="add">
+          <ac:chgData name="Noelle Ferrari" userId="a847421d777b2bc0" providerId="LiveId" clId="{5AC852AB-BB6F-4532-B269-064141533E55}" dt="2021-07-09T00:53:59.658" v="892" actId="26606"/>
+          <ac:spMkLst>
+            <pc:docMk/>
+            <pc:sldMk cId="0" sldId="259"/>
+            <ac:spMk id="108" creationId="{3B7BBDE9-DAED-40B0-A640-503C918D1CE3}"/>
+          </ac:spMkLst>
+        </pc:spChg>
+        <pc:spChg chg="add">
+          <ac:chgData name="Noelle Ferrari" userId="a847421d777b2bc0" providerId="LiveId" clId="{5AC852AB-BB6F-4532-B269-064141533E55}" dt="2021-07-09T00:53:59.658" v="892" actId="26606"/>
+          <ac:spMkLst>
+            <pc:docMk/>
+            <pc:sldMk cId="0" sldId="259"/>
+            <ac:spMk id="110" creationId="{7BC7EA7B-802E-41F4-8926-C4475287AA31}"/>
+          </ac:spMkLst>
+        </pc:spChg>
+      </pc:sldChg>
+      <pc:sldChg chg="addSp delSp modSp mod setBg modClrScheme delDesignElem chgLayout">
+        <pc:chgData name="Noelle Ferrari" userId="a847421d777b2bc0" providerId="LiveId" clId="{5AC852AB-BB6F-4532-B269-064141533E55}" dt="2021-07-09T01:12:25.507" v="907" actId="26606"/>
+        <pc:sldMkLst>
+          <pc:docMk/>
+          <pc:sldMk cId="0" sldId="260"/>
+        </pc:sldMkLst>
+        <pc:spChg chg="mod ord">
+          <ac:chgData name="Noelle Ferrari" userId="a847421d777b2bc0" providerId="LiveId" clId="{5AC852AB-BB6F-4532-B269-064141533E55}" dt="2021-07-09T01:12:25.507" v="907" actId="26606"/>
+          <ac:spMkLst>
+            <pc:docMk/>
+            <pc:sldMk cId="0" sldId="260"/>
+            <ac:spMk id="79" creationId="{00000000-0000-0000-0000-000000000000}"/>
+          </ac:spMkLst>
+        </pc:spChg>
+        <pc:spChg chg="mod ord">
+          <ac:chgData name="Noelle Ferrari" userId="a847421d777b2bc0" providerId="LiveId" clId="{5AC852AB-BB6F-4532-B269-064141533E55}" dt="2021-07-09T01:12:25.507" v="907" actId="26606"/>
+          <ac:spMkLst>
+            <pc:docMk/>
+            <pc:sldMk cId="0" sldId="260"/>
+            <ac:spMk id="80" creationId="{00000000-0000-0000-0000-000000000000}"/>
+          </ac:spMkLst>
+        </pc:spChg>
+        <pc:spChg chg="add">
+          <ac:chgData name="Noelle Ferrari" userId="a847421d777b2bc0" providerId="LiveId" clId="{5AC852AB-BB6F-4532-B269-064141533E55}" dt="2021-07-09T01:12:25.507" v="907" actId="26606"/>
+          <ac:spMkLst>
+            <pc:docMk/>
+            <pc:sldMk cId="0" sldId="260"/>
+            <ac:spMk id="82" creationId="{E9AA9F65-94B8-41A5-A7FF-23D2CFB116BB}"/>
+          </ac:spMkLst>
+        </pc:spChg>
+        <pc:spChg chg="add">
+          <ac:chgData name="Noelle Ferrari" userId="a847421d777b2bc0" providerId="LiveId" clId="{5AC852AB-BB6F-4532-B269-064141533E55}" dt="2021-07-09T01:12:25.507" v="907" actId="26606"/>
+          <ac:spMkLst>
+            <pc:docMk/>
+            <pc:sldMk cId="0" sldId="260"/>
+            <ac:spMk id="83" creationId="{7E8B0F8E-3F6C-4541-B9C1-774D80A08834}"/>
+          </ac:spMkLst>
+        </pc:spChg>
+        <pc:spChg chg="add">
+          <ac:chgData name="Noelle Ferrari" userId="a847421d777b2bc0" providerId="LiveId" clId="{5AC852AB-BB6F-4532-B269-064141533E55}" dt="2021-07-09T01:12:25.507" v="907" actId="26606"/>
+          <ac:spMkLst>
+            <pc:docMk/>
+            <pc:sldMk cId="0" sldId="260"/>
+            <ac:spMk id="84" creationId="{7A45F5BC-32D1-41CD-B270-C46F18CA1ACC}"/>
+          </ac:spMkLst>
+        </pc:spChg>
+        <pc:spChg chg="del">
+          <ac:chgData name="Noelle Ferrari" userId="a847421d777b2bc0" providerId="LiveId" clId="{5AC852AB-BB6F-4532-B269-064141533E55}" dt="2021-07-09T01:12:10.274" v="906" actId="700"/>
+          <ac:spMkLst>
+            <pc:docMk/>
+            <pc:sldMk cId="0" sldId="260"/>
+            <ac:spMk id="85" creationId="{E9AA9F65-94B8-41A5-A7FF-23D2CFB116BB}"/>
+          </ac:spMkLst>
+        </pc:spChg>
+        <pc:spChg chg="add">
+          <ac:chgData name="Noelle Ferrari" userId="a847421d777b2bc0" providerId="LiveId" clId="{5AC852AB-BB6F-4532-B269-064141533E55}" dt="2021-07-09T01:12:25.507" v="907" actId="26606"/>
+          <ac:spMkLst>
+            <pc:docMk/>
+            <pc:sldMk cId="0" sldId="260"/>
+            <ac:spMk id="86" creationId="{5BB74D4E-F243-4A10-813D-500A14025392}"/>
+          </ac:spMkLst>
+        </pc:spChg>
+        <pc:spChg chg="del">
+          <ac:chgData name="Noelle Ferrari" userId="a847421d777b2bc0" providerId="LiveId" clId="{5AC852AB-BB6F-4532-B269-064141533E55}" dt="2021-07-09T01:12:10.274" v="906" actId="700"/>
+          <ac:spMkLst>
+            <pc:docMk/>
+            <pc:sldMk cId="0" sldId="260"/>
+            <ac:spMk id="87" creationId="{7E8B0F8E-3F6C-4541-B9C1-774D80A08834}"/>
+          </ac:spMkLst>
+        </pc:spChg>
+        <pc:spChg chg="add">
+          <ac:chgData name="Noelle Ferrari" userId="a847421d777b2bc0" providerId="LiveId" clId="{5AC852AB-BB6F-4532-B269-064141533E55}" dt="2021-07-09T01:12:25.507" v="907" actId="26606"/>
+          <ac:spMkLst>
+            <pc:docMk/>
+            <pc:sldMk cId="0" sldId="260"/>
+            <ac:spMk id="88" creationId="{B373F125-DEF3-41D6-9918-AB21A2ACC37A}"/>
+          </ac:spMkLst>
+        </pc:spChg>
+        <pc:spChg chg="del">
+          <ac:chgData name="Noelle Ferrari" userId="a847421d777b2bc0" providerId="LiveId" clId="{5AC852AB-BB6F-4532-B269-064141533E55}" dt="2021-07-09T01:12:10.274" v="906" actId="700"/>
+          <ac:spMkLst>
+            <pc:docMk/>
+            <pc:sldMk cId="0" sldId="260"/>
+            <ac:spMk id="89" creationId="{7A45F5BC-32D1-41CD-B270-C46F18CA1ACC}"/>
+          </ac:spMkLst>
+        </pc:spChg>
+        <pc:spChg chg="add">
+          <ac:chgData name="Noelle Ferrari" userId="a847421d777b2bc0" providerId="LiveId" clId="{5AC852AB-BB6F-4532-B269-064141533E55}" dt="2021-07-09T01:12:25.507" v="907" actId="26606"/>
+          <ac:spMkLst>
+            <pc:docMk/>
+            <pc:sldMk cId="0" sldId="260"/>
+            <ac:spMk id="90" creationId="{71E9F226-EB6E-48C9-ADDA-636DE4BF4EBE}"/>
+          </ac:spMkLst>
+        </pc:spChg>
+        <pc:spChg chg="del">
+          <ac:chgData name="Noelle Ferrari" userId="a847421d777b2bc0" providerId="LiveId" clId="{5AC852AB-BB6F-4532-B269-064141533E55}" dt="2021-07-09T01:12:10.274" v="906" actId="700"/>
+          <ac:spMkLst>
+            <pc:docMk/>
+            <pc:sldMk cId="0" sldId="260"/>
+            <ac:spMk id="91" creationId="{5BB74D4E-F243-4A10-813D-500A14025392}"/>
+          </ac:spMkLst>
+        </pc:spChg>
+        <pc:spChg chg="del">
+          <ac:chgData name="Noelle Ferrari" userId="a847421d777b2bc0" providerId="LiveId" clId="{5AC852AB-BB6F-4532-B269-064141533E55}" dt="2021-07-09T01:12:10.274" v="906" actId="700"/>
+          <ac:spMkLst>
+            <pc:docMk/>
+            <pc:sldMk cId="0" sldId="260"/>
+            <ac:spMk id="93" creationId="{D70130DC-F780-43D2-B26A-92EACD78951B}"/>
+          </ac:spMkLst>
+        </pc:spChg>
+        <pc:spChg chg="del">
+          <ac:chgData name="Noelle Ferrari" userId="a847421d777b2bc0" providerId="LiveId" clId="{5AC852AB-BB6F-4532-B269-064141533E55}" dt="2021-07-09T01:12:10.274" v="906" actId="700"/>
+          <ac:spMkLst>
+            <pc:docMk/>
+            <pc:sldMk cId="0" sldId="260"/>
+            <ac:spMk id="95" creationId="{17676E0E-5B44-4166-8EDD-CFDBAC622C26}"/>
+          </ac:spMkLst>
+        </pc:spChg>
+      </pc:sldChg>
+      <pc:sldChg chg="addSp delSp modSp mod setClrOvrMap">
+        <pc:chgData name="Noelle Ferrari" userId="a847421d777b2bc0" providerId="LiveId" clId="{5AC852AB-BB6F-4532-B269-064141533E55}" dt="2021-07-09T00:37:09.487" v="51" actId="26606"/>
+        <pc:sldMkLst>
+          <pc:docMk/>
+          <pc:sldMk cId="0" sldId="262"/>
+        </pc:sldMkLst>
+        <pc:spChg chg="mod">
+          <ac:chgData name="Noelle Ferrari" userId="a847421d777b2bc0" providerId="LiveId" clId="{5AC852AB-BB6F-4532-B269-064141533E55}" dt="2021-07-09T00:37:09.487" v="51" actId="26606"/>
+          <ac:spMkLst>
+            <pc:docMk/>
+            <pc:sldMk cId="0" sldId="262"/>
+            <ac:spMk id="91" creationId="{00000000-0000-0000-0000-000000000000}"/>
+          </ac:spMkLst>
+        </pc:spChg>
+        <pc:spChg chg="mod">
+          <ac:chgData name="Noelle Ferrari" userId="a847421d777b2bc0" providerId="LiveId" clId="{5AC852AB-BB6F-4532-B269-064141533E55}" dt="2021-07-09T00:37:09.487" v="51" actId="26606"/>
+          <ac:spMkLst>
+            <pc:docMk/>
+            <pc:sldMk cId="0" sldId="262"/>
+            <ac:spMk id="92" creationId="{00000000-0000-0000-0000-000000000000}"/>
+          </ac:spMkLst>
+        </pc:spChg>
+        <pc:spChg chg="del">
+          <ac:chgData name="Noelle Ferrari" userId="a847421d777b2bc0" providerId="LiveId" clId="{5AC852AB-BB6F-4532-B269-064141533E55}" dt="2021-07-09T00:36:39.679" v="48" actId="26606"/>
+          <ac:spMkLst>
+            <pc:docMk/>
+            <pc:sldMk cId="0" sldId="262"/>
+            <ac:spMk id="113" creationId="{2928117C-9446-4E7F-AE62-95E0F6DB5B27}"/>
+          </ac:spMkLst>
+        </pc:spChg>
+        <pc:spChg chg="del">
+          <ac:chgData name="Noelle Ferrari" userId="a847421d777b2bc0" providerId="LiveId" clId="{5AC852AB-BB6F-4532-B269-064141533E55}" dt="2021-07-09T00:36:39.679" v="48" actId="26606"/>
+          <ac:spMkLst>
+            <pc:docMk/>
+            <pc:sldMk cId="0" sldId="262"/>
+            <ac:spMk id="115" creationId="{84D30AFB-4D71-48B0-AA00-28EE92363A5F}"/>
+          </ac:spMkLst>
+        </pc:spChg>
+        <pc:spChg chg="del">
+          <ac:chgData name="Noelle Ferrari" userId="a847421d777b2bc0" providerId="LiveId" clId="{5AC852AB-BB6F-4532-B269-064141533E55}" dt="2021-07-09T00:36:39.679" v="48" actId="26606"/>
+          <ac:spMkLst>
+            <pc:docMk/>
+            <pc:sldMk cId="0" sldId="262"/>
+            <ac:spMk id="117" creationId="{96A0B76F-8010-4C62-B4B6-C5FC438C059E}"/>
+          </ac:spMkLst>
+        </pc:spChg>
+        <pc:spChg chg="del">
+          <ac:chgData name="Noelle Ferrari" userId="a847421d777b2bc0" providerId="LiveId" clId="{5AC852AB-BB6F-4532-B269-064141533E55}" dt="2021-07-09T00:36:39.679" v="48" actId="26606"/>
+          <ac:spMkLst>
+            <pc:docMk/>
+            <pc:sldMk cId="0" sldId="262"/>
+            <ac:spMk id="119" creationId="{B36BEBD5-A373-4C8C-8C06-CD8007E22F39}"/>
+          </ac:spMkLst>
+        </pc:spChg>
+        <pc:spChg chg="del">
+          <ac:chgData name="Noelle Ferrari" userId="a847421d777b2bc0" providerId="LiveId" clId="{5AC852AB-BB6F-4532-B269-064141533E55}" dt="2021-07-09T00:36:39.679" v="48" actId="26606"/>
+          <ac:spMkLst>
+            <pc:docMk/>
+            <pc:sldMk cId="0" sldId="262"/>
+            <ac:spMk id="121" creationId="{EA97CA5D-BCDD-4F61-B77F-34068368BF47}"/>
+          </ac:spMkLst>
+        </pc:spChg>
+        <pc:spChg chg="del">
+          <ac:chgData name="Noelle Ferrari" userId="a847421d777b2bc0" providerId="LiveId" clId="{5AC852AB-BB6F-4532-B269-064141533E55}" dt="2021-07-09T00:36:39.679" v="48" actId="26606"/>
+          <ac:spMkLst>
+            <pc:docMk/>
+            <pc:sldMk cId="0" sldId="262"/>
+            <ac:spMk id="123" creationId="{BB80117C-7F39-43C5-86D0-1B3E99AB5E86}"/>
+          </ac:spMkLst>
+        </pc:spChg>
+        <pc:spChg chg="add del">
+          <ac:chgData name="Noelle Ferrari" userId="a847421d777b2bc0" providerId="LiveId" clId="{5AC852AB-BB6F-4532-B269-064141533E55}" dt="2021-07-09T00:37:09.487" v="51" actId="26606"/>
+          <ac:spMkLst>
+            <pc:docMk/>
+            <pc:sldMk cId="0" sldId="262"/>
+            <ac:spMk id="133" creationId="{2928117C-9446-4E7F-AE62-95E0F6DB5B27}"/>
+          </ac:spMkLst>
+        </pc:spChg>
+        <pc:spChg chg="add del">
+          <ac:chgData name="Noelle Ferrari" userId="a847421d777b2bc0" providerId="LiveId" clId="{5AC852AB-BB6F-4532-B269-064141533E55}" dt="2021-07-09T00:37:09.487" v="51" actId="26606"/>
+          <ac:spMkLst>
+            <pc:docMk/>
+            <pc:sldMk cId="0" sldId="262"/>
+            <ac:spMk id="135" creationId="{84D30AFB-4D71-48B0-AA00-28EE92363A5F}"/>
+          </ac:spMkLst>
+        </pc:spChg>
+        <pc:spChg chg="add del">
+          <ac:chgData name="Noelle Ferrari" userId="a847421d777b2bc0" providerId="LiveId" clId="{5AC852AB-BB6F-4532-B269-064141533E55}" dt="2021-07-09T00:37:09.487" v="51" actId="26606"/>
+          <ac:spMkLst>
+            <pc:docMk/>
+            <pc:sldMk cId="0" sldId="262"/>
+            <ac:spMk id="137" creationId="{96A0B76F-8010-4C62-B4B6-C5FC438C059E}"/>
+          </ac:spMkLst>
+        </pc:spChg>
+        <pc:spChg chg="add del">
+          <ac:chgData name="Noelle Ferrari" userId="a847421d777b2bc0" providerId="LiveId" clId="{5AC852AB-BB6F-4532-B269-064141533E55}" dt="2021-07-09T00:37:09.487" v="51" actId="26606"/>
+          <ac:spMkLst>
+            <pc:docMk/>
+            <pc:sldMk cId="0" sldId="262"/>
+            <ac:spMk id="139" creationId="{B36BEBD5-A373-4C8C-8C06-CD8007E22F39}"/>
+          </ac:spMkLst>
+        </pc:spChg>
+        <pc:spChg chg="add del">
+          <ac:chgData name="Noelle Ferrari" userId="a847421d777b2bc0" providerId="LiveId" clId="{5AC852AB-BB6F-4532-B269-064141533E55}" dt="2021-07-09T00:37:09.487" v="51" actId="26606"/>
+          <ac:spMkLst>
+            <pc:docMk/>
+            <pc:sldMk cId="0" sldId="262"/>
+            <ac:spMk id="141" creationId="{1A8AF9B1-7D64-4564-969F-CB2B27ED9EC7}"/>
+          </ac:spMkLst>
+        </pc:spChg>
+        <pc:spChg chg="add">
+          <ac:chgData name="Noelle Ferrari" userId="a847421d777b2bc0" providerId="LiveId" clId="{5AC852AB-BB6F-4532-B269-064141533E55}" dt="2021-07-09T00:37:09.487" v="51" actId="26606"/>
+          <ac:spMkLst>
+            <pc:docMk/>
+            <pc:sldMk cId="0" sldId="262"/>
+            <ac:spMk id="150" creationId="{E9AA9F65-94B8-41A5-A7FF-23D2CFB116BB}"/>
+          </ac:spMkLst>
+        </pc:spChg>
+        <pc:spChg chg="add">
+          <ac:chgData name="Noelle Ferrari" userId="a847421d777b2bc0" providerId="LiveId" clId="{5AC852AB-BB6F-4532-B269-064141533E55}" dt="2021-07-09T00:37:09.487" v="51" actId="26606"/>
+          <ac:spMkLst>
+            <pc:docMk/>
+            <pc:sldMk cId="0" sldId="262"/>
+            <ac:spMk id="152" creationId="{7E8B0F8E-3F6C-4541-B9C1-774D80A08834}"/>
+          </ac:spMkLst>
+        </pc:spChg>
+        <pc:spChg chg="add">
+          <ac:chgData name="Noelle Ferrari" userId="a847421d777b2bc0" providerId="LiveId" clId="{5AC852AB-BB6F-4532-B269-064141533E55}" dt="2021-07-09T00:37:09.487" v="51" actId="26606"/>
+          <ac:spMkLst>
+            <pc:docMk/>
+            <pc:sldMk cId="0" sldId="262"/>
+            <ac:spMk id="154" creationId="{7A45F5BC-32D1-41CD-B270-C46F18CA1ACC}"/>
+          </ac:spMkLst>
+        </pc:spChg>
+        <pc:spChg chg="add">
+          <ac:chgData name="Noelle Ferrari" userId="a847421d777b2bc0" providerId="LiveId" clId="{5AC852AB-BB6F-4532-B269-064141533E55}" dt="2021-07-09T00:37:09.487" v="51" actId="26606"/>
+          <ac:spMkLst>
+            <pc:docMk/>
+            <pc:sldMk cId="0" sldId="262"/>
+            <ac:spMk id="156" creationId="{5BB74D4E-F243-4A10-813D-500A14025392}"/>
+          </ac:spMkLst>
+        </pc:spChg>
+        <pc:spChg chg="add">
+          <ac:chgData name="Noelle Ferrari" userId="a847421d777b2bc0" providerId="LiveId" clId="{5AC852AB-BB6F-4532-B269-064141533E55}" dt="2021-07-09T00:37:09.487" v="51" actId="26606"/>
+          <ac:spMkLst>
+            <pc:docMk/>
+            <pc:sldMk cId="0" sldId="262"/>
+            <ac:spMk id="158" creationId="{1A59258C-AAC2-41CD-973C-7439B122A3FF}"/>
+          </ac:spMkLst>
+        </pc:spChg>
+        <pc:spChg chg="add">
+          <ac:chgData name="Noelle Ferrari" userId="a847421d777b2bc0" providerId="LiveId" clId="{5AC852AB-BB6F-4532-B269-064141533E55}" dt="2021-07-09T00:37:09.487" v="51" actId="26606"/>
+          <ac:spMkLst>
+            <pc:docMk/>
+            <pc:sldMk cId="0" sldId="262"/>
+            <ac:spMk id="160" creationId="{54516B72-0116-42B2-82A2-B11218A36636}"/>
+          </ac:spMkLst>
+        </pc:spChg>
+        <pc:spChg chg="add">
+          <ac:chgData name="Noelle Ferrari" userId="a847421d777b2bc0" providerId="LiveId" clId="{5AC852AB-BB6F-4532-B269-064141533E55}" dt="2021-07-09T00:37:09.487" v="51" actId="26606"/>
+          <ac:spMkLst>
+            <pc:docMk/>
+            <pc:sldMk cId="0" sldId="262"/>
+            <ac:spMk id="162" creationId="{7CDB507F-21B7-4C27-B0FC-D9C465C6DB44}"/>
+          </ac:spMkLst>
+        </pc:spChg>
+        <pc:spChg chg="add">
+          <ac:chgData name="Noelle Ferrari" userId="a847421d777b2bc0" providerId="LiveId" clId="{5AC852AB-BB6F-4532-B269-064141533E55}" dt="2021-07-09T00:37:09.487" v="51" actId="26606"/>
+          <ac:spMkLst>
+            <pc:docMk/>
+            <pc:sldMk cId="0" sldId="262"/>
+            <ac:spMk id="164" creationId="{7AB1AE17-B7A3-4363-95CD-25441E2FF1F3}"/>
+          </ac:spMkLst>
+        </pc:spChg>
+        <pc:grpChg chg="del">
+          <ac:chgData name="Noelle Ferrari" userId="a847421d777b2bc0" providerId="LiveId" clId="{5AC852AB-BB6F-4532-B269-064141533E55}" dt="2021-07-09T00:36:39.679" v="48" actId="26606"/>
+          <ac:grpSpMkLst>
+            <pc:docMk/>
+            <pc:sldMk cId="0" sldId="262"/>
+            <ac:grpSpMk id="125" creationId="{22A9BB93-2DF4-4EFD-94C3-A0CC895CDE64}"/>
+          </ac:grpSpMkLst>
+        </pc:grpChg>
+        <pc:grpChg chg="add del">
+          <ac:chgData name="Noelle Ferrari" userId="a847421d777b2bc0" providerId="LiveId" clId="{5AC852AB-BB6F-4532-B269-064141533E55}" dt="2021-07-09T00:37:09.487" v="51" actId="26606"/>
+          <ac:grpSpMkLst>
+            <pc:docMk/>
+            <pc:sldMk cId="0" sldId="262"/>
+            <ac:grpSpMk id="143" creationId="{8D854759-2D3E-4B54-A780-D84D49E80FE3}"/>
+          </ac:grpSpMkLst>
+        </pc:grpChg>
+        <pc:picChg chg="del mod">
+          <ac:chgData name="Noelle Ferrari" userId="a847421d777b2bc0" providerId="LiveId" clId="{5AC852AB-BB6F-4532-B269-064141533E55}" dt="2021-07-09T00:37:00.150" v="50" actId="478"/>
+          <ac:picMkLst>
+            <pc:docMk/>
+            <pc:sldMk cId="0" sldId="262"/>
+            <ac:picMk id="109" creationId="{9AFC9136-F74C-45D0-9D27-AAE7D7BF8A5B}"/>
+          </ac:picMkLst>
+        </pc:picChg>
+      </pc:sldChg>
+      <pc:sldChg chg="addSp delSp modSp mod setBg">
+        <pc:chgData name="Noelle Ferrari" userId="a847421d777b2bc0" providerId="LiveId" clId="{5AC852AB-BB6F-4532-B269-064141533E55}" dt="2021-07-09T00:36:23.881" v="47" actId="26606"/>
+        <pc:sldMkLst>
+          <pc:docMk/>
+          <pc:sldMk cId="0" sldId="263"/>
+        </pc:sldMkLst>
+        <pc:spChg chg="mod">
+          <ac:chgData name="Noelle Ferrari" userId="a847421d777b2bc0" providerId="LiveId" clId="{5AC852AB-BB6F-4532-B269-064141533E55}" dt="2021-07-09T00:36:23.881" v="47" actId="26606"/>
+          <ac:spMkLst>
+            <pc:docMk/>
+            <pc:sldMk cId="0" sldId="263"/>
+            <ac:spMk id="97" creationId="{00000000-0000-0000-0000-000000000000}"/>
+          </ac:spMkLst>
+        </pc:spChg>
+        <pc:spChg chg="mod">
+          <ac:chgData name="Noelle Ferrari" userId="a847421d777b2bc0" providerId="LiveId" clId="{5AC852AB-BB6F-4532-B269-064141533E55}" dt="2021-07-09T00:36:23.881" v="47" actId="26606"/>
+          <ac:spMkLst>
+            <pc:docMk/>
+            <pc:sldMk cId="0" sldId="263"/>
+            <ac:spMk id="98" creationId="{00000000-0000-0000-0000-000000000000}"/>
+          </ac:spMkLst>
+        </pc:spChg>
+        <pc:spChg chg="del">
+          <ac:chgData name="Noelle Ferrari" userId="a847421d777b2bc0" providerId="LiveId" clId="{5AC852AB-BB6F-4532-B269-064141533E55}" dt="2021-07-09T00:36:23.881" v="47" actId="26606"/>
+          <ac:spMkLst>
+            <pc:docMk/>
+            <pc:sldMk cId="0" sldId="263"/>
+            <ac:spMk id="103" creationId="{E9AA9F65-94B8-41A5-A7FF-23D2CFB116BB}"/>
+          </ac:spMkLst>
+        </pc:spChg>
+        <pc:spChg chg="del">
+          <ac:chgData name="Noelle Ferrari" userId="a847421d777b2bc0" providerId="LiveId" clId="{5AC852AB-BB6F-4532-B269-064141533E55}" dt="2021-07-09T00:36:23.881" v="47" actId="26606"/>
+          <ac:spMkLst>
+            <pc:docMk/>
+            <pc:sldMk cId="0" sldId="263"/>
+            <ac:spMk id="105" creationId="{7E8B0F8E-3F6C-4541-B9C1-774D80A08834}"/>
+          </ac:spMkLst>
+        </pc:spChg>
+        <pc:spChg chg="del">
+          <ac:chgData name="Noelle Ferrari" userId="a847421d777b2bc0" providerId="LiveId" clId="{5AC852AB-BB6F-4532-B269-064141533E55}" dt="2021-07-09T00:36:23.881" v="47" actId="26606"/>
+          <ac:spMkLst>
+            <pc:docMk/>
+            <pc:sldMk cId="0" sldId="263"/>
+            <ac:spMk id="107" creationId="{7A45F5BC-32D1-41CD-B270-C46F18CA1ACC}"/>
+          </ac:spMkLst>
+        </pc:spChg>
+        <pc:spChg chg="del">
+          <ac:chgData name="Noelle Ferrari" userId="a847421d777b2bc0" providerId="LiveId" clId="{5AC852AB-BB6F-4532-B269-064141533E55}" dt="2021-07-09T00:36:23.881" v="47" actId="26606"/>
+          <ac:spMkLst>
+            <pc:docMk/>
+            <pc:sldMk cId="0" sldId="263"/>
+            <ac:spMk id="109" creationId="{5BB74D4E-F243-4A10-813D-500A14025392}"/>
+          </ac:spMkLst>
+        </pc:spChg>
+        <pc:spChg chg="del">
+          <ac:chgData name="Noelle Ferrari" userId="a847421d777b2bc0" providerId="LiveId" clId="{5AC852AB-BB6F-4532-B269-064141533E55}" dt="2021-07-09T00:36:23.881" v="47" actId="26606"/>
+          <ac:spMkLst>
+            <pc:docMk/>
+            <pc:sldMk cId="0" sldId="263"/>
+            <ac:spMk id="111" creationId="{D70130DC-F780-43D2-B26A-92EACD78951B}"/>
+          </ac:spMkLst>
+        </pc:spChg>
+        <pc:spChg chg="del">
+          <ac:chgData name="Noelle Ferrari" userId="a847421d777b2bc0" providerId="LiveId" clId="{5AC852AB-BB6F-4532-B269-064141533E55}" dt="2021-07-09T00:36:23.881" v="47" actId="26606"/>
+          <ac:spMkLst>
+            <pc:docMk/>
+            <pc:sldMk cId="0" sldId="263"/>
+            <ac:spMk id="113" creationId="{17676E0E-5B44-4166-8EDD-CFDBAC622C26}"/>
+          </ac:spMkLst>
+        </pc:spChg>
+        <pc:spChg chg="add">
+          <ac:chgData name="Noelle Ferrari" userId="a847421d777b2bc0" providerId="LiveId" clId="{5AC852AB-BB6F-4532-B269-064141533E55}" dt="2021-07-09T00:36:23.881" v="47" actId="26606"/>
+          <ac:spMkLst>
+            <pc:docMk/>
+            <pc:sldMk cId="0" sldId="263"/>
+            <ac:spMk id="118" creationId="{E9AA9F65-94B8-41A5-A7FF-23D2CFB116BB}"/>
+          </ac:spMkLst>
+        </pc:spChg>
+        <pc:spChg chg="add">
+          <ac:chgData name="Noelle Ferrari" userId="a847421d777b2bc0" providerId="LiveId" clId="{5AC852AB-BB6F-4532-B269-064141533E55}" dt="2021-07-09T00:36:23.881" v="47" actId="26606"/>
+          <ac:spMkLst>
+            <pc:docMk/>
+            <pc:sldMk cId="0" sldId="263"/>
+            <ac:spMk id="120" creationId="{7E8B0F8E-3F6C-4541-B9C1-774D80A08834}"/>
+          </ac:spMkLst>
+        </pc:spChg>
+        <pc:spChg chg="add">
+          <ac:chgData name="Noelle Ferrari" userId="a847421d777b2bc0" providerId="LiveId" clId="{5AC852AB-BB6F-4532-B269-064141533E55}" dt="2021-07-09T00:36:23.881" v="47" actId="26606"/>
+          <ac:spMkLst>
+            <pc:docMk/>
+            <pc:sldMk cId="0" sldId="263"/>
+            <ac:spMk id="122" creationId="{7A45F5BC-32D1-41CD-B270-C46F18CA1ACC}"/>
+          </ac:spMkLst>
+        </pc:spChg>
+        <pc:spChg chg="add">
+          <ac:chgData name="Noelle Ferrari" userId="a847421d777b2bc0" providerId="LiveId" clId="{5AC852AB-BB6F-4532-B269-064141533E55}" dt="2021-07-09T00:36:23.881" v="47" actId="26606"/>
+          <ac:spMkLst>
+            <pc:docMk/>
+            <pc:sldMk cId="0" sldId="263"/>
+            <ac:spMk id="124" creationId="{5BB74D4E-F243-4A10-813D-500A14025392}"/>
+          </ac:spMkLst>
+        </pc:spChg>
+        <pc:spChg chg="add">
+          <ac:chgData name="Noelle Ferrari" userId="a847421d777b2bc0" providerId="LiveId" clId="{5AC852AB-BB6F-4532-B269-064141533E55}" dt="2021-07-09T00:36:23.881" v="47" actId="26606"/>
+          <ac:spMkLst>
+            <pc:docMk/>
+            <pc:sldMk cId="0" sldId="263"/>
+            <ac:spMk id="126" creationId="{1A59258C-AAC2-41CD-973C-7439B122A3FF}"/>
+          </ac:spMkLst>
+        </pc:spChg>
+        <pc:spChg chg="add">
+          <ac:chgData name="Noelle Ferrari" userId="a847421d777b2bc0" providerId="LiveId" clId="{5AC852AB-BB6F-4532-B269-064141533E55}" dt="2021-07-09T00:36:23.881" v="47" actId="26606"/>
+          <ac:spMkLst>
+            <pc:docMk/>
+            <pc:sldMk cId="0" sldId="263"/>
+            <ac:spMk id="128" creationId="{54516B72-0116-42B2-82A2-B11218A36636}"/>
+          </ac:spMkLst>
+        </pc:spChg>
+        <pc:spChg chg="add">
+          <ac:chgData name="Noelle Ferrari" userId="a847421d777b2bc0" providerId="LiveId" clId="{5AC852AB-BB6F-4532-B269-064141533E55}" dt="2021-07-09T00:36:23.881" v="47" actId="26606"/>
+          <ac:spMkLst>
+            <pc:docMk/>
+            <pc:sldMk cId="0" sldId="263"/>
+            <ac:spMk id="130" creationId="{7CDB507F-21B7-4C27-B0FC-D9C465C6DB44}"/>
+          </ac:spMkLst>
+        </pc:spChg>
+        <pc:spChg chg="add">
+          <ac:chgData name="Noelle Ferrari" userId="a847421d777b2bc0" providerId="LiveId" clId="{5AC852AB-BB6F-4532-B269-064141533E55}" dt="2021-07-09T00:36:23.881" v="47" actId="26606"/>
+          <ac:spMkLst>
+            <pc:docMk/>
+            <pc:sldMk cId="0" sldId="263"/>
+            <ac:spMk id="132" creationId="{7AB1AE17-B7A3-4363-95CD-25441E2FF1F3}"/>
+          </ac:spMkLst>
+        </pc:spChg>
+      </pc:sldChg>
+      <pc:sldChg chg="modSp add mod ord">
+        <pc:chgData name="Noelle Ferrari" userId="a847421d777b2bc0" providerId="LiveId" clId="{5AC852AB-BB6F-4532-B269-064141533E55}" dt="2021-07-09T00:40:13.859" v="87" actId="20577"/>
+        <pc:sldMkLst>
+          <pc:docMk/>
+          <pc:sldMk cId="2654920240" sldId="264"/>
+        </pc:sldMkLst>
+        <pc:spChg chg="mod">
+          <ac:chgData name="Noelle Ferrari" userId="a847421d777b2bc0" providerId="LiveId" clId="{5AC852AB-BB6F-4532-B269-064141533E55}" dt="2021-07-09T00:40:02.612" v="83" actId="20577"/>
+          <ac:spMkLst>
+            <pc:docMk/>
+            <pc:sldMk cId="2654920240" sldId="264"/>
+            <ac:spMk id="91" creationId="{00000000-0000-0000-0000-000000000000}"/>
+          </ac:spMkLst>
+        </pc:spChg>
+        <pc:spChg chg="mod">
+          <ac:chgData name="Noelle Ferrari" userId="a847421d777b2bc0" providerId="LiveId" clId="{5AC852AB-BB6F-4532-B269-064141533E55}" dt="2021-07-09T00:40:13.859" v="87" actId="20577"/>
+          <ac:spMkLst>
+            <pc:docMk/>
+            <pc:sldMk cId="2654920240" sldId="264"/>
+            <ac:spMk id="92" creationId="{00000000-0000-0000-0000-000000000000}"/>
+          </ac:spMkLst>
+        </pc:spChg>
+      </pc:sldChg>
+      <pc:sldChg chg="addSp delSp modSp add mod">
+        <pc:chgData name="Noelle Ferrari" userId="a847421d777b2bc0" providerId="LiveId" clId="{5AC852AB-BB6F-4532-B269-064141533E55}" dt="2021-07-09T01:09:18.648" v="905" actId="1076"/>
+        <pc:sldMkLst>
+          <pc:docMk/>
+          <pc:sldMk cId="3712317119" sldId="265"/>
+        </pc:sldMkLst>
+        <pc:spChg chg="add del mod">
+          <ac:chgData name="Noelle Ferrari" userId="a847421d777b2bc0" providerId="LiveId" clId="{5AC852AB-BB6F-4532-B269-064141533E55}" dt="2021-07-09T00:54:22.510" v="895" actId="478"/>
+          <ac:spMkLst>
+            <pc:docMk/>
+            <pc:sldMk cId="3712317119" sldId="265"/>
+            <ac:spMk id="3" creationId="{84670755-6DE1-4ECF-ABBE-B6C711780735}"/>
+          </ac:spMkLst>
+        </pc:spChg>
+        <pc:spChg chg="mod ord">
+          <ac:chgData name="Noelle Ferrari" userId="a847421d777b2bc0" providerId="LiveId" clId="{5AC852AB-BB6F-4532-B269-064141533E55}" dt="2021-07-09T01:08:51.537" v="901" actId="26606"/>
+          <ac:spMkLst>
+            <pc:docMk/>
+            <pc:sldMk cId="3712317119" sldId="265"/>
+            <ac:spMk id="73" creationId="{00000000-0000-0000-0000-000000000000}"/>
+          </ac:spMkLst>
+        </pc:spChg>
+        <pc:spChg chg="del">
+          <ac:chgData name="Noelle Ferrari" userId="a847421d777b2bc0" providerId="LiveId" clId="{5AC852AB-BB6F-4532-B269-064141533E55}" dt="2021-07-09T00:54:18.250" v="894" actId="478"/>
+          <ac:spMkLst>
+            <pc:docMk/>
+            <pc:sldMk cId="3712317119" sldId="265"/>
+            <ac:spMk id="74" creationId="{00000000-0000-0000-0000-000000000000}"/>
+          </ac:spMkLst>
+        </pc:spChg>
+        <pc:spChg chg="del">
+          <ac:chgData name="Noelle Ferrari" userId="a847421d777b2bc0" providerId="LiveId" clId="{5AC852AB-BB6F-4532-B269-064141533E55}" dt="2021-07-09T01:08:51.537" v="901" actId="26606"/>
+          <ac:spMkLst>
+            <pc:docMk/>
+            <pc:sldMk cId="3712317119" sldId="265"/>
+            <ac:spMk id="94" creationId="{E9AA9F65-94B8-41A5-A7FF-23D2CFB116BB}"/>
+          </ac:spMkLst>
+        </pc:spChg>
+        <pc:spChg chg="del">
+          <ac:chgData name="Noelle Ferrari" userId="a847421d777b2bc0" providerId="LiveId" clId="{5AC852AB-BB6F-4532-B269-064141533E55}" dt="2021-07-09T01:08:51.537" v="901" actId="26606"/>
+          <ac:spMkLst>
+            <pc:docMk/>
+            <pc:sldMk cId="3712317119" sldId="265"/>
+            <ac:spMk id="96" creationId="{7E8B0F8E-3F6C-4541-B9C1-774D80A08834}"/>
+          </ac:spMkLst>
+        </pc:spChg>
+        <pc:spChg chg="del">
+          <ac:chgData name="Noelle Ferrari" userId="a847421d777b2bc0" providerId="LiveId" clId="{5AC852AB-BB6F-4532-B269-064141533E55}" dt="2021-07-09T01:08:51.537" v="901" actId="26606"/>
+          <ac:spMkLst>
+            <pc:docMk/>
+            <pc:sldMk cId="3712317119" sldId="265"/>
+            <ac:spMk id="98" creationId="{7A45F5BC-32D1-41CD-B270-C46F18CA1ACC}"/>
+          </ac:spMkLst>
+        </pc:spChg>
+        <pc:spChg chg="del">
+          <ac:chgData name="Noelle Ferrari" userId="a847421d777b2bc0" providerId="LiveId" clId="{5AC852AB-BB6F-4532-B269-064141533E55}" dt="2021-07-09T01:08:51.537" v="901" actId="26606"/>
+          <ac:spMkLst>
+            <pc:docMk/>
+            <pc:sldMk cId="3712317119" sldId="265"/>
+            <ac:spMk id="100" creationId="{5BB74D4E-F243-4A10-813D-500A14025392}"/>
+          </ac:spMkLst>
+        </pc:spChg>
+        <pc:spChg chg="del">
+          <ac:chgData name="Noelle Ferrari" userId="a847421d777b2bc0" providerId="LiveId" clId="{5AC852AB-BB6F-4532-B269-064141533E55}" dt="2021-07-09T01:08:51.537" v="901" actId="26606"/>
+          <ac:spMkLst>
+            <pc:docMk/>
+            <pc:sldMk cId="3712317119" sldId="265"/>
+            <ac:spMk id="102" creationId="{F92989FB-1024-49B7-BDF1-B3CE27D48623}"/>
+          </ac:spMkLst>
+        </pc:spChg>
+        <pc:spChg chg="del">
+          <ac:chgData name="Noelle Ferrari" userId="a847421d777b2bc0" providerId="LiveId" clId="{5AC852AB-BB6F-4532-B269-064141533E55}" dt="2021-07-09T01:08:51.537" v="901" actId="26606"/>
+          <ac:spMkLst>
+            <pc:docMk/>
+            <pc:sldMk cId="3712317119" sldId="265"/>
+            <ac:spMk id="104" creationId="{DFEE959E-BF10-4204-9556-D1707088D445}"/>
+          </ac:spMkLst>
+        </pc:spChg>
+        <pc:spChg chg="del">
+          <ac:chgData name="Noelle Ferrari" userId="a847421d777b2bc0" providerId="LiveId" clId="{5AC852AB-BB6F-4532-B269-064141533E55}" dt="2021-07-09T01:08:51.537" v="901" actId="26606"/>
+          <ac:spMkLst>
+            <pc:docMk/>
+            <pc:sldMk cId="3712317119" sldId="265"/>
+            <ac:spMk id="106" creationId="{DDD17B6A-CB37-4005-9681-A20AFCDC7822}"/>
+          </ac:spMkLst>
+        </pc:spChg>
+        <pc:spChg chg="del">
+          <ac:chgData name="Noelle Ferrari" userId="a847421d777b2bc0" providerId="LiveId" clId="{5AC852AB-BB6F-4532-B269-064141533E55}" dt="2021-07-09T01:08:51.537" v="901" actId="26606"/>
+          <ac:spMkLst>
+            <pc:docMk/>
+            <pc:sldMk cId="3712317119" sldId="265"/>
+            <ac:spMk id="108" creationId="{3B7BBDE9-DAED-40B0-A640-503C918D1CE3}"/>
+          </ac:spMkLst>
+        </pc:spChg>
+        <pc:spChg chg="del">
+          <ac:chgData name="Noelle Ferrari" userId="a847421d777b2bc0" providerId="LiveId" clId="{5AC852AB-BB6F-4532-B269-064141533E55}" dt="2021-07-09T01:08:51.537" v="901" actId="26606"/>
+          <ac:spMkLst>
+            <pc:docMk/>
+            <pc:sldMk cId="3712317119" sldId="265"/>
+            <ac:spMk id="110" creationId="{7BC7EA7B-802E-41F4-8926-C4475287AA31}"/>
+          </ac:spMkLst>
+        </pc:spChg>
+        <pc:spChg chg="add">
+          <ac:chgData name="Noelle Ferrari" userId="a847421d777b2bc0" providerId="LiveId" clId="{5AC852AB-BB6F-4532-B269-064141533E55}" dt="2021-07-09T01:08:51.537" v="901" actId="26606"/>
+          <ac:spMkLst>
+            <pc:docMk/>
+            <pc:sldMk cId="3712317119" sldId="265"/>
+            <ac:spMk id="115" creationId="{DB691D59-8F51-4DD8-AD41-D568D29B08F8}"/>
+          </ac:spMkLst>
+        </pc:spChg>
+        <pc:spChg chg="add">
+          <ac:chgData name="Noelle Ferrari" userId="a847421d777b2bc0" providerId="LiveId" clId="{5AC852AB-BB6F-4532-B269-064141533E55}" dt="2021-07-09T01:08:51.537" v="901" actId="26606"/>
+          <ac:spMkLst>
+            <pc:docMk/>
+            <pc:sldMk cId="3712317119" sldId="265"/>
+            <ac:spMk id="117" creationId="{204AEF18-0627-48F3-9B3D-F7E8F050B1D4}"/>
+          </ac:spMkLst>
+        </pc:spChg>
+        <pc:spChg chg="add">
+          <ac:chgData name="Noelle Ferrari" userId="a847421d777b2bc0" providerId="LiveId" clId="{5AC852AB-BB6F-4532-B269-064141533E55}" dt="2021-07-09T01:08:51.537" v="901" actId="26606"/>
+          <ac:spMkLst>
+            <pc:docMk/>
+            <pc:sldMk cId="3712317119" sldId="265"/>
+            <ac:spMk id="119" creationId="{CEAEE08A-C572-438F-9753-B0D527A515A7}"/>
+          </ac:spMkLst>
+        </pc:spChg>
+        <pc:spChg chg="add">
+          <ac:chgData name="Noelle Ferrari" userId="a847421d777b2bc0" providerId="LiveId" clId="{5AC852AB-BB6F-4532-B269-064141533E55}" dt="2021-07-09T01:08:51.537" v="901" actId="26606"/>
+          <ac:spMkLst>
+            <pc:docMk/>
+            <pc:sldMk cId="3712317119" sldId="265"/>
+            <ac:spMk id="121" creationId="{DB93146F-62ED-4C59-844C-0935D0FB5031}"/>
+          </ac:spMkLst>
+        </pc:spChg>
+        <pc:spChg chg="add">
+          <ac:chgData name="Noelle Ferrari" userId="a847421d777b2bc0" providerId="LiveId" clId="{5AC852AB-BB6F-4532-B269-064141533E55}" dt="2021-07-09T01:08:51.537" v="901" actId="26606"/>
+          <ac:spMkLst>
+            <pc:docMk/>
+            <pc:sldMk cId="3712317119" sldId="265"/>
+            <ac:spMk id="123" creationId="{BF3D65BA-1C65-40FB-92EF-83951BDC1D7C}"/>
+          </ac:spMkLst>
+        </pc:spChg>
+        <pc:spChg chg="add">
+          <ac:chgData name="Noelle Ferrari" userId="a847421d777b2bc0" providerId="LiveId" clId="{5AC852AB-BB6F-4532-B269-064141533E55}" dt="2021-07-09T01:08:51.537" v="901" actId="26606"/>
+          <ac:spMkLst>
+            <pc:docMk/>
+            <pc:sldMk cId="3712317119" sldId="265"/>
+            <ac:spMk id="125" creationId="{ADF52CCA-FCDD-49A0-BFFC-3BD41F1B827A}"/>
+          </ac:spMkLst>
+        </pc:spChg>
+        <pc:picChg chg="add mod modCrop">
+          <ac:chgData name="Noelle Ferrari" userId="a847421d777b2bc0" providerId="LiveId" clId="{5AC852AB-BB6F-4532-B269-064141533E55}" dt="2021-07-09T01:09:18.648" v="905" actId="1076"/>
+          <ac:picMkLst>
+            <pc:docMk/>
+            <pc:sldMk cId="3712317119" sldId="265"/>
+            <ac:picMk id="4" creationId="{A5BFE3B7-D3EA-42DC-A5AD-3B0F4A608F1D}"/>
+          </ac:picMkLst>
+        </pc:picChg>
+      </pc:sldChg>
+    </pc:docChg>
+  </pc:docChgLst>
+</pc:chgInfo>
 </file>
 
 <file path=ppt/diagrams/colors1.xml><?xml version="1.0" encoding="utf-8"?>
@@ -1079,16 +2086,9 @@
             <a:defRPr cap="all"/>
           </a:pPr>
           <a:r>
-            <a:rPr lang="en-US"/>
-            <a:t>Data collected by UCI and sourced from Kaggle: </a:t>
+            <a:rPr lang="en-US" dirty="0"/>
+            <a:t>Data collected by UCI and sourced from Kaggle</a:t>
           </a:r>
-          <a:r>
-            <a:rPr lang="en-US">
-              <a:hlinkClick xmlns:r="http://schemas.openxmlformats.org/officeDocument/2006/relationships" r:id="rId1"/>
-            </a:rPr>
-            <a:t>https://www.kaggle.com/huseyinelci/wne-qualty-by-uci</a:t>
-          </a:r>
-          <a:endParaRPr lang="en-US"/>
         </a:p>
       </dgm:t>
     </dgm:pt>
@@ -1213,13 +2213,13 @@
       <dgm:prSet presAssocID="{E78D2416-15D2-44E1-8BA2-47BBD94CF028}" presName="iconRect" presStyleLbl="node1" presStyleIdx="0" presStyleCnt="3"/>
       <dgm:spPr>
         <a:blipFill>
-          <a:blip xmlns:r="http://schemas.openxmlformats.org/officeDocument/2006/relationships" r:embed="rId2">
+          <a:blip xmlns:r="http://schemas.openxmlformats.org/officeDocument/2006/relationships" r:embed="rId1">
             <a:extLst>
               <a:ext uri="{28A0092B-C50C-407E-A947-70E740481C1C}">
                 <a14:useLocalDpi xmlns:a14="http://schemas.microsoft.com/office/drawing/2010/main" val="0"/>
               </a:ext>
               <a:ext uri="{96DAC541-7B7A-43D3-8B79-37D633B846F1}">
-                <asvg:svgBlip xmlns:asvg="http://schemas.microsoft.com/office/drawing/2016/SVG/main" r:embed="rId3"/>
+                <asvg:svgBlip xmlns:asvg="http://schemas.microsoft.com/office/drawing/2016/SVG/main" r:embed="rId2"/>
               </a:ext>
             </a:extLst>
           </a:blip>
@@ -1266,13 +2266,13 @@
       <dgm:prSet presAssocID="{45E6DBEB-BC8D-40A5-AA3D-67889710D8E4}" presName="iconRect" presStyleLbl="node1" presStyleIdx="1" presStyleCnt="3"/>
       <dgm:spPr>
         <a:blipFill>
-          <a:blip xmlns:r="http://schemas.openxmlformats.org/officeDocument/2006/relationships" r:embed="rId4">
+          <a:blip xmlns:r="http://schemas.openxmlformats.org/officeDocument/2006/relationships" r:embed="rId3">
             <a:extLst>
               <a:ext uri="{28A0092B-C50C-407E-A947-70E740481C1C}">
                 <a14:useLocalDpi xmlns:a14="http://schemas.microsoft.com/office/drawing/2010/main" val="0"/>
               </a:ext>
               <a:ext uri="{96DAC541-7B7A-43D3-8B79-37D633B846F1}">
-                <asvg:svgBlip xmlns:asvg="http://schemas.microsoft.com/office/drawing/2016/SVG/main" r:embed="rId5"/>
+                <asvg:svgBlip xmlns:asvg="http://schemas.microsoft.com/office/drawing/2016/SVG/main" r:embed="rId4"/>
               </a:ext>
             </a:extLst>
           </a:blip>
@@ -1319,13 +2319,13 @@
       <dgm:prSet presAssocID="{9E50E53B-AF0B-4550-A038-415B9BB14A2F}" presName="iconRect" presStyleLbl="node1" presStyleIdx="2" presStyleCnt="3"/>
       <dgm:spPr>
         <a:blipFill>
-          <a:blip xmlns:r="http://schemas.openxmlformats.org/officeDocument/2006/relationships" r:embed="rId6">
+          <a:blip xmlns:r="http://schemas.openxmlformats.org/officeDocument/2006/relationships" r:embed="rId5">
             <a:extLst>
               <a:ext uri="{28A0092B-C50C-407E-A947-70E740481C1C}">
                 <a14:useLocalDpi xmlns:a14="http://schemas.microsoft.com/office/drawing/2010/main" val="0"/>
               </a:ext>
               <a:ext uri="{96DAC541-7B7A-43D3-8B79-37D633B846F1}">
-                <asvg:svgBlip xmlns:asvg="http://schemas.microsoft.com/office/drawing/2016/SVG/main" r:embed="rId7"/>
+                <asvg:svgBlip xmlns:asvg="http://schemas.microsoft.com/office/drawing/2016/SVG/main" r:embed="rId6"/>
               </a:ext>
             </a:extLst>
           </a:blip>
@@ -1526,7 +2526,7 @@
         </a:bodyPr>
         <a:lstStyle/>
         <a:p>
-          <a:pPr marL="0" lvl="0" indent="0" algn="ctr" defTabSz="488950">
+          <a:pPr marL="0" lvl="0" indent="0" algn="ctr" defTabSz="711200">
             <a:lnSpc>
               <a:spcPct val="90000"/>
             </a:lnSpc>
@@ -1540,16 +2540,9 @@
             <a:defRPr cap="all"/>
           </a:pPr>
           <a:r>
-            <a:rPr lang="en-US" sz="1100" kern="1200"/>
-            <a:t>Data collected by UCI and sourced from Kaggle: </a:t>
+            <a:rPr lang="en-US" sz="1600" kern="1200" dirty="0"/>
+            <a:t>Data collected by UCI and sourced from Kaggle</a:t>
           </a:r>
-          <a:r>
-            <a:rPr lang="en-US" sz="1100" kern="1200">
-              <a:hlinkClick xmlns:r="http://schemas.openxmlformats.org/officeDocument/2006/relationships" r:id="rId3"/>
-            </a:rPr>
-            <a:t>https://www.kaggle.com/huseyinelci/wne-qualty-by-uci</a:t>
-          </a:r>
-          <a:endParaRPr lang="en-US" sz="1100" kern="1200"/>
         </a:p>
       </dsp:txBody>
       <dsp:txXfrm>
@@ -1610,13 +2603,13 @@
           <a:avLst/>
         </a:prstGeom>
         <a:blipFill>
-          <a:blip xmlns:r="http://schemas.openxmlformats.org/officeDocument/2006/relationships" r:embed="rId4">
+          <a:blip xmlns:r="http://schemas.openxmlformats.org/officeDocument/2006/relationships" r:embed="rId3">
             <a:extLst>
               <a:ext uri="{28A0092B-C50C-407E-A947-70E740481C1C}">
                 <a14:useLocalDpi xmlns:a14="http://schemas.microsoft.com/office/drawing/2010/main" val="0"/>
               </a:ext>
               <a:ext uri="{96DAC541-7B7A-43D3-8B79-37D633B846F1}">
-                <asvg:svgBlip xmlns:asvg="http://schemas.microsoft.com/office/drawing/2016/SVG/main" r:embed="rId5"/>
+                <asvg:svgBlip xmlns:asvg="http://schemas.microsoft.com/office/drawing/2016/SVG/main" r:embed="rId4"/>
               </a:ext>
             </a:extLst>
           </a:blip>
@@ -1682,7 +2675,7 @@
         </a:bodyPr>
         <a:lstStyle/>
         <a:p>
-          <a:pPr marL="0" lvl="0" indent="0" algn="ctr" defTabSz="488950">
+          <a:pPr marL="0" lvl="0" indent="0" algn="ctr" defTabSz="711200">
             <a:lnSpc>
               <a:spcPct val="90000"/>
             </a:lnSpc>
@@ -1696,7 +2689,7 @@
             <a:defRPr cap="all"/>
           </a:pPr>
           <a:r>
-            <a:rPr lang="en-US" sz="1100" kern="1200"/>
+            <a:rPr lang="en-US" sz="1600" kern="1200"/>
             <a:t>Contains 11 different chemical features of each wine</a:t>
           </a:r>
         </a:p>
@@ -1759,13 +2752,13 @@
           <a:avLst/>
         </a:prstGeom>
         <a:blipFill>
-          <a:blip xmlns:r="http://schemas.openxmlformats.org/officeDocument/2006/relationships" r:embed="rId6">
+          <a:blip xmlns:r="http://schemas.openxmlformats.org/officeDocument/2006/relationships" r:embed="rId5">
             <a:extLst>
               <a:ext uri="{28A0092B-C50C-407E-A947-70E740481C1C}">
                 <a14:useLocalDpi xmlns:a14="http://schemas.microsoft.com/office/drawing/2010/main" val="0"/>
               </a:ext>
               <a:ext uri="{96DAC541-7B7A-43D3-8B79-37D633B846F1}">
-                <asvg:svgBlip xmlns:asvg="http://schemas.microsoft.com/office/drawing/2016/SVG/main" r:embed="rId7"/>
+                <asvg:svgBlip xmlns:asvg="http://schemas.microsoft.com/office/drawing/2016/SVG/main" r:embed="rId6"/>
               </a:ext>
             </a:extLst>
           </a:blip>
@@ -1831,7 +2824,7 @@
         </a:bodyPr>
         <a:lstStyle/>
         <a:p>
-          <a:pPr marL="0" lvl="0" indent="0" algn="ctr" defTabSz="488950">
+          <a:pPr marL="0" lvl="0" indent="0" algn="ctr" defTabSz="711200">
             <a:lnSpc>
               <a:spcPct val="90000"/>
             </a:lnSpc>
@@ -1845,7 +2838,7 @@
             <a:defRPr cap="all"/>
           </a:pPr>
           <a:r>
-            <a:rPr lang="en-US" sz="1100" kern="1200" dirty="0"/>
+            <a:rPr lang="en-US" sz="1600" kern="1200" dirty="0"/>
             <a:t>Each wine is scored for quality on a scale of 1-10</a:t>
           </a:r>
         </a:p>
@@ -3658,7 +4651,7 @@
   <p:cSld>
     <p:spTree>
       <p:nvGrpSpPr>
-        <p:cNvPr id="1" name="Shape 57"/>
+        <p:cNvPr id="1" name="Shape 87"/>
         <p:cNvGrpSpPr/>
         <p:nvPr/>
       </p:nvGrpSpPr>
@@ -3672,7 +4665,7 @@
       </p:grpSpPr>
       <p:sp>
         <p:nvSpPr>
-          <p:cNvPr id="58" name="Google Shape;58;g912c4d88ba_0_20:notes"/>
+          <p:cNvPr id="88" name="Google Shape;88;g912c4d88ba_0_15:notes"/>
           <p:cNvSpPr>
             <a:spLocks noGrp="1" noRot="1" noChangeAspect="1"/>
           </p:cNvSpPr>
@@ -3713,7 +4706,7 @@
       </p:sp>
       <p:sp>
         <p:nvSpPr>
-          <p:cNvPr id="59" name="Google Shape;59;g912c4d88ba_0_20:notes"/>
+          <p:cNvPr id="89" name="Google Shape;89;g912c4d88ba_0_15:notes"/>
           <p:cNvSpPr txBox="1">
             <a:spLocks noGrp="1"/>
           </p:cNvSpPr>
@@ -3750,6 +4743,11 @@
         </p:txBody>
       </p:sp>
     </p:spTree>
+    <p:extLst>
+      <p:ext uri="{BB962C8B-B14F-4D97-AF65-F5344CB8AC3E}">
+        <p14:creationId xmlns:p14="http://schemas.microsoft.com/office/powerpoint/2010/main" val="2282859667"/>
+      </p:ext>
+    </p:extLst>
   </p:cSld>
   <p:clrMapOvr>
     <a:masterClrMapping/>
@@ -3970,7 +4968,7 @@
   <p:cSld>
     <p:spTree>
       <p:nvGrpSpPr>
-        <p:cNvPr id="1" name="Shape 75"/>
+        <p:cNvPr id="1" name="Shape 69"/>
         <p:cNvGrpSpPr/>
         <p:nvPr/>
       </p:nvGrpSpPr>
@@ -3984,7 +4982,7 @@
       </p:grpSpPr>
       <p:sp>
         <p:nvSpPr>
-          <p:cNvPr id="76" name="Google Shape;76;ga41b3325aa_0_0:notes"/>
+          <p:cNvPr id="70" name="Google Shape;70;g912c4d88ba_0_5:notes"/>
           <p:cNvSpPr>
             <a:spLocks noGrp="1" noRot="1" noChangeAspect="1"/>
           </p:cNvSpPr>
@@ -4025,7 +5023,7 @@
       </p:sp>
       <p:sp>
         <p:nvSpPr>
-          <p:cNvPr id="77" name="Google Shape;77;ga41b3325aa_0_0:notes"/>
+          <p:cNvPr id="71" name="Google Shape;71;g912c4d88ba_0_5:notes"/>
           <p:cNvSpPr txBox="1">
             <a:spLocks noGrp="1"/>
           </p:cNvSpPr>
@@ -4062,6 +5060,11 @@
         </p:txBody>
       </p:sp>
     </p:spTree>
+    <p:extLst>
+      <p:ext uri="{BB962C8B-B14F-4D97-AF65-F5344CB8AC3E}">
+        <p14:creationId xmlns:p14="http://schemas.microsoft.com/office/powerpoint/2010/main" val="2293416490"/>
+      </p:ext>
+    </p:extLst>
   </p:cSld>
   <p:clrMapOvr>
     <a:masterClrMapping/>
@@ -4074,7 +5077,7 @@
   <p:cSld>
     <p:spTree>
       <p:nvGrpSpPr>
-        <p:cNvPr id="1" name="Shape 81"/>
+        <p:cNvPr id="1" name="Shape 75"/>
         <p:cNvGrpSpPr/>
         <p:nvPr/>
       </p:nvGrpSpPr>
@@ -4088,7 +5091,7 @@
       </p:grpSpPr>
       <p:sp>
         <p:nvSpPr>
-          <p:cNvPr id="82" name="Google Shape;82;g912c4d88ba_0_10:notes"/>
+          <p:cNvPr id="76" name="Google Shape;76;ga41b3325aa_0_0:notes"/>
           <p:cNvSpPr>
             <a:spLocks noGrp="1" noRot="1" noChangeAspect="1"/>
           </p:cNvSpPr>
@@ -4129,7 +5132,7 @@
       </p:sp>
       <p:sp>
         <p:nvSpPr>
-          <p:cNvPr id="83" name="Google Shape;83;g912c4d88ba_0_10:notes"/>
+          <p:cNvPr id="77" name="Google Shape;77;ga41b3325aa_0_0:notes"/>
           <p:cNvSpPr txBox="1">
             <a:spLocks noGrp="1"/>
           </p:cNvSpPr>
@@ -4178,7 +5181,7 @@
   <p:cSld>
     <p:spTree>
       <p:nvGrpSpPr>
-        <p:cNvPr id="1" name="Shape 87"/>
+        <p:cNvPr id="1" name="Shape 81"/>
         <p:cNvGrpSpPr/>
         <p:nvPr/>
       </p:nvGrpSpPr>
@@ -4192,7 +5195,7 @@
       </p:grpSpPr>
       <p:sp>
         <p:nvSpPr>
-          <p:cNvPr id="88" name="Google Shape;88;g912c4d88ba_0_15:notes"/>
+          <p:cNvPr id="82" name="Google Shape;82;g912c4d88ba_0_10:notes"/>
           <p:cNvSpPr>
             <a:spLocks noGrp="1" noRot="1" noChangeAspect="1"/>
           </p:cNvSpPr>
@@ -4233,7 +5236,7 @@
       </p:sp>
       <p:sp>
         <p:nvSpPr>
-          <p:cNvPr id="89" name="Google Shape;89;g912c4d88ba_0_15:notes"/>
+          <p:cNvPr id="83" name="Google Shape;83;g912c4d88ba_0_10:notes"/>
           <p:cNvSpPr txBox="1">
             <a:spLocks noGrp="1"/>
           </p:cNvSpPr>
@@ -4278,6 +5281,110 @@
 </file>
 
 <file path=ppt/notesSlides/notesSlide8.xml><?xml version="1.0" encoding="utf-8"?>
+<p:notes xmlns:a="http://schemas.openxmlformats.org/drawingml/2006/main" xmlns:r="http://schemas.openxmlformats.org/officeDocument/2006/relationships" xmlns:p="http://schemas.openxmlformats.org/presentationml/2006/main" showMasterSp="0" showMasterPhAnim="0">
+  <p:cSld>
+    <p:spTree>
+      <p:nvGrpSpPr>
+        <p:cNvPr id="1" name="Shape 87"/>
+        <p:cNvGrpSpPr/>
+        <p:nvPr/>
+      </p:nvGrpSpPr>
+      <p:grpSpPr>
+        <a:xfrm>
+          <a:off x="0" y="0"/>
+          <a:ext cx="0" cy="0"/>
+          <a:chOff x="0" y="0"/>
+          <a:chExt cx="0" cy="0"/>
+        </a:xfrm>
+      </p:grpSpPr>
+      <p:sp>
+        <p:nvSpPr>
+          <p:cNvPr id="88" name="Google Shape;88;g912c4d88ba_0_15:notes"/>
+          <p:cNvSpPr>
+            <a:spLocks noGrp="1" noRot="1" noChangeAspect="1"/>
+          </p:cNvSpPr>
+          <p:nvPr>
+            <p:ph type="sldImg" idx="2"/>
+          </p:nvPr>
+        </p:nvSpPr>
+        <p:spPr>
+          <a:xfrm>
+            <a:off x="381000" y="685800"/>
+            <a:ext cx="6096000" cy="3429000"/>
+          </a:xfrm>
+          <a:custGeom>
+            <a:avLst/>
+            <a:gdLst/>
+            <a:ahLst/>
+            <a:cxnLst/>
+            <a:rect l="l" t="t" r="r" b="b"/>
+            <a:pathLst>
+              <a:path w="120000" h="120000" extrusionOk="0">
+                <a:moveTo>
+                  <a:pt x="0" y="0"/>
+                </a:moveTo>
+                <a:lnTo>
+                  <a:pt x="120000" y="0"/>
+                </a:lnTo>
+                <a:lnTo>
+                  <a:pt x="120000" y="120000"/>
+                </a:lnTo>
+                <a:lnTo>
+                  <a:pt x="0" y="120000"/>
+                </a:lnTo>
+                <a:close/>
+              </a:path>
+            </a:pathLst>
+          </a:custGeom>
+        </p:spPr>
+      </p:sp>
+      <p:sp>
+        <p:nvSpPr>
+          <p:cNvPr id="89" name="Google Shape;89;g912c4d88ba_0_15:notes"/>
+          <p:cNvSpPr txBox="1">
+            <a:spLocks noGrp="1"/>
+          </p:cNvSpPr>
+          <p:nvPr>
+            <p:ph type="body" idx="1"/>
+          </p:nvPr>
+        </p:nvSpPr>
+        <p:spPr>
+          <a:xfrm>
+            <a:off x="685800" y="4343400"/>
+            <a:ext cx="5486400" cy="4114800"/>
+          </a:xfrm>
+          <a:prstGeom prst="rect">
+            <a:avLst/>
+          </a:prstGeom>
+        </p:spPr>
+        <p:txBody>
+          <a:bodyPr spcFirstLastPara="1" wrap="square" lIns="91425" tIns="91425" rIns="91425" bIns="91425" anchor="t" anchorCtr="0">
+            <a:noAutofit/>
+          </a:bodyPr>
+          <a:lstStyle/>
+          <a:p>
+            <a:pPr marL="0" lvl="0" indent="0" algn="l" rtl="0">
+              <a:spcBef>
+                <a:spcPts val="0"/>
+              </a:spcBef>
+              <a:spcAft>
+                <a:spcPts val="0"/>
+              </a:spcAft>
+              <a:buNone/>
+            </a:pPr>
+            <a:endParaRPr/>
+          </a:p>
+        </p:txBody>
+      </p:sp>
+    </p:spTree>
+  </p:cSld>
+  <p:clrMapOvr>
+    <a:masterClrMapping/>
+  </p:clrMapOvr>
+</p:notes>
+</file>
+
+<file path=ppt/notesSlides/notesSlide9.xml><?xml version="1.0" encoding="utf-8"?>
 <p:notes xmlns:a="http://schemas.openxmlformats.org/drawingml/2006/main" xmlns:r="http://schemas.openxmlformats.org/officeDocument/2006/relationships" xmlns:p="http://schemas.openxmlformats.org/presentationml/2006/main" showMasterSp="0" showMasterPhAnim="0">
   <p:cSld>
     <p:spTree>
@@ -4627,7 +5734,7 @@
             <a:fld id="{B61BEF0D-F0BB-DE4B-95CE-6DB70DBA9567}" type="datetimeFigureOut">
               <a:rPr lang="en-US" dirty="0"/>
               <a:pPr/>
-              <a:t>7/7/2021</a:t>
+              <a:t>7/8/2021</a:t>
             </a:fld>
             <a:endParaRPr lang="en-US" dirty="0"/>
           </a:p>
@@ -4900,7 +6007,7 @@
             <a:fld id="{B61BEF0D-F0BB-DE4B-95CE-6DB70DBA9567}" type="datetimeFigureOut">
               <a:rPr lang="en-US" dirty="0"/>
               <a:pPr/>
-              <a:t>7/7/2021</a:t>
+              <a:t>7/8/2021</a:t>
             </a:fld>
             <a:endParaRPr lang="en-US" dirty="0"/>
           </a:p>
@@ -5146,7 +6253,7 @@
             <a:fld id="{B61BEF0D-F0BB-DE4B-95CE-6DB70DBA9567}" type="datetimeFigureOut">
               <a:rPr lang="en-US" dirty="0"/>
               <a:pPr/>
-              <a:t>7/7/2021</a:t>
+              <a:t>7/8/2021</a:t>
             </a:fld>
             <a:endParaRPr lang="en-US" dirty="0"/>
           </a:p>
@@ -5764,7 +6871,7 @@
             <a:fld id="{B61BEF0D-F0BB-DE4B-95CE-6DB70DBA9567}" type="datetimeFigureOut">
               <a:rPr lang="en-US" dirty="0"/>
               <a:pPr/>
-              <a:t>7/7/2021</a:t>
+              <a:t>7/8/2021</a:t>
             </a:fld>
             <a:endParaRPr lang="en-US" dirty="0"/>
           </a:p>
@@ -6082,7 +7189,7 @@
             <a:fld id="{B61BEF0D-F0BB-DE4B-95CE-6DB70DBA9567}" type="datetimeFigureOut">
               <a:rPr lang="en-US" dirty="0"/>
               <a:pPr/>
-              <a:t>7/7/2021</a:t>
+              <a:t>7/8/2021</a:t>
             </a:fld>
             <a:endParaRPr lang="en-US" dirty="0"/>
           </a:p>
@@ -6395,7 +7502,7 @@
             <a:fld id="{B61BEF0D-F0BB-DE4B-95CE-6DB70DBA9567}" type="datetimeFigureOut">
               <a:rPr lang="en-US" dirty="0"/>
               <a:pPr/>
-              <a:t>7/7/2021</a:t>
+              <a:t>7/8/2021</a:t>
             </a:fld>
             <a:endParaRPr lang="en-US" dirty="0"/>
           </a:p>
@@ -6828,7 +7935,7 @@
             <a:fld id="{B61BEF0D-F0BB-DE4B-95CE-6DB70DBA9567}" type="datetimeFigureOut">
               <a:rPr lang="en-US" dirty="0"/>
               <a:pPr/>
-              <a:t>7/7/2021</a:t>
+              <a:t>7/8/2021</a:t>
             </a:fld>
             <a:endParaRPr lang="en-US" dirty="0"/>
           </a:p>
@@ -7001,7 +8108,7 @@
             <a:fld id="{B61BEF0D-F0BB-DE4B-95CE-6DB70DBA9567}" type="datetimeFigureOut">
               <a:rPr lang="en-US" dirty="0"/>
               <a:pPr/>
-              <a:t>7/7/2021</a:t>
+              <a:t>7/8/2021</a:t>
             </a:fld>
             <a:endParaRPr lang="en-US" dirty="0"/>
           </a:p>
@@ -7107,7 +8214,7 @@
             <a:fld id="{B61BEF0D-F0BB-DE4B-95CE-6DB70DBA9567}" type="datetimeFigureOut">
               <a:rPr lang="en-US" dirty="0"/>
               <a:pPr/>
-              <a:t>7/7/2021</a:t>
+              <a:t>7/8/2021</a:t>
             </a:fld>
             <a:endParaRPr lang="en-US" dirty="0"/>
           </a:p>
@@ -7495,7 +8602,7 @@
             <a:fld id="{B61BEF0D-F0BB-DE4B-95CE-6DB70DBA9567}" type="datetimeFigureOut">
               <a:rPr lang="en-US" dirty="0"/>
               <a:pPr/>
-              <a:t>7/7/2021</a:t>
+              <a:t>7/8/2021</a:t>
             </a:fld>
             <a:endParaRPr lang="en-US" dirty="0"/>
           </a:p>
@@ -7795,7 +8902,7 @@
             <a:fld id="{B61BEF0D-F0BB-DE4B-95CE-6DB70DBA9567}" type="datetimeFigureOut">
               <a:rPr lang="en-US" dirty="0"/>
               <a:pPr/>
-              <a:t>7/7/2021</a:t>
+              <a:t>7/8/2021</a:t>
             </a:fld>
             <a:endParaRPr lang="en-US" dirty="0"/>
           </a:p>
@@ -8017,7 +9124,7 @@
             <a:fld id="{B61BEF0D-F0BB-DE4B-95CE-6DB70DBA9567}" type="datetimeFigureOut">
               <a:rPr lang="en-US" dirty="0"/>
               <a:pPr/>
-              <a:t>7/7/2021</a:t>
+              <a:t>7/8/2021</a:t>
             </a:fld>
             <a:endParaRPr lang="en-US" dirty="0"/>
           </a:p>
@@ -8972,32 +10079,15 @@
   <p:cSld>
     <p:bg>
       <p:bgPr>
-        <a:gradFill rotWithShape="1">
-          <a:gsLst>
-            <a:gs pos="0">
-              <a:schemeClr val="bg2">
-                <a:tint val="90000"/>
-                <a:lumMod val="110000"/>
-              </a:schemeClr>
-            </a:gs>
-            <a:gs pos="100000">
-              <a:schemeClr val="bg2">
-                <a:shade val="98000"/>
-                <a:satMod val="110000"/>
-                <a:lumMod val="86000"/>
-              </a:schemeClr>
-            </a:gs>
-          </a:gsLst>
-          <a:path path="circle">
-            <a:fillToRect l="50000" t="50000" r="100000" b="100000"/>
-          </a:path>
-        </a:gradFill>
+        <a:solidFill>
+          <a:schemeClr val="bg1"/>
+        </a:solidFill>
         <a:effectLst/>
       </p:bgPr>
     </p:bg>
     <p:spTree>
       <p:nvGrpSpPr>
-        <p:cNvPr id="1" name="Shape 60"/>
+        <p:cNvPr id="1" name="Shape 90"/>
         <p:cNvGrpSpPr/>
         <p:nvPr/>
       </p:nvGrpSpPr>
@@ -9011,7 +10101,7 @@
       </p:grpSpPr>
       <p:sp>
         <p:nvSpPr>
-          <p:cNvPr id="105" name="Rectangle 104">
+          <p:cNvPr id="150" name="Rectangle 149">
             <a:extLst>
               <a:ext uri="{FF2B5EF4-FFF2-40B4-BE49-F238E27FC236}">
                 <a16:creationId xmlns:a16="http://schemas.microsoft.com/office/drawing/2014/main" id="{E9AA9F65-94B8-41A5-A7FF-23D2CFB116BB}"/>
@@ -9065,7 +10155,7 @@
       </p:sp>
       <p:sp>
         <p:nvSpPr>
-          <p:cNvPr id="107" name="Rectangle 106">
+          <p:cNvPr id="152" name="Rectangle 151">
             <a:extLst>
               <a:ext uri="{FF2B5EF4-FFF2-40B4-BE49-F238E27FC236}">
                 <a16:creationId xmlns:a16="http://schemas.microsoft.com/office/drawing/2014/main" id="{7E8B0F8E-3F6C-4541-B9C1-774D80A08834}"/>
@@ -9119,7 +10209,7 @@
       </p:sp>
       <p:sp>
         <p:nvSpPr>
-          <p:cNvPr id="109" name="Rectangle 108">
+          <p:cNvPr id="154" name="Rectangle 153">
             <a:extLst>
               <a:ext uri="{FF2B5EF4-FFF2-40B4-BE49-F238E27FC236}">
                 <a16:creationId xmlns:a16="http://schemas.microsoft.com/office/drawing/2014/main" id="{7A45F5BC-32D1-41CD-B270-C46F18CA1ACC}"/>
@@ -9173,10 +10263,10 @@
       </p:sp>
       <p:sp>
         <p:nvSpPr>
-          <p:cNvPr id="111" name="Rectangle 110">
+          <p:cNvPr id="156" name="Rectangle 155">
             <a:extLst>
               <a:ext uri="{FF2B5EF4-FFF2-40B4-BE49-F238E27FC236}">
-                <a16:creationId xmlns:a16="http://schemas.microsoft.com/office/drawing/2014/main" id="{CE57EE13-72B0-4FFA-ACE1-EBDE89340E47}"/>
+                <a16:creationId xmlns:a16="http://schemas.microsoft.com/office/drawing/2014/main" id="{5BB74D4E-F243-4A10-813D-500A14025392}"/>
               </a:ext>
               <a:ext uri="{C183D7F6-B498-43B3-948B-1728B52AA6E4}">
                 <adec:decorative xmlns:adec="http://schemas.microsoft.com/office/drawing/2017/decorative" val="1"/>
@@ -9196,8 +10286,8 @@
         </p:nvSpPr>
         <p:spPr>
           <a:xfrm>
-            <a:off x="334900" y="2314323"/>
-            <a:ext cx="8447150" cy="2478600"/>
+            <a:off x="330214" y="460805"/>
+            <a:ext cx="8482004" cy="891973"/>
           </a:xfrm>
           <a:prstGeom prst="rect">
             <a:avLst/>
@@ -9225,12 +10315,12 @@
           </a:fontRef>
         </p:style>
       </p:sp>
-      <p:sp useBgFill="1">
-        <p:nvSpPr>
-          <p:cNvPr id="113" name="Rectangle 112">
+      <p:sp>
+        <p:nvSpPr>
+          <p:cNvPr id="158" name="Rectangle 157">
             <a:extLst>
               <a:ext uri="{FF2B5EF4-FFF2-40B4-BE49-F238E27FC236}">
-                <a16:creationId xmlns:a16="http://schemas.microsoft.com/office/drawing/2014/main" id="{8E019540-1104-4B12-9F83-45F58674186F}"/>
+                <a16:creationId xmlns:a16="http://schemas.microsoft.com/office/drawing/2014/main" id="{1A59258C-AAC2-41CD-973C-7439B122A3FF}"/>
               </a:ext>
               <a:ext uri="{C183D7F6-B498-43B3-948B-1728B52AA6E4}">
                 <adec:decorative xmlns:adec="http://schemas.microsoft.com/office/drawing/2017/decorative" val="1"/>
@@ -9252,6 +10342,75 @@
           <a:xfrm>
             <a:off x="0" y="0"/>
             <a:ext cx="9144000" cy="5143500"/>
+          </a:xfrm>
+          <a:prstGeom prst="rect">
+            <a:avLst/>
+          </a:prstGeom>
+          <a:solidFill>
+            <a:srgbClr val="FFFFFF"/>
+          </a:solidFill>
+          <a:ln>
+            <a:noFill/>
+          </a:ln>
+        </p:spPr>
+        <p:style>
+          <a:lnRef idx="2">
+            <a:schemeClr val="accent1">
+              <a:shade val="50000"/>
+            </a:schemeClr>
+          </a:lnRef>
+          <a:fillRef idx="1">
+            <a:schemeClr val="accent1"/>
+          </a:fillRef>
+          <a:effectRef idx="0">
+            <a:schemeClr val="accent1"/>
+          </a:effectRef>
+          <a:fontRef idx="minor">
+            <a:schemeClr val="lt1"/>
+          </a:fontRef>
+        </p:style>
+        <p:txBody>
+          <a:bodyPr rtlCol="0" anchor="ctr"/>
+          <a:lstStyle/>
+          <a:p>
+            <a:pPr marL="285750" indent="-285750" algn="ctr">
+              <a:buClr>
+                <a:schemeClr val="accent1"/>
+              </a:buClr>
+              <a:buFont typeface="Arial" panose="020B0604020202020204" pitchFamily="34" charset="0"/>
+              <a:buChar char="•"/>
+            </a:pPr>
+            <a:endParaRPr lang="en-US" dirty="0"/>
+          </a:p>
+        </p:txBody>
+      </p:sp>
+      <p:sp>
+        <p:nvSpPr>
+          <p:cNvPr id="160" name="Rectangle 159">
+            <a:extLst>
+              <a:ext uri="{FF2B5EF4-FFF2-40B4-BE49-F238E27FC236}">
+                <a16:creationId xmlns:a16="http://schemas.microsoft.com/office/drawing/2014/main" id="{54516B72-0116-42B2-82A2-B11218A36636}"/>
+              </a:ext>
+              <a:ext uri="{C183D7F6-B498-43B3-948B-1728B52AA6E4}">
+                <adec:decorative xmlns:adec="http://schemas.microsoft.com/office/drawing/2017/decorative" val="1"/>
+              </a:ext>
+            </a:extLst>
+          </p:cNvPr>
+          <p:cNvSpPr>
+            <a:spLocks noGrp="1" noRot="1" noChangeAspect="1" noMove="1" noResize="1" noEditPoints="1" noAdjustHandles="1" noChangeArrowheads="1" noChangeShapeType="1" noTextEdit="1"/>
+          </p:cNvSpPr>
+          <p:nvPr>
+            <p:extLst>
+              <p:ext uri="{386F3935-93C4-4BCD-93E2-E3B085C9AB24}">
+                <p16:designElem xmlns:p16="http://schemas.microsoft.com/office/powerpoint/2015/main" val="1"/>
+              </p:ext>
+            </p:extLst>
+          </p:nvPr>
+        </p:nvSpPr>
+        <p:spPr>
+          <a:xfrm>
+            <a:off x="0" y="0"/>
+            <a:ext cx="4584892" cy="5143500"/>
           </a:xfrm>
           <a:prstGeom prst="rect">
             <a:avLst/>
@@ -9287,7 +10446,7 @@
       </p:sp>
       <p:sp>
         <p:nvSpPr>
-          <p:cNvPr id="61" name="Google Shape;61;p14"/>
+          <p:cNvPr id="91" name="Google Shape;91;p19"/>
           <p:cNvSpPr txBox="1">
             <a:spLocks noGrp="1"/>
           </p:cNvSpPr>
@@ -9297,8 +10456,8 @@
         </p:nvSpPr>
         <p:spPr>
           <a:xfrm>
-            <a:off x="3643053" y="1183005"/>
-            <a:ext cx="4671712" cy="2777490"/>
+            <a:off x="482601" y="775041"/>
+            <a:ext cx="3619692" cy="3619057"/>
           </a:xfrm>
           <a:prstGeom prst="rect">
             <a:avLst/>
@@ -9311,14 +10470,17 @@
           <a:lstStyle/>
           <a:p>
             <a:pPr marL="0" lvl="0" indent="0" defTabSz="457200">
+              <a:spcBef>
+                <a:spcPct val="0"/>
+              </a:spcBef>
               <a:spcAft>
                 <a:spcPts val="0"/>
               </a:spcAft>
             </a:pPr>
             <a:r>
-              <a:rPr lang="en-US" sz="5000">
+              <a:rPr lang="en-US" sz="4100" dirty="0">
                 <a:solidFill>
-                  <a:schemeClr val="tx2"/>
+                  <a:srgbClr val="FFFFFF"/>
                 </a:solidFill>
               </a:rPr>
               <a:t>Project Overview</a:t>
@@ -9328,53 +10490,10 @@
       </p:sp>
       <p:sp>
         <p:nvSpPr>
-          <p:cNvPr id="62" name="Google Shape;62;p14"/>
-          <p:cNvSpPr txBox="1">
-            <a:spLocks noGrp="1"/>
-          </p:cNvSpPr>
-          <p:nvPr>
-            <p:ph type="body" idx="1"/>
-          </p:nvPr>
-        </p:nvSpPr>
-        <p:spPr>
-          <a:xfrm>
-            <a:off x="1193898" y="1183005"/>
-            <a:ext cx="2037879" cy="2777490"/>
-          </a:xfrm>
-          <a:prstGeom prst="rect">
-            <a:avLst/>
-          </a:prstGeom>
-          <a:ln w="57150">
-            <a:noFill/>
-          </a:ln>
-        </p:spPr>
-        <p:txBody>
-          <a:bodyPr spcFirstLastPara="1" vert="horz" lIns="91440" tIns="45720" rIns="91440" bIns="45720" rtlCol="0" anchor="ctr" anchorCtr="0">
-            <a:normAutofit/>
-          </a:bodyPr>
-          <a:lstStyle/>
-          <a:p>
-            <a:pPr lvl="0" defTabSz="457200">
-              <a:lnSpc>
-                <a:spcPct val="90000"/>
-              </a:lnSpc>
-              <a:spcAft>
-                <a:spcPts val="600"/>
-              </a:spcAft>
-            </a:pPr>
-            <a:r>
-              <a:rPr lang="en-US" sz="1600"/>
-              <a:t>Predict wine quality to give the Washington winegrower’s association a model for choosing wines to send to competitions</a:t>
-            </a:r>
-          </a:p>
-        </p:txBody>
-      </p:sp>
-      <p:sp>
-        <p:nvSpPr>
-          <p:cNvPr id="115" name="Rectangle 114">
+          <p:cNvPr id="162" name="Rectangle 161">
             <a:extLst>
               <a:ext uri="{FF2B5EF4-FFF2-40B4-BE49-F238E27FC236}">
-                <a16:creationId xmlns:a16="http://schemas.microsoft.com/office/drawing/2014/main" id="{11D976D6-8C98-48CC-8C34-0468F31678C2}"/>
+                <a16:creationId xmlns:a16="http://schemas.microsoft.com/office/drawing/2014/main" id="{7CDB507F-21B7-4C27-B0FC-D9C465C6DB44}"/>
               </a:ext>
               <a:ext uri="{C183D7F6-B498-43B3-948B-1728B52AA6E4}">
                 <adec:decorative xmlns:adec="http://schemas.microsoft.com/office/drawing/2017/decorative" val="1"/>
@@ -9393,9 +10512,63 @@
           </p:nvPr>
         </p:nvSpPr>
         <p:spPr>
-          <a:xfrm rot="16200000">
-            <a:off x="235454" y="2537460"/>
-            <a:ext cx="1714500" cy="68580"/>
+          <a:xfrm>
+            <a:off x="481934" y="345651"/>
+            <a:ext cx="3621024" cy="83740"/>
+          </a:xfrm>
+          <a:prstGeom prst="rect">
+            <a:avLst/>
+          </a:prstGeom>
+          <a:solidFill>
+            <a:srgbClr val="FFFFFF"/>
+          </a:solidFill>
+          <a:ln>
+            <a:noFill/>
+          </a:ln>
+          <a:effectLst/>
+        </p:spPr>
+        <p:style>
+          <a:lnRef idx="1">
+            <a:schemeClr val="accent1"/>
+          </a:lnRef>
+          <a:fillRef idx="3">
+            <a:schemeClr val="accent1"/>
+          </a:fillRef>
+          <a:effectRef idx="2">
+            <a:schemeClr val="accent1"/>
+          </a:effectRef>
+          <a:fontRef idx="minor">
+            <a:schemeClr val="lt1"/>
+          </a:fontRef>
+        </p:style>
+      </p:sp>
+      <p:sp>
+        <p:nvSpPr>
+          <p:cNvPr id="164" name="Rectangle 163">
+            <a:extLst>
+              <a:ext uri="{FF2B5EF4-FFF2-40B4-BE49-F238E27FC236}">
+                <a16:creationId xmlns:a16="http://schemas.microsoft.com/office/drawing/2014/main" id="{7AB1AE17-B7A3-4363-95CD-25441E2FF1F3}"/>
+              </a:ext>
+              <a:ext uri="{C183D7F6-B498-43B3-948B-1728B52AA6E4}">
+                <adec:decorative xmlns:adec="http://schemas.microsoft.com/office/drawing/2017/decorative" val="1"/>
+              </a:ext>
+            </a:extLst>
+          </p:cNvPr>
+          <p:cNvSpPr>
+            <a:spLocks noGrp="1" noRot="1" noChangeAspect="1" noMove="1" noResize="1" noEditPoints="1" noAdjustHandles="1" noChangeArrowheads="1" noChangeShapeType="1" noTextEdit="1"/>
+          </p:cNvSpPr>
+          <p:nvPr>
+            <p:extLst>
+              <p:ext uri="{386F3935-93C4-4BCD-93E2-E3B085C9AB24}">
+                <p16:designElem xmlns:p16="http://schemas.microsoft.com/office/powerpoint/2015/main" val="1"/>
+              </p:ext>
+            </p:extLst>
+          </p:nvPr>
+        </p:nvSpPr>
+        <p:spPr>
+          <a:xfrm>
+            <a:off x="5087080" y="345651"/>
+            <a:ext cx="3621024" cy="83740"/>
           </a:xfrm>
           <a:prstGeom prst="rect">
             <a:avLst/>
@@ -9425,63 +10598,155 @@
       </p:sp>
       <p:sp>
         <p:nvSpPr>
-          <p:cNvPr id="117" name="Rectangle 116">
-            <a:extLst>
-              <a:ext uri="{FF2B5EF4-FFF2-40B4-BE49-F238E27FC236}">
-                <a16:creationId xmlns:a16="http://schemas.microsoft.com/office/drawing/2014/main" id="{3580CFD6-E44A-486A-9E73-D8D948F78A34}"/>
-              </a:ext>
-              <a:ext uri="{C183D7F6-B498-43B3-948B-1728B52AA6E4}">
-                <adec:decorative xmlns:adec="http://schemas.microsoft.com/office/drawing/2017/decorative" val="1"/>
-              </a:ext>
-            </a:extLst>
-          </p:cNvPr>
-          <p:cNvSpPr>
-            <a:spLocks noGrp="1" noRot="1" noChangeAspect="1" noMove="1" noResize="1" noEditPoints="1" noAdjustHandles="1" noChangeArrowheads="1" noChangeShapeType="1" noTextEdit="1"/>
-          </p:cNvSpPr>
-          <p:nvPr>
-            <p:extLst>
-              <p:ext uri="{386F3935-93C4-4BCD-93E2-E3B085C9AB24}">
-                <p16:designElem xmlns:p16="http://schemas.microsoft.com/office/powerpoint/2015/main" val="1"/>
-              </p:ext>
-            </p:extLst>
+          <p:cNvPr id="92" name="Google Shape;92;p19"/>
+          <p:cNvSpPr txBox="1">
+            <a:spLocks noGrp="1"/>
+          </p:cNvSpPr>
+          <p:nvPr>
+            <p:ph type="body" idx="1"/>
           </p:nvPr>
         </p:nvSpPr>
         <p:spPr>
-          <a:xfrm rot="16200000">
-            <a:off x="2091447" y="2537460"/>
-            <a:ext cx="2777490" cy="68580"/>
+          <a:xfrm>
+            <a:off x="5066826" y="775042"/>
+            <a:ext cx="3641278" cy="3619057"/>
           </a:xfrm>
           <a:prstGeom prst="rect">
             <a:avLst/>
           </a:prstGeom>
-          <a:solidFill>
-            <a:schemeClr val="accent4"/>
-          </a:solidFill>
-          <a:ln>
+          <a:ln w="57150">
             <a:noFill/>
           </a:ln>
-          <a:effectLst/>
         </p:spPr>
-        <p:style>
-          <a:lnRef idx="1">
-            <a:schemeClr val="accent1"/>
-          </a:lnRef>
-          <a:fillRef idx="3">
-            <a:schemeClr val="accent1"/>
-          </a:fillRef>
-          <a:effectRef idx="2">
-            <a:schemeClr val="accent1"/>
-          </a:effectRef>
-          <a:fontRef idx="minor">
-            <a:schemeClr val="lt1"/>
-          </a:fontRef>
-        </p:style>
+        <p:txBody>
+          <a:bodyPr spcFirstLastPara="1" vert="horz" lIns="91440" tIns="45720" rIns="91440" bIns="45720" rtlCol="0" anchor="ctr" anchorCtr="0">
+            <a:normAutofit/>
+          </a:bodyPr>
+          <a:lstStyle/>
+          <a:p>
+            <a:pPr marL="114300" indent="0" defTabSz="457200">
+              <a:spcBef>
+                <a:spcPct val="20000"/>
+              </a:spcBef>
+              <a:spcAft>
+                <a:spcPts val="600"/>
+              </a:spcAft>
+              <a:buSzPct val="92000"/>
+              <a:buNone/>
+            </a:pPr>
+            <a:r>
+              <a:rPr lang="en-US" sz="1600" dirty="0">
+                <a:solidFill>
+                  <a:schemeClr val="tx1"/>
+                </a:solidFill>
+              </a:rPr>
+              <a:t>Predict wine quality to give the Washington winegrower’s association a model for choosing wines to send to competitions</a:t>
+            </a:r>
+          </a:p>
+        </p:txBody>
       </p:sp>
     </p:spTree>
+    <p:extLst>
+      <p:ext uri="{BB962C8B-B14F-4D97-AF65-F5344CB8AC3E}">
+        <p14:creationId xmlns:p14="http://schemas.microsoft.com/office/powerpoint/2010/main" val="2654920240"/>
+      </p:ext>
+    </p:extLst>
   </p:cSld>
   <p:clrMapOvr>
     <a:masterClrMapping/>
   </p:clrMapOvr>
+  <p:timing>
+    <p:tnLst>
+      <p:par>
+        <p:cTn id="1" dur="indefinite" restart="never" nodeType="tmRoot">
+          <p:childTnLst>
+            <p:seq concurrent="1" nextAc="seek">
+              <p:cTn id="2" dur="indefinite" nodeType="mainSeq">
+                <p:childTnLst>
+                  <p:par>
+                    <p:cTn id="3" fill="hold">
+                      <p:stCondLst>
+                        <p:cond delay="indefinite"/>
+                        <p:cond evt="onBegin" delay="0">
+                          <p:tn val="2"/>
+                        </p:cond>
+                      </p:stCondLst>
+                      <p:childTnLst>
+                        <p:par>
+                          <p:cTn id="4" fill="hold">
+                            <p:stCondLst>
+                              <p:cond delay="0"/>
+                            </p:stCondLst>
+                            <p:childTnLst>
+                              <p:par>
+                                <p:cTn id="5" presetID="10" presetClass="entr" presetSubtype="0" fill="hold" grpId="0" nodeType="withEffect">
+                                  <p:stCondLst>
+                                    <p:cond delay="500"/>
+                                  </p:stCondLst>
+                                  <p:iterate>
+                                    <p:tmPct val="10000"/>
+                                  </p:iterate>
+                                  <p:childTnLst>
+                                    <p:set>
+                                      <p:cBhvr>
+                                        <p:cTn id="6" dur="1" fill="hold">
+                                          <p:stCondLst>
+                                            <p:cond delay="0"/>
+                                          </p:stCondLst>
+                                        </p:cTn>
+                                        <p:tgtEl>
+                                          <p:spTgt spid="91"/>
+                                        </p:tgtEl>
+                                        <p:attrNameLst>
+                                          <p:attrName>style.visibility</p:attrName>
+                                        </p:attrNameLst>
+                                      </p:cBhvr>
+                                      <p:to>
+                                        <p:strVal val="visible"/>
+                                      </p:to>
+                                    </p:set>
+                                    <p:animEffect transition="in" filter="fade">
+                                      <p:cBhvr>
+                                        <p:cTn id="7" dur="700"/>
+                                        <p:tgtEl>
+                                          <p:spTgt spid="91"/>
+                                        </p:tgtEl>
+                                      </p:cBhvr>
+                                    </p:animEffect>
+                                  </p:childTnLst>
+                                </p:cTn>
+                              </p:par>
+                            </p:childTnLst>
+                          </p:cTn>
+                        </p:par>
+                      </p:childTnLst>
+                    </p:cTn>
+                  </p:par>
+                </p:childTnLst>
+              </p:cTn>
+              <p:prevCondLst>
+                <p:cond evt="onPrev" delay="0">
+                  <p:tgtEl>
+                    <p:sldTgt/>
+                  </p:tgtEl>
+                </p:cond>
+              </p:prevCondLst>
+              <p:nextCondLst>
+                <p:cond evt="onNext" delay="0">
+                  <p:tgtEl>
+                    <p:sldTgt/>
+                  </p:tgtEl>
+                </p:cond>
+              </p:nextCondLst>
+            </p:seq>
+          </p:childTnLst>
+        </p:cTn>
+      </p:par>
+    </p:tnLst>
+    <p:bldLst>
+      <p:bldP spid="91" grpId="0"/>
+    </p:bldLst>
+  </p:timing>
 </p:sld>
 </file>
 
@@ -9560,7 +10825,7 @@
             <p:ph idx="1"/>
             <p:extLst>
               <p:ext uri="{D42A27DB-BD31-4B8C-83A1-F6EECF244321}">
-                <p14:modId xmlns:p14="http://schemas.microsoft.com/office/powerpoint/2010/main" val="2887631784"/>
+                <p14:modId xmlns:p14="http://schemas.microsoft.com/office/powerpoint/2010/main" val="2528190890"/>
               </p:ext>
             </p:extLst>
           </p:nvPr>
@@ -9589,7 +10854,7 @@
     <p:bg>
       <p:bgPr>
         <a:solidFill>
-          <a:schemeClr val="bg2"/>
+          <a:schemeClr val="bg1"/>
         </a:solidFill>
         <a:effectLst/>
       </p:bgPr>
@@ -9610,7 +10875,7 @@
       </p:grpSpPr>
       <p:sp>
         <p:nvSpPr>
-          <p:cNvPr id="79" name="Rectangle 78">
+          <p:cNvPr id="94" name="Rectangle 93">
             <a:extLst>
               <a:ext uri="{FF2B5EF4-FFF2-40B4-BE49-F238E27FC236}">
                 <a16:creationId xmlns:a16="http://schemas.microsoft.com/office/drawing/2014/main" id="{E9AA9F65-94B8-41A5-A7FF-23D2CFB116BB}"/>
@@ -9664,7 +10929,7 @@
       </p:sp>
       <p:sp>
         <p:nvSpPr>
-          <p:cNvPr id="81" name="Rectangle 80">
+          <p:cNvPr id="96" name="Rectangle 95">
             <a:extLst>
               <a:ext uri="{FF2B5EF4-FFF2-40B4-BE49-F238E27FC236}">
                 <a16:creationId xmlns:a16="http://schemas.microsoft.com/office/drawing/2014/main" id="{7E8B0F8E-3F6C-4541-B9C1-774D80A08834}"/>
@@ -9718,7 +10983,7 @@
       </p:sp>
       <p:sp>
         <p:nvSpPr>
-          <p:cNvPr id="83" name="Rectangle 82">
+          <p:cNvPr id="98" name="Rectangle 97">
             <a:extLst>
               <a:ext uri="{FF2B5EF4-FFF2-40B4-BE49-F238E27FC236}">
                 <a16:creationId xmlns:a16="http://schemas.microsoft.com/office/drawing/2014/main" id="{7A45F5BC-32D1-41CD-B270-C46F18CA1ACC}"/>
@@ -9772,7 +11037,7 @@
       </p:sp>
       <p:sp>
         <p:nvSpPr>
-          <p:cNvPr id="85" name="Rectangle 84">
+          <p:cNvPr id="100" name="Rectangle 99">
             <a:extLst>
               <a:ext uri="{FF2B5EF4-FFF2-40B4-BE49-F238E27FC236}">
                 <a16:creationId xmlns:a16="http://schemas.microsoft.com/office/drawing/2014/main" id="{5BB74D4E-F243-4A10-813D-500A14025392}"/>
@@ -9826,10 +11091,10 @@
       </p:sp>
       <p:sp>
         <p:nvSpPr>
-          <p:cNvPr id="87" name="Rectangle 86">
+          <p:cNvPr id="102" name="Rectangle 101">
             <a:extLst>
               <a:ext uri="{FF2B5EF4-FFF2-40B4-BE49-F238E27FC236}">
-                <a16:creationId xmlns:a16="http://schemas.microsoft.com/office/drawing/2014/main" id="{D70130DC-F780-43D2-B26A-92EACD78951B}"/>
+                <a16:creationId xmlns:a16="http://schemas.microsoft.com/office/drawing/2014/main" id="{F92989FB-1024-49B7-BDF1-B3CE27D48623}"/>
               </a:ext>
               <a:ext uri="{C183D7F6-B498-43B3-948B-1728B52AA6E4}">
                 <adec:decorative xmlns:adec="http://schemas.microsoft.com/office/drawing/2017/decorative" val="1"/>
@@ -9850,13 +11115,13 @@
         <p:spPr>
           <a:xfrm>
             <a:off x="0" y="0"/>
-            <a:ext cx="9144000" cy="5143500"/>
+            <a:ext cx="9143999" cy="5143500"/>
           </a:xfrm>
           <a:prstGeom prst="rect">
             <a:avLst/>
           </a:prstGeom>
           <a:solidFill>
-            <a:srgbClr val="E4E4E4"/>
+            <a:srgbClr val="FFFEFF"/>
           </a:solidFill>
           <a:ln>
             <a:noFill/>
@@ -9899,106 +11164,8 @@
         </p:nvSpPr>
         <p:spPr>
           <a:xfrm>
-            <a:off x="435894" y="481239"/>
-            <a:ext cx="8272212" cy="821670"/>
-          </a:xfrm>
-          <a:prstGeom prst="rect">
-            <a:avLst/>
-          </a:prstGeom>
-        </p:spPr>
-        <p:txBody>
-          <a:bodyPr spcFirstLastPara="1" vert="horz" lIns="91440" tIns="45720" rIns="91440" bIns="45720" rtlCol="0" anchor="t" anchorCtr="0">
-            <a:normAutofit/>
-          </a:bodyPr>
-          <a:lstStyle/>
-          <a:p>
-            <a:pPr marL="0" lvl="0" indent="0" defTabSz="457200">
-              <a:spcBef>
-                <a:spcPct val="0"/>
-              </a:spcBef>
-              <a:spcAft>
-                <a:spcPts val="0"/>
-              </a:spcAft>
-            </a:pPr>
-            <a:r>
-              <a:rPr lang="en-US" sz="2800">
-                <a:solidFill>
-                  <a:schemeClr val="accent2"/>
-                </a:solidFill>
-              </a:rPr>
-              <a:t>EDA</a:t>
-            </a:r>
-          </a:p>
-        </p:txBody>
-      </p:sp>
-      <p:sp>
-        <p:nvSpPr>
-          <p:cNvPr id="89" name="Rectangle 88">
-            <a:extLst>
-              <a:ext uri="{FF2B5EF4-FFF2-40B4-BE49-F238E27FC236}">
-                <a16:creationId xmlns:a16="http://schemas.microsoft.com/office/drawing/2014/main" id="{17676E0E-5B44-4166-8EDD-CFDBAC622C26}"/>
-              </a:ext>
-              <a:ext uri="{C183D7F6-B498-43B3-948B-1728B52AA6E4}">
-                <adec:decorative xmlns:adec="http://schemas.microsoft.com/office/drawing/2017/decorative" val="1"/>
-              </a:ext>
-            </a:extLst>
-          </p:cNvPr>
-          <p:cNvSpPr>
-            <a:spLocks noGrp="1" noRot="1" noChangeAspect="1" noMove="1" noResize="1" noEditPoints="1" noAdjustHandles="1" noChangeArrowheads="1" noChangeShapeType="1" noTextEdit="1"/>
-          </p:cNvSpPr>
-          <p:nvPr>
-            <p:extLst>
-              <p:ext uri="{386F3935-93C4-4BCD-93E2-E3B085C9AB24}">
-                <p16:designElem xmlns:p16="http://schemas.microsoft.com/office/powerpoint/2015/main" val="1"/>
-              </p:ext>
-            </p:extLst>
-          </p:nvPr>
-        </p:nvSpPr>
-        <p:spPr>
-          <a:xfrm>
-            <a:off x="334899" y="342900"/>
-            <a:ext cx="8474200" cy="68580"/>
-          </a:xfrm>
-          <a:prstGeom prst="rect">
-            <a:avLst/>
-          </a:prstGeom>
-          <a:solidFill>
-            <a:schemeClr val="accent1"/>
-          </a:solidFill>
-          <a:ln>
-            <a:noFill/>
-          </a:ln>
-          <a:effectLst/>
-        </p:spPr>
-        <p:style>
-          <a:lnRef idx="1">
-            <a:schemeClr val="accent1"/>
-          </a:lnRef>
-          <a:fillRef idx="3">
-            <a:schemeClr val="accent1"/>
-          </a:fillRef>
-          <a:effectRef idx="2">
-            <a:schemeClr val="accent1"/>
-          </a:effectRef>
-          <a:fontRef idx="minor">
-            <a:schemeClr val="lt1"/>
-          </a:fontRef>
-        </p:style>
-      </p:sp>
-      <p:sp>
-        <p:nvSpPr>
-          <p:cNvPr id="74" name="Google Shape;74;p16"/>
-          <p:cNvSpPr txBox="1">
-            <a:spLocks noGrp="1"/>
-          </p:cNvSpPr>
-          <p:nvPr>
-            <p:ph type="body" idx="1"/>
-          </p:nvPr>
-        </p:nvSpPr>
-        <p:spPr>
-          <a:xfrm>
-            <a:off x="435894" y="1409700"/>
-            <a:ext cx="8272211" cy="2984400"/>
+            <a:off x="559671" y="804923"/>
+            <a:ext cx="2290568" cy="3533654"/>
           </a:xfrm>
           <a:prstGeom prst="rect">
             <a:avLst/>
@@ -10010,7 +11177,270 @@
           </a:bodyPr>
           <a:lstStyle/>
           <a:p>
+            <a:pPr marL="0" lvl="0" indent="0" defTabSz="457200">
+              <a:spcBef>
+                <a:spcPct val="0"/>
+              </a:spcBef>
+              <a:spcAft>
+                <a:spcPts val="0"/>
+              </a:spcAft>
+            </a:pPr>
+            <a:r>
+              <a:rPr lang="en-US" sz="2400" dirty="0">
+                <a:solidFill>
+                  <a:schemeClr val="accent1"/>
+                </a:solidFill>
+              </a:rPr>
+              <a:t>EDA</a:t>
+            </a:r>
+          </a:p>
+        </p:txBody>
+      </p:sp>
+      <p:sp>
+        <p:nvSpPr>
+          <p:cNvPr id="104" name="Rectangle 103">
+            <a:extLst>
+              <a:ext uri="{FF2B5EF4-FFF2-40B4-BE49-F238E27FC236}">
+                <a16:creationId xmlns:a16="http://schemas.microsoft.com/office/drawing/2014/main" id="{DFEE959E-BF10-4204-9556-D1707088D445}"/>
+              </a:ext>
+              <a:ext uri="{C183D7F6-B498-43B3-948B-1728B52AA6E4}">
+                <adec:decorative xmlns:adec="http://schemas.microsoft.com/office/drawing/2017/decorative" val="1"/>
+              </a:ext>
+            </a:extLst>
+          </p:cNvPr>
+          <p:cNvSpPr>
+            <a:spLocks noGrp="1" noRot="1" noChangeAspect="1" noMove="1" noResize="1" noEditPoints="1" noAdjustHandles="1" noChangeArrowheads="1" noChangeShapeType="1" noTextEdit="1"/>
+          </p:cNvSpPr>
+          <p:nvPr>
+            <p:extLst>
+              <p:ext uri="{386F3935-93C4-4BCD-93E2-E3B085C9AB24}">
+                <p16:designElem xmlns:p16="http://schemas.microsoft.com/office/powerpoint/2015/main" val="1"/>
+              </p:ext>
+            </p:extLst>
+          </p:nvPr>
+        </p:nvSpPr>
+        <p:spPr>
+          <a:xfrm>
+            <a:off x="334900" y="342900"/>
+            <a:ext cx="2777490" cy="71247"/>
+          </a:xfrm>
+          <a:prstGeom prst="rect">
+            <a:avLst/>
+          </a:prstGeom>
+          <a:solidFill>
+            <a:schemeClr val="accent1"/>
+          </a:solidFill>
+          <a:ln>
+            <a:noFill/>
+          </a:ln>
+          <a:effectLst/>
+        </p:spPr>
+        <p:style>
+          <a:lnRef idx="1">
+            <a:schemeClr val="accent1"/>
+          </a:lnRef>
+          <a:fillRef idx="3">
+            <a:schemeClr val="accent1"/>
+          </a:fillRef>
+          <a:effectRef idx="2">
+            <a:schemeClr val="accent1"/>
+          </a:effectRef>
+          <a:fontRef idx="minor">
+            <a:schemeClr val="lt1"/>
+          </a:fontRef>
+        </p:style>
+      </p:sp>
+      <p:sp>
+        <p:nvSpPr>
+          <p:cNvPr id="106" name="Rectangle 105">
+            <a:extLst>
+              <a:ext uri="{FF2B5EF4-FFF2-40B4-BE49-F238E27FC236}">
+                <a16:creationId xmlns:a16="http://schemas.microsoft.com/office/drawing/2014/main" id="{DDD17B6A-CB37-4005-9681-A20AFCDC7822}"/>
+              </a:ext>
+              <a:ext uri="{C183D7F6-B498-43B3-948B-1728B52AA6E4}">
+                <adec:decorative xmlns:adec="http://schemas.microsoft.com/office/drawing/2017/decorative" val="1"/>
+              </a:ext>
+            </a:extLst>
+          </p:cNvPr>
+          <p:cNvSpPr>
+            <a:spLocks noGrp="1" noRot="1" noChangeAspect="1" noMove="1" noResize="1" noEditPoints="1" noAdjustHandles="1" noChangeArrowheads="1" noChangeShapeType="1" noTextEdit="1"/>
+          </p:cNvSpPr>
+          <p:nvPr>
+            <p:extLst>
+              <p:ext uri="{386F3935-93C4-4BCD-93E2-E3B085C9AB24}">
+                <p16:designElem xmlns:p16="http://schemas.microsoft.com/office/powerpoint/2015/main" val="1"/>
+              </p:ext>
+            </p:extLst>
+          </p:nvPr>
+        </p:nvSpPr>
+        <p:spPr>
+          <a:xfrm>
+            <a:off x="3181372" y="342900"/>
+            <a:ext cx="2777490" cy="68580"/>
+          </a:xfrm>
+          <a:prstGeom prst="rect">
+            <a:avLst/>
+          </a:prstGeom>
+          <a:solidFill>
+            <a:schemeClr val="accent2"/>
+          </a:solidFill>
+          <a:ln>
+            <a:noFill/>
+          </a:ln>
+          <a:effectLst/>
+        </p:spPr>
+        <p:style>
+          <a:lnRef idx="1">
+            <a:schemeClr val="accent1"/>
+          </a:lnRef>
+          <a:fillRef idx="3">
+            <a:schemeClr val="accent1"/>
+          </a:fillRef>
+          <a:effectRef idx="2">
+            <a:schemeClr val="accent1"/>
+          </a:effectRef>
+          <a:fontRef idx="minor">
+            <a:schemeClr val="lt1"/>
+          </a:fontRef>
+        </p:style>
+      </p:sp>
+      <p:sp>
+        <p:nvSpPr>
+          <p:cNvPr id="108" name="Rectangle 107">
+            <a:extLst>
+              <a:ext uri="{FF2B5EF4-FFF2-40B4-BE49-F238E27FC236}">
+                <a16:creationId xmlns:a16="http://schemas.microsoft.com/office/drawing/2014/main" id="{3B7BBDE9-DAED-40B0-A640-503C918D1CE3}"/>
+              </a:ext>
+              <a:ext uri="{C183D7F6-B498-43B3-948B-1728B52AA6E4}">
+                <adec:decorative xmlns:adec="http://schemas.microsoft.com/office/drawing/2017/decorative" val="1"/>
+              </a:ext>
+            </a:extLst>
+          </p:cNvPr>
+          <p:cNvSpPr>
+            <a:spLocks noGrp="1" noRot="1" noChangeAspect="1" noMove="1" noResize="1" noEditPoints="1" noAdjustHandles="1" noChangeArrowheads="1" noChangeShapeType="1" noTextEdit="1"/>
+          </p:cNvSpPr>
+          <p:nvPr>
+            <p:extLst>
+              <p:ext uri="{386F3935-93C4-4BCD-93E2-E3B085C9AB24}">
+                <p16:designElem xmlns:p16="http://schemas.microsoft.com/office/powerpoint/2015/main" val="1"/>
+              </p:ext>
+            </p:extLst>
+          </p:nvPr>
+        </p:nvSpPr>
+        <p:spPr>
+          <a:xfrm>
+            <a:off x="6031610" y="340232"/>
+            <a:ext cx="2777490" cy="73915"/>
+          </a:xfrm>
+          <a:prstGeom prst="rect">
+            <a:avLst/>
+          </a:prstGeom>
+          <a:solidFill>
+            <a:schemeClr val="accent4"/>
+          </a:solidFill>
+          <a:ln>
+            <a:noFill/>
+          </a:ln>
+          <a:effectLst/>
+        </p:spPr>
+        <p:style>
+          <a:lnRef idx="1">
+            <a:schemeClr val="accent1"/>
+          </a:lnRef>
+          <a:fillRef idx="3">
+            <a:schemeClr val="accent1"/>
+          </a:fillRef>
+          <a:effectRef idx="2">
+            <a:schemeClr val="accent1"/>
+          </a:effectRef>
+          <a:fontRef idx="minor">
+            <a:schemeClr val="lt1"/>
+          </a:fontRef>
+        </p:style>
+      </p:sp>
+      <p:sp>
+        <p:nvSpPr>
+          <p:cNvPr id="110" name="Rectangle 109">
+            <a:extLst>
+              <a:ext uri="{FF2B5EF4-FFF2-40B4-BE49-F238E27FC236}">
+                <a16:creationId xmlns:a16="http://schemas.microsoft.com/office/drawing/2014/main" id="{7BC7EA7B-802E-41F4-8926-C4475287AA31}"/>
+              </a:ext>
+              <a:ext uri="{C183D7F6-B498-43B3-948B-1728B52AA6E4}">
+                <adec:decorative xmlns:adec="http://schemas.microsoft.com/office/drawing/2017/decorative" val="1"/>
+              </a:ext>
+            </a:extLst>
+          </p:cNvPr>
+          <p:cNvSpPr>
+            <a:spLocks noGrp="1" noRot="1" noChangeAspect="1" noMove="1" noResize="1" noEditPoints="1" noAdjustHandles="1" noChangeArrowheads="1" noChangeShapeType="1" noTextEdit="1"/>
+          </p:cNvSpPr>
+          <p:nvPr>
+            <p:extLst>
+              <p:ext uri="{386F3935-93C4-4BCD-93E2-E3B085C9AB24}">
+                <p16:designElem xmlns:p16="http://schemas.microsoft.com/office/powerpoint/2015/main" val="1"/>
+              </p:ext>
+            </p:extLst>
+          </p:nvPr>
+        </p:nvSpPr>
+        <p:spPr>
+          <a:xfrm>
+            <a:off x="3185138" y="542923"/>
+            <a:ext cx="5623962" cy="4257676"/>
+          </a:xfrm>
+          <a:prstGeom prst="rect">
+            <a:avLst/>
+          </a:prstGeom>
+          <a:solidFill>
+            <a:schemeClr val="accent1"/>
+          </a:solidFill>
+          <a:ln>
+            <a:noFill/>
+          </a:ln>
+          <a:effectLst/>
+        </p:spPr>
+        <p:style>
+          <a:lnRef idx="1">
+            <a:schemeClr val="accent1"/>
+          </a:lnRef>
+          <a:fillRef idx="3">
+            <a:schemeClr val="accent1"/>
+          </a:fillRef>
+          <a:effectRef idx="2">
+            <a:schemeClr val="accent1"/>
+          </a:effectRef>
+          <a:fontRef idx="minor">
+            <a:schemeClr val="lt1"/>
+          </a:fontRef>
+        </p:style>
+      </p:sp>
+      <p:sp>
+        <p:nvSpPr>
+          <p:cNvPr id="74" name="Google Shape;74;p16"/>
+          <p:cNvSpPr txBox="1">
+            <a:spLocks noGrp="1"/>
+          </p:cNvSpPr>
+          <p:nvPr>
+            <p:ph type="body" idx="1"/>
+          </p:nvPr>
+        </p:nvSpPr>
+        <p:spPr>
+          <a:xfrm>
+            <a:off x="3526971" y="804923"/>
+            <a:ext cx="4949687" cy="3533654"/>
+          </a:xfrm>
+          <a:prstGeom prst="rect">
+            <a:avLst/>
+          </a:prstGeom>
+        </p:spPr>
+        <p:txBody>
+          <a:bodyPr spcFirstLastPara="1" vert="horz" lIns="91440" tIns="45720" rIns="91440" bIns="45720" rtlCol="0" anchor="ctr" anchorCtr="0">
+            <a:normAutofit/>
+          </a:bodyPr>
+          <a:lstStyle/>
+          <a:p>
             <a:pPr marL="457200" lvl="0" indent="-342900" defTabSz="457200">
+              <a:lnSpc>
+                <a:spcPct val="90000"/>
+              </a:lnSpc>
               <a:spcBef>
                 <a:spcPct val="20000"/>
               </a:spcBef>
@@ -10022,18 +11452,19 @@
               <a:buChar char=""/>
             </a:pPr>
             <a:r>
-              <a:rPr lang="en-US" sz="1800">
+              <a:rPr lang="en-US" sz="1300">
                 <a:solidFill>
-                  <a:schemeClr val="accent2">
-                    <a:lumMod val="50000"/>
-                  </a:schemeClr>
+                  <a:srgbClr val="FFFFFF"/>
                 </a:solidFill>
               </a:rPr>
-              <a:t>any visualizations that will be relevant to your analysis/modeling</a:t>
+              <a:t>Variable definitions:</a:t>
             </a:r>
           </a:p>
           <a:p>
-            <a:pPr marL="457200" lvl="0" indent="-342900" defTabSz="457200">
+            <a:pPr lvl="1" indent="-342900" defTabSz="457200">
+              <a:lnSpc>
+                <a:spcPct val="90000"/>
+              </a:lnSpc>
               <a:spcBef>
                 <a:spcPct val="20000"/>
               </a:spcBef>
@@ -10045,14 +11476,156 @@
               <a:buChar char=""/>
             </a:pPr>
             <a:r>
-              <a:rPr lang="en-US" sz="1800">
+              <a:rPr lang="en-US" sz="1300">
                 <a:solidFill>
-                  <a:schemeClr val="accent2">
-                    <a:lumMod val="50000"/>
-                  </a:schemeClr>
+                  <a:srgbClr val="FFFFFF"/>
                 </a:solidFill>
               </a:rPr>
-              <a:t>annotate if needed!</a:t>
+              <a:t>Fixed acidity: non-volatile acids</a:t>
+            </a:r>
+          </a:p>
+          <a:p>
+            <a:pPr lvl="1" indent="-342900" defTabSz="457200">
+              <a:lnSpc>
+                <a:spcPct val="90000"/>
+              </a:lnSpc>
+              <a:spcBef>
+                <a:spcPct val="20000"/>
+              </a:spcBef>
+              <a:spcAft>
+                <a:spcPts val="600"/>
+              </a:spcAft>
+              <a:buSzPct val="92000"/>
+              <a:buFont typeface="Wingdings 2" panose="05020102010507070707" pitchFamily="18" charset="2"/>
+              <a:buChar char=""/>
+            </a:pPr>
+            <a:r>
+              <a:rPr lang="en-US" sz="1300">
+                <a:solidFill>
+                  <a:srgbClr val="FFFFFF"/>
+                </a:solidFill>
+              </a:rPr>
+              <a:t>Volatile acidity: Acetic acid content. High amounts are associated with a vinegary taste</a:t>
+            </a:r>
+          </a:p>
+          <a:p>
+            <a:pPr lvl="1" indent="-342900" defTabSz="457200">
+              <a:lnSpc>
+                <a:spcPct val="90000"/>
+              </a:lnSpc>
+              <a:spcBef>
+                <a:spcPct val="20000"/>
+              </a:spcBef>
+              <a:spcAft>
+                <a:spcPts val="600"/>
+              </a:spcAft>
+              <a:buSzPct val="92000"/>
+              <a:buFont typeface="Wingdings 2" panose="05020102010507070707" pitchFamily="18" charset="2"/>
+              <a:buChar char=""/>
+            </a:pPr>
+            <a:r>
+              <a:rPr lang="en-US" sz="1300">
+                <a:solidFill>
+                  <a:srgbClr val="FFFFFF"/>
+                </a:solidFill>
+              </a:rPr>
+              <a:t>Residual sugar: Amount of sugar remaining after fermentation, more than 45g/liter is considered a “sweet” wine</a:t>
+            </a:r>
+          </a:p>
+          <a:p>
+            <a:pPr lvl="1" indent="-342900" defTabSz="457200">
+              <a:lnSpc>
+                <a:spcPct val="90000"/>
+              </a:lnSpc>
+              <a:spcBef>
+                <a:spcPct val="20000"/>
+              </a:spcBef>
+              <a:spcAft>
+                <a:spcPts val="600"/>
+              </a:spcAft>
+              <a:buSzPct val="92000"/>
+              <a:buFont typeface="Wingdings 2" panose="05020102010507070707" pitchFamily="18" charset="2"/>
+              <a:buChar char=""/>
+            </a:pPr>
+            <a:r>
+              <a:rPr lang="en-US" sz="1300">
+                <a:solidFill>
+                  <a:srgbClr val="FFFFFF"/>
+                </a:solidFill>
+              </a:rPr>
+              <a:t>Chlorides: Amount of salt </a:t>
+            </a:r>
+          </a:p>
+          <a:p>
+            <a:pPr lvl="1" indent="-342900" defTabSz="457200">
+              <a:lnSpc>
+                <a:spcPct val="90000"/>
+              </a:lnSpc>
+              <a:spcBef>
+                <a:spcPct val="20000"/>
+              </a:spcBef>
+              <a:spcAft>
+                <a:spcPts val="600"/>
+              </a:spcAft>
+              <a:buSzPct val="92000"/>
+              <a:buFont typeface="Wingdings 2" panose="05020102010507070707" pitchFamily="18" charset="2"/>
+              <a:buChar char=""/>
+            </a:pPr>
+            <a:r>
+              <a:rPr lang="en-US" sz="1300">
+                <a:solidFill>
+                  <a:srgbClr val="FFFFFF"/>
+                </a:solidFill>
+              </a:rPr>
+              <a:t>Free sulfur dioxide: protects against oxidation</a:t>
+            </a:r>
+          </a:p>
+          <a:p>
+            <a:pPr lvl="1" indent="-342900" defTabSz="457200">
+              <a:lnSpc>
+                <a:spcPct val="90000"/>
+              </a:lnSpc>
+              <a:spcBef>
+                <a:spcPct val="20000"/>
+              </a:spcBef>
+              <a:spcAft>
+                <a:spcPts val="600"/>
+              </a:spcAft>
+              <a:buSzPct val="92000"/>
+              <a:buFont typeface="Wingdings 2" panose="05020102010507070707" pitchFamily="18" charset="2"/>
+              <a:buChar char=""/>
+            </a:pPr>
+            <a:r>
+              <a:rPr lang="en-US" sz="1300">
+                <a:solidFill>
+                  <a:srgbClr val="FFFFFF"/>
+                </a:solidFill>
+              </a:rPr>
+              <a:t>Total sulfur dioxide: Both free and bound forms of SO2, flavor becomes detectable above 50ppm</a:t>
+            </a:r>
+          </a:p>
+          <a:p>
+            <a:pPr lvl="1" indent="-342900" defTabSz="457200">
+              <a:lnSpc>
+                <a:spcPct val="90000"/>
+              </a:lnSpc>
+              <a:spcBef>
+                <a:spcPct val="20000"/>
+              </a:spcBef>
+              <a:spcAft>
+                <a:spcPts val="600"/>
+              </a:spcAft>
+              <a:buSzPct val="92000"/>
+              <a:buFont typeface="Wingdings 2" panose="05020102010507070707" pitchFamily="18" charset="2"/>
+              <a:buChar char=""/>
+            </a:pPr>
+            <a:r>
+              <a:rPr lang="en-US" sz="1300">
+                <a:solidFill>
+                  <a:srgbClr val="FFFFFF"/>
+                </a:solidFill>
+              </a:rPr>
+              <a:t>Sulphates: an additive that acts as a preservative and can influence sulfur dioxide levels</a:t>
             </a:r>
           </a:p>
         </p:txBody>
@@ -10071,7 +11644,448 @@
     <p:bg>
       <p:bgPr>
         <a:solidFill>
-          <a:schemeClr val="bg2"/>
+          <a:schemeClr val="bg1"/>
+        </a:solidFill>
+        <a:effectLst/>
+      </p:bgPr>
+    </p:bg>
+    <p:spTree>
+      <p:nvGrpSpPr>
+        <p:cNvPr id="1" name="Shape 72"/>
+        <p:cNvGrpSpPr/>
+        <p:nvPr/>
+      </p:nvGrpSpPr>
+      <p:grpSpPr>
+        <a:xfrm>
+          <a:off x="0" y="0"/>
+          <a:ext cx="0" cy="0"/>
+          <a:chOff x="0" y="0"/>
+          <a:chExt cx="0" cy="0"/>
+        </a:xfrm>
+      </p:grpSpPr>
+      <p:sp>
+        <p:nvSpPr>
+          <p:cNvPr id="115" name="Rectangle 114">
+            <a:extLst>
+              <a:ext uri="{FF2B5EF4-FFF2-40B4-BE49-F238E27FC236}">
+                <a16:creationId xmlns:a16="http://schemas.microsoft.com/office/drawing/2014/main" id="{DB691D59-8F51-4DD8-AD41-D568D29B08F8}"/>
+              </a:ext>
+              <a:ext uri="{C183D7F6-B498-43B3-948B-1728B52AA6E4}">
+                <adec:decorative xmlns:adec="http://schemas.microsoft.com/office/drawing/2017/decorative" val="1"/>
+              </a:ext>
+            </a:extLst>
+          </p:cNvPr>
+          <p:cNvSpPr>
+            <a:spLocks noGrp="1" noRot="1" noChangeAspect="1" noMove="1" noResize="1" noEditPoints="1" noAdjustHandles="1" noChangeArrowheads="1" noChangeShapeType="1" noTextEdit="1"/>
+          </p:cNvSpPr>
+          <p:nvPr>
+            <p:extLst>
+              <p:ext uri="{386F3935-93C4-4BCD-93E2-E3B085C9AB24}">
+                <p16:designElem xmlns:p16="http://schemas.microsoft.com/office/powerpoint/2015/main" val="1"/>
+              </p:ext>
+            </p:extLst>
+          </p:nvPr>
+        </p:nvSpPr>
+        <p:spPr>
+          <a:xfrm>
+            <a:off x="334900" y="342900"/>
+            <a:ext cx="2777490" cy="71247"/>
+          </a:xfrm>
+          <a:prstGeom prst="rect">
+            <a:avLst/>
+          </a:prstGeom>
+          <a:solidFill>
+            <a:schemeClr val="accent1"/>
+          </a:solidFill>
+          <a:ln>
+            <a:noFill/>
+          </a:ln>
+          <a:effectLst/>
+        </p:spPr>
+        <p:style>
+          <a:lnRef idx="1">
+            <a:schemeClr val="accent1"/>
+          </a:lnRef>
+          <a:fillRef idx="3">
+            <a:schemeClr val="accent1"/>
+          </a:fillRef>
+          <a:effectRef idx="2">
+            <a:schemeClr val="accent1"/>
+          </a:effectRef>
+          <a:fontRef idx="minor">
+            <a:schemeClr val="lt1"/>
+          </a:fontRef>
+        </p:style>
+      </p:sp>
+      <p:sp>
+        <p:nvSpPr>
+          <p:cNvPr id="117" name="Rectangle 116">
+            <a:extLst>
+              <a:ext uri="{FF2B5EF4-FFF2-40B4-BE49-F238E27FC236}">
+                <a16:creationId xmlns:a16="http://schemas.microsoft.com/office/drawing/2014/main" id="{204AEF18-0627-48F3-9B3D-F7E8F050B1D4}"/>
+              </a:ext>
+              <a:ext uri="{C183D7F6-B498-43B3-948B-1728B52AA6E4}">
+                <adec:decorative xmlns:adec="http://schemas.microsoft.com/office/drawing/2017/decorative" val="1"/>
+              </a:ext>
+            </a:extLst>
+          </p:cNvPr>
+          <p:cNvSpPr>
+            <a:spLocks noGrp="1" noRot="1" noChangeAspect="1" noMove="1" noResize="1" noEditPoints="1" noAdjustHandles="1" noChangeArrowheads="1" noChangeShapeType="1" noTextEdit="1"/>
+          </p:cNvSpPr>
+          <p:nvPr>
+            <p:extLst>
+              <p:ext uri="{386F3935-93C4-4BCD-93E2-E3B085C9AB24}">
+                <p16:designElem xmlns:p16="http://schemas.microsoft.com/office/powerpoint/2015/main" val="1"/>
+              </p:ext>
+            </p:extLst>
+          </p:nvPr>
+        </p:nvSpPr>
+        <p:spPr>
+          <a:xfrm>
+            <a:off x="6031610" y="340232"/>
+            <a:ext cx="2777490" cy="73915"/>
+          </a:xfrm>
+          <a:prstGeom prst="rect">
+            <a:avLst/>
+          </a:prstGeom>
+          <a:solidFill>
+            <a:schemeClr val="accent4"/>
+          </a:solidFill>
+          <a:ln>
+            <a:noFill/>
+          </a:ln>
+          <a:effectLst/>
+        </p:spPr>
+        <p:style>
+          <a:lnRef idx="1">
+            <a:schemeClr val="accent1"/>
+          </a:lnRef>
+          <a:fillRef idx="3">
+            <a:schemeClr val="accent1"/>
+          </a:fillRef>
+          <a:effectRef idx="2">
+            <a:schemeClr val="accent1"/>
+          </a:effectRef>
+          <a:fontRef idx="minor">
+            <a:schemeClr val="lt1"/>
+          </a:fontRef>
+        </p:style>
+      </p:sp>
+      <p:sp>
+        <p:nvSpPr>
+          <p:cNvPr id="119" name="Rectangle 118">
+            <a:extLst>
+              <a:ext uri="{FF2B5EF4-FFF2-40B4-BE49-F238E27FC236}">
+                <a16:creationId xmlns:a16="http://schemas.microsoft.com/office/drawing/2014/main" id="{CEAEE08A-C572-438F-9753-B0D527A515A7}"/>
+              </a:ext>
+              <a:ext uri="{C183D7F6-B498-43B3-948B-1728B52AA6E4}">
+                <adec:decorative xmlns:adec="http://schemas.microsoft.com/office/drawing/2017/decorative" val="1"/>
+              </a:ext>
+            </a:extLst>
+          </p:cNvPr>
+          <p:cNvSpPr>
+            <a:spLocks noGrp="1" noRot="1" noChangeAspect="1" noMove="1" noResize="1" noEditPoints="1" noAdjustHandles="1" noChangeArrowheads="1" noChangeShapeType="1" noTextEdit="1"/>
+          </p:cNvSpPr>
+          <p:nvPr>
+            <p:extLst>
+              <p:ext uri="{386F3935-93C4-4BCD-93E2-E3B085C9AB24}">
+                <p16:designElem xmlns:p16="http://schemas.microsoft.com/office/powerpoint/2015/main" val="1"/>
+              </p:ext>
+            </p:extLst>
+          </p:nvPr>
+        </p:nvSpPr>
+        <p:spPr>
+          <a:xfrm>
+            <a:off x="3181372" y="342900"/>
+            <a:ext cx="2777490" cy="68580"/>
+          </a:xfrm>
+          <a:prstGeom prst="rect">
+            <a:avLst/>
+          </a:prstGeom>
+          <a:solidFill>
+            <a:schemeClr val="accent2"/>
+          </a:solidFill>
+          <a:ln>
+            <a:noFill/>
+          </a:ln>
+          <a:effectLst/>
+        </p:spPr>
+        <p:style>
+          <a:lnRef idx="1">
+            <a:schemeClr val="accent1"/>
+          </a:lnRef>
+          <a:fillRef idx="3">
+            <a:schemeClr val="accent1"/>
+          </a:fillRef>
+          <a:effectRef idx="2">
+            <a:schemeClr val="accent1"/>
+          </a:effectRef>
+          <a:fontRef idx="minor">
+            <a:schemeClr val="lt1"/>
+          </a:fontRef>
+        </p:style>
+      </p:sp>
+      <p:sp>
+        <p:nvSpPr>
+          <p:cNvPr id="121" name="Rectangle 120">
+            <a:extLst>
+              <a:ext uri="{FF2B5EF4-FFF2-40B4-BE49-F238E27FC236}">
+                <a16:creationId xmlns:a16="http://schemas.microsoft.com/office/drawing/2014/main" id="{DB93146F-62ED-4C59-844C-0935D0FB5031}"/>
+              </a:ext>
+              <a:ext uri="{C183D7F6-B498-43B3-948B-1728B52AA6E4}">
+                <adec:decorative xmlns:adec="http://schemas.microsoft.com/office/drawing/2017/decorative" val="1"/>
+              </a:ext>
+            </a:extLst>
+          </p:cNvPr>
+          <p:cNvSpPr>
+            <a:spLocks noGrp="1" noRot="1" noChangeAspect="1" noMove="1" noResize="1" noEditPoints="1" noAdjustHandles="1" noChangeArrowheads="1" noChangeShapeType="1" noTextEdit="1"/>
+          </p:cNvSpPr>
+          <p:nvPr>
+            <p:extLst>
+              <p:ext uri="{386F3935-93C4-4BCD-93E2-E3B085C9AB24}">
+                <p16:designElem xmlns:p16="http://schemas.microsoft.com/office/powerpoint/2015/main" val="1"/>
+              </p:ext>
+            </p:extLst>
+          </p:nvPr>
+        </p:nvSpPr>
+        <p:spPr>
+          <a:xfrm>
+            <a:off x="334900" y="2314323"/>
+            <a:ext cx="8447150" cy="2478600"/>
+          </a:xfrm>
+          <a:prstGeom prst="rect">
+            <a:avLst/>
+          </a:prstGeom>
+          <a:solidFill>
+            <a:schemeClr val="accent1"/>
+          </a:solidFill>
+          <a:ln>
+            <a:noFill/>
+          </a:ln>
+          <a:effectLst/>
+        </p:spPr>
+        <p:style>
+          <a:lnRef idx="1">
+            <a:schemeClr val="accent1"/>
+          </a:lnRef>
+          <a:fillRef idx="3">
+            <a:schemeClr val="accent1"/>
+          </a:fillRef>
+          <a:effectRef idx="2">
+            <a:schemeClr val="accent1"/>
+          </a:effectRef>
+          <a:fontRef idx="minor">
+            <a:schemeClr val="lt1"/>
+          </a:fontRef>
+        </p:style>
+      </p:sp>
+      <p:sp useBgFill="1">
+        <p:nvSpPr>
+          <p:cNvPr id="123" name="Rectangle 122">
+            <a:extLst>
+              <a:ext uri="{FF2B5EF4-FFF2-40B4-BE49-F238E27FC236}">
+                <a16:creationId xmlns:a16="http://schemas.microsoft.com/office/drawing/2014/main" id="{BF3D65BA-1C65-40FB-92EF-83951BDC1D7C}"/>
+              </a:ext>
+              <a:ext uri="{C183D7F6-B498-43B3-948B-1728B52AA6E4}">
+                <adec:decorative xmlns:adec="http://schemas.microsoft.com/office/drawing/2017/decorative" val="1"/>
+              </a:ext>
+            </a:extLst>
+          </p:cNvPr>
+          <p:cNvSpPr>
+            <a:spLocks noGrp="1" noRot="1" noChangeAspect="1" noMove="1" noResize="1" noEditPoints="1" noAdjustHandles="1" noChangeArrowheads="1" noChangeShapeType="1" noTextEdit="1"/>
+          </p:cNvSpPr>
+          <p:nvPr>
+            <p:extLst>
+              <p:ext uri="{386F3935-93C4-4BCD-93E2-E3B085C9AB24}">
+                <p16:designElem xmlns:p16="http://schemas.microsoft.com/office/powerpoint/2015/main" val="1"/>
+              </p:ext>
+            </p:extLst>
+          </p:nvPr>
+        </p:nvSpPr>
+        <p:spPr>
+          <a:xfrm>
+            <a:off x="0" y="478631"/>
+            <a:ext cx="9143999" cy="4664869"/>
+          </a:xfrm>
+          <a:prstGeom prst="rect">
+            <a:avLst/>
+          </a:prstGeom>
+          <a:ln>
+            <a:noFill/>
+          </a:ln>
+        </p:spPr>
+        <p:style>
+          <a:lnRef idx="2">
+            <a:schemeClr val="accent1">
+              <a:shade val="50000"/>
+            </a:schemeClr>
+          </a:lnRef>
+          <a:fillRef idx="1">
+            <a:schemeClr val="accent1"/>
+          </a:fillRef>
+          <a:effectRef idx="0">
+            <a:schemeClr val="accent1"/>
+          </a:effectRef>
+          <a:fontRef idx="minor">
+            <a:schemeClr val="lt1"/>
+          </a:fontRef>
+        </p:style>
+        <p:txBody>
+          <a:bodyPr rtlCol="0" anchor="ctr"/>
+          <a:lstStyle/>
+          <a:p>
+            <a:pPr algn="ctr"/>
+            <a:endParaRPr lang="en-US"/>
+          </a:p>
+        </p:txBody>
+      </p:sp>
+      <p:pic>
+        <p:nvPicPr>
+          <p:cNvPr id="4" name="Picture 3">
+            <a:extLst>
+              <a:ext uri="{FF2B5EF4-FFF2-40B4-BE49-F238E27FC236}">
+                <a16:creationId xmlns:a16="http://schemas.microsoft.com/office/drawing/2014/main" id="{A5BFE3B7-D3EA-42DC-A5AD-3B0F4A608F1D}"/>
+              </a:ext>
+            </a:extLst>
+          </p:cNvPr>
+          <p:cNvPicPr>
+            <a:picLocks noChangeAspect="1"/>
+          </p:cNvPicPr>
+          <p:nvPr/>
+        </p:nvPicPr>
+        <p:blipFill rotWithShape="1">
+          <a:blip r:embed="rId3"/>
+          <a:srcRect l="2986" t="996" r="1045" b="2863"/>
+          <a:stretch/>
+        </p:blipFill>
+        <p:spPr>
+          <a:xfrm>
+            <a:off x="1003194" y="552606"/>
+            <a:ext cx="4356355" cy="4247447"/>
+          </a:xfrm>
+          <a:prstGeom prst="rect">
+            <a:avLst/>
+          </a:prstGeom>
+        </p:spPr>
+      </p:pic>
+      <p:sp>
+        <p:nvSpPr>
+          <p:cNvPr id="125" name="Rectangle 124">
+            <a:extLst>
+              <a:ext uri="{FF2B5EF4-FFF2-40B4-BE49-F238E27FC236}">
+                <a16:creationId xmlns:a16="http://schemas.microsoft.com/office/drawing/2014/main" id="{ADF52CCA-FCDD-49A0-BFFC-3BD41F1B827A}"/>
+              </a:ext>
+              <a:ext uri="{C183D7F6-B498-43B3-948B-1728B52AA6E4}">
+                <adec:decorative xmlns:adec="http://schemas.microsoft.com/office/drawing/2017/decorative" val="1"/>
+              </a:ext>
+            </a:extLst>
+          </p:cNvPr>
+          <p:cNvSpPr>
+            <a:spLocks noGrp="1" noRot="1" noChangeAspect="1" noMove="1" noResize="1" noEditPoints="1" noAdjustHandles="1" noChangeArrowheads="1" noChangeShapeType="1" noTextEdit="1"/>
+          </p:cNvSpPr>
+          <p:nvPr>
+            <p:extLst>
+              <p:ext uri="{386F3935-93C4-4BCD-93E2-E3B085C9AB24}">
+                <p16:designElem xmlns:p16="http://schemas.microsoft.com/office/powerpoint/2015/main" val="1"/>
+              </p:ext>
+            </p:extLst>
+          </p:nvPr>
+        </p:nvSpPr>
+        <p:spPr>
+          <a:xfrm>
+            <a:off x="6031610" y="542924"/>
+            <a:ext cx="2777490" cy="4249999"/>
+          </a:xfrm>
+          <a:prstGeom prst="rect">
+            <a:avLst/>
+          </a:prstGeom>
+          <a:solidFill>
+            <a:schemeClr val="accent1"/>
+          </a:solidFill>
+          <a:ln>
+            <a:noFill/>
+          </a:ln>
+          <a:effectLst/>
+        </p:spPr>
+        <p:style>
+          <a:lnRef idx="1">
+            <a:schemeClr val="accent1"/>
+          </a:lnRef>
+          <a:fillRef idx="3">
+            <a:schemeClr val="accent1"/>
+          </a:fillRef>
+          <a:effectRef idx="2">
+            <a:schemeClr val="accent1"/>
+          </a:effectRef>
+          <a:fontRef idx="minor">
+            <a:schemeClr val="lt1"/>
+          </a:fontRef>
+        </p:style>
+      </p:sp>
+      <p:sp>
+        <p:nvSpPr>
+          <p:cNvPr id="73" name="Google Shape;73;p16"/>
+          <p:cNvSpPr txBox="1">
+            <a:spLocks noGrp="1"/>
+          </p:cNvSpPr>
+          <p:nvPr>
+            <p:ph type="title"/>
+          </p:nvPr>
+        </p:nvSpPr>
+        <p:spPr>
+          <a:xfrm>
+            <a:off x="6222206" y="1064418"/>
+            <a:ext cx="2311182" cy="1564402"/>
+          </a:xfrm>
+          <a:prstGeom prst="rect">
+            <a:avLst/>
+          </a:prstGeom>
+        </p:spPr>
+        <p:txBody>
+          <a:bodyPr spcFirstLastPara="1" vert="horz" lIns="91440" tIns="45720" rIns="91440" bIns="45720" rtlCol="0" anchor="b" anchorCtr="0">
+            <a:normAutofit/>
+          </a:bodyPr>
+          <a:lstStyle/>
+          <a:p>
+            <a:pPr marL="0" lvl="0" indent="0" defTabSz="457200">
+              <a:spcBef>
+                <a:spcPct val="0"/>
+              </a:spcBef>
+              <a:spcAft>
+                <a:spcPts val="0"/>
+              </a:spcAft>
+            </a:pPr>
+            <a:r>
+              <a:rPr lang="en-US" sz="3600">
+                <a:solidFill>
+                  <a:srgbClr val="FFFFFF"/>
+                </a:solidFill>
+              </a:rPr>
+              <a:t>EDA</a:t>
+            </a:r>
+          </a:p>
+        </p:txBody>
+      </p:sp>
+    </p:spTree>
+    <p:extLst>
+      <p:ext uri="{BB962C8B-B14F-4D97-AF65-F5344CB8AC3E}">
+        <p14:creationId xmlns:p14="http://schemas.microsoft.com/office/powerpoint/2010/main" val="3712317119"/>
+      </p:ext>
+    </p:extLst>
+  </p:cSld>
+  <p:clrMapOvr>
+    <a:masterClrMapping/>
+  </p:clrMapOvr>
+</p:sld>
+</file>
+
+<file path=ppt/slides/slide6.xml><?xml version="1.0" encoding="utf-8"?>
+<p:sld xmlns:a="http://schemas.openxmlformats.org/drawingml/2006/main" xmlns:r="http://schemas.openxmlformats.org/officeDocument/2006/relationships" xmlns:p="http://schemas.openxmlformats.org/presentationml/2006/main">
+  <p:cSld>
+    <p:bg>
+      <p:bgPr>
+        <a:solidFill>
+          <a:schemeClr val="bg1"/>
         </a:solidFill>
         <a:effectLst/>
       </p:bgPr>
@@ -10092,7 +12106,7 @@
       </p:grpSpPr>
       <p:sp>
         <p:nvSpPr>
-          <p:cNvPr id="85" name="Rectangle 84">
+          <p:cNvPr id="82" name="Rectangle 84">
             <a:extLst>
               <a:ext uri="{FF2B5EF4-FFF2-40B4-BE49-F238E27FC236}">
                 <a16:creationId xmlns:a16="http://schemas.microsoft.com/office/drawing/2014/main" id="{E9AA9F65-94B8-41A5-A7FF-23D2CFB116BB}"/>
@@ -10146,7 +12160,7 @@
       </p:sp>
       <p:sp>
         <p:nvSpPr>
-          <p:cNvPr id="87" name="Rectangle 86">
+          <p:cNvPr id="83" name="Rectangle 86">
             <a:extLst>
               <a:ext uri="{FF2B5EF4-FFF2-40B4-BE49-F238E27FC236}">
                 <a16:creationId xmlns:a16="http://schemas.microsoft.com/office/drawing/2014/main" id="{7E8B0F8E-3F6C-4541-B9C1-774D80A08834}"/>
@@ -10200,7 +12214,7 @@
       </p:sp>
       <p:sp>
         <p:nvSpPr>
-          <p:cNvPr id="89" name="Rectangle 88">
+          <p:cNvPr id="84" name="Rectangle 88">
             <a:extLst>
               <a:ext uri="{FF2B5EF4-FFF2-40B4-BE49-F238E27FC236}">
                 <a16:creationId xmlns:a16="http://schemas.microsoft.com/office/drawing/2014/main" id="{7A45F5BC-32D1-41CD-B270-C46F18CA1ACC}"/>
@@ -10254,7 +12268,7 @@
       </p:sp>
       <p:sp>
         <p:nvSpPr>
-          <p:cNvPr id="91" name="Rectangle 90">
+          <p:cNvPr id="86" name="Rectangle 90">
             <a:extLst>
               <a:ext uri="{FF2B5EF4-FFF2-40B4-BE49-F238E27FC236}">
                 <a16:creationId xmlns:a16="http://schemas.microsoft.com/office/drawing/2014/main" id="{5BB74D4E-F243-4A10-813D-500A14025392}"/>
@@ -10306,12 +12320,12 @@
           </a:fontRef>
         </p:style>
       </p:sp>
-      <p:sp>
-        <p:nvSpPr>
-          <p:cNvPr id="93" name="Rectangle 92">
+      <p:sp useBgFill="1">
+        <p:nvSpPr>
+          <p:cNvPr id="88" name="Rectangle 92">
             <a:extLst>
               <a:ext uri="{FF2B5EF4-FFF2-40B4-BE49-F238E27FC236}">
-                <a16:creationId xmlns:a16="http://schemas.microsoft.com/office/drawing/2014/main" id="{D70130DC-F780-43D2-B26A-92EACD78951B}"/>
+                <a16:creationId xmlns:a16="http://schemas.microsoft.com/office/drawing/2014/main" id="{B373F125-DEF3-41D6-9918-AB21A2ACC37A}"/>
               </a:ext>
               <a:ext uri="{C183D7F6-B498-43B3-948B-1728B52AA6E4}">
                 <adec:decorative xmlns:adec="http://schemas.microsoft.com/office/drawing/2017/decorative" val="1"/>
@@ -10337,9 +12351,6 @@
           <a:prstGeom prst="rect">
             <a:avLst/>
           </a:prstGeom>
-          <a:solidFill>
-            <a:srgbClr val="E4E4E4"/>
-          </a:solidFill>
           <a:ln>
             <a:noFill/>
           </a:ln>
@@ -10371,54 +12382,10 @@
       </p:sp>
       <p:sp>
         <p:nvSpPr>
-          <p:cNvPr id="79" name="Google Shape;79;p17"/>
-          <p:cNvSpPr txBox="1">
-            <a:spLocks noGrp="1"/>
-          </p:cNvSpPr>
-          <p:nvPr>
-            <p:ph type="title"/>
-          </p:nvPr>
-        </p:nvSpPr>
-        <p:spPr>
-          <a:xfrm>
-            <a:off x="435894" y="481239"/>
-            <a:ext cx="8272212" cy="821670"/>
-          </a:xfrm>
-          <a:prstGeom prst="rect">
-            <a:avLst/>
-          </a:prstGeom>
-        </p:spPr>
-        <p:txBody>
-          <a:bodyPr spcFirstLastPara="1" vert="horz" lIns="91440" tIns="45720" rIns="91440" bIns="45720" rtlCol="0" anchor="t" anchorCtr="0">
-            <a:normAutofit/>
-          </a:bodyPr>
-          <a:lstStyle/>
-          <a:p>
-            <a:pPr marL="0" lvl="0" indent="0" defTabSz="457200">
-              <a:spcBef>
-                <a:spcPct val="0"/>
-              </a:spcBef>
-              <a:spcAft>
-                <a:spcPts val="0"/>
-              </a:spcAft>
-            </a:pPr>
-            <a:r>
-              <a:rPr lang="en-US" sz="2800">
-                <a:solidFill>
-                  <a:schemeClr val="accent2"/>
-                </a:solidFill>
-              </a:rPr>
-              <a:t>modeling (1-2 slides)</a:t>
-            </a:r>
-          </a:p>
-        </p:txBody>
-      </p:sp>
-      <p:sp>
-        <p:nvSpPr>
-          <p:cNvPr id="95" name="Rectangle 94">
+          <p:cNvPr id="90" name="Rectangle 94">
             <a:extLst>
               <a:ext uri="{FF2B5EF4-FFF2-40B4-BE49-F238E27FC236}">
-                <a16:creationId xmlns:a16="http://schemas.microsoft.com/office/drawing/2014/main" id="{17676E0E-5B44-4166-8EDD-CFDBAC622C26}"/>
+                <a16:creationId xmlns:a16="http://schemas.microsoft.com/office/drawing/2014/main" id="{71E9F226-EB6E-48C9-ADDA-636DE4BF4EBE}"/>
               </a:ext>
               <a:ext uri="{C183D7F6-B498-43B3-948B-1728B52AA6E4}">
                 <adec:decorative xmlns:adec="http://schemas.microsoft.com/office/drawing/2017/decorative" val="1"/>
@@ -10438,49 +12405,55 @@
         </p:nvSpPr>
         <p:spPr>
           <a:xfrm>
-            <a:off x="334899" y="342900"/>
-            <a:ext cx="8474200" cy="68580"/>
+            <a:off x="367935" y="364258"/>
+            <a:ext cx="3131058" cy="4416579"/>
           </a:xfrm>
           <a:prstGeom prst="rect">
             <a:avLst/>
           </a:prstGeom>
-          <a:solidFill>
-            <a:schemeClr val="accent1"/>
-          </a:solidFill>
           <a:ln>
             <a:noFill/>
           </a:ln>
-          <a:effectLst/>
         </p:spPr>
         <p:style>
-          <a:lnRef idx="1">
-            <a:schemeClr val="accent1"/>
+          <a:lnRef idx="2">
+            <a:schemeClr val="accent1">
+              <a:shade val="50000"/>
+            </a:schemeClr>
           </a:lnRef>
-          <a:fillRef idx="3">
+          <a:fillRef idx="1">
             <a:schemeClr val="accent1"/>
           </a:fillRef>
-          <a:effectRef idx="2">
+          <a:effectRef idx="0">
             <a:schemeClr val="accent1"/>
           </a:effectRef>
           <a:fontRef idx="minor">
             <a:schemeClr val="lt1"/>
           </a:fontRef>
         </p:style>
-      </p:sp>
-      <p:sp>
-        <p:nvSpPr>
-          <p:cNvPr id="80" name="Google Shape;80;p17"/>
+        <p:txBody>
+          <a:bodyPr rtlCol="0" anchor="ctr"/>
+          <a:lstStyle/>
+          <a:p>
+            <a:pPr algn="ctr"/>
+            <a:endParaRPr lang="en-US"/>
+          </a:p>
+        </p:txBody>
+      </p:sp>
+      <p:sp>
+        <p:nvSpPr>
+          <p:cNvPr id="79" name="Google Shape;79;p17"/>
           <p:cNvSpPr txBox="1">
             <a:spLocks noGrp="1"/>
           </p:cNvSpPr>
           <p:nvPr>
-            <p:ph type="body" idx="1"/>
+            <p:ph type="title"/>
           </p:nvPr>
         </p:nvSpPr>
         <p:spPr>
           <a:xfrm>
-            <a:off x="435894" y="1409700"/>
-            <a:ext cx="8272211" cy="2984400"/>
+            <a:off x="719367" y="835323"/>
+            <a:ext cx="2452312" cy="3468245"/>
           </a:xfrm>
           <a:prstGeom prst="rect">
             <a:avLst/>
@@ -10492,184 +12465,120 @@
           </a:bodyPr>
           <a:lstStyle/>
           <a:p>
+            <a:pPr marL="0" lvl="0" indent="0" defTabSz="457200">
+              <a:spcAft>
+                <a:spcPts val="0"/>
+              </a:spcAft>
+            </a:pPr>
+            <a:r>
+              <a:rPr lang="en-US" sz="2400">
+                <a:solidFill>
+                  <a:srgbClr val="FFFFFF"/>
+                </a:solidFill>
+              </a:rPr>
+              <a:t>modeling (1-2 slides)</a:t>
+            </a:r>
+          </a:p>
+        </p:txBody>
+      </p:sp>
+      <p:sp>
+        <p:nvSpPr>
+          <p:cNvPr id="80" name="Google Shape;80;p17"/>
+          <p:cNvSpPr txBox="1">
+            <a:spLocks noGrp="1"/>
+          </p:cNvSpPr>
+          <p:nvPr>
+            <p:ph type="body" idx="4294967295"/>
+          </p:nvPr>
+        </p:nvSpPr>
+        <p:spPr>
+          <a:xfrm>
+            <a:off x="3866928" y="835323"/>
+            <a:ext cx="4581135" cy="3468245"/>
+          </a:xfrm>
+          <a:prstGeom prst="rect">
+            <a:avLst/>
+          </a:prstGeom>
+        </p:spPr>
+        <p:txBody>
+          <a:bodyPr spcFirstLastPara="1" vert="horz" lIns="91440" tIns="45720" rIns="91440" bIns="45720" rtlCol="0" anchor="ctr" anchorCtr="0">
+            <a:normAutofit/>
+          </a:bodyPr>
+          <a:lstStyle/>
+          <a:p>
             <a:pPr marL="457200" lvl="0" indent="-342900" defTabSz="457200">
-              <a:lnSpc>
-                <a:spcPct val="90000"/>
-              </a:lnSpc>
-              <a:spcBef>
-                <a:spcPct val="20000"/>
-              </a:spcBef>
               <a:spcAft>
                 <a:spcPts val="600"/>
               </a:spcAft>
-              <a:buSzPct val="92000"/>
-              <a:buFont typeface="Wingdings 2" panose="05020102010507070707" pitchFamily="18" charset="2"/>
-              <a:buChar char=""/>
             </a:pPr>
             <a:r>
-              <a:rPr lang="en-US" sz="1800">
-                <a:solidFill>
-                  <a:schemeClr val="accent2">
-                    <a:lumMod val="50000"/>
-                  </a:schemeClr>
-                </a:solidFill>
-              </a:rPr>
+              <a:rPr lang="en-US"/>
               <a:t>present your final model (or an intermediate one if you think it adds to your presentation)</a:t>
             </a:r>
           </a:p>
           <a:p>
             <a:pPr marL="457200" lvl="0" indent="-342900" defTabSz="457200">
-              <a:lnSpc>
-                <a:spcPct val="90000"/>
-              </a:lnSpc>
-              <a:spcBef>
-                <a:spcPct val="20000"/>
-              </a:spcBef>
               <a:spcAft>
                 <a:spcPts val="600"/>
               </a:spcAft>
-              <a:buSzPct val="92000"/>
-              <a:buFont typeface="Wingdings 2" panose="05020102010507070707" pitchFamily="18" charset="2"/>
-              <a:buChar char=""/>
             </a:pPr>
             <a:r>
-              <a:rPr lang="en-US" sz="1800">
-                <a:solidFill>
-                  <a:schemeClr val="accent2">
-                    <a:lumMod val="50000"/>
-                  </a:schemeClr>
-                </a:solidFill>
-              </a:rPr>
+              <a:rPr lang="en-US"/>
               <a:t>briefly talk about any feature selection/feature engineering that you did</a:t>
             </a:r>
           </a:p>
           <a:p>
             <a:pPr marL="914400" lvl="1" indent="-317500" defTabSz="457200">
-              <a:lnSpc>
-                <a:spcPct val="90000"/>
-              </a:lnSpc>
-              <a:spcBef>
-                <a:spcPct val="20000"/>
-              </a:spcBef>
               <a:spcAft>
                 <a:spcPts val="600"/>
               </a:spcAft>
-              <a:buSzPct val="92000"/>
-              <a:buFont typeface="Wingdings 2" panose="05020102010507070707" pitchFamily="18" charset="2"/>
-              <a:buChar char=""/>
             </a:pPr>
             <a:r>
-              <a:rPr lang="en-US" sz="1800">
-                <a:solidFill>
-                  <a:schemeClr val="accent2">
-                    <a:lumMod val="50000"/>
-                  </a:schemeClr>
-                </a:solidFill>
-              </a:rPr>
+              <a:rPr lang="en-US"/>
               <a:t>eliminated variables based on p-values, removed collinear variables</a:t>
             </a:r>
           </a:p>
           <a:p>
             <a:pPr marL="914400" lvl="1" indent="-317500" defTabSz="457200">
-              <a:lnSpc>
-                <a:spcPct val="90000"/>
-              </a:lnSpc>
-              <a:spcBef>
-                <a:spcPct val="20000"/>
-              </a:spcBef>
               <a:spcAft>
                 <a:spcPts val="600"/>
               </a:spcAft>
-              <a:buSzPct val="92000"/>
-              <a:buFont typeface="Wingdings 2" panose="05020102010507070707" pitchFamily="18" charset="2"/>
-              <a:buChar char=""/>
             </a:pPr>
             <a:r>
-              <a:rPr lang="en-US" sz="1800">
-                <a:solidFill>
-                  <a:schemeClr val="accent2">
-                    <a:lumMod val="50000"/>
-                  </a:schemeClr>
-                </a:solidFill>
-              </a:rPr>
+              <a:rPr lang="en-US"/>
               <a:t>interaction terms, scaling, transforming, etc.</a:t>
             </a:r>
           </a:p>
           <a:p>
             <a:pPr marL="457200" lvl="0" indent="-342900" defTabSz="457200">
-              <a:lnSpc>
-                <a:spcPct val="90000"/>
-              </a:lnSpc>
-              <a:spcBef>
-                <a:spcPct val="20000"/>
-              </a:spcBef>
               <a:spcAft>
                 <a:spcPts val="600"/>
               </a:spcAft>
-              <a:buSzPct val="92000"/>
-              <a:buFont typeface="Wingdings 2" panose="05020102010507070707" pitchFamily="18" charset="2"/>
-              <a:buChar char=""/>
             </a:pPr>
             <a:r>
-              <a:rPr lang="en-US" sz="1800">
-                <a:solidFill>
-                  <a:schemeClr val="accent2">
-                    <a:lumMod val="50000"/>
-                  </a:schemeClr>
-                </a:solidFill>
-              </a:rPr>
+              <a:rPr lang="en-US"/>
               <a:t>evaluate your model and interpret some of the more important coefficients</a:t>
             </a:r>
           </a:p>
           <a:p>
             <a:pPr marL="457200" lvl="0" indent="-342900" defTabSz="457200">
-              <a:lnSpc>
-                <a:spcPct val="90000"/>
-              </a:lnSpc>
-              <a:spcBef>
-                <a:spcPct val="20000"/>
-              </a:spcBef>
               <a:spcAft>
                 <a:spcPts val="600"/>
               </a:spcAft>
-              <a:buSzPct val="92000"/>
-              <a:buFont typeface="Wingdings 2" panose="05020102010507070707" pitchFamily="18" charset="2"/>
-              <a:buChar char=""/>
             </a:pPr>
             <a:r>
-              <a:rPr lang="en-US" sz="1800">
-                <a:solidFill>
-                  <a:schemeClr val="accent2">
-                    <a:lumMod val="50000"/>
-                  </a:schemeClr>
-                </a:solidFill>
-              </a:rPr>
+              <a:rPr lang="en-US"/>
               <a:t>interpret your R2 with the correct definition </a:t>
             </a:r>
           </a:p>
           <a:p>
             <a:pPr marL="457200" lvl="0" indent="-342900" defTabSz="457200">
-              <a:lnSpc>
-                <a:spcPct val="90000"/>
-              </a:lnSpc>
-              <a:spcBef>
-                <a:spcPct val="20000"/>
-              </a:spcBef>
               <a:spcAft>
                 <a:spcPts val="600"/>
               </a:spcAft>
-              <a:buSzPct val="92000"/>
-              <a:buFont typeface="Wingdings 2" panose="05020102010507070707" pitchFamily="18" charset="2"/>
-              <a:buChar char=""/>
             </a:pPr>
             <a:r>
-              <a:rPr lang="en-US" sz="1800">
-                <a:solidFill>
-                  <a:schemeClr val="accent2">
-                    <a:lumMod val="50000"/>
-                  </a:schemeClr>
-                </a:solidFill>
-              </a:rPr>
+              <a:rPr lang="en-US"/>
               <a:t>show RMSE</a:t>
             </a:r>
           </a:p>
@@ -10683,7 +12592,7 @@
 </p:sld>
 </file>
 
-<file path=ppt/slides/slide6.xml><?xml version="1.0" encoding="utf-8"?>
+<file path=ppt/slides/slide7.xml><?xml version="1.0" encoding="utf-8"?>
 <p:sld xmlns:a="http://schemas.openxmlformats.org/drawingml/2006/main" xmlns:r="http://schemas.openxmlformats.org/officeDocument/2006/relationships" xmlns:p="http://schemas.openxmlformats.org/presentationml/2006/main">
   <p:cSld>
     <p:bg>
@@ -11162,7 +13071,7 @@
 </p:sld>
 </file>
 
-<file path=ppt/slides/slide7.xml><?xml version="1.0" encoding="utf-8"?>
+<file path=ppt/slides/slide8.xml><?xml version="1.0" encoding="utf-8"?>
 <p:sld xmlns:a="http://schemas.openxmlformats.org/drawingml/2006/main" xmlns:r="http://schemas.openxmlformats.org/officeDocument/2006/relationships" xmlns:p="http://schemas.openxmlformats.org/presentationml/2006/main">
   <p:cSld>
     <p:bg>
@@ -11189,10 +13098,10 @@
       </p:grpSpPr>
       <p:sp>
         <p:nvSpPr>
-          <p:cNvPr id="113" name="Rectangle 112">
+          <p:cNvPr id="150" name="Rectangle 149">
             <a:extLst>
               <a:ext uri="{FF2B5EF4-FFF2-40B4-BE49-F238E27FC236}">
-                <a16:creationId xmlns:a16="http://schemas.microsoft.com/office/drawing/2014/main" id="{2928117C-9446-4E7F-AE62-95E0F6DB5B27}"/>
+                <a16:creationId xmlns:a16="http://schemas.microsoft.com/office/drawing/2014/main" id="{E9AA9F65-94B8-41A5-A7FF-23D2CFB116BB}"/>
               </a:ext>
               <a:ext uri="{C183D7F6-B498-43B3-948B-1728B52AA6E4}">
                 <adec:decorative xmlns:adec="http://schemas.microsoft.com/office/drawing/2017/decorative" val="1"/>
@@ -11243,10 +13152,10 @@
       </p:sp>
       <p:sp>
         <p:nvSpPr>
-          <p:cNvPr id="115" name="Rectangle 114">
+          <p:cNvPr id="152" name="Rectangle 151">
             <a:extLst>
               <a:ext uri="{FF2B5EF4-FFF2-40B4-BE49-F238E27FC236}">
-                <a16:creationId xmlns:a16="http://schemas.microsoft.com/office/drawing/2014/main" id="{84D30AFB-4D71-48B0-AA00-28EE92363A5F}"/>
+                <a16:creationId xmlns:a16="http://schemas.microsoft.com/office/drawing/2014/main" id="{7E8B0F8E-3F6C-4541-B9C1-774D80A08834}"/>
               </a:ext>
               <a:ext uri="{C183D7F6-B498-43B3-948B-1728B52AA6E4}">
                 <adec:decorative xmlns:adec="http://schemas.microsoft.com/office/drawing/2017/decorative" val="1"/>
@@ -11297,10 +13206,10 @@
       </p:sp>
       <p:sp>
         <p:nvSpPr>
-          <p:cNvPr id="117" name="Rectangle 116">
+          <p:cNvPr id="154" name="Rectangle 153">
             <a:extLst>
               <a:ext uri="{FF2B5EF4-FFF2-40B4-BE49-F238E27FC236}">
-                <a16:creationId xmlns:a16="http://schemas.microsoft.com/office/drawing/2014/main" id="{96A0B76F-8010-4C62-B4B6-C5FC438C059E}"/>
+                <a16:creationId xmlns:a16="http://schemas.microsoft.com/office/drawing/2014/main" id="{7A45F5BC-32D1-41CD-B270-C46F18CA1ACC}"/>
               </a:ext>
               <a:ext uri="{C183D7F6-B498-43B3-948B-1728B52AA6E4}">
                 <adec:decorative xmlns:adec="http://schemas.microsoft.com/office/drawing/2017/decorative" val="1"/>
@@ -11351,10 +13260,10 @@
       </p:sp>
       <p:sp>
         <p:nvSpPr>
-          <p:cNvPr id="119" name="Rectangle 118">
+          <p:cNvPr id="156" name="Rectangle 155">
             <a:extLst>
               <a:ext uri="{FF2B5EF4-FFF2-40B4-BE49-F238E27FC236}">
-                <a16:creationId xmlns:a16="http://schemas.microsoft.com/office/drawing/2014/main" id="{B36BEBD5-A373-4C8C-8C06-CD8007E22F39}"/>
+                <a16:creationId xmlns:a16="http://schemas.microsoft.com/office/drawing/2014/main" id="{5BB74D4E-F243-4A10-813D-500A14025392}"/>
               </a:ext>
               <a:ext uri="{C183D7F6-B498-43B3-948B-1728B52AA6E4}">
                 <adec:decorative xmlns:adec="http://schemas.microsoft.com/office/drawing/2017/decorative" val="1"/>
@@ -11403,12 +13312,12 @@
           </a:fontRef>
         </p:style>
       </p:sp>
-      <p:sp useBgFill="1">
-        <p:nvSpPr>
-          <p:cNvPr id="121" name="Rectangle 120">
+      <p:sp>
+        <p:nvSpPr>
+          <p:cNvPr id="158" name="Rectangle 157">
             <a:extLst>
               <a:ext uri="{FF2B5EF4-FFF2-40B4-BE49-F238E27FC236}">
-                <a16:creationId xmlns:a16="http://schemas.microsoft.com/office/drawing/2014/main" id="{EA97CA5D-BCDD-4F61-B77F-34068368BF47}"/>
+                <a16:creationId xmlns:a16="http://schemas.microsoft.com/office/drawing/2014/main" id="{1A59258C-AAC2-41CD-973C-7439B122A3FF}"/>
               </a:ext>
               <a:ext uri="{C183D7F6-B498-43B3-948B-1728B52AA6E4}">
                 <adec:decorative xmlns:adec="http://schemas.microsoft.com/office/drawing/2017/decorative" val="1"/>
@@ -11430,6 +13339,75 @@
           <a:xfrm>
             <a:off x="0" y="0"/>
             <a:ext cx="9144000" cy="5143500"/>
+          </a:xfrm>
+          <a:prstGeom prst="rect">
+            <a:avLst/>
+          </a:prstGeom>
+          <a:solidFill>
+            <a:srgbClr val="FFFFFF"/>
+          </a:solidFill>
+          <a:ln>
+            <a:noFill/>
+          </a:ln>
+        </p:spPr>
+        <p:style>
+          <a:lnRef idx="2">
+            <a:schemeClr val="accent1">
+              <a:shade val="50000"/>
+            </a:schemeClr>
+          </a:lnRef>
+          <a:fillRef idx="1">
+            <a:schemeClr val="accent1"/>
+          </a:fillRef>
+          <a:effectRef idx="0">
+            <a:schemeClr val="accent1"/>
+          </a:effectRef>
+          <a:fontRef idx="minor">
+            <a:schemeClr val="lt1"/>
+          </a:fontRef>
+        </p:style>
+        <p:txBody>
+          <a:bodyPr rtlCol="0" anchor="ctr"/>
+          <a:lstStyle/>
+          <a:p>
+            <a:pPr marL="285750" indent="-285750" algn="ctr">
+              <a:buClr>
+                <a:schemeClr val="accent1"/>
+              </a:buClr>
+              <a:buFont typeface="Arial" panose="020B0604020202020204" pitchFamily="34" charset="0"/>
+              <a:buChar char="•"/>
+            </a:pPr>
+            <a:endParaRPr lang="en-US" dirty="0"/>
+          </a:p>
+        </p:txBody>
+      </p:sp>
+      <p:sp>
+        <p:nvSpPr>
+          <p:cNvPr id="160" name="Rectangle 159">
+            <a:extLst>
+              <a:ext uri="{FF2B5EF4-FFF2-40B4-BE49-F238E27FC236}">
+                <a16:creationId xmlns:a16="http://schemas.microsoft.com/office/drawing/2014/main" id="{54516B72-0116-42B2-82A2-B11218A36636}"/>
+              </a:ext>
+              <a:ext uri="{C183D7F6-B498-43B3-948B-1728B52AA6E4}">
+                <adec:decorative xmlns:adec="http://schemas.microsoft.com/office/drawing/2017/decorative" val="1"/>
+              </a:ext>
+            </a:extLst>
+          </p:cNvPr>
+          <p:cNvSpPr>
+            <a:spLocks noGrp="1" noRot="1" noChangeAspect="1" noMove="1" noResize="1" noEditPoints="1" noAdjustHandles="1" noChangeArrowheads="1" noChangeShapeType="1" noTextEdit="1"/>
+          </p:cNvSpPr>
+          <p:nvPr>
+            <p:extLst>
+              <p:ext uri="{386F3935-93C4-4BCD-93E2-E3B085C9AB24}">
+                <p16:designElem xmlns:p16="http://schemas.microsoft.com/office/powerpoint/2015/main" val="1"/>
+              </p:ext>
+            </p:extLst>
+          </p:nvPr>
+        </p:nvSpPr>
+        <p:spPr>
+          <a:xfrm>
+            <a:off x="0" y="0"/>
+            <a:ext cx="4584892" cy="5143500"/>
           </a:xfrm>
           <a:prstGeom prst="rect">
             <a:avLst/>
@@ -11463,98 +13441,6 @@
           </a:p>
         </p:txBody>
       </p:sp>
-      <p:pic>
-        <p:nvPicPr>
-          <p:cNvPr id="109" name="Picture 108" descr="Path winding through a grassy field">
-            <a:extLst>
-              <a:ext uri="{FF2B5EF4-FFF2-40B4-BE49-F238E27FC236}">
-                <a16:creationId xmlns:a16="http://schemas.microsoft.com/office/drawing/2014/main" id="{9AFC9136-F74C-45D0-9D27-AAE7D7BF8A5B}"/>
-              </a:ext>
-            </a:extLst>
-          </p:cNvPr>
-          <p:cNvPicPr>
-            <a:picLocks noChangeAspect="1"/>
-          </p:cNvPicPr>
-          <p:nvPr/>
-        </p:nvPicPr>
-        <p:blipFill rotWithShape="1">
-          <a:blip r:embed="rId3">
-            <a:duotone>
-              <a:schemeClr val="bg2">
-                <a:shade val="45000"/>
-                <a:satMod val="135000"/>
-              </a:schemeClr>
-              <a:prstClr val="white"/>
-            </a:duotone>
-            <a:alphaModFix amt="35000"/>
-          </a:blip>
-          <a:srcRect t="6330" b="9400"/>
-          <a:stretch/>
-        </p:blipFill>
-        <p:spPr>
-          <a:xfrm>
-            <a:off x="20" y="10"/>
-            <a:ext cx="9143980" cy="5143490"/>
-          </a:xfrm>
-          <a:prstGeom prst="rect">
-            <a:avLst/>
-          </a:prstGeom>
-        </p:spPr>
-      </p:pic>
-      <p:sp>
-        <p:nvSpPr>
-          <p:cNvPr id="123" name="Rectangle 122">
-            <a:extLst>
-              <a:ext uri="{FF2B5EF4-FFF2-40B4-BE49-F238E27FC236}">
-                <a16:creationId xmlns:a16="http://schemas.microsoft.com/office/drawing/2014/main" id="{BB80117C-7F39-43C5-86D0-1B3E99AB5E86}"/>
-              </a:ext>
-              <a:ext uri="{C183D7F6-B498-43B3-948B-1728B52AA6E4}">
-                <adec:decorative xmlns:adec="http://schemas.microsoft.com/office/drawing/2017/decorative" val="1"/>
-              </a:ext>
-            </a:extLst>
-          </p:cNvPr>
-          <p:cNvSpPr>
-            <a:spLocks noGrp="1" noRot="1" noChangeAspect="1" noMove="1" noResize="1" noEditPoints="1" noAdjustHandles="1" noChangeArrowheads="1" noChangeShapeType="1" noTextEdit="1"/>
-          </p:cNvSpPr>
-          <p:nvPr>
-            <p:extLst>
-              <p:ext uri="{386F3935-93C4-4BCD-93E2-E3B085C9AB24}">
-                <p16:designElem xmlns:p16="http://schemas.microsoft.com/office/powerpoint/2015/main" val="1"/>
-              </p:ext>
-            </p:extLst>
-          </p:nvPr>
-        </p:nvSpPr>
-        <p:spPr>
-          <a:xfrm>
-            <a:off x="330214" y="460805"/>
-            <a:ext cx="8482004" cy="891973"/>
-          </a:xfrm>
-          <a:prstGeom prst="rect">
-            <a:avLst/>
-          </a:prstGeom>
-          <a:solidFill>
-            <a:schemeClr val="accent1"/>
-          </a:solidFill>
-          <a:ln>
-            <a:noFill/>
-          </a:ln>
-          <a:effectLst/>
-        </p:spPr>
-        <p:style>
-          <a:lnRef idx="1">
-            <a:schemeClr val="accent1"/>
-          </a:lnRef>
-          <a:fillRef idx="3">
-            <a:schemeClr val="accent1"/>
-          </a:fillRef>
-          <a:effectRef idx="2">
-            <a:schemeClr val="accent1"/>
-          </a:effectRef>
-          <a:fontRef idx="minor">
-            <a:schemeClr val="lt1"/>
-          </a:fontRef>
-        </p:style>
-      </p:sp>
       <p:sp>
         <p:nvSpPr>
           <p:cNvPr id="91" name="Google Shape;91;p19"/>
@@ -11567,15 +13453,15 @@
         </p:nvSpPr>
         <p:spPr>
           <a:xfrm>
-            <a:off x="435894" y="526617"/>
-            <a:ext cx="8272212" cy="760350"/>
+            <a:off x="482601" y="775041"/>
+            <a:ext cx="3619692" cy="3619057"/>
           </a:xfrm>
           <a:prstGeom prst="rect">
             <a:avLst/>
           </a:prstGeom>
         </p:spPr>
         <p:txBody>
-          <a:bodyPr spcFirstLastPara="1" vert="horz" lIns="91440" tIns="45720" rIns="91440" bIns="45720" rtlCol="0" anchor="b" anchorCtr="0">
+          <a:bodyPr spcFirstLastPara="1" vert="horz" lIns="91440" tIns="45720" rIns="91440" bIns="45720" rtlCol="0" anchor="ctr" anchorCtr="0">
             <a:normAutofit/>
           </a:bodyPr>
           <a:lstStyle/>
@@ -11589,7 +13475,7 @@
               </a:spcAft>
             </a:pPr>
             <a:r>
-              <a:rPr lang="en-US" sz="2800">
+              <a:rPr lang="en-US" sz="4100">
                 <a:solidFill>
                   <a:srgbClr val="FFFFFF"/>
                 </a:solidFill>
@@ -11599,21 +13485,21 @@
           </a:p>
         </p:txBody>
       </p:sp>
-      <p:grpSp>
-        <p:nvGrpSpPr>
-          <p:cNvPr id="125" name="Group 124">
+      <p:sp>
+        <p:nvSpPr>
+          <p:cNvPr id="162" name="Rectangle 161">
             <a:extLst>
               <a:ext uri="{FF2B5EF4-FFF2-40B4-BE49-F238E27FC236}">
-                <a16:creationId xmlns:a16="http://schemas.microsoft.com/office/drawing/2014/main" id="{22A9BB93-2DF4-4EFD-94C3-A0CC895CDE64}"/>
+                <a16:creationId xmlns:a16="http://schemas.microsoft.com/office/drawing/2014/main" id="{7CDB507F-21B7-4C27-B0FC-D9C465C6DB44}"/>
               </a:ext>
               <a:ext uri="{C183D7F6-B498-43B3-948B-1728B52AA6E4}">
                 <adec:decorative xmlns:adec="http://schemas.microsoft.com/office/drawing/2017/decorative" val="1"/>
               </a:ext>
             </a:extLst>
           </p:cNvPr>
-          <p:cNvGrpSpPr>
-            <a:grpSpLocks noGrp="1" noUngrp="1" noRot="1" noChangeAspect="1" noMove="1" noResize="1"/>
-          </p:cNvGrpSpPr>
+          <p:cNvSpPr>
+            <a:spLocks noGrp="1" noRot="1" noChangeAspect="1" noMove="1" noResize="1" noEditPoints="1" noAdjustHandles="1" noChangeArrowheads="1" noChangeShapeType="1" noTextEdit="1"/>
+          </p:cNvSpPr>
           <p:nvPr>
             <p:extLst>
               <p:ext uri="{386F3935-93C4-4BCD-93E2-E3B085C9AB24}">
@@ -11621,190 +13507,113 @@
               </p:ext>
             </p:extLst>
           </p:nvPr>
-        </p:nvGrpSpPr>
-        <p:grpSpPr>
-          <a:xfrm>
-            <a:off x="334900" y="340232"/>
-            <a:ext cx="8474200" cy="73915"/>
-            <a:chOff x="446534" y="453643"/>
-            <a:chExt cx="11298933" cy="98554"/>
-          </a:xfrm>
-        </p:grpSpPr>
-        <p:sp>
-          <p:nvSpPr>
-            <p:cNvPr id="126" name="Rectangle 125">
-              <a:extLst>
-                <a:ext uri="{FF2B5EF4-FFF2-40B4-BE49-F238E27FC236}">
-                  <a16:creationId xmlns:a16="http://schemas.microsoft.com/office/drawing/2014/main" id="{50B3C702-83B2-4274-BF5A-C42475E28047}"/>
-                </a:ext>
-                <a:ext uri="{C183D7F6-B498-43B3-948B-1728B52AA6E4}">
-                  <adec:decorative xmlns:adec="http://schemas.microsoft.com/office/drawing/2017/decorative" val="1"/>
-                </a:ext>
-              </a:extLst>
-            </p:cNvPr>
-            <p:cNvSpPr/>
-            <p:nvPr>
-              <p:extLst>
-                <p:ext uri="{386F3935-93C4-4BCD-93E2-E3B085C9AB24}">
-                  <p16:designElem xmlns:p16="http://schemas.microsoft.com/office/powerpoint/2015/main" val="1"/>
-                </p:ext>
-              </p:extLst>
-            </p:nvPr>
-          </p:nvSpPr>
-          <p:spPr>
-            <a:xfrm>
-              <a:off x="446534" y="457200"/>
-              <a:ext cx="3703320" cy="94997"/>
-            </a:xfrm>
-            <a:prstGeom prst="rect">
-              <a:avLst/>
-            </a:prstGeom>
-            <a:solidFill>
-              <a:schemeClr val="accent1"/>
-            </a:solidFill>
-            <a:ln>
-              <a:noFill/>
-            </a:ln>
-            <a:effectLst/>
-          </p:spPr>
-          <p:style>
-            <a:lnRef idx="1">
-              <a:schemeClr val="accent1"/>
-            </a:lnRef>
-            <a:fillRef idx="3">
-              <a:schemeClr val="accent1"/>
-            </a:fillRef>
-            <a:effectRef idx="2">
-              <a:schemeClr val="accent1"/>
-            </a:effectRef>
-            <a:fontRef idx="minor">
-              <a:schemeClr val="lt1"/>
-            </a:fontRef>
-          </p:style>
-        </p:sp>
-        <p:sp>
-          <p:nvSpPr>
-            <p:cNvPr id="127" name="Rectangle 126">
-              <a:extLst>
-                <a:ext uri="{FF2B5EF4-FFF2-40B4-BE49-F238E27FC236}">
-                  <a16:creationId xmlns:a16="http://schemas.microsoft.com/office/drawing/2014/main" id="{5B7BEE93-7680-4E07-8B35-53D4D53F29F6}"/>
-                </a:ext>
-                <a:ext uri="{C183D7F6-B498-43B3-948B-1728B52AA6E4}">
-                  <adec:decorative xmlns:adec="http://schemas.microsoft.com/office/drawing/2017/decorative" val="1"/>
-                </a:ext>
-              </a:extLst>
-            </p:cNvPr>
-            <p:cNvSpPr/>
-            <p:nvPr>
-              <p:extLst>
-                <p:ext uri="{386F3935-93C4-4BCD-93E2-E3B085C9AB24}">
-                  <p16:designElem xmlns:p16="http://schemas.microsoft.com/office/powerpoint/2015/main" val="1"/>
-                </p:ext>
-              </p:extLst>
-            </p:nvPr>
-          </p:nvSpPr>
-          <p:spPr>
-            <a:xfrm>
-              <a:off x="8042147" y="453643"/>
-              <a:ext cx="3703320" cy="98554"/>
-            </a:xfrm>
-            <a:prstGeom prst="rect">
-              <a:avLst/>
-            </a:prstGeom>
-            <a:solidFill>
-              <a:schemeClr val="accent4"/>
-            </a:solidFill>
-            <a:ln>
-              <a:noFill/>
-            </a:ln>
-            <a:effectLst/>
-          </p:spPr>
-          <p:style>
-            <a:lnRef idx="1">
-              <a:schemeClr val="accent1"/>
-            </a:lnRef>
-            <a:fillRef idx="3">
-              <a:schemeClr val="accent1"/>
-            </a:fillRef>
-            <a:effectRef idx="2">
-              <a:schemeClr val="accent1"/>
-            </a:effectRef>
-            <a:fontRef idx="minor">
-              <a:schemeClr val="lt1"/>
-            </a:fontRef>
-          </p:style>
-        </p:sp>
-        <p:sp>
-          <p:nvSpPr>
-            <p:cNvPr id="128" name="Rectangle 127">
-              <a:extLst>
-                <a:ext uri="{FF2B5EF4-FFF2-40B4-BE49-F238E27FC236}">
-                  <a16:creationId xmlns:a16="http://schemas.microsoft.com/office/drawing/2014/main" id="{5626784A-218C-4257-AC79-DD5BC6EF9A90}"/>
-                </a:ext>
-                <a:ext uri="{C183D7F6-B498-43B3-948B-1728B52AA6E4}">
-                  <adec:decorative xmlns:adec="http://schemas.microsoft.com/office/drawing/2017/decorative" val="1"/>
-                </a:ext>
-              </a:extLst>
-            </p:cNvPr>
-            <p:cNvSpPr/>
-            <p:nvPr>
-              <p:extLst>
-                <p:ext uri="{386F3935-93C4-4BCD-93E2-E3B085C9AB24}">
-                  <p16:designElem xmlns:p16="http://schemas.microsoft.com/office/powerpoint/2015/main" val="1"/>
-                </p:ext>
-              </p:extLst>
-            </p:nvPr>
-          </p:nvSpPr>
-          <p:spPr>
-            <a:xfrm>
-              <a:off x="4241830" y="457200"/>
-              <a:ext cx="3703320" cy="91440"/>
-            </a:xfrm>
-            <a:prstGeom prst="rect">
-              <a:avLst/>
-            </a:prstGeom>
-            <a:solidFill>
-              <a:schemeClr val="accent2"/>
-            </a:solidFill>
-            <a:ln>
-              <a:noFill/>
-            </a:ln>
-            <a:effectLst/>
-          </p:spPr>
-          <p:style>
-            <a:lnRef idx="1">
-              <a:schemeClr val="accent1"/>
-            </a:lnRef>
-            <a:fillRef idx="3">
-              <a:schemeClr val="accent1"/>
-            </a:fillRef>
-            <a:effectRef idx="2">
-              <a:schemeClr val="accent1"/>
-            </a:effectRef>
-            <a:fontRef idx="minor">
-              <a:schemeClr val="lt1"/>
-            </a:fontRef>
-          </p:style>
-        </p:sp>
-      </p:grpSp>
-      <p:sp>
-        <p:nvSpPr>
-          <p:cNvPr id="92" name="Google Shape;92;p19"/>
-          <p:cNvSpPr txBox="1">
-            <a:spLocks noGrp="1"/>
-          </p:cNvSpPr>
-          <p:nvPr>
-            <p:ph type="body" idx="1"/>
-          </p:nvPr>
         </p:nvSpPr>
         <p:spPr>
           <a:xfrm>
-            <a:off x="435894" y="1635372"/>
-            <a:ext cx="8272211" cy="2758727"/>
+            <a:off x="481934" y="345651"/>
+            <a:ext cx="3621024" cy="83740"/>
           </a:xfrm>
           <a:prstGeom prst="rect">
             <a:avLst/>
           </a:prstGeom>
+          <a:solidFill>
+            <a:srgbClr val="FFFFFF"/>
+          </a:solidFill>
+          <a:ln>
+            <a:noFill/>
+          </a:ln>
+          <a:effectLst/>
+        </p:spPr>
+        <p:style>
+          <a:lnRef idx="1">
+            <a:schemeClr val="accent1"/>
+          </a:lnRef>
+          <a:fillRef idx="3">
+            <a:schemeClr val="accent1"/>
+          </a:fillRef>
+          <a:effectRef idx="2">
+            <a:schemeClr val="accent1"/>
+          </a:effectRef>
+          <a:fontRef idx="minor">
+            <a:schemeClr val="lt1"/>
+          </a:fontRef>
+        </p:style>
+      </p:sp>
+      <p:sp>
+        <p:nvSpPr>
+          <p:cNvPr id="164" name="Rectangle 163">
+            <a:extLst>
+              <a:ext uri="{FF2B5EF4-FFF2-40B4-BE49-F238E27FC236}">
+                <a16:creationId xmlns:a16="http://schemas.microsoft.com/office/drawing/2014/main" id="{7AB1AE17-B7A3-4363-95CD-25441E2FF1F3}"/>
+              </a:ext>
+              <a:ext uri="{C183D7F6-B498-43B3-948B-1728B52AA6E4}">
+                <adec:decorative xmlns:adec="http://schemas.microsoft.com/office/drawing/2017/decorative" val="1"/>
+              </a:ext>
+            </a:extLst>
+          </p:cNvPr>
+          <p:cNvSpPr>
+            <a:spLocks noGrp="1" noRot="1" noChangeAspect="1" noMove="1" noResize="1" noEditPoints="1" noAdjustHandles="1" noChangeArrowheads="1" noChangeShapeType="1" noTextEdit="1"/>
+          </p:cNvSpPr>
+          <p:nvPr>
+            <p:extLst>
+              <p:ext uri="{386F3935-93C4-4BCD-93E2-E3B085C9AB24}">
+                <p16:designElem xmlns:p16="http://schemas.microsoft.com/office/powerpoint/2015/main" val="1"/>
+              </p:ext>
+            </p:extLst>
+          </p:nvPr>
+        </p:nvSpPr>
+        <p:spPr>
+          <a:xfrm>
+            <a:off x="5087080" y="345651"/>
+            <a:ext cx="3621024" cy="83740"/>
+          </a:xfrm>
+          <a:prstGeom prst="rect">
+            <a:avLst/>
+          </a:prstGeom>
+          <a:solidFill>
+            <a:schemeClr val="accent2"/>
+          </a:solidFill>
+          <a:ln>
+            <a:noFill/>
+          </a:ln>
+          <a:effectLst/>
+        </p:spPr>
+        <p:style>
+          <a:lnRef idx="1">
+            <a:schemeClr val="accent1"/>
+          </a:lnRef>
+          <a:fillRef idx="3">
+            <a:schemeClr val="accent1"/>
+          </a:fillRef>
+          <a:effectRef idx="2">
+            <a:schemeClr val="accent1"/>
+          </a:effectRef>
+          <a:fontRef idx="minor">
+            <a:schemeClr val="lt1"/>
+          </a:fontRef>
+        </p:style>
+      </p:sp>
+      <p:sp>
+        <p:nvSpPr>
+          <p:cNvPr id="92" name="Google Shape;92;p19"/>
+          <p:cNvSpPr txBox="1">
+            <a:spLocks noGrp="1"/>
+          </p:cNvSpPr>
+          <p:nvPr>
+            <p:ph type="body" idx="1"/>
+          </p:nvPr>
+        </p:nvSpPr>
+        <p:spPr>
+          <a:xfrm>
+            <a:off x="5066826" y="775042"/>
+            <a:ext cx="3641278" cy="3619057"/>
+          </a:xfrm>
+          <a:prstGeom prst="rect">
+            <a:avLst/>
+          </a:prstGeom>
+          <a:ln w="57150">
+            <a:noFill/>
+          </a:ln>
         </p:spPr>
         <p:txBody>
           <a:bodyPr spcFirstLastPara="1" vert="horz" lIns="91440" tIns="45720" rIns="91440" bIns="45720" rtlCol="0" anchor="ctr" anchorCtr="0">
@@ -11824,7 +13633,13 @@
               <a:buChar char=""/>
             </a:pPr>
             <a:r>
-              <a:rPr lang="en-US" dirty="0"/>
+              <a:rPr lang="en-US" sz="1500">
+                <a:solidFill>
+                  <a:schemeClr val="accent2">
+                    <a:lumMod val="50000"/>
+                  </a:schemeClr>
+                </a:solidFill>
+              </a:rPr>
               <a:t>Missing data points:</a:t>
             </a:r>
           </a:p>
@@ -11841,7 +13656,13 @@
               <a:buChar char=""/>
             </a:pPr>
             <a:r>
-              <a:rPr lang="en-US" dirty="0"/>
+              <a:rPr lang="en-US" sz="1500">
+                <a:solidFill>
+                  <a:schemeClr val="accent2">
+                    <a:lumMod val="50000"/>
+                  </a:schemeClr>
+                </a:solidFill>
+              </a:rPr>
               <a:t>Varietal</a:t>
             </a:r>
           </a:p>
@@ -11858,7 +13679,13 @@
               <a:buChar char=""/>
             </a:pPr>
             <a:r>
-              <a:rPr lang="en-US" dirty="0"/>
+              <a:rPr lang="en-US" sz="1500">
+                <a:solidFill>
+                  <a:schemeClr val="accent2">
+                    <a:lumMod val="50000"/>
+                  </a:schemeClr>
+                </a:solidFill>
+              </a:rPr>
               <a:t>Label</a:t>
             </a:r>
           </a:p>
@@ -11964,13 +13791,13 @@
 </p:sld>
 </file>
 
-<file path=ppt/slides/slide8.xml><?xml version="1.0" encoding="utf-8"?>
+<file path=ppt/slides/slide9.xml><?xml version="1.0" encoding="utf-8"?>
 <p:sld xmlns:a="http://schemas.openxmlformats.org/drawingml/2006/main" xmlns:r="http://schemas.openxmlformats.org/officeDocument/2006/relationships" xmlns:p="http://schemas.openxmlformats.org/presentationml/2006/main">
   <p:cSld>
     <p:bg>
       <p:bgPr>
         <a:solidFill>
-          <a:schemeClr val="bg2"/>
+          <a:schemeClr val="bg1"/>
         </a:solidFill>
         <a:effectLst/>
       </p:bgPr>
@@ -11991,7 +13818,7 @@
       </p:grpSpPr>
       <p:sp>
         <p:nvSpPr>
-          <p:cNvPr id="103" name="Rectangle 102">
+          <p:cNvPr id="118" name="Rectangle 117">
             <a:extLst>
               <a:ext uri="{FF2B5EF4-FFF2-40B4-BE49-F238E27FC236}">
                 <a16:creationId xmlns:a16="http://schemas.microsoft.com/office/drawing/2014/main" id="{E9AA9F65-94B8-41A5-A7FF-23D2CFB116BB}"/>
@@ -12045,7 +13872,7 @@
       </p:sp>
       <p:sp>
         <p:nvSpPr>
-          <p:cNvPr id="105" name="Rectangle 104">
+          <p:cNvPr id="120" name="Rectangle 119">
             <a:extLst>
               <a:ext uri="{FF2B5EF4-FFF2-40B4-BE49-F238E27FC236}">
                 <a16:creationId xmlns:a16="http://schemas.microsoft.com/office/drawing/2014/main" id="{7E8B0F8E-3F6C-4541-B9C1-774D80A08834}"/>
@@ -12099,7 +13926,7 @@
       </p:sp>
       <p:sp>
         <p:nvSpPr>
-          <p:cNvPr id="107" name="Rectangle 106">
+          <p:cNvPr id="122" name="Rectangle 121">
             <a:extLst>
               <a:ext uri="{FF2B5EF4-FFF2-40B4-BE49-F238E27FC236}">
                 <a16:creationId xmlns:a16="http://schemas.microsoft.com/office/drawing/2014/main" id="{7A45F5BC-32D1-41CD-B270-C46F18CA1ACC}"/>
@@ -12153,7 +13980,7 @@
       </p:sp>
       <p:sp>
         <p:nvSpPr>
-          <p:cNvPr id="109" name="Rectangle 108">
+          <p:cNvPr id="124" name="Rectangle 123">
             <a:extLst>
               <a:ext uri="{FF2B5EF4-FFF2-40B4-BE49-F238E27FC236}">
                 <a16:creationId xmlns:a16="http://schemas.microsoft.com/office/drawing/2014/main" id="{5BB74D4E-F243-4A10-813D-500A14025392}"/>
@@ -12207,10 +14034,10 @@
       </p:sp>
       <p:sp>
         <p:nvSpPr>
-          <p:cNvPr id="111" name="Rectangle 110">
+          <p:cNvPr id="126" name="Rectangle 125">
             <a:extLst>
               <a:ext uri="{FF2B5EF4-FFF2-40B4-BE49-F238E27FC236}">
-                <a16:creationId xmlns:a16="http://schemas.microsoft.com/office/drawing/2014/main" id="{D70130DC-F780-43D2-B26A-92EACD78951B}"/>
+                <a16:creationId xmlns:a16="http://schemas.microsoft.com/office/drawing/2014/main" id="{1A59258C-AAC2-41CD-973C-7439B122A3FF}"/>
               </a:ext>
               <a:ext uri="{C183D7F6-B498-43B3-948B-1728B52AA6E4}">
                 <adec:decorative xmlns:adec="http://schemas.microsoft.com/office/drawing/2017/decorative" val="1"/>
@@ -12237,7 +14064,7 @@
             <a:avLst/>
           </a:prstGeom>
           <a:solidFill>
-            <a:srgbClr val="E4E4E4"/>
+            <a:srgbClr val="FFFFFF"/>
           </a:solidFill>
           <a:ln>
             <a:noFill/>
@@ -12263,61 +14090,23 @@
           <a:bodyPr rtlCol="0" anchor="ctr"/>
           <a:lstStyle/>
           <a:p>
-            <a:pPr algn="ctr"/>
-            <a:endParaRPr lang="en-US"/>
+            <a:pPr marL="285750" indent="-285750" algn="ctr">
+              <a:buClr>
+                <a:schemeClr val="accent1"/>
+              </a:buClr>
+              <a:buFont typeface="Arial" panose="020B0604020202020204" pitchFamily="34" charset="0"/>
+              <a:buChar char="•"/>
+            </a:pPr>
+            <a:endParaRPr lang="en-US" dirty="0"/>
           </a:p>
         </p:txBody>
       </p:sp>
       <p:sp>
         <p:nvSpPr>
-          <p:cNvPr id="97" name="Google Shape;97;p20"/>
-          <p:cNvSpPr txBox="1">
-            <a:spLocks noGrp="1"/>
-          </p:cNvSpPr>
-          <p:nvPr>
-            <p:ph type="title"/>
-          </p:nvPr>
-        </p:nvSpPr>
-        <p:spPr>
-          <a:xfrm>
-            <a:off x="435894" y="481239"/>
-            <a:ext cx="8272212" cy="821670"/>
-          </a:xfrm>
-          <a:prstGeom prst="rect">
-            <a:avLst/>
-          </a:prstGeom>
-        </p:spPr>
-        <p:txBody>
-          <a:bodyPr spcFirstLastPara="1" vert="horz" lIns="91440" tIns="45720" rIns="91440" bIns="45720" rtlCol="0" anchor="t" anchorCtr="0">
-            <a:normAutofit/>
-          </a:bodyPr>
-          <a:lstStyle/>
-          <a:p>
-            <a:pPr marL="0" lvl="0" indent="0" defTabSz="457200">
-              <a:spcBef>
-                <a:spcPct val="0"/>
-              </a:spcBef>
-              <a:spcAft>
-                <a:spcPts val="0"/>
-              </a:spcAft>
-            </a:pPr>
-            <a:r>
-              <a:rPr lang="en-US" sz="2800">
-                <a:solidFill>
-                  <a:schemeClr val="accent2"/>
-                </a:solidFill>
-              </a:rPr>
-              <a:t>the “thank you” slide</a:t>
-            </a:r>
-          </a:p>
-        </p:txBody>
-      </p:sp>
-      <p:sp>
-        <p:nvSpPr>
-          <p:cNvPr id="113" name="Rectangle 112">
+          <p:cNvPr id="128" name="Rectangle 127">
             <a:extLst>
               <a:ext uri="{FF2B5EF4-FFF2-40B4-BE49-F238E27FC236}">
-                <a16:creationId xmlns:a16="http://schemas.microsoft.com/office/drawing/2014/main" id="{17676E0E-5B44-4166-8EDD-CFDBAC622C26}"/>
+                <a16:creationId xmlns:a16="http://schemas.microsoft.com/office/drawing/2014/main" id="{54516B72-0116-42B2-82A2-B11218A36636}"/>
               </a:ext>
               <a:ext uri="{C183D7F6-B498-43B3-948B-1728B52AA6E4}">
                 <adec:decorative xmlns:adec="http://schemas.microsoft.com/office/drawing/2017/decorative" val="1"/>
@@ -12337,49 +14126,55 @@
         </p:nvSpPr>
         <p:spPr>
           <a:xfrm>
-            <a:off x="334899" y="342900"/>
-            <a:ext cx="8474200" cy="68580"/>
+            <a:off x="0" y="0"/>
+            <a:ext cx="4584892" cy="5143500"/>
           </a:xfrm>
           <a:prstGeom prst="rect">
             <a:avLst/>
           </a:prstGeom>
-          <a:solidFill>
-            <a:schemeClr val="accent1"/>
-          </a:solidFill>
           <a:ln>
             <a:noFill/>
           </a:ln>
-          <a:effectLst/>
         </p:spPr>
         <p:style>
-          <a:lnRef idx="1">
-            <a:schemeClr val="accent1"/>
+          <a:lnRef idx="2">
+            <a:schemeClr val="accent1">
+              <a:shade val="50000"/>
+            </a:schemeClr>
           </a:lnRef>
-          <a:fillRef idx="3">
+          <a:fillRef idx="1">
             <a:schemeClr val="accent1"/>
           </a:fillRef>
-          <a:effectRef idx="2">
+          <a:effectRef idx="0">
             <a:schemeClr val="accent1"/>
           </a:effectRef>
           <a:fontRef idx="minor">
             <a:schemeClr val="lt1"/>
           </a:fontRef>
         </p:style>
-      </p:sp>
-      <p:sp>
-        <p:nvSpPr>
-          <p:cNvPr id="98" name="Google Shape;98;p20"/>
+        <p:txBody>
+          <a:bodyPr rtlCol="0" anchor="ctr"/>
+          <a:lstStyle/>
+          <a:p>
+            <a:pPr algn="ctr"/>
+            <a:endParaRPr lang="en-US"/>
+          </a:p>
+        </p:txBody>
+      </p:sp>
+      <p:sp>
+        <p:nvSpPr>
+          <p:cNvPr id="97" name="Google Shape;97;p20"/>
           <p:cNvSpPr txBox="1">
             <a:spLocks noGrp="1"/>
           </p:cNvSpPr>
           <p:nvPr>
-            <p:ph type="body" idx="1"/>
+            <p:ph type="title"/>
           </p:nvPr>
         </p:nvSpPr>
         <p:spPr>
           <a:xfrm>
-            <a:off x="435894" y="1409700"/>
-            <a:ext cx="8272211" cy="2984400"/>
+            <a:off x="482601" y="775041"/>
+            <a:ext cx="3619692" cy="3619057"/>
           </a:xfrm>
           <a:prstGeom prst="rect">
             <a:avLst/>
@@ -12390,6 +14185,208 @@
             <a:normAutofit/>
           </a:bodyPr>
           <a:lstStyle/>
+          <a:p>
+            <a:pPr marL="0" lvl="0" indent="0" defTabSz="457200">
+              <a:spcBef>
+                <a:spcPct val="0"/>
+              </a:spcBef>
+              <a:spcAft>
+                <a:spcPts val="0"/>
+              </a:spcAft>
+            </a:pPr>
+            <a:r>
+              <a:rPr lang="en-US" sz="4100" dirty="0">
+                <a:solidFill>
+                  <a:srgbClr val="FFFFFF"/>
+                </a:solidFill>
+              </a:rPr>
+              <a:t>Thank you!</a:t>
+            </a:r>
+          </a:p>
+        </p:txBody>
+      </p:sp>
+      <p:sp>
+        <p:nvSpPr>
+          <p:cNvPr id="130" name="Rectangle 129">
+            <a:extLst>
+              <a:ext uri="{FF2B5EF4-FFF2-40B4-BE49-F238E27FC236}">
+                <a16:creationId xmlns:a16="http://schemas.microsoft.com/office/drawing/2014/main" id="{7CDB507F-21B7-4C27-B0FC-D9C465C6DB44}"/>
+              </a:ext>
+              <a:ext uri="{C183D7F6-B498-43B3-948B-1728B52AA6E4}">
+                <adec:decorative xmlns:adec="http://schemas.microsoft.com/office/drawing/2017/decorative" val="1"/>
+              </a:ext>
+            </a:extLst>
+          </p:cNvPr>
+          <p:cNvSpPr>
+            <a:spLocks noGrp="1" noRot="1" noChangeAspect="1" noMove="1" noResize="1" noEditPoints="1" noAdjustHandles="1" noChangeArrowheads="1" noChangeShapeType="1" noTextEdit="1"/>
+          </p:cNvSpPr>
+          <p:nvPr>
+            <p:extLst>
+              <p:ext uri="{386F3935-93C4-4BCD-93E2-E3B085C9AB24}">
+                <p16:designElem xmlns:p16="http://schemas.microsoft.com/office/powerpoint/2015/main" val="1"/>
+              </p:ext>
+            </p:extLst>
+          </p:nvPr>
+        </p:nvSpPr>
+        <p:spPr>
+          <a:xfrm>
+            <a:off x="481934" y="345651"/>
+            <a:ext cx="3621024" cy="83740"/>
+          </a:xfrm>
+          <a:prstGeom prst="rect">
+            <a:avLst/>
+          </a:prstGeom>
+          <a:solidFill>
+            <a:srgbClr val="FFFFFF"/>
+          </a:solidFill>
+          <a:ln>
+            <a:noFill/>
+          </a:ln>
+          <a:effectLst/>
+        </p:spPr>
+        <p:style>
+          <a:lnRef idx="1">
+            <a:schemeClr val="accent1"/>
+          </a:lnRef>
+          <a:fillRef idx="3">
+            <a:schemeClr val="accent1"/>
+          </a:fillRef>
+          <a:effectRef idx="2">
+            <a:schemeClr val="accent1"/>
+          </a:effectRef>
+          <a:fontRef idx="minor">
+            <a:schemeClr val="lt1"/>
+          </a:fontRef>
+        </p:style>
+      </p:sp>
+      <p:sp>
+        <p:nvSpPr>
+          <p:cNvPr id="132" name="Rectangle 131">
+            <a:extLst>
+              <a:ext uri="{FF2B5EF4-FFF2-40B4-BE49-F238E27FC236}">
+                <a16:creationId xmlns:a16="http://schemas.microsoft.com/office/drawing/2014/main" id="{7AB1AE17-B7A3-4363-95CD-25441E2FF1F3}"/>
+              </a:ext>
+              <a:ext uri="{C183D7F6-B498-43B3-948B-1728B52AA6E4}">
+                <adec:decorative xmlns:adec="http://schemas.microsoft.com/office/drawing/2017/decorative" val="1"/>
+              </a:ext>
+            </a:extLst>
+          </p:cNvPr>
+          <p:cNvSpPr>
+            <a:spLocks noGrp="1" noRot="1" noChangeAspect="1" noMove="1" noResize="1" noEditPoints="1" noAdjustHandles="1" noChangeArrowheads="1" noChangeShapeType="1" noTextEdit="1"/>
+          </p:cNvSpPr>
+          <p:nvPr>
+            <p:extLst>
+              <p:ext uri="{386F3935-93C4-4BCD-93E2-E3B085C9AB24}">
+                <p16:designElem xmlns:p16="http://schemas.microsoft.com/office/powerpoint/2015/main" val="1"/>
+              </p:ext>
+            </p:extLst>
+          </p:nvPr>
+        </p:nvSpPr>
+        <p:spPr>
+          <a:xfrm>
+            <a:off x="5087080" y="345651"/>
+            <a:ext cx="3621024" cy="83740"/>
+          </a:xfrm>
+          <a:prstGeom prst="rect">
+            <a:avLst/>
+          </a:prstGeom>
+          <a:solidFill>
+            <a:schemeClr val="accent2"/>
+          </a:solidFill>
+          <a:ln>
+            <a:noFill/>
+          </a:ln>
+          <a:effectLst/>
+        </p:spPr>
+        <p:style>
+          <a:lnRef idx="1">
+            <a:schemeClr val="accent1"/>
+          </a:lnRef>
+          <a:fillRef idx="3">
+            <a:schemeClr val="accent1"/>
+          </a:fillRef>
+          <a:effectRef idx="2">
+            <a:schemeClr val="accent1"/>
+          </a:effectRef>
+          <a:fontRef idx="minor">
+            <a:schemeClr val="lt1"/>
+          </a:fontRef>
+        </p:style>
+      </p:sp>
+      <p:sp>
+        <p:nvSpPr>
+          <p:cNvPr id="98" name="Google Shape;98;p20"/>
+          <p:cNvSpPr txBox="1">
+            <a:spLocks noGrp="1"/>
+          </p:cNvSpPr>
+          <p:nvPr>
+            <p:ph type="body" idx="1"/>
+          </p:nvPr>
+        </p:nvSpPr>
+        <p:spPr>
+          <a:xfrm>
+            <a:off x="5066826" y="775042"/>
+            <a:ext cx="3641278" cy="3619057"/>
+          </a:xfrm>
+          <a:prstGeom prst="rect">
+            <a:avLst/>
+          </a:prstGeom>
+          <a:ln w="57150">
+            <a:noFill/>
+          </a:ln>
+        </p:spPr>
+        <p:txBody>
+          <a:bodyPr spcFirstLastPara="1" vert="horz" lIns="91440" tIns="45720" rIns="91440" bIns="45720" rtlCol="0" anchor="ctr" anchorCtr="0">
+            <a:normAutofit/>
+          </a:bodyPr>
+          <a:lstStyle/>
+          <a:p>
+            <a:pPr defTabSz="457200">
+              <a:spcBef>
+                <a:spcPct val="20000"/>
+              </a:spcBef>
+              <a:spcAft>
+                <a:spcPts val="600"/>
+              </a:spcAft>
+              <a:buSzPct val="92000"/>
+              <a:buFont typeface="Wingdings 2" panose="05020102010507070707" pitchFamily="18" charset="2"/>
+              <a:buChar char=""/>
+            </a:pPr>
+            <a:r>
+              <a:rPr lang="en-US" sz="1500" dirty="0">
+                <a:solidFill>
+                  <a:schemeClr val="accent2">
+                    <a:lumMod val="50000"/>
+                  </a:schemeClr>
+                </a:solidFill>
+              </a:rPr>
+              <a:t>Data source: </a:t>
+            </a:r>
+            <a:r>
+              <a:rPr lang="en-US" sz="1500" dirty="0">
+                <a:solidFill>
+                  <a:schemeClr val="accent2">
+                    <a:lumMod val="50000"/>
+                  </a:schemeClr>
+                </a:solidFill>
+                <a:hlinkClick r:id="rId3">
+                  <a:extLst>
+                    <a:ext uri="{A12FA001-AC4F-418D-AE19-62706E023703}">
+                      <ahyp:hlinkClr xmlns:ahyp="http://schemas.microsoft.com/office/drawing/2018/hyperlinkcolor" val="tx"/>
+                    </a:ext>
+                  </a:extLst>
+                </a:hlinkClick>
+              </a:rPr>
+              <a:t>https://www.kaggle.com/huseyinelci/wne-qualty-by-uci</a:t>
+            </a:r>
+            <a:endParaRPr lang="en-US" sz="1500" dirty="0">
+              <a:solidFill>
+                <a:schemeClr val="accent2">
+                  <a:lumMod val="50000"/>
+                </a:schemeClr>
+              </a:solidFill>
+            </a:endParaRPr>
+          </a:p>
           <a:p>
             <a:pPr marL="457200" lvl="0" indent="-342900" defTabSz="457200">
               <a:spcBef>
@@ -12403,37 +14400,41 @@
               <a:buChar char=""/>
             </a:pPr>
             <a:r>
-              <a:rPr lang="en-US" sz="1800">
+              <a:rPr lang="en-US" sz="1500" dirty="0">
                 <a:solidFill>
                   <a:schemeClr val="accent2">
                     <a:lumMod val="50000"/>
                   </a:schemeClr>
                 </a:solidFill>
               </a:rPr>
-              <a:t>possible to link to resources used, your github repo, any acknowledgements</a:t>
+              <a:t>Project repo: </a:t>
             </a:r>
-          </a:p>
-          <a:p>
-            <a:pPr marL="457200" lvl="0" indent="-342900" defTabSz="457200">
-              <a:spcBef>
-                <a:spcPct val="20000"/>
-              </a:spcBef>
-              <a:spcAft>
-                <a:spcPts val="600"/>
-              </a:spcAft>
-              <a:buSzPct val="92000"/>
-              <a:buFont typeface="Wingdings 2" panose="05020102010507070707" pitchFamily="18" charset="2"/>
-              <a:buChar char=""/>
-            </a:pPr>
             <a:r>
-              <a:rPr lang="en-US" sz="1800">
+              <a:rPr lang="en-US" sz="1500" dirty="0">
+                <a:solidFill>
+                  <a:schemeClr val="accent2">
+                    <a:lumMod val="50000"/>
+                  </a:schemeClr>
+                </a:solidFill>
+                <a:hlinkClick r:id="rId4">
+                  <a:extLst>
+                    <a:ext uri="{A12FA001-AC4F-418D-AE19-62706E023703}">
+                      <ahyp:hlinkClr xmlns:ahyp="http://schemas.microsoft.com/office/drawing/2018/hyperlinkcolor" val="tx"/>
+                    </a:ext>
+                  </a:extLst>
+                </a:hlinkClick>
+              </a:rPr>
+              <a:t>https://github.com/klsalcedo/wine_analysis/tree/main</a:t>
+            </a:r>
+            <a:r>
+              <a:rPr lang="en-US" sz="1500" dirty="0">
                 <a:solidFill>
                   <a:schemeClr val="accent2">
                     <a:lumMod val="50000"/>
                   </a:schemeClr>
                 </a:solidFill>
               </a:rPr>
-              <a:t>for more professional purposes, you might link your contact info (linkedin, email, etc.)</a:t>
+              <a:t> </a:t>
             </a:r>
           </a:p>
         </p:txBody>

--- a/presentation.pptx
+++ b/presentation.pptx
@@ -5,7 +5,7 @@
     <p:sldMasterId id="2147483660" r:id="rId1"/>
   </p:sldMasterIdLst>
   <p:notesMasterIdLst>
-    <p:notesMasterId r:id="rId11"/>
+    <p:notesMasterId r:id="rId13"/>
   </p:notesMasterIdLst>
   <p:sldIdLst>
     <p:sldId id="256" r:id="rId2"/>
@@ -14,9 +14,11 @@
     <p:sldId id="259" r:id="rId5"/>
     <p:sldId id="265" r:id="rId6"/>
     <p:sldId id="260" r:id="rId7"/>
-    <p:sldId id="261" r:id="rId8"/>
-    <p:sldId id="262" r:id="rId9"/>
-    <p:sldId id="263" r:id="rId10"/>
+    <p:sldId id="266" r:id="rId8"/>
+    <p:sldId id="267" r:id="rId9"/>
+    <p:sldId id="269" r:id="rId10"/>
+    <p:sldId id="262" r:id="rId11"/>
+    <p:sldId id="263" r:id="rId12"/>
   </p:sldIdLst>
   <p:sldSz cx="9144000" cy="5143500" type="screen16x9"/>
   <p:notesSz cx="6858000" cy="9144000"/>
@@ -137,6 +139,7 @@
 <file path=ppt/revisionInfo.xml><?xml version="1.0" encoding="utf-8"?>
 <p1510:revInfo xmlns:a="http://schemas.openxmlformats.org/drawingml/2006/main" xmlns:r="http://schemas.openxmlformats.org/officeDocument/2006/relationships" xmlns:p1510="http://schemas.microsoft.com/office/powerpoint/2015/10/main">
   <p1510:revLst>
+    <p1510:client id="{1F30A4A2-7351-4E12-AB10-81D23271015E}" v="35" dt="2021-07-09T01:38:30.045"/>
     <p1510:client id="{5AC852AB-BB6F-4532-B269-064141533E55}" v="20" dt="2021-07-09T01:07:53.627"/>
   </p1510:revLst>
 </p1510:revInfo>
@@ -144,6 +147,559 @@
 
 <file path=ppt/changesInfos/changesInfo1.xml><?xml version="1.0" encoding="utf-8"?>
 <pc:chgInfo xmlns:a="http://schemas.openxmlformats.org/drawingml/2006/main" xmlns:r="http://schemas.openxmlformats.org/officeDocument/2006/relationships" xmlns:ac="http://schemas.microsoft.com/office/drawing/2013/main/command" xmlns:pc="http://schemas.microsoft.com/office/powerpoint/2013/main/command">
+  <pc:docChgLst>
+    <pc:chgData name="Noelle Ferrari" userId="a847421d777b2bc0" providerId="LiveId" clId="{1F30A4A2-7351-4E12-AB10-81D23271015E}"/>
+    <pc:docChg chg="custSel addSld delSld modSld">
+      <pc:chgData name="Noelle Ferrari" userId="a847421d777b2bc0" providerId="LiveId" clId="{1F30A4A2-7351-4E12-AB10-81D23271015E}" dt="2021-07-09T01:38:36.949" v="168" actId="47"/>
+      <pc:docMkLst>
+        <pc:docMk/>
+      </pc:docMkLst>
+      <pc:sldChg chg="addSp delSp modSp mod setClrOvrMap">
+        <pc:chgData name="Noelle Ferrari" userId="a847421d777b2bc0" providerId="LiveId" clId="{1F30A4A2-7351-4E12-AB10-81D23271015E}" dt="2021-07-09T01:35:45.840" v="160" actId="1076"/>
+        <pc:sldMkLst>
+          <pc:docMk/>
+          <pc:sldMk cId="0" sldId="260"/>
+        </pc:sldMkLst>
+        <pc:spChg chg="add del mod">
+          <ac:chgData name="Noelle Ferrari" userId="a847421d777b2bc0" providerId="LiveId" clId="{1F30A4A2-7351-4E12-AB10-81D23271015E}" dt="2021-07-09T01:23:27.703" v="24" actId="478"/>
+          <ac:spMkLst>
+            <pc:docMk/>
+            <pc:sldMk cId="0" sldId="260"/>
+            <ac:spMk id="4" creationId="{A91860E7-872F-49B7-91A6-B83EFF48BC39}"/>
+          </ac:spMkLst>
+        </pc:spChg>
+        <pc:spChg chg="add del mod ord">
+          <ac:chgData name="Noelle Ferrari" userId="a847421d777b2bc0" providerId="LiveId" clId="{1F30A4A2-7351-4E12-AB10-81D23271015E}" dt="2021-07-09T01:24:53.814" v="72" actId="20577"/>
+          <ac:spMkLst>
+            <pc:docMk/>
+            <pc:sldMk cId="0" sldId="260"/>
+            <ac:spMk id="5" creationId="{DF2DA1F5-94CE-4582-A850-9F4076492277}"/>
+          </ac:spMkLst>
+        </pc:spChg>
+        <pc:spChg chg="mod">
+          <ac:chgData name="Noelle Ferrari" userId="a847421d777b2bc0" providerId="LiveId" clId="{1F30A4A2-7351-4E12-AB10-81D23271015E}" dt="2021-07-09T01:24:22.773" v="55" actId="26606"/>
+          <ac:spMkLst>
+            <pc:docMk/>
+            <pc:sldMk cId="0" sldId="260"/>
+            <ac:spMk id="79" creationId="{00000000-0000-0000-0000-000000000000}"/>
+          </ac:spMkLst>
+        </pc:spChg>
+        <pc:spChg chg="del">
+          <ac:chgData name="Noelle Ferrari" userId="a847421d777b2bc0" providerId="LiveId" clId="{1F30A4A2-7351-4E12-AB10-81D23271015E}" dt="2021-07-09T01:20:28.238" v="13" actId="478"/>
+          <ac:spMkLst>
+            <pc:docMk/>
+            <pc:sldMk cId="0" sldId="260"/>
+            <ac:spMk id="80" creationId="{00000000-0000-0000-0000-000000000000}"/>
+          </ac:spMkLst>
+        </pc:spChg>
+        <pc:spChg chg="del">
+          <ac:chgData name="Noelle Ferrari" userId="a847421d777b2bc0" providerId="LiveId" clId="{1F30A4A2-7351-4E12-AB10-81D23271015E}" dt="2021-07-09T01:24:22.773" v="55" actId="26606"/>
+          <ac:spMkLst>
+            <pc:docMk/>
+            <pc:sldMk cId="0" sldId="260"/>
+            <ac:spMk id="82" creationId="{E9AA9F65-94B8-41A5-A7FF-23D2CFB116BB}"/>
+          </ac:spMkLst>
+        </pc:spChg>
+        <pc:spChg chg="del">
+          <ac:chgData name="Noelle Ferrari" userId="a847421d777b2bc0" providerId="LiveId" clId="{1F30A4A2-7351-4E12-AB10-81D23271015E}" dt="2021-07-09T01:24:22.773" v="55" actId="26606"/>
+          <ac:spMkLst>
+            <pc:docMk/>
+            <pc:sldMk cId="0" sldId="260"/>
+            <ac:spMk id="83" creationId="{7E8B0F8E-3F6C-4541-B9C1-774D80A08834}"/>
+          </ac:spMkLst>
+        </pc:spChg>
+        <pc:spChg chg="del">
+          <ac:chgData name="Noelle Ferrari" userId="a847421d777b2bc0" providerId="LiveId" clId="{1F30A4A2-7351-4E12-AB10-81D23271015E}" dt="2021-07-09T01:24:22.773" v="55" actId="26606"/>
+          <ac:spMkLst>
+            <pc:docMk/>
+            <pc:sldMk cId="0" sldId="260"/>
+            <ac:spMk id="84" creationId="{7A45F5BC-32D1-41CD-B270-C46F18CA1ACC}"/>
+          </ac:spMkLst>
+        </pc:spChg>
+        <pc:spChg chg="del">
+          <ac:chgData name="Noelle Ferrari" userId="a847421d777b2bc0" providerId="LiveId" clId="{1F30A4A2-7351-4E12-AB10-81D23271015E}" dt="2021-07-09T01:24:22.773" v="55" actId="26606"/>
+          <ac:spMkLst>
+            <pc:docMk/>
+            <pc:sldMk cId="0" sldId="260"/>
+            <ac:spMk id="86" creationId="{5BB74D4E-F243-4A10-813D-500A14025392}"/>
+          </ac:spMkLst>
+        </pc:spChg>
+        <pc:spChg chg="del">
+          <ac:chgData name="Noelle Ferrari" userId="a847421d777b2bc0" providerId="LiveId" clId="{1F30A4A2-7351-4E12-AB10-81D23271015E}" dt="2021-07-09T01:24:22.773" v="55" actId="26606"/>
+          <ac:spMkLst>
+            <pc:docMk/>
+            <pc:sldMk cId="0" sldId="260"/>
+            <ac:spMk id="88" creationId="{B373F125-DEF3-41D6-9918-AB21A2ACC37A}"/>
+          </ac:spMkLst>
+        </pc:spChg>
+        <pc:spChg chg="del">
+          <ac:chgData name="Noelle Ferrari" userId="a847421d777b2bc0" providerId="LiveId" clId="{1F30A4A2-7351-4E12-AB10-81D23271015E}" dt="2021-07-09T01:24:22.773" v="55" actId="26606"/>
+          <ac:spMkLst>
+            <pc:docMk/>
+            <pc:sldMk cId="0" sldId="260"/>
+            <ac:spMk id="90" creationId="{71E9F226-EB6E-48C9-ADDA-636DE4BF4EBE}"/>
+          </ac:spMkLst>
+        </pc:spChg>
+        <pc:spChg chg="add">
+          <ac:chgData name="Noelle Ferrari" userId="a847421d777b2bc0" providerId="LiveId" clId="{1F30A4A2-7351-4E12-AB10-81D23271015E}" dt="2021-07-09T01:24:22.773" v="55" actId="26606"/>
+          <ac:spMkLst>
+            <pc:docMk/>
+            <pc:sldMk cId="0" sldId="260"/>
+            <ac:spMk id="92" creationId="{DB691D59-8F51-4DD8-AD41-D568D29B08F8}"/>
+          </ac:spMkLst>
+        </pc:spChg>
+        <pc:spChg chg="add">
+          <ac:chgData name="Noelle Ferrari" userId="a847421d777b2bc0" providerId="LiveId" clId="{1F30A4A2-7351-4E12-AB10-81D23271015E}" dt="2021-07-09T01:24:22.773" v="55" actId="26606"/>
+          <ac:spMkLst>
+            <pc:docMk/>
+            <pc:sldMk cId="0" sldId="260"/>
+            <ac:spMk id="97" creationId="{204AEF18-0627-48F3-9B3D-F7E8F050B1D4}"/>
+          </ac:spMkLst>
+        </pc:spChg>
+        <pc:spChg chg="add">
+          <ac:chgData name="Noelle Ferrari" userId="a847421d777b2bc0" providerId="LiveId" clId="{1F30A4A2-7351-4E12-AB10-81D23271015E}" dt="2021-07-09T01:24:22.773" v="55" actId="26606"/>
+          <ac:spMkLst>
+            <pc:docMk/>
+            <pc:sldMk cId="0" sldId="260"/>
+            <ac:spMk id="99" creationId="{CEAEE08A-C572-438F-9753-B0D527A515A7}"/>
+          </ac:spMkLst>
+        </pc:spChg>
+        <pc:spChg chg="add">
+          <ac:chgData name="Noelle Ferrari" userId="a847421d777b2bc0" providerId="LiveId" clId="{1F30A4A2-7351-4E12-AB10-81D23271015E}" dt="2021-07-09T01:24:22.773" v="55" actId="26606"/>
+          <ac:spMkLst>
+            <pc:docMk/>
+            <pc:sldMk cId="0" sldId="260"/>
+            <ac:spMk id="101" creationId="{993F09C6-4F57-4B05-9592-E253D8BC6286}"/>
+          </ac:spMkLst>
+        </pc:spChg>
+        <pc:spChg chg="add">
+          <ac:chgData name="Noelle Ferrari" userId="a847421d777b2bc0" providerId="LiveId" clId="{1F30A4A2-7351-4E12-AB10-81D23271015E}" dt="2021-07-09T01:24:22.773" v="55" actId="26606"/>
+          <ac:spMkLst>
+            <pc:docMk/>
+            <pc:sldMk cId="0" sldId="260"/>
+            <ac:spMk id="103" creationId="{636F6DB7-CF8D-494A-82F6-13B58DCA9896}"/>
+          </ac:spMkLst>
+        </pc:spChg>
+        <pc:spChg chg="add">
+          <ac:chgData name="Noelle Ferrari" userId="a847421d777b2bc0" providerId="LiveId" clId="{1F30A4A2-7351-4E12-AB10-81D23271015E}" dt="2021-07-09T01:24:22.773" v="55" actId="26606"/>
+          <ac:spMkLst>
+            <pc:docMk/>
+            <pc:sldMk cId="0" sldId="260"/>
+            <ac:spMk id="105" creationId="{0B7E5194-6E82-4A44-99C3-FE7D87F34134}"/>
+          </ac:spMkLst>
+        </pc:spChg>
+        <pc:grpChg chg="add mod">
+          <ac:chgData name="Noelle Ferrari" userId="a847421d777b2bc0" providerId="LiveId" clId="{1F30A4A2-7351-4E12-AB10-81D23271015E}" dt="2021-07-09T01:35:45.840" v="160" actId="1076"/>
+          <ac:grpSpMkLst>
+            <pc:docMk/>
+            <pc:sldMk cId="0" sldId="260"/>
+            <ac:grpSpMk id="24" creationId="{94602859-D40A-4F19-AB4A-030C6F45D0C2}"/>
+          </ac:grpSpMkLst>
+        </pc:grpChg>
+        <pc:grpChg chg="add">
+          <ac:chgData name="Noelle Ferrari" userId="a847421d777b2bc0" providerId="LiveId" clId="{1F30A4A2-7351-4E12-AB10-81D23271015E}" dt="2021-07-09T01:24:22.773" v="55" actId="26606"/>
+          <ac:grpSpMkLst>
+            <pc:docMk/>
+            <pc:sldMk cId="0" sldId="260"/>
+            <ac:grpSpMk id="107" creationId="{49FCC1E1-84D3-494D-A0A0-286AFA1C3018}"/>
+          </ac:grpSpMkLst>
+        </pc:grpChg>
+        <pc:picChg chg="add del mod modCrop">
+          <ac:chgData name="Noelle Ferrari" userId="a847421d777b2bc0" providerId="LiveId" clId="{1F30A4A2-7351-4E12-AB10-81D23271015E}" dt="2021-07-09T01:35:40.389" v="158" actId="478"/>
+          <ac:picMkLst>
+            <pc:docMk/>
+            <pc:sldMk cId="0" sldId="260"/>
+            <ac:picMk id="3" creationId="{3E59BCE8-8ABA-4F1B-A179-510E30065AF3}"/>
+          </ac:picMkLst>
+        </pc:picChg>
+        <pc:picChg chg="mod">
+          <ac:chgData name="Noelle Ferrari" userId="a847421d777b2bc0" providerId="LiveId" clId="{1F30A4A2-7351-4E12-AB10-81D23271015E}" dt="2021-07-09T01:35:41.232" v="159"/>
+          <ac:picMkLst>
+            <pc:docMk/>
+            <pc:sldMk cId="0" sldId="260"/>
+            <ac:picMk id="25" creationId="{48498F1A-F267-44AC-8CC3-F06401C23E20}"/>
+          </ac:picMkLst>
+        </pc:picChg>
+        <pc:picChg chg="mod">
+          <ac:chgData name="Noelle Ferrari" userId="a847421d777b2bc0" providerId="LiveId" clId="{1F30A4A2-7351-4E12-AB10-81D23271015E}" dt="2021-07-09T01:35:41.232" v="159"/>
+          <ac:picMkLst>
+            <pc:docMk/>
+            <pc:sldMk cId="0" sldId="260"/>
+            <ac:picMk id="26" creationId="{FDEDA3B1-77F3-4B13-80FF-6A913EBC34BE}"/>
+          </ac:picMkLst>
+        </pc:picChg>
+        <pc:picChg chg="mod">
+          <ac:chgData name="Noelle Ferrari" userId="a847421d777b2bc0" providerId="LiveId" clId="{1F30A4A2-7351-4E12-AB10-81D23271015E}" dt="2021-07-09T01:35:41.232" v="159"/>
+          <ac:picMkLst>
+            <pc:docMk/>
+            <pc:sldMk cId="0" sldId="260"/>
+            <ac:picMk id="27" creationId="{C2D77FD6-19BA-48E3-ADA7-5509291D5059}"/>
+          </ac:picMkLst>
+        </pc:picChg>
+      </pc:sldChg>
+      <pc:sldChg chg="del">
+        <pc:chgData name="Noelle Ferrari" userId="a847421d777b2bc0" providerId="LiveId" clId="{1F30A4A2-7351-4E12-AB10-81D23271015E}" dt="2021-07-09T01:29:49.421" v="97" actId="2696"/>
+        <pc:sldMkLst>
+          <pc:docMk/>
+          <pc:sldMk cId="0" sldId="261"/>
+        </pc:sldMkLst>
+      </pc:sldChg>
+      <pc:sldChg chg="modSp mod modAnim">
+        <pc:chgData name="Noelle Ferrari" userId="a847421d777b2bc0" providerId="LiveId" clId="{1F30A4A2-7351-4E12-AB10-81D23271015E}" dt="2021-07-09T01:38:22.554" v="166"/>
+        <pc:sldMkLst>
+          <pc:docMk/>
+          <pc:sldMk cId="0" sldId="262"/>
+        </pc:sldMkLst>
+        <pc:spChg chg="mod">
+          <ac:chgData name="Noelle Ferrari" userId="a847421d777b2bc0" providerId="LiveId" clId="{1F30A4A2-7351-4E12-AB10-81D23271015E}" dt="2021-07-09T01:29:42.140" v="96" actId="20577"/>
+          <ac:spMkLst>
+            <pc:docMk/>
+            <pc:sldMk cId="0" sldId="262"/>
+            <ac:spMk id="91" creationId="{00000000-0000-0000-0000-000000000000}"/>
+          </ac:spMkLst>
+        </pc:spChg>
+        <pc:spChg chg="mod">
+          <ac:chgData name="Noelle Ferrari" userId="a847421d777b2bc0" providerId="LiveId" clId="{1F30A4A2-7351-4E12-AB10-81D23271015E}" dt="2021-07-09T01:29:53.132" v="98" actId="20577"/>
+          <ac:spMkLst>
+            <pc:docMk/>
+            <pc:sldMk cId="0" sldId="262"/>
+            <ac:spMk id="92" creationId="{00000000-0000-0000-0000-000000000000}"/>
+          </ac:spMkLst>
+        </pc:spChg>
+      </pc:sldChg>
+      <pc:sldChg chg="modAnim">
+        <pc:chgData name="Noelle Ferrari" userId="a847421d777b2bc0" providerId="LiveId" clId="{1F30A4A2-7351-4E12-AB10-81D23271015E}" dt="2021-07-09T01:38:30.045" v="167"/>
+        <pc:sldMkLst>
+          <pc:docMk/>
+          <pc:sldMk cId="2654920240" sldId="264"/>
+        </pc:sldMkLst>
+      </pc:sldChg>
+      <pc:sldChg chg="addSp delSp modSp add mod">
+        <pc:chgData name="Noelle Ferrari" userId="a847421d777b2bc0" providerId="LiveId" clId="{1F30A4A2-7351-4E12-AB10-81D23271015E}" dt="2021-07-09T01:34:20.842" v="141" actId="1076"/>
+        <pc:sldMkLst>
+          <pc:docMk/>
+          <pc:sldMk cId="1062561137" sldId="266"/>
+        </pc:sldMkLst>
+        <pc:spChg chg="mod">
+          <ac:chgData name="Noelle Ferrari" userId="a847421d777b2bc0" providerId="LiveId" clId="{1F30A4A2-7351-4E12-AB10-81D23271015E}" dt="2021-07-09T01:25:48.643" v="84" actId="20577"/>
+          <ac:spMkLst>
+            <pc:docMk/>
+            <pc:sldMk cId="1062561137" sldId="266"/>
+            <ac:spMk id="5" creationId="{DF2DA1F5-94CE-4582-A850-9F4076492277}"/>
+          </ac:spMkLst>
+        </pc:spChg>
+        <pc:spChg chg="mod">
+          <ac:chgData name="Noelle Ferrari" userId="a847421d777b2bc0" providerId="LiveId" clId="{1F30A4A2-7351-4E12-AB10-81D23271015E}" dt="2021-07-09T01:25:19.878" v="78" actId="20577"/>
+          <ac:spMkLst>
+            <pc:docMk/>
+            <pc:sldMk cId="1062561137" sldId="266"/>
+            <ac:spMk id="79" creationId="{00000000-0000-0000-0000-000000000000}"/>
+          </ac:spMkLst>
+        </pc:spChg>
+        <pc:grpChg chg="add mod">
+          <ac:chgData name="Noelle Ferrari" userId="a847421d777b2bc0" providerId="LiveId" clId="{1F30A4A2-7351-4E12-AB10-81D23271015E}" dt="2021-07-09T01:34:20.842" v="141" actId="1076"/>
+          <ac:grpSpMkLst>
+            <pc:docMk/>
+            <pc:sldMk cId="1062561137" sldId="266"/>
+            <ac:grpSpMk id="18" creationId="{E3B82C0D-953B-4178-9847-5197394DD914}"/>
+          </ac:grpSpMkLst>
+        </pc:grpChg>
+        <pc:picChg chg="del">
+          <ac:chgData name="Noelle Ferrari" userId="a847421d777b2bc0" providerId="LiveId" clId="{1F30A4A2-7351-4E12-AB10-81D23271015E}" dt="2021-07-09T01:31:01.649" v="102" actId="478"/>
+          <ac:picMkLst>
+            <pc:docMk/>
+            <pc:sldMk cId="1062561137" sldId="266"/>
+            <ac:picMk id="3" creationId="{3E59BCE8-8ABA-4F1B-A179-510E30065AF3}"/>
+          </ac:picMkLst>
+        </pc:picChg>
+        <pc:picChg chg="add del mod">
+          <ac:chgData name="Noelle Ferrari" userId="a847421d777b2bc0" providerId="LiveId" clId="{1F30A4A2-7351-4E12-AB10-81D23271015E}" dt="2021-07-09T01:34:13.955" v="139" actId="478"/>
+          <ac:picMkLst>
+            <pc:docMk/>
+            <pc:sldMk cId="1062561137" sldId="266"/>
+            <ac:picMk id="6" creationId="{93A2D8BC-8F83-4790-8B12-017A8F8CDB02}"/>
+          </ac:picMkLst>
+        </pc:picChg>
+        <pc:picChg chg="mod">
+          <ac:chgData name="Noelle Ferrari" userId="a847421d777b2bc0" providerId="LiveId" clId="{1F30A4A2-7351-4E12-AB10-81D23271015E}" dt="2021-07-09T01:34:15.070" v="140"/>
+          <ac:picMkLst>
+            <pc:docMk/>
+            <pc:sldMk cId="1062561137" sldId="266"/>
+            <ac:picMk id="19" creationId="{76659538-54FA-4A4E-9542-34BFF8EF1472}"/>
+          </ac:picMkLst>
+        </pc:picChg>
+        <pc:picChg chg="mod">
+          <ac:chgData name="Noelle Ferrari" userId="a847421d777b2bc0" providerId="LiveId" clId="{1F30A4A2-7351-4E12-AB10-81D23271015E}" dt="2021-07-09T01:34:15.070" v="140"/>
+          <ac:picMkLst>
+            <pc:docMk/>
+            <pc:sldMk cId="1062561137" sldId="266"/>
+            <ac:picMk id="20" creationId="{8F2C3963-4BFC-4714-9A9F-283CA08A0DEF}"/>
+          </ac:picMkLst>
+        </pc:picChg>
+        <pc:picChg chg="mod">
+          <ac:chgData name="Noelle Ferrari" userId="a847421d777b2bc0" providerId="LiveId" clId="{1F30A4A2-7351-4E12-AB10-81D23271015E}" dt="2021-07-09T01:34:15.070" v="140"/>
+          <ac:picMkLst>
+            <pc:docMk/>
+            <pc:sldMk cId="1062561137" sldId="266"/>
+            <ac:picMk id="21" creationId="{80F17E0E-EDF0-4966-92A7-BBF4B4B1BAAE}"/>
+          </ac:picMkLst>
+        </pc:picChg>
+      </pc:sldChg>
+      <pc:sldChg chg="addSp delSp modSp add mod setClrOvrMap">
+        <pc:chgData name="Noelle Ferrari" userId="a847421d777b2bc0" providerId="LiveId" clId="{1F30A4A2-7351-4E12-AB10-81D23271015E}" dt="2021-07-09T01:31:33.107" v="110" actId="1076"/>
+        <pc:sldMkLst>
+          <pc:docMk/>
+          <pc:sldMk cId="2365533740" sldId="267"/>
+        </pc:sldMkLst>
+        <pc:spChg chg="ord">
+          <ac:chgData name="Noelle Ferrari" userId="a847421d777b2bc0" providerId="LiveId" clId="{1F30A4A2-7351-4E12-AB10-81D23271015E}" dt="2021-07-09T01:31:26.136" v="109" actId="26606"/>
+          <ac:spMkLst>
+            <pc:docMk/>
+            <pc:sldMk cId="2365533740" sldId="267"/>
+            <ac:spMk id="4" creationId="{A91860E7-872F-49B7-91A6-B83EFF48BC39}"/>
+          </ac:spMkLst>
+        </pc:spChg>
+        <pc:spChg chg="del">
+          <ac:chgData name="Noelle Ferrari" userId="a847421d777b2bc0" providerId="LiveId" clId="{1F30A4A2-7351-4E12-AB10-81D23271015E}" dt="2021-07-09T01:30:55.251" v="100" actId="478"/>
+          <ac:spMkLst>
+            <pc:docMk/>
+            <pc:sldMk cId="2365533740" sldId="267"/>
+            <ac:spMk id="5" creationId="{DF2DA1F5-94CE-4582-A850-9F4076492277}"/>
+          </ac:spMkLst>
+        </pc:spChg>
+        <pc:spChg chg="mod">
+          <ac:chgData name="Noelle Ferrari" userId="a847421d777b2bc0" providerId="LiveId" clId="{1F30A4A2-7351-4E12-AB10-81D23271015E}" dt="2021-07-09T01:31:26.136" v="109" actId="26606"/>
+          <ac:spMkLst>
+            <pc:docMk/>
+            <pc:sldMk cId="2365533740" sldId="267"/>
+            <ac:spMk id="79" creationId="{00000000-0000-0000-0000-000000000000}"/>
+          </ac:spMkLst>
+        </pc:spChg>
+        <pc:spChg chg="del">
+          <ac:chgData name="Noelle Ferrari" userId="a847421d777b2bc0" providerId="LiveId" clId="{1F30A4A2-7351-4E12-AB10-81D23271015E}" dt="2021-07-09T01:31:26.136" v="109" actId="26606"/>
+          <ac:spMkLst>
+            <pc:docMk/>
+            <pc:sldMk cId="2365533740" sldId="267"/>
+            <ac:spMk id="92" creationId="{DB691D59-8F51-4DD8-AD41-D568D29B08F8}"/>
+          </ac:spMkLst>
+        </pc:spChg>
+        <pc:spChg chg="del">
+          <ac:chgData name="Noelle Ferrari" userId="a847421d777b2bc0" providerId="LiveId" clId="{1F30A4A2-7351-4E12-AB10-81D23271015E}" dt="2021-07-09T01:31:26.136" v="109" actId="26606"/>
+          <ac:spMkLst>
+            <pc:docMk/>
+            <pc:sldMk cId="2365533740" sldId="267"/>
+            <ac:spMk id="97" creationId="{204AEF18-0627-48F3-9B3D-F7E8F050B1D4}"/>
+          </ac:spMkLst>
+        </pc:spChg>
+        <pc:spChg chg="del">
+          <ac:chgData name="Noelle Ferrari" userId="a847421d777b2bc0" providerId="LiveId" clId="{1F30A4A2-7351-4E12-AB10-81D23271015E}" dt="2021-07-09T01:31:26.136" v="109" actId="26606"/>
+          <ac:spMkLst>
+            <pc:docMk/>
+            <pc:sldMk cId="2365533740" sldId="267"/>
+            <ac:spMk id="99" creationId="{CEAEE08A-C572-438F-9753-B0D527A515A7}"/>
+          </ac:spMkLst>
+        </pc:spChg>
+        <pc:spChg chg="del">
+          <ac:chgData name="Noelle Ferrari" userId="a847421d777b2bc0" providerId="LiveId" clId="{1F30A4A2-7351-4E12-AB10-81D23271015E}" dt="2021-07-09T01:31:26.136" v="109" actId="26606"/>
+          <ac:spMkLst>
+            <pc:docMk/>
+            <pc:sldMk cId="2365533740" sldId="267"/>
+            <ac:spMk id="101" creationId="{993F09C6-4F57-4B05-9592-E253D8BC6286}"/>
+          </ac:spMkLst>
+        </pc:spChg>
+        <pc:spChg chg="del">
+          <ac:chgData name="Noelle Ferrari" userId="a847421d777b2bc0" providerId="LiveId" clId="{1F30A4A2-7351-4E12-AB10-81D23271015E}" dt="2021-07-09T01:31:26.136" v="109" actId="26606"/>
+          <ac:spMkLst>
+            <pc:docMk/>
+            <pc:sldMk cId="2365533740" sldId="267"/>
+            <ac:spMk id="103" creationId="{636F6DB7-CF8D-494A-82F6-13B58DCA9896}"/>
+          </ac:spMkLst>
+        </pc:spChg>
+        <pc:spChg chg="del">
+          <ac:chgData name="Noelle Ferrari" userId="a847421d777b2bc0" providerId="LiveId" clId="{1F30A4A2-7351-4E12-AB10-81D23271015E}" dt="2021-07-09T01:31:26.136" v="109" actId="26606"/>
+          <ac:spMkLst>
+            <pc:docMk/>
+            <pc:sldMk cId="2365533740" sldId="267"/>
+            <ac:spMk id="105" creationId="{0B7E5194-6E82-4A44-99C3-FE7D87F34134}"/>
+          </ac:spMkLst>
+        </pc:spChg>
+        <pc:spChg chg="add">
+          <ac:chgData name="Noelle Ferrari" userId="a847421d777b2bc0" providerId="LiveId" clId="{1F30A4A2-7351-4E12-AB10-81D23271015E}" dt="2021-07-09T01:31:26.136" v="109" actId="26606"/>
+          <ac:spMkLst>
+            <pc:docMk/>
+            <pc:sldMk cId="2365533740" sldId="267"/>
+            <ac:spMk id="115" creationId="{DB691D59-8F51-4DD8-AD41-D568D29B08F8}"/>
+          </ac:spMkLst>
+        </pc:spChg>
+        <pc:spChg chg="add">
+          <ac:chgData name="Noelle Ferrari" userId="a847421d777b2bc0" providerId="LiveId" clId="{1F30A4A2-7351-4E12-AB10-81D23271015E}" dt="2021-07-09T01:31:26.136" v="109" actId="26606"/>
+          <ac:spMkLst>
+            <pc:docMk/>
+            <pc:sldMk cId="2365533740" sldId="267"/>
+            <ac:spMk id="117" creationId="{204AEF18-0627-48F3-9B3D-F7E8F050B1D4}"/>
+          </ac:spMkLst>
+        </pc:spChg>
+        <pc:spChg chg="add">
+          <ac:chgData name="Noelle Ferrari" userId="a847421d777b2bc0" providerId="LiveId" clId="{1F30A4A2-7351-4E12-AB10-81D23271015E}" dt="2021-07-09T01:31:26.136" v="109" actId="26606"/>
+          <ac:spMkLst>
+            <pc:docMk/>
+            <pc:sldMk cId="2365533740" sldId="267"/>
+            <ac:spMk id="119" creationId="{CEAEE08A-C572-438F-9753-B0D527A515A7}"/>
+          </ac:spMkLst>
+        </pc:spChg>
+        <pc:spChg chg="add">
+          <ac:chgData name="Noelle Ferrari" userId="a847421d777b2bc0" providerId="LiveId" clId="{1F30A4A2-7351-4E12-AB10-81D23271015E}" dt="2021-07-09T01:31:26.136" v="109" actId="26606"/>
+          <ac:spMkLst>
+            <pc:docMk/>
+            <pc:sldMk cId="2365533740" sldId="267"/>
+            <ac:spMk id="121" creationId="{DB93146F-62ED-4C59-844C-0935D0FB5031}"/>
+          </ac:spMkLst>
+        </pc:spChg>
+        <pc:spChg chg="add">
+          <ac:chgData name="Noelle Ferrari" userId="a847421d777b2bc0" providerId="LiveId" clId="{1F30A4A2-7351-4E12-AB10-81D23271015E}" dt="2021-07-09T01:31:26.136" v="109" actId="26606"/>
+          <ac:spMkLst>
+            <pc:docMk/>
+            <pc:sldMk cId="2365533740" sldId="267"/>
+            <ac:spMk id="123" creationId="{B1A515B1-A9B3-49B0-AE0D-D038D42C21A9}"/>
+          </ac:spMkLst>
+        </pc:spChg>
+        <pc:grpChg chg="del">
+          <ac:chgData name="Noelle Ferrari" userId="a847421d777b2bc0" providerId="LiveId" clId="{1F30A4A2-7351-4E12-AB10-81D23271015E}" dt="2021-07-09T01:31:26.136" v="109" actId="26606"/>
+          <ac:grpSpMkLst>
+            <pc:docMk/>
+            <pc:sldMk cId="2365533740" sldId="267"/>
+            <ac:grpSpMk id="107" creationId="{49FCC1E1-84D3-494D-A0A0-286AFA1C3018}"/>
+          </ac:grpSpMkLst>
+        </pc:grpChg>
+        <pc:picChg chg="del">
+          <ac:chgData name="Noelle Ferrari" userId="a847421d777b2bc0" providerId="LiveId" clId="{1F30A4A2-7351-4E12-AB10-81D23271015E}" dt="2021-07-09T01:30:57.041" v="101" actId="478"/>
+          <ac:picMkLst>
+            <pc:docMk/>
+            <pc:sldMk cId="2365533740" sldId="267"/>
+            <ac:picMk id="3" creationId="{3E59BCE8-8ABA-4F1B-A179-510E30065AF3}"/>
+          </ac:picMkLst>
+        </pc:picChg>
+        <pc:picChg chg="add mod">
+          <ac:chgData name="Noelle Ferrari" userId="a847421d777b2bc0" providerId="LiveId" clId="{1F30A4A2-7351-4E12-AB10-81D23271015E}" dt="2021-07-09T01:31:33.107" v="110" actId="1076"/>
+          <ac:picMkLst>
+            <pc:docMk/>
+            <pc:sldMk cId="2365533740" sldId="267"/>
+            <ac:picMk id="6" creationId="{D3AD4CAF-C814-4171-BE41-514E3DBCAF2C}"/>
+          </ac:picMkLst>
+        </pc:picChg>
+      </pc:sldChg>
+      <pc:sldChg chg="addSp delSp modSp new del mod modClrScheme chgLayout">
+        <pc:chgData name="Noelle Ferrari" userId="a847421d777b2bc0" providerId="LiveId" clId="{1F30A4A2-7351-4E12-AB10-81D23271015E}" dt="2021-07-09T01:38:36.949" v="168" actId="47"/>
+        <pc:sldMkLst>
+          <pc:docMk/>
+          <pc:sldMk cId="100388107" sldId="268"/>
+        </pc:sldMkLst>
+        <pc:spChg chg="del">
+          <ac:chgData name="Noelle Ferrari" userId="a847421d777b2bc0" providerId="LiveId" clId="{1F30A4A2-7351-4E12-AB10-81D23271015E}" dt="2021-07-09T01:32:15.888" v="112" actId="478"/>
+          <ac:spMkLst>
+            <pc:docMk/>
+            <pc:sldMk cId="100388107" sldId="268"/>
+            <ac:spMk id="2" creationId="{CE4A3168-DE94-4B63-A0CD-CD7DBDDC3B0F}"/>
+          </ac:spMkLst>
+        </pc:spChg>
+        <pc:spChg chg="del">
+          <ac:chgData name="Noelle Ferrari" userId="a847421d777b2bc0" providerId="LiveId" clId="{1F30A4A2-7351-4E12-AB10-81D23271015E}" dt="2021-07-09T01:32:19.514" v="113" actId="700"/>
+          <ac:spMkLst>
+            <pc:docMk/>
+            <pc:sldMk cId="100388107" sldId="268"/>
+            <ac:spMk id="3" creationId="{7BDD05FF-D595-4DAF-AFD0-C0BD6F1A3D3B}"/>
+          </ac:spMkLst>
+        </pc:spChg>
+        <pc:grpChg chg="add del mod">
+          <ac:chgData name="Noelle Ferrari" userId="a847421d777b2bc0" providerId="LiveId" clId="{1F30A4A2-7351-4E12-AB10-81D23271015E}" dt="2021-07-09T01:34:33.217" v="142" actId="478"/>
+          <ac:grpSpMkLst>
+            <pc:docMk/>
+            <pc:sldMk cId="100388107" sldId="268"/>
+            <ac:grpSpMk id="10" creationId="{CC2306AA-7B36-45AF-8DC7-F4B520D9266E}"/>
+          </ac:grpSpMkLst>
+        </pc:grpChg>
+        <pc:grpChg chg="add mod">
+          <ac:chgData name="Noelle Ferrari" userId="a847421d777b2bc0" providerId="LiveId" clId="{1F30A4A2-7351-4E12-AB10-81D23271015E}" dt="2021-07-09T01:35:35.626" v="157" actId="164"/>
+          <ac:grpSpMkLst>
+            <pc:docMk/>
+            <pc:sldMk cId="100388107" sldId="268"/>
+            <ac:grpSpMk id="15" creationId="{195496A5-C033-4940-9C87-C3A4BCB423AD}"/>
+          </ac:grpSpMkLst>
+        </pc:grpChg>
+        <pc:picChg chg="add mod modCrop">
+          <ac:chgData name="Noelle Ferrari" userId="a847421d777b2bc0" providerId="LiveId" clId="{1F30A4A2-7351-4E12-AB10-81D23271015E}" dt="2021-07-09T01:34:06.980" v="138" actId="164"/>
+          <ac:picMkLst>
+            <pc:docMk/>
+            <pc:sldMk cId="100388107" sldId="268"/>
+            <ac:picMk id="5" creationId="{1B26520E-BA57-41A8-95B0-BD203EB96CA6}"/>
+          </ac:picMkLst>
+        </pc:picChg>
+        <pc:picChg chg="add mod modCrop">
+          <ac:chgData name="Noelle Ferrari" userId="a847421d777b2bc0" providerId="LiveId" clId="{1F30A4A2-7351-4E12-AB10-81D23271015E}" dt="2021-07-09T01:34:06.980" v="138" actId="164"/>
+          <ac:picMkLst>
+            <pc:docMk/>
+            <pc:sldMk cId="100388107" sldId="268"/>
+            <ac:picMk id="7" creationId="{54D74963-34E2-4ED8-AC15-47C0911FB9E6}"/>
+          </ac:picMkLst>
+        </pc:picChg>
+        <pc:picChg chg="add mod modCrop">
+          <ac:chgData name="Noelle Ferrari" userId="a847421d777b2bc0" providerId="LiveId" clId="{1F30A4A2-7351-4E12-AB10-81D23271015E}" dt="2021-07-09T01:34:06.980" v="138" actId="164"/>
+          <ac:picMkLst>
+            <pc:docMk/>
+            <pc:sldMk cId="100388107" sldId="268"/>
+            <ac:picMk id="9" creationId="{5D0D5DD5-D359-483D-B0D3-D90BC4E318C6}"/>
+          </ac:picMkLst>
+        </pc:picChg>
+        <pc:picChg chg="add mod modCrop">
+          <ac:chgData name="Noelle Ferrari" userId="a847421d777b2bc0" providerId="LiveId" clId="{1F30A4A2-7351-4E12-AB10-81D23271015E}" dt="2021-07-09T01:35:35.626" v="157" actId="164"/>
+          <ac:picMkLst>
+            <pc:docMk/>
+            <pc:sldMk cId="100388107" sldId="268"/>
+            <ac:picMk id="12" creationId="{0E41E768-1A41-44FC-9691-1DB57D7E0066}"/>
+          </ac:picMkLst>
+        </pc:picChg>
+        <pc:picChg chg="add mod modCrop">
+          <ac:chgData name="Noelle Ferrari" userId="a847421d777b2bc0" providerId="LiveId" clId="{1F30A4A2-7351-4E12-AB10-81D23271015E}" dt="2021-07-09T01:35:35.626" v="157" actId="164"/>
+          <ac:picMkLst>
+            <pc:docMk/>
+            <pc:sldMk cId="100388107" sldId="268"/>
+            <ac:picMk id="13" creationId="{378625F4-2C88-48DF-A1D5-A5E7A7F040C4}"/>
+          </ac:picMkLst>
+        </pc:picChg>
+        <pc:picChg chg="add mod modCrop">
+          <ac:chgData name="Noelle Ferrari" userId="a847421d777b2bc0" providerId="LiveId" clId="{1F30A4A2-7351-4E12-AB10-81D23271015E}" dt="2021-07-09T01:35:35.626" v="157" actId="164"/>
+          <ac:picMkLst>
+            <pc:docMk/>
+            <pc:sldMk cId="100388107" sldId="268"/>
+            <ac:picMk id="14" creationId="{55E877D1-A1F4-4761-B080-70B3E1BCD148}"/>
+          </ac:picMkLst>
+        </pc:picChg>
+      </pc:sldChg>
+      <pc:sldChg chg="addSp delSp modSp add mod">
+        <pc:chgData name="Noelle Ferrari" userId="a847421d777b2bc0" providerId="LiveId" clId="{1F30A4A2-7351-4E12-AB10-81D23271015E}" dt="2021-07-09T01:37:49.463" v="165" actId="1076"/>
+        <pc:sldMkLst>
+          <pc:docMk/>
+          <pc:sldMk cId="3203728628" sldId="269"/>
+        </pc:sldMkLst>
+        <pc:picChg chg="add mod">
+          <ac:chgData name="Noelle Ferrari" userId="a847421d777b2bc0" providerId="LiveId" clId="{1F30A4A2-7351-4E12-AB10-81D23271015E}" dt="2021-07-09T01:37:49.463" v="165" actId="1076"/>
+          <ac:picMkLst>
+            <pc:docMk/>
+            <pc:sldMk cId="3203728628" sldId="269"/>
+            <ac:picMk id="3" creationId="{51AB3BE5-8CCE-43EC-8F15-F4A3638DF800}"/>
+          </ac:picMkLst>
+        </pc:picChg>
+        <pc:picChg chg="del">
+          <ac:chgData name="Noelle Ferrari" userId="a847421d777b2bc0" providerId="LiveId" clId="{1F30A4A2-7351-4E12-AB10-81D23271015E}" dt="2021-07-09T01:37:32.637" v="162" actId="478"/>
+          <ac:picMkLst>
+            <pc:docMk/>
+            <pc:sldMk cId="3203728628" sldId="269"/>
+            <ac:picMk id="6" creationId="{D3AD4CAF-C814-4171-BE41-514E3DBCAF2C}"/>
+          </ac:picMkLst>
+        </pc:picChg>
+      </pc:sldChg>
+    </pc:docChg>
+  </pc:docChgLst>
   <pc:docChgLst>
     <pc:chgData name="Noelle Ferrari" userId="a847421d777b2bc0" providerId="LiveId" clId="{5AC852AB-BB6F-4532-B269-064141533E55}"/>
     <pc:docChg chg="undo custSel addSld delSld modSld sldOrd">
@@ -4646,7 +5202,7 @@
 </p:notes>
 </file>
 
-<file path=ppt/notesSlides/notesSlide2.xml><?xml version="1.0" encoding="utf-8"?>
+<file path=ppt/notesSlides/notesSlide10.xml><?xml version="1.0" encoding="utf-8"?>
 <p:notes xmlns:a="http://schemas.openxmlformats.org/drawingml/2006/main" xmlns:r="http://schemas.openxmlformats.org/officeDocument/2006/relationships" xmlns:p="http://schemas.openxmlformats.org/presentationml/2006/main" showMasterSp="0" showMasterPhAnim="0">
   <p:cSld>
     <p:spTree>
@@ -4743,11 +5299,6 @@
         </p:txBody>
       </p:sp>
     </p:spTree>
-    <p:extLst>
-      <p:ext uri="{BB962C8B-B14F-4D97-AF65-F5344CB8AC3E}">
-        <p14:creationId xmlns:p14="http://schemas.microsoft.com/office/powerpoint/2010/main" val="2282859667"/>
-      </p:ext>
-    </p:extLst>
   </p:cSld>
   <p:clrMapOvr>
     <a:masterClrMapping/>
@@ -4755,12 +5306,12 @@
 </p:notes>
 </file>
 
-<file path=ppt/notesSlides/notesSlide3.xml><?xml version="1.0" encoding="utf-8"?>
+<file path=ppt/notesSlides/notesSlide11.xml><?xml version="1.0" encoding="utf-8"?>
 <p:notes xmlns:a="http://schemas.openxmlformats.org/drawingml/2006/main" xmlns:r="http://schemas.openxmlformats.org/officeDocument/2006/relationships" xmlns:p="http://schemas.openxmlformats.org/presentationml/2006/main" showMasterSp="0" showMasterPhAnim="0">
   <p:cSld>
     <p:spTree>
       <p:nvGrpSpPr>
-        <p:cNvPr id="1" name="Shape 63"/>
+        <p:cNvPr id="1" name="Shape 93"/>
         <p:cNvGrpSpPr/>
         <p:nvPr/>
       </p:nvGrpSpPr>
@@ -4774,7 +5325,7 @@
       </p:grpSpPr>
       <p:sp>
         <p:nvSpPr>
-          <p:cNvPr id="64" name="Google Shape;64;g912c4d88ba_0_0:notes"/>
+          <p:cNvPr id="94" name="Google Shape;94;g912c4d88ba_0_25:notes"/>
           <p:cNvSpPr>
             <a:spLocks noGrp="1" noRot="1" noChangeAspect="1"/>
           </p:cNvSpPr>
@@ -4815,7 +5366,7 @@
       </p:sp>
       <p:sp>
         <p:nvSpPr>
-          <p:cNvPr id="65" name="Google Shape;65;g912c4d88ba_0_0:notes"/>
+          <p:cNvPr id="95" name="Google Shape;95;g912c4d88ba_0_25:notes"/>
           <p:cNvSpPr txBox="1">
             <a:spLocks noGrp="1"/>
           </p:cNvSpPr>
@@ -4859,12 +5410,12 @@
 </p:notes>
 </file>
 
-<file path=ppt/notesSlides/notesSlide4.xml><?xml version="1.0" encoding="utf-8"?>
+<file path=ppt/notesSlides/notesSlide2.xml><?xml version="1.0" encoding="utf-8"?>
 <p:notes xmlns:a="http://schemas.openxmlformats.org/drawingml/2006/main" xmlns:r="http://schemas.openxmlformats.org/officeDocument/2006/relationships" xmlns:p="http://schemas.openxmlformats.org/presentationml/2006/main" showMasterSp="0" showMasterPhAnim="0">
   <p:cSld>
     <p:spTree>
       <p:nvGrpSpPr>
-        <p:cNvPr id="1" name="Shape 69"/>
+        <p:cNvPr id="1" name="Shape 87"/>
         <p:cNvGrpSpPr/>
         <p:nvPr/>
       </p:nvGrpSpPr>
@@ -4878,7 +5429,7 @@
       </p:grpSpPr>
       <p:sp>
         <p:nvSpPr>
-          <p:cNvPr id="70" name="Google Shape;70;g912c4d88ba_0_5:notes"/>
+          <p:cNvPr id="88" name="Google Shape;88;g912c4d88ba_0_15:notes"/>
           <p:cNvSpPr>
             <a:spLocks noGrp="1" noRot="1" noChangeAspect="1"/>
           </p:cNvSpPr>
@@ -4919,7 +5470,7 @@
       </p:sp>
       <p:sp>
         <p:nvSpPr>
-          <p:cNvPr id="71" name="Google Shape;71;g912c4d88ba_0_5:notes"/>
+          <p:cNvPr id="89" name="Google Shape;89;g912c4d88ba_0_15:notes"/>
           <p:cNvSpPr txBox="1">
             <a:spLocks noGrp="1"/>
           </p:cNvSpPr>
@@ -4956,6 +5507,11 @@
         </p:txBody>
       </p:sp>
     </p:spTree>
+    <p:extLst>
+      <p:ext uri="{BB962C8B-B14F-4D97-AF65-F5344CB8AC3E}">
+        <p14:creationId xmlns:p14="http://schemas.microsoft.com/office/powerpoint/2010/main" val="2282859667"/>
+      </p:ext>
+    </p:extLst>
   </p:cSld>
   <p:clrMapOvr>
     <a:masterClrMapping/>
@@ -4963,12 +5519,12 @@
 </p:notes>
 </file>
 
-<file path=ppt/notesSlides/notesSlide5.xml><?xml version="1.0" encoding="utf-8"?>
+<file path=ppt/notesSlides/notesSlide3.xml><?xml version="1.0" encoding="utf-8"?>
 <p:notes xmlns:a="http://schemas.openxmlformats.org/drawingml/2006/main" xmlns:r="http://schemas.openxmlformats.org/officeDocument/2006/relationships" xmlns:p="http://schemas.openxmlformats.org/presentationml/2006/main" showMasterSp="0" showMasterPhAnim="0">
   <p:cSld>
     <p:spTree>
       <p:nvGrpSpPr>
-        <p:cNvPr id="1" name="Shape 69"/>
+        <p:cNvPr id="1" name="Shape 63"/>
         <p:cNvGrpSpPr/>
         <p:nvPr/>
       </p:nvGrpSpPr>
@@ -4982,7 +5538,7 @@
       </p:grpSpPr>
       <p:sp>
         <p:nvSpPr>
-          <p:cNvPr id="70" name="Google Shape;70;g912c4d88ba_0_5:notes"/>
+          <p:cNvPr id="64" name="Google Shape;64;g912c4d88ba_0_0:notes"/>
           <p:cNvSpPr>
             <a:spLocks noGrp="1" noRot="1" noChangeAspect="1"/>
           </p:cNvSpPr>
@@ -5023,6 +5579,214 @@
       </p:sp>
       <p:sp>
         <p:nvSpPr>
+          <p:cNvPr id="65" name="Google Shape;65;g912c4d88ba_0_0:notes"/>
+          <p:cNvSpPr txBox="1">
+            <a:spLocks noGrp="1"/>
+          </p:cNvSpPr>
+          <p:nvPr>
+            <p:ph type="body" idx="1"/>
+          </p:nvPr>
+        </p:nvSpPr>
+        <p:spPr>
+          <a:xfrm>
+            <a:off x="685800" y="4343400"/>
+            <a:ext cx="5486400" cy="4114800"/>
+          </a:xfrm>
+          <a:prstGeom prst="rect">
+            <a:avLst/>
+          </a:prstGeom>
+        </p:spPr>
+        <p:txBody>
+          <a:bodyPr spcFirstLastPara="1" wrap="square" lIns="91425" tIns="91425" rIns="91425" bIns="91425" anchor="t" anchorCtr="0">
+            <a:noAutofit/>
+          </a:bodyPr>
+          <a:lstStyle/>
+          <a:p>
+            <a:pPr marL="0" lvl="0" indent="0" algn="l" rtl="0">
+              <a:spcBef>
+                <a:spcPts val="0"/>
+              </a:spcBef>
+              <a:spcAft>
+                <a:spcPts val="0"/>
+              </a:spcAft>
+              <a:buNone/>
+            </a:pPr>
+            <a:endParaRPr/>
+          </a:p>
+        </p:txBody>
+      </p:sp>
+    </p:spTree>
+  </p:cSld>
+  <p:clrMapOvr>
+    <a:masterClrMapping/>
+  </p:clrMapOvr>
+</p:notes>
+</file>
+
+<file path=ppt/notesSlides/notesSlide4.xml><?xml version="1.0" encoding="utf-8"?>
+<p:notes xmlns:a="http://schemas.openxmlformats.org/drawingml/2006/main" xmlns:r="http://schemas.openxmlformats.org/officeDocument/2006/relationships" xmlns:p="http://schemas.openxmlformats.org/presentationml/2006/main" showMasterSp="0" showMasterPhAnim="0">
+  <p:cSld>
+    <p:spTree>
+      <p:nvGrpSpPr>
+        <p:cNvPr id="1" name="Shape 69"/>
+        <p:cNvGrpSpPr/>
+        <p:nvPr/>
+      </p:nvGrpSpPr>
+      <p:grpSpPr>
+        <a:xfrm>
+          <a:off x="0" y="0"/>
+          <a:ext cx="0" cy="0"/>
+          <a:chOff x="0" y="0"/>
+          <a:chExt cx="0" cy="0"/>
+        </a:xfrm>
+      </p:grpSpPr>
+      <p:sp>
+        <p:nvSpPr>
+          <p:cNvPr id="70" name="Google Shape;70;g912c4d88ba_0_5:notes"/>
+          <p:cNvSpPr>
+            <a:spLocks noGrp="1" noRot="1" noChangeAspect="1"/>
+          </p:cNvSpPr>
+          <p:nvPr>
+            <p:ph type="sldImg" idx="2"/>
+          </p:nvPr>
+        </p:nvSpPr>
+        <p:spPr>
+          <a:xfrm>
+            <a:off x="381000" y="685800"/>
+            <a:ext cx="6096000" cy="3429000"/>
+          </a:xfrm>
+          <a:custGeom>
+            <a:avLst/>
+            <a:gdLst/>
+            <a:ahLst/>
+            <a:cxnLst/>
+            <a:rect l="l" t="t" r="r" b="b"/>
+            <a:pathLst>
+              <a:path w="120000" h="120000" extrusionOk="0">
+                <a:moveTo>
+                  <a:pt x="0" y="0"/>
+                </a:moveTo>
+                <a:lnTo>
+                  <a:pt x="120000" y="0"/>
+                </a:lnTo>
+                <a:lnTo>
+                  <a:pt x="120000" y="120000"/>
+                </a:lnTo>
+                <a:lnTo>
+                  <a:pt x="0" y="120000"/>
+                </a:lnTo>
+                <a:close/>
+              </a:path>
+            </a:pathLst>
+          </a:custGeom>
+        </p:spPr>
+      </p:sp>
+      <p:sp>
+        <p:nvSpPr>
+          <p:cNvPr id="71" name="Google Shape;71;g912c4d88ba_0_5:notes"/>
+          <p:cNvSpPr txBox="1">
+            <a:spLocks noGrp="1"/>
+          </p:cNvSpPr>
+          <p:nvPr>
+            <p:ph type="body" idx="1"/>
+          </p:nvPr>
+        </p:nvSpPr>
+        <p:spPr>
+          <a:xfrm>
+            <a:off x="685800" y="4343400"/>
+            <a:ext cx="5486400" cy="4114800"/>
+          </a:xfrm>
+          <a:prstGeom prst="rect">
+            <a:avLst/>
+          </a:prstGeom>
+        </p:spPr>
+        <p:txBody>
+          <a:bodyPr spcFirstLastPara="1" wrap="square" lIns="91425" tIns="91425" rIns="91425" bIns="91425" anchor="t" anchorCtr="0">
+            <a:noAutofit/>
+          </a:bodyPr>
+          <a:lstStyle/>
+          <a:p>
+            <a:pPr marL="0" lvl="0" indent="0" algn="l" rtl="0">
+              <a:spcBef>
+                <a:spcPts val="0"/>
+              </a:spcBef>
+              <a:spcAft>
+                <a:spcPts val="0"/>
+              </a:spcAft>
+              <a:buNone/>
+            </a:pPr>
+            <a:endParaRPr/>
+          </a:p>
+        </p:txBody>
+      </p:sp>
+    </p:spTree>
+  </p:cSld>
+  <p:clrMapOvr>
+    <a:masterClrMapping/>
+  </p:clrMapOvr>
+</p:notes>
+</file>
+
+<file path=ppt/notesSlides/notesSlide5.xml><?xml version="1.0" encoding="utf-8"?>
+<p:notes xmlns:a="http://schemas.openxmlformats.org/drawingml/2006/main" xmlns:r="http://schemas.openxmlformats.org/officeDocument/2006/relationships" xmlns:p="http://schemas.openxmlformats.org/presentationml/2006/main" showMasterSp="0" showMasterPhAnim="0">
+  <p:cSld>
+    <p:spTree>
+      <p:nvGrpSpPr>
+        <p:cNvPr id="1" name="Shape 69"/>
+        <p:cNvGrpSpPr/>
+        <p:nvPr/>
+      </p:nvGrpSpPr>
+      <p:grpSpPr>
+        <a:xfrm>
+          <a:off x="0" y="0"/>
+          <a:ext cx="0" cy="0"/>
+          <a:chOff x="0" y="0"/>
+          <a:chExt cx="0" cy="0"/>
+        </a:xfrm>
+      </p:grpSpPr>
+      <p:sp>
+        <p:nvSpPr>
+          <p:cNvPr id="70" name="Google Shape;70;g912c4d88ba_0_5:notes"/>
+          <p:cNvSpPr>
+            <a:spLocks noGrp="1" noRot="1" noChangeAspect="1"/>
+          </p:cNvSpPr>
+          <p:nvPr>
+            <p:ph type="sldImg" idx="2"/>
+          </p:nvPr>
+        </p:nvSpPr>
+        <p:spPr>
+          <a:xfrm>
+            <a:off x="381000" y="685800"/>
+            <a:ext cx="6096000" cy="3429000"/>
+          </a:xfrm>
+          <a:custGeom>
+            <a:avLst/>
+            <a:gdLst/>
+            <a:ahLst/>
+            <a:cxnLst/>
+            <a:rect l="l" t="t" r="r" b="b"/>
+            <a:pathLst>
+              <a:path w="120000" h="120000" extrusionOk="0">
+                <a:moveTo>
+                  <a:pt x="0" y="0"/>
+                </a:moveTo>
+                <a:lnTo>
+                  <a:pt x="120000" y="0"/>
+                </a:lnTo>
+                <a:lnTo>
+                  <a:pt x="120000" y="120000"/>
+                </a:lnTo>
+                <a:lnTo>
+                  <a:pt x="0" y="120000"/>
+                </a:lnTo>
+                <a:close/>
+              </a:path>
+            </a:pathLst>
+          </a:custGeom>
+        </p:spPr>
+      </p:sp>
+      <p:sp>
+        <p:nvSpPr>
           <p:cNvPr id="71" name="Google Shape;71;g912c4d88ba_0_5:notes"/>
           <p:cNvSpPr txBox="1">
             <a:spLocks noGrp="1"/>
@@ -5181,7 +5945,7 @@
   <p:cSld>
     <p:spTree>
       <p:nvGrpSpPr>
-        <p:cNvPr id="1" name="Shape 81"/>
+        <p:cNvPr id="1" name="Shape 75"/>
         <p:cNvGrpSpPr/>
         <p:nvPr/>
       </p:nvGrpSpPr>
@@ -5195,7 +5959,7 @@
       </p:grpSpPr>
       <p:sp>
         <p:nvSpPr>
-          <p:cNvPr id="82" name="Google Shape;82;g912c4d88ba_0_10:notes"/>
+          <p:cNvPr id="76" name="Google Shape;76;ga41b3325aa_0_0:notes"/>
           <p:cNvSpPr>
             <a:spLocks noGrp="1" noRot="1" noChangeAspect="1"/>
           </p:cNvSpPr>
@@ -5236,7 +6000,7 @@
       </p:sp>
       <p:sp>
         <p:nvSpPr>
-          <p:cNvPr id="83" name="Google Shape;83;g912c4d88ba_0_10:notes"/>
+          <p:cNvPr id="77" name="Google Shape;77;ga41b3325aa_0_0:notes"/>
           <p:cNvSpPr txBox="1">
             <a:spLocks noGrp="1"/>
           </p:cNvSpPr>
@@ -5273,6 +6037,11 @@
         </p:txBody>
       </p:sp>
     </p:spTree>
+    <p:extLst>
+      <p:ext uri="{BB962C8B-B14F-4D97-AF65-F5344CB8AC3E}">
+        <p14:creationId xmlns:p14="http://schemas.microsoft.com/office/powerpoint/2010/main" val="2420711538"/>
+      </p:ext>
+    </p:extLst>
   </p:cSld>
   <p:clrMapOvr>
     <a:masterClrMapping/>
@@ -5285,7 +6054,7 @@
   <p:cSld>
     <p:spTree>
       <p:nvGrpSpPr>
-        <p:cNvPr id="1" name="Shape 87"/>
+        <p:cNvPr id="1" name="Shape 75"/>
         <p:cNvGrpSpPr/>
         <p:nvPr/>
       </p:nvGrpSpPr>
@@ -5299,7 +6068,7 @@
       </p:grpSpPr>
       <p:sp>
         <p:nvSpPr>
-          <p:cNvPr id="88" name="Google Shape;88;g912c4d88ba_0_15:notes"/>
+          <p:cNvPr id="76" name="Google Shape;76;ga41b3325aa_0_0:notes"/>
           <p:cNvSpPr>
             <a:spLocks noGrp="1" noRot="1" noChangeAspect="1"/>
           </p:cNvSpPr>
@@ -5340,7 +6109,7 @@
       </p:sp>
       <p:sp>
         <p:nvSpPr>
-          <p:cNvPr id="89" name="Google Shape;89;g912c4d88ba_0_15:notes"/>
+          <p:cNvPr id="77" name="Google Shape;77;ga41b3325aa_0_0:notes"/>
           <p:cNvSpPr txBox="1">
             <a:spLocks noGrp="1"/>
           </p:cNvSpPr>
@@ -5377,6 +6146,11 @@
         </p:txBody>
       </p:sp>
     </p:spTree>
+    <p:extLst>
+      <p:ext uri="{BB962C8B-B14F-4D97-AF65-F5344CB8AC3E}">
+        <p14:creationId xmlns:p14="http://schemas.microsoft.com/office/powerpoint/2010/main" val="1040432575"/>
+      </p:ext>
+    </p:extLst>
   </p:cSld>
   <p:clrMapOvr>
     <a:masterClrMapping/>
@@ -5389,7 +6163,7 @@
   <p:cSld>
     <p:spTree>
       <p:nvGrpSpPr>
-        <p:cNvPr id="1" name="Shape 93"/>
+        <p:cNvPr id="1" name="Shape 75"/>
         <p:cNvGrpSpPr/>
         <p:nvPr/>
       </p:nvGrpSpPr>
@@ -5403,7 +6177,7 @@
       </p:grpSpPr>
       <p:sp>
         <p:nvSpPr>
-          <p:cNvPr id="94" name="Google Shape;94;g912c4d88ba_0_25:notes"/>
+          <p:cNvPr id="76" name="Google Shape;76;ga41b3325aa_0_0:notes"/>
           <p:cNvSpPr>
             <a:spLocks noGrp="1" noRot="1" noChangeAspect="1"/>
           </p:cNvSpPr>
@@ -5444,7 +6218,7 @@
       </p:sp>
       <p:sp>
         <p:nvSpPr>
-          <p:cNvPr id="95" name="Google Shape;95;g912c4d88ba_0_25:notes"/>
+          <p:cNvPr id="77" name="Google Shape;77;ga41b3325aa_0_0:notes"/>
           <p:cNvSpPr txBox="1">
             <a:spLocks noGrp="1"/>
           </p:cNvSpPr>
@@ -5481,6 +6255,11 @@
         </p:txBody>
       </p:sp>
     </p:spTree>
+    <p:extLst>
+      <p:ext uri="{BB962C8B-B14F-4D97-AF65-F5344CB8AC3E}">
+        <p14:creationId xmlns:p14="http://schemas.microsoft.com/office/powerpoint/2010/main" val="1805655838"/>
+      </p:ext>
+    </p:extLst>
   </p:cSld>
   <p:clrMapOvr>
     <a:masterClrMapping/>
@@ -10074,6 +10853,1325 @@
 </p:sld>
 </file>
 
+<file path=ppt/slides/slide10.xml><?xml version="1.0" encoding="utf-8"?>
+<p:sld xmlns:a="http://schemas.openxmlformats.org/drawingml/2006/main" xmlns:r="http://schemas.openxmlformats.org/officeDocument/2006/relationships" xmlns:p="http://schemas.openxmlformats.org/presentationml/2006/main">
+  <p:cSld>
+    <p:bg>
+      <p:bgPr>
+        <a:solidFill>
+          <a:schemeClr val="bg1"/>
+        </a:solidFill>
+        <a:effectLst/>
+      </p:bgPr>
+    </p:bg>
+    <p:spTree>
+      <p:nvGrpSpPr>
+        <p:cNvPr id="1" name="Shape 90"/>
+        <p:cNvGrpSpPr/>
+        <p:nvPr/>
+      </p:nvGrpSpPr>
+      <p:grpSpPr>
+        <a:xfrm>
+          <a:off x="0" y="0"/>
+          <a:ext cx="0" cy="0"/>
+          <a:chOff x="0" y="0"/>
+          <a:chExt cx="0" cy="0"/>
+        </a:xfrm>
+      </p:grpSpPr>
+      <p:sp>
+        <p:nvSpPr>
+          <p:cNvPr id="150" name="Rectangle 149">
+            <a:extLst>
+              <a:ext uri="{FF2B5EF4-FFF2-40B4-BE49-F238E27FC236}">
+                <a16:creationId xmlns:a16="http://schemas.microsoft.com/office/drawing/2014/main" id="{E9AA9F65-94B8-41A5-A7FF-23D2CFB116BB}"/>
+              </a:ext>
+              <a:ext uri="{C183D7F6-B498-43B3-948B-1728B52AA6E4}">
+                <adec:decorative xmlns:adec="http://schemas.microsoft.com/office/drawing/2017/decorative" val="1"/>
+              </a:ext>
+            </a:extLst>
+          </p:cNvPr>
+          <p:cNvSpPr>
+            <a:spLocks noGrp="1" noRot="1" noChangeAspect="1" noMove="1" noResize="1" noEditPoints="1" noAdjustHandles="1" noChangeArrowheads="1" noChangeShapeType="1" noTextEdit="1"/>
+          </p:cNvSpPr>
+          <p:nvPr>
+            <p:extLst>
+              <p:ext uri="{386F3935-93C4-4BCD-93E2-E3B085C9AB24}">
+                <p16:designElem xmlns:p16="http://schemas.microsoft.com/office/powerpoint/2015/main" val="1"/>
+              </p:ext>
+            </p:extLst>
+          </p:nvPr>
+        </p:nvSpPr>
+        <p:spPr>
+          <a:xfrm>
+            <a:off x="334900" y="342900"/>
+            <a:ext cx="2777490" cy="71247"/>
+          </a:xfrm>
+          <a:prstGeom prst="rect">
+            <a:avLst/>
+          </a:prstGeom>
+          <a:solidFill>
+            <a:schemeClr val="accent1"/>
+          </a:solidFill>
+          <a:ln>
+            <a:noFill/>
+          </a:ln>
+          <a:effectLst/>
+        </p:spPr>
+        <p:style>
+          <a:lnRef idx="1">
+            <a:schemeClr val="accent1"/>
+          </a:lnRef>
+          <a:fillRef idx="3">
+            <a:schemeClr val="accent1"/>
+          </a:fillRef>
+          <a:effectRef idx="2">
+            <a:schemeClr val="accent1"/>
+          </a:effectRef>
+          <a:fontRef idx="minor">
+            <a:schemeClr val="lt1"/>
+          </a:fontRef>
+        </p:style>
+      </p:sp>
+      <p:sp>
+        <p:nvSpPr>
+          <p:cNvPr id="152" name="Rectangle 151">
+            <a:extLst>
+              <a:ext uri="{FF2B5EF4-FFF2-40B4-BE49-F238E27FC236}">
+                <a16:creationId xmlns:a16="http://schemas.microsoft.com/office/drawing/2014/main" id="{7E8B0F8E-3F6C-4541-B9C1-774D80A08834}"/>
+              </a:ext>
+              <a:ext uri="{C183D7F6-B498-43B3-948B-1728B52AA6E4}">
+                <adec:decorative xmlns:adec="http://schemas.microsoft.com/office/drawing/2017/decorative" val="1"/>
+              </a:ext>
+            </a:extLst>
+          </p:cNvPr>
+          <p:cNvSpPr>
+            <a:spLocks noGrp="1" noRot="1" noChangeAspect="1" noMove="1" noResize="1" noEditPoints="1" noAdjustHandles="1" noChangeArrowheads="1" noChangeShapeType="1" noTextEdit="1"/>
+          </p:cNvSpPr>
+          <p:nvPr>
+            <p:extLst>
+              <p:ext uri="{386F3935-93C4-4BCD-93E2-E3B085C9AB24}">
+                <p16:designElem xmlns:p16="http://schemas.microsoft.com/office/powerpoint/2015/main" val="1"/>
+              </p:ext>
+            </p:extLst>
+          </p:nvPr>
+        </p:nvSpPr>
+        <p:spPr>
+          <a:xfrm>
+            <a:off x="6031610" y="340232"/>
+            <a:ext cx="2777490" cy="73915"/>
+          </a:xfrm>
+          <a:prstGeom prst="rect">
+            <a:avLst/>
+          </a:prstGeom>
+          <a:solidFill>
+            <a:schemeClr val="accent4"/>
+          </a:solidFill>
+          <a:ln>
+            <a:noFill/>
+          </a:ln>
+          <a:effectLst/>
+        </p:spPr>
+        <p:style>
+          <a:lnRef idx="1">
+            <a:schemeClr val="accent1"/>
+          </a:lnRef>
+          <a:fillRef idx="3">
+            <a:schemeClr val="accent1"/>
+          </a:fillRef>
+          <a:effectRef idx="2">
+            <a:schemeClr val="accent1"/>
+          </a:effectRef>
+          <a:fontRef idx="minor">
+            <a:schemeClr val="lt1"/>
+          </a:fontRef>
+        </p:style>
+      </p:sp>
+      <p:sp>
+        <p:nvSpPr>
+          <p:cNvPr id="154" name="Rectangle 153">
+            <a:extLst>
+              <a:ext uri="{FF2B5EF4-FFF2-40B4-BE49-F238E27FC236}">
+                <a16:creationId xmlns:a16="http://schemas.microsoft.com/office/drawing/2014/main" id="{7A45F5BC-32D1-41CD-B270-C46F18CA1ACC}"/>
+              </a:ext>
+              <a:ext uri="{C183D7F6-B498-43B3-948B-1728B52AA6E4}">
+                <adec:decorative xmlns:adec="http://schemas.microsoft.com/office/drawing/2017/decorative" val="1"/>
+              </a:ext>
+            </a:extLst>
+          </p:cNvPr>
+          <p:cNvSpPr>
+            <a:spLocks noGrp="1" noRot="1" noChangeAspect="1" noMove="1" noResize="1" noEditPoints="1" noAdjustHandles="1" noChangeArrowheads="1" noChangeShapeType="1" noTextEdit="1"/>
+          </p:cNvSpPr>
+          <p:nvPr>
+            <p:extLst>
+              <p:ext uri="{386F3935-93C4-4BCD-93E2-E3B085C9AB24}">
+                <p16:designElem xmlns:p16="http://schemas.microsoft.com/office/powerpoint/2015/main" val="1"/>
+              </p:ext>
+            </p:extLst>
+          </p:nvPr>
+        </p:nvSpPr>
+        <p:spPr>
+          <a:xfrm>
+            <a:off x="3181372" y="342900"/>
+            <a:ext cx="2777490" cy="68580"/>
+          </a:xfrm>
+          <a:prstGeom prst="rect">
+            <a:avLst/>
+          </a:prstGeom>
+          <a:solidFill>
+            <a:schemeClr val="accent2"/>
+          </a:solidFill>
+          <a:ln>
+            <a:noFill/>
+          </a:ln>
+          <a:effectLst/>
+        </p:spPr>
+        <p:style>
+          <a:lnRef idx="1">
+            <a:schemeClr val="accent1"/>
+          </a:lnRef>
+          <a:fillRef idx="3">
+            <a:schemeClr val="accent1"/>
+          </a:fillRef>
+          <a:effectRef idx="2">
+            <a:schemeClr val="accent1"/>
+          </a:effectRef>
+          <a:fontRef idx="minor">
+            <a:schemeClr val="lt1"/>
+          </a:fontRef>
+        </p:style>
+      </p:sp>
+      <p:sp>
+        <p:nvSpPr>
+          <p:cNvPr id="156" name="Rectangle 155">
+            <a:extLst>
+              <a:ext uri="{FF2B5EF4-FFF2-40B4-BE49-F238E27FC236}">
+                <a16:creationId xmlns:a16="http://schemas.microsoft.com/office/drawing/2014/main" id="{5BB74D4E-F243-4A10-813D-500A14025392}"/>
+              </a:ext>
+              <a:ext uri="{C183D7F6-B498-43B3-948B-1728B52AA6E4}">
+                <adec:decorative xmlns:adec="http://schemas.microsoft.com/office/drawing/2017/decorative" val="1"/>
+              </a:ext>
+            </a:extLst>
+          </p:cNvPr>
+          <p:cNvSpPr>
+            <a:spLocks noGrp="1" noRot="1" noChangeAspect="1" noMove="1" noResize="1" noEditPoints="1" noAdjustHandles="1" noChangeArrowheads="1" noChangeShapeType="1" noTextEdit="1"/>
+          </p:cNvSpPr>
+          <p:nvPr>
+            <p:extLst>
+              <p:ext uri="{386F3935-93C4-4BCD-93E2-E3B085C9AB24}">
+                <p16:designElem xmlns:p16="http://schemas.microsoft.com/office/powerpoint/2015/main" val="1"/>
+              </p:ext>
+            </p:extLst>
+          </p:nvPr>
+        </p:nvSpPr>
+        <p:spPr>
+          <a:xfrm>
+            <a:off x="330214" y="460805"/>
+            <a:ext cx="8482004" cy="891973"/>
+          </a:xfrm>
+          <a:prstGeom prst="rect">
+            <a:avLst/>
+          </a:prstGeom>
+          <a:solidFill>
+            <a:schemeClr val="accent1"/>
+          </a:solidFill>
+          <a:ln>
+            <a:noFill/>
+          </a:ln>
+          <a:effectLst/>
+        </p:spPr>
+        <p:style>
+          <a:lnRef idx="1">
+            <a:schemeClr val="accent1"/>
+          </a:lnRef>
+          <a:fillRef idx="3">
+            <a:schemeClr val="accent1"/>
+          </a:fillRef>
+          <a:effectRef idx="2">
+            <a:schemeClr val="accent1"/>
+          </a:effectRef>
+          <a:fontRef idx="minor">
+            <a:schemeClr val="lt1"/>
+          </a:fontRef>
+        </p:style>
+      </p:sp>
+      <p:sp>
+        <p:nvSpPr>
+          <p:cNvPr id="158" name="Rectangle 157">
+            <a:extLst>
+              <a:ext uri="{FF2B5EF4-FFF2-40B4-BE49-F238E27FC236}">
+                <a16:creationId xmlns:a16="http://schemas.microsoft.com/office/drawing/2014/main" id="{1A59258C-AAC2-41CD-973C-7439B122A3FF}"/>
+              </a:ext>
+              <a:ext uri="{C183D7F6-B498-43B3-948B-1728B52AA6E4}">
+                <adec:decorative xmlns:adec="http://schemas.microsoft.com/office/drawing/2017/decorative" val="1"/>
+              </a:ext>
+            </a:extLst>
+          </p:cNvPr>
+          <p:cNvSpPr>
+            <a:spLocks noGrp="1" noRot="1" noChangeAspect="1" noMove="1" noResize="1" noEditPoints="1" noAdjustHandles="1" noChangeArrowheads="1" noChangeShapeType="1" noTextEdit="1"/>
+          </p:cNvSpPr>
+          <p:nvPr>
+            <p:extLst>
+              <p:ext uri="{386F3935-93C4-4BCD-93E2-E3B085C9AB24}">
+                <p16:designElem xmlns:p16="http://schemas.microsoft.com/office/powerpoint/2015/main" val="1"/>
+              </p:ext>
+            </p:extLst>
+          </p:nvPr>
+        </p:nvSpPr>
+        <p:spPr>
+          <a:xfrm>
+            <a:off x="0" y="0"/>
+            <a:ext cx="9144000" cy="5143500"/>
+          </a:xfrm>
+          <a:prstGeom prst="rect">
+            <a:avLst/>
+          </a:prstGeom>
+          <a:solidFill>
+            <a:srgbClr val="FFFFFF"/>
+          </a:solidFill>
+          <a:ln>
+            <a:noFill/>
+          </a:ln>
+        </p:spPr>
+        <p:style>
+          <a:lnRef idx="2">
+            <a:schemeClr val="accent1">
+              <a:shade val="50000"/>
+            </a:schemeClr>
+          </a:lnRef>
+          <a:fillRef idx="1">
+            <a:schemeClr val="accent1"/>
+          </a:fillRef>
+          <a:effectRef idx="0">
+            <a:schemeClr val="accent1"/>
+          </a:effectRef>
+          <a:fontRef idx="minor">
+            <a:schemeClr val="lt1"/>
+          </a:fontRef>
+        </p:style>
+        <p:txBody>
+          <a:bodyPr rtlCol="0" anchor="ctr"/>
+          <a:lstStyle/>
+          <a:p>
+            <a:pPr marL="285750" indent="-285750" algn="ctr">
+              <a:buClr>
+                <a:schemeClr val="accent1"/>
+              </a:buClr>
+              <a:buFont typeface="Arial" panose="020B0604020202020204" pitchFamily="34" charset="0"/>
+              <a:buChar char="•"/>
+            </a:pPr>
+            <a:endParaRPr lang="en-US" dirty="0"/>
+          </a:p>
+        </p:txBody>
+      </p:sp>
+      <p:sp>
+        <p:nvSpPr>
+          <p:cNvPr id="160" name="Rectangle 159">
+            <a:extLst>
+              <a:ext uri="{FF2B5EF4-FFF2-40B4-BE49-F238E27FC236}">
+                <a16:creationId xmlns:a16="http://schemas.microsoft.com/office/drawing/2014/main" id="{54516B72-0116-42B2-82A2-B11218A36636}"/>
+              </a:ext>
+              <a:ext uri="{C183D7F6-B498-43B3-948B-1728B52AA6E4}">
+                <adec:decorative xmlns:adec="http://schemas.microsoft.com/office/drawing/2017/decorative" val="1"/>
+              </a:ext>
+            </a:extLst>
+          </p:cNvPr>
+          <p:cNvSpPr>
+            <a:spLocks noGrp="1" noRot="1" noChangeAspect="1" noMove="1" noResize="1" noEditPoints="1" noAdjustHandles="1" noChangeArrowheads="1" noChangeShapeType="1" noTextEdit="1"/>
+          </p:cNvSpPr>
+          <p:nvPr>
+            <p:extLst>
+              <p:ext uri="{386F3935-93C4-4BCD-93E2-E3B085C9AB24}">
+                <p16:designElem xmlns:p16="http://schemas.microsoft.com/office/powerpoint/2015/main" val="1"/>
+              </p:ext>
+            </p:extLst>
+          </p:nvPr>
+        </p:nvSpPr>
+        <p:spPr>
+          <a:xfrm>
+            <a:off x="0" y="0"/>
+            <a:ext cx="4584892" cy="5143500"/>
+          </a:xfrm>
+          <a:prstGeom prst="rect">
+            <a:avLst/>
+          </a:prstGeom>
+          <a:ln>
+            <a:noFill/>
+          </a:ln>
+        </p:spPr>
+        <p:style>
+          <a:lnRef idx="2">
+            <a:schemeClr val="accent1">
+              <a:shade val="50000"/>
+            </a:schemeClr>
+          </a:lnRef>
+          <a:fillRef idx="1">
+            <a:schemeClr val="accent1"/>
+          </a:fillRef>
+          <a:effectRef idx="0">
+            <a:schemeClr val="accent1"/>
+          </a:effectRef>
+          <a:fontRef idx="minor">
+            <a:schemeClr val="lt1"/>
+          </a:fontRef>
+        </p:style>
+        <p:txBody>
+          <a:bodyPr rtlCol="0" anchor="ctr"/>
+          <a:lstStyle/>
+          <a:p>
+            <a:pPr algn="ctr"/>
+            <a:endParaRPr lang="en-US"/>
+          </a:p>
+        </p:txBody>
+      </p:sp>
+      <p:sp>
+        <p:nvSpPr>
+          <p:cNvPr id="91" name="Google Shape;91;p19"/>
+          <p:cNvSpPr txBox="1">
+            <a:spLocks noGrp="1"/>
+          </p:cNvSpPr>
+          <p:nvPr>
+            <p:ph type="title"/>
+          </p:nvPr>
+        </p:nvSpPr>
+        <p:spPr>
+          <a:xfrm>
+            <a:off x="482601" y="775041"/>
+            <a:ext cx="3619692" cy="3619057"/>
+          </a:xfrm>
+          <a:prstGeom prst="rect">
+            <a:avLst/>
+          </a:prstGeom>
+        </p:spPr>
+        <p:txBody>
+          <a:bodyPr spcFirstLastPara="1" vert="horz" lIns="91440" tIns="45720" rIns="91440" bIns="45720" rtlCol="0" anchor="ctr" anchorCtr="0">
+            <a:normAutofit/>
+          </a:bodyPr>
+          <a:lstStyle/>
+          <a:p>
+            <a:pPr marL="0" lvl="0" indent="0" defTabSz="457200">
+              <a:spcBef>
+                <a:spcPct val="0"/>
+              </a:spcBef>
+              <a:spcAft>
+                <a:spcPts val="0"/>
+              </a:spcAft>
+            </a:pPr>
+            <a:r>
+              <a:rPr lang="en-US" sz="4100" dirty="0">
+                <a:solidFill>
+                  <a:srgbClr val="FFFFFF"/>
+                </a:solidFill>
+              </a:rPr>
+              <a:t>Summary and</a:t>
+            </a:r>
+            <a:br>
+              <a:rPr lang="en-US" sz="4100" dirty="0">
+                <a:solidFill>
+                  <a:srgbClr val="FFFFFF"/>
+                </a:solidFill>
+              </a:rPr>
+            </a:br>
+            <a:r>
+              <a:rPr lang="en-US" sz="4100" dirty="0">
+                <a:solidFill>
+                  <a:srgbClr val="FFFFFF"/>
+                </a:solidFill>
+              </a:rPr>
+              <a:t>next steps</a:t>
+            </a:r>
+          </a:p>
+        </p:txBody>
+      </p:sp>
+      <p:sp>
+        <p:nvSpPr>
+          <p:cNvPr id="162" name="Rectangle 161">
+            <a:extLst>
+              <a:ext uri="{FF2B5EF4-FFF2-40B4-BE49-F238E27FC236}">
+                <a16:creationId xmlns:a16="http://schemas.microsoft.com/office/drawing/2014/main" id="{7CDB507F-21B7-4C27-B0FC-D9C465C6DB44}"/>
+              </a:ext>
+              <a:ext uri="{C183D7F6-B498-43B3-948B-1728B52AA6E4}">
+                <adec:decorative xmlns:adec="http://schemas.microsoft.com/office/drawing/2017/decorative" val="1"/>
+              </a:ext>
+            </a:extLst>
+          </p:cNvPr>
+          <p:cNvSpPr>
+            <a:spLocks noGrp="1" noRot="1" noChangeAspect="1" noMove="1" noResize="1" noEditPoints="1" noAdjustHandles="1" noChangeArrowheads="1" noChangeShapeType="1" noTextEdit="1"/>
+          </p:cNvSpPr>
+          <p:nvPr>
+            <p:extLst>
+              <p:ext uri="{386F3935-93C4-4BCD-93E2-E3B085C9AB24}">
+                <p16:designElem xmlns:p16="http://schemas.microsoft.com/office/powerpoint/2015/main" val="1"/>
+              </p:ext>
+            </p:extLst>
+          </p:nvPr>
+        </p:nvSpPr>
+        <p:spPr>
+          <a:xfrm>
+            <a:off x="481934" y="345651"/>
+            <a:ext cx="3621024" cy="83740"/>
+          </a:xfrm>
+          <a:prstGeom prst="rect">
+            <a:avLst/>
+          </a:prstGeom>
+          <a:solidFill>
+            <a:srgbClr val="FFFFFF"/>
+          </a:solidFill>
+          <a:ln>
+            <a:noFill/>
+          </a:ln>
+          <a:effectLst/>
+        </p:spPr>
+        <p:style>
+          <a:lnRef idx="1">
+            <a:schemeClr val="accent1"/>
+          </a:lnRef>
+          <a:fillRef idx="3">
+            <a:schemeClr val="accent1"/>
+          </a:fillRef>
+          <a:effectRef idx="2">
+            <a:schemeClr val="accent1"/>
+          </a:effectRef>
+          <a:fontRef idx="minor">
+            <a:schemeClr val="lt1"/>
+          </a:fontRef>
+        </p:style>
+      </p:sp>
+      <p:sp>
+        <p:nvSpPr>
+          <p:cNvPr id="164" name="Rectangle 163">
+            <a:extLst>
+              <a:ext uri="{FF2B5EF4-FFF2-40B4-BE49-F238E27FC236}">
+                <a16:creationId xmlns:a16="http://schemas.microsoft.com/office/drawing/2014/main" id="{7AB1AE17-B7A3-4363-95CD-25441E2FF1F3}"/>
+              </a:ext>
+              <a:ext uri="{C183D7F6-B498-43B3-948B-1728B52AA6E4}">
+                <adec:decorative xmlns:adec="http://schemas.microsoft.com/office/drawing/2017/decorative" val="1"/>
+              </a:ext>
+            </a:extLst>
+          </p:cNvPr>
+          <p:cNvSpPr>
+            <a:spLocks noGrp="1" noRot="1" noChangeAspect="1" noMove="1" noResize="1" noEditPoints="1" noAdjustHandles="1" noChangeArrowheads="1" noChangeShapeType="1" noTextEdit="1"/>
+          </p:cNvSpPr>
+          <p:nvPr>
+            <p:extLst>
+              <p:ext uri="{386F3935-93C4-4BCD-93E2-E3B085C9AB24}">
+                <p16:designElem xmlns:p16="http://schemas.microsoft.com/office/powerpoint/2015/main" val="1"/>
+              </p:ext>
+            </p:extLst>
+          </p:nvPr>
+        </p:nvSpPr>
+        <p:spPr>
+          <a:xfrm>
+            <a:off x="5087080" y="345651"/>
+            <a:ext cx="3621024" cy="83740"/>
+          </a:xfrm>
+          <a:prstGeom prst="rect">
+            <a:avLst/>
+          </a:prstGeom>
+          <a:solidFill>
+            <a:schemeClr val="accent2"/>
+          </a:solidFill>
+          <a:ln>
+            <a:noFill/>
+          </a:ln>
+          <a:effectLst/>
+        </p:spPr>
+        <p:style>
+          <a:lnRef idx="1">
+            <a:schemeClr val="accent1"/>
+          </a:lnRef>
+          <a:fillRef idx="3">
+            <a:schemeClr val="accent1"/>
+          </a:fillRef>
+          <a:effectRef idx="2">
+            <a:schemeClr val="accent1"/>
+          </a:effectRef>
+          <a:fontRef idx="minor">
+            <a:schemeClr val="lt1"/>
+          </a:fontRef>
+        </p:style>
+      </p:sp>
+      <p:sp>
+        <p:nvSpPr>
+          <p:cNvPr id="92" name="Google Shape;92;p19"/>
+          <p:cNvSpPr txBox="1">
+            <a:spLocks noGrp="1"/>
+          </p:cNvSpPr>
+          <p:nvPr>
+            <p:ph type="body" idx="1"/>
+          </p:nvPr>
+        </p:nvSpPr>
+        <p:spPr>
+          <a:xfrm>
+            <a:off x="5066826" y="775042"/>
+            <a:ext cx="3641278" cy="3619057"/>
+          </a:xfrm>
+          <a:prstGeom prst="rect">
+            <a:avLst/>
+          </a:prstGeom>
+          <a:ln w="57150">
+            <a:noFill/>
+          </a:ln>
+        </p:spPr>
+        <p:txBody>
+          <a:bodyPr spcFirstLastPara="1" vert="horz" lIns="91440" tIns="45720" rIns="91440" bIns="45720" rtlCol="0" anchor="ctr" anchorCtr="0">
+            <a:normAutofit/>
+          </a:bodyPr>
+          <a:lstStyle/>
+          <a:p>
+            <a:pPr marL="457200" lvl="0" indent="-342900" defTabSz="457200">
+              <a:spcBef>
+                <a:spcPct val="20000"/>
+              </a:spcBef>
+              <a:spcAft>
+                <a:spcPts val="600"/>
+              </a:spcAft>
+              <a:buSzPct val="92000"/>
+              <a:buFont typeface="Wingdings 2" panose="05020102010507070707" pitchFamily="18" charset="2"/>
+              <a:buChar char=""/>
+            </a:pPr>
+            <a:endParaRPr lang="en-US" sz="1500" dirty="0">
+              <a:solidFill>
+                <a:schemeClr val="accent2">
+                  <a:lumMod val="50000"/>
+                </a:schemeClr>
+              </a:solidFill>
+            </a:endParaRPr>
+          </a:p>
+          <a:p>
+            <a:pPr marL="457200" lvl="0" indent="-342900" defTabSz="457200">
+              <a:spcBef>
+                <a:spcPct val="20000"/>
+              </a:spcBef>
+              <a:spcAft>
+                <a:spcPts val="600"/>
+              </a:spcAft>
+              <a:buSzPct val="92000"/>
+              <a:buFont typeface="Wingdings 2" panose="05020102010507070707" pitchFamily="18" charset="2"/>
+              <a:buChar char=""/>
+            </a:pPr>
+            <a:r>
+              <a:rPr lang="en-US" sz="1500" dirty="0">
+                <a:solidFill>
+                  <a:schemeClr val="accent2">
+                    <a:lumMod val="50000"/>
+                  </a:schemeClr>
+                </a:solidFill>
+              </a:rPr>
+              <a:t>Missing data points:</a:t>
+            </a:r>
+          </a:p>
+          <a:p>
+            <a:pPr lvl="1" indent="-342900" defTabSz="457200">
+              <a:spcBef>
+                <a:spcPct val="20000"/>
+              </a:spcBef>
+              <a:spcAft>
+                <a:spcPts val="600"/>
+              </a:spcAft>
+              <a:buSzPct val="92000"/>
+              <a:buFont typeface="Wingdings 2" panose="05020102010507070707" pitchFamily="18" charset="2"/>
+              <a:buChar char=""/>
+            </a:pPr>
+            <a:r>
+              <a:rPr lang="en-US" sz="1500" dirty="0">
+                <a:solidFill>
+                  <a:schemeClr val="accent2">
+                    <a:lumMod val="50000"/>
+                  </a:schemeClr>
+                </a:solidFill>
+              </a:rPr>
+              <a:t>Varietal</a:t>
+            </a:r>
+          </a:p>
+          <a:p>
+            <a:pPr lvl="1" indent="-342900" defTabSz="457200">
+              <a:spcBef>
+                <a:spcPct val="20000"/>
+              </a:spcBef>
+              <a:spcAft>
+                <a:spcPts val="600"/>
+              </a:spcAft>
+              <a:buSzPct val="92000"/>
+              <a:buFont typeface="Wingdings 2" panose="05020102010507070707" pitchFamily="18" charset="2"/>
+              <a:buChar char=""/>
+            </a:pPr>
+            <a:r>
+              <a:rPr lang="en-US" sz="1500" dirty="0">
+                <a:solidFill>
+                  <a:schemeClr val="accent2">
+                    <a:lumMod val="50000"/>
+                  </a:schemeClr>
+                </a:solidFill>
+              </a:rPr>
+              <a:t>Label</a:t>
+            </a:r>
+          </a:p>
+        </p:txBody>
+      </p:sp>
+    </p:spTree>
+  </p:cSld>
+  <p:clrMapOvr>
+    <a:masterClrMapping/>
+  </p:clrMapOvr>
+</p:sld>
+</file>
+
+<file path=ppt/slides/slide11.xml><?xml version="1.0" encoding="utf-8"?>
+<p:sld xmlns:a="http://schemas.openxmlformats.org/drawingml/2006/main" xmlns:r="http://schemas.openxmlformats.org/officeDocument/2006/relationships" xmlns:p="http://schemas.openxmlformats.org/presentationml/2006/main">
+  <p:cSld>
+    <p:bg>
+      <p:bgPr>
+        <a:solidFill>
+          <a:schemeClr val="bg1"/>
+        </a:solidFill>
+        <a:effectLst/>
+      </p:bgPr>
+    </p:bg>
+    <p:spTree>
+      <p:nvGrpSpPr>
+        <p:cNvPr id="1" name="Shape 96"/>
+        <p:cNvGrpSpPr/>
+        <p:nvPr/>
+      </p:nvGrpSpPr>
+      <p:grpSpPr>
+        <a:xfrm>
+          <a:off x="0" y="0"/>
+          <a:ext cx="0" cy="0"/>
+          <a:chOff x="0" y="0"/>
+          <a:chExt cx="0" cy="0"/>
+        </a:xfrm>
+      </p:grpSpPr>
+      <p:sp>
+        <p:nvSpPr>
+          <p:cNvPr id="118" name="Rectangle 117">
+            <a:extLst>
+              <a:ext uri="{FF2B5EF4-FFF2-40B4-BE49-F238E27FC236}">
+                <a16:creationId xmlns:a16="http://schemas.microsoft.com/office/drawing/2014/main" id="{E9AA9F65-94B8-41A5-A7FF-23D2CFB116BB}"/>
+              </a:ext>
+              <a:ext uri="{C183D7F6-B498-43B3-948B-1728B52AA6E4}">
+                <adec:decorative xmlns:adec="http://schemas.microsoft.com/office/drawing/2017/decorative" val="1"/>
+              </a:ext>
+            </a:extLst>
+          </p:cNvPr>
+          <p:cNvSpPr>
+            <a:spLocks noGrp="1" noRot="1" noChangeAspect="1" noMove="1" noResize="1" noEditPoints="1" noAdjustHandles="1" noChangeArrowheads="1" noChangeShapeType="1" noTextEdit="1"/>
+          </p:cNvSpPr>
+          <p:nvPr>
+            <p:extLst>
+              <p:ext uri="{386F3935-93C4-4BCD-93E2-E3B085C9AB24}">
+                <p16:designElem xmlns:p16="http://schemas.microsoft.com/office/powerpoint/2015/main" val="1"/>
+              </p:ext>
+            </p:extLst>
+          </p:nvPr>
+        </p:nvSpPr>
+        <p:spPr>
+          <a:xfrm>
+            <a:off x="334900" y="342900"/>
+            <a:ext cx="2777490" cy="71247"/>
+          </a:xfrm>
+          <a:prstGeom prst="rect">
+            <a:avLst/>
+          </a:prstGeom>
+          <a:solidFill>
+            <a:schemeClr val="accent1"/>
+          </a:solidFill>
+          <a:ln>
+            <a:noFill/>
+          </a:ln>
+          <a:effectLst/>
+        </p:spPr>
+        <p:style>
+          <a:lnRef idx="1">
+            <a:schemeClr val="accent1"/>
+          </a:lnRef>
+          <a:fillRef idx="3">
+            <a:schemeClr val="accent1"/>
+          </a:fillRef>
+          <a:effectRef idx="2">
+            <a:schemeClr val="accent1"/>
+          </a:effectRef>
+          <a:fontRef idx="minor">
+            <a:schemeClr val="lt1"/>
+          </a:fontRef>
+        </p:style>
+      </p:sp>
+      <p:sp>
+        <p:nvSpPr>
+          <p:cNvPr id="120" name="Rectangle 119">
+            <a:extLst>
+              <a:ext uri="{FF2B5EF4-FFF2-40B4-BE49-F238E27FC236}">
+                <a16:creationId xmlns:a16="http://schemas.microsoft.com/office/drawing/2014/main" id="{7E8B0F8E-3F6C-4541-B9C1-774D80A08834}"/>
+              </a:ext>
+              <a:ext uri="{C183D7F6-B498-43B3-948B-1728B52AA6E4}">
+                <adec:decorative xmlns:adec="http://schemas.microsoft.com/office/drawing/2017/decorative" val="1"/>
+              </a:ext>
+            </a:extLst>
+          </p:cNvPr>
+          <p:cNvSpPr>
+            <a:spLocks noGrp="1" noRot="1" noChangeAspect="1" noMove="1" noResize="1" noEditPoints="1" noAdjustHandles="1" noChangeArrowheads="1" noChangeShapeType="1" noTextEdit="1"/>
+          </p:cNvSpPr>
+          <p:nvPr>
+            <p:extLst>
+              <p:ext uri="{386F3935-93C4-4BCD-93E2-E3B085C9AB24}">
+                <p16:designElem xmlns:p16="http://schemas.microsoft.com/office/powerpoint/2015/main" val="1"/>
+              </p:ext>
+            </p:extLst>
+          </p:nvPr>
+        </p:nvSpPr>
+        <p:spPr>
+          <a:xfrm>
+            <a:off x="6031610" y="340232"/>
+            <a:ext cx="2777490" cy="73915"/>
+          </a:xfrm>
+          <a:prstGeom prst="rect">
+            <a:avLst/>
+          </a:prstGeom>
+          <a:solidFill>
+            <a:schemeClr val="accent4"/>
+          </a:solidFill>
+          <a:ln>
+            <a:noFill/>
+          </a:ln>
+          <a:effectLst/>
+        </p:spPr>
+        <p:style>
+          <a:lnRef idx="1">
+            <a:schemeClr val="accent1"/>
+          </a:lnRef>
+          <a:fillRef idx="3">
+            <a:schemeClr val="accent1"/>
+          </a:fillRef>
+          <a:effectRef idx="2">
+            <a:schemeClr val="accent1"/>
+          </a:effectRef>
+          <a:fontRef idx="minor">
+            <a:schemeClr val="lt1"/>
+          </a:fontRef>
+        </p:style>
+      </p:sp>
+      <p:sp>
+        <p:nvSpPr>
+          <p:cNvPr id="122" name="Rectangle 121">
+            <a:extLst>
+              <a:ext uri="{FF2B5EF4-FFF2-40B4-BE49-F238E27FC236}">
+                <a16:creationId xmlns:a16="http://schemas.microsoft.com/office/drawing/2014/main" id="{7A45F5BC-32D1-41CD-B270-C46F18CA1ACC}"/>
+              </a:ext>
+              <a:ext uri="{C183D7F6-B498-43B3-948B-1728B52AA6E4}">
+                <adec:decorative xmlns:adec="http://schemas.microsoft.com/office/drawing/2017/decorative" val="1"/>
+              </a:ext>
+            </a:extLst>
+          </p:cNvPr>
+          <p:cNvSpPr>
+            <a:spLocks noGrp="1" noRot="1" noChangeAspect="1" noMove="1" noResize="1" noEditPoints="1" noAdjustHandles="1" noChangeArrowheads="1" noChangeShapeType="1" noTextEdit="1"/>
+          </p:cNvSpPr>
+          <p:nvPr>
+            <p:extLst>
+              <p:ext uri="{386F3935-93C4-4BCD-93E2-E3B085C9AB24}">
+                <p16:designElem xmlns:p16="http://schemas.microsoft.com/office/powerpoint/2015/main" val="1"/>
+              </p:ext>
+            </p:extLst>
+          </p:nvPr>
+        </p:nvSpPr>
+        <p:spPr>
+          <a:xfrm>
+            <a:off x="3181372" y="342900"/>
+            <a:ext cx="2777490" cy="68580"/>
+          </a:xfrm>
+          <a:prstGeom prst="rect">
+            <a:avLst/>
+          </a:prstGeom>
+          <a:solidFill>
+            <a:schemeClr val="accent2"/>
+          </a:solidFill>
+          <a:ln>
+            <a:noFill/>
+          </a:ln>
+          <a:effectLst/>
+        </p:spPr>
+        <p:style>
+          <a:lnRef idx="1">
+            <a:schemeClr val="accent1"/>
+          </a:lnRef>
+          <a:fillRef idx="3">
+            <a:schemeClr val="accent1"/>
+          </a:fillRef>
+          <a:effectRef idx="2">
+            <a:schemeClr val="accent1"/>
+          </a:effectRef>
+          <a:fontRef idx="minor">
+            <a:schemeClr val="lt1"/>
+          </a:fontRef>
+        </p:style>
+      </p:sp>
+      <p:sp>
+        <p:nvSpPr>
+          <p:cNvPr id="124" name="Rectangle 123">
+            <a:extLst>
+              <a:ext uri="{FF2B5EF4-FFF2-40B4-BE49-F238E27FC236}">
+                <a16:creationId xmlns:a16="http://schemas.microsoft.com/office/drawing/2014/main" id="{5BB74D4E-F243-4A10-813D-500A14025392}"/>
+              </a:ext>
+              <a:ext uri="{C183D7F6-B498-43B3-948B-1728B52AA6E4}">
+                <adec:decorative xmlns:adec="http://schemas.microsoft.com/office/drawing/2017/decorative" val="1"/>
+              </a:ext>
+            </a:extLst>
+          </p:cNvPr>
+          <p:cNvSpPr>
+            <a:spLocks noGrp="1" noRot="1" noChangeAspect="1" noMove="1" noResize="1" noEditPoints="1" noAdjustHandles="1" noChangeArrowheads="1" noChangeShapeType="1" noTextEdit="1"/>
+          </p:cNvSpPr>
+          <p:nvPr>
+            <p:extLst>
+              <p:ext uri="{386F3935-93C4-4BCD-93E2-E3B085C9AB24}">
+                <p16:designElem xmlns:p16="http://schemas.microsoft.com/office/powerpoint/2015/main" val="1"/>
+              </p:ext>
+            </p:extLst>
+          </p:nvPr>
+        </p:nvSpPr>
+        <p:spPr>
+          <a:xfrm>
+            <a:off x="330214" y="460805"/>
+            <a:ext cx="8482004" cy="891973"/>
+          </a:xfrm>
+          <a:prstGeom prst="rect">
+            <a:avLst/>
+          </a:prstGeom>
+          <a:solidFill>
+            <a:schemeClr val="accent1"/>
+          </a:solidFill>
+          <a:ln>
+            <a:noFill/>
+          </a:ln>
+          <a:effectLst/>
+        </p:spPr>
+        <p:style>
+          <a:lnRef idx="1">
+            <a:schemeClr val="accent1"/>
+          </a:lnRef>
+          <a:fillRef idx="3">
+            <a:schemeClr val="accent1"/>
+          </a:fillRef>
+          <a:effectRef idx="2">
+            <a:schemeClr val="accent1"/>
+          </a:effectRef>
+          <a:fontRef idx="minor">
+            <a:schemeClr val="lt1"/>
+          </a:fontRef>
+        </p:style>
+      </p:sp>
+      <p:sp>
+        <p:nvSpPr>
+          <p:cNvPr id="126" name="Rectangle 125">
+            <a:extLst>
+              <a:ext uri="{FF2B5EF4-FFF2-40B4-BE49-F238E27FC236}">
+                <a16:creationId xmlns:a16="http://schemas.microsoft.com/office/drawing/2014/main" id="{1A59258C-AAC2-41CD-973C-7439B122A3FF}"/>
+              </a:ext>
+              <a:ext uri="{C183D7F6-B498-43B3-948B-1728B52AA6E4}">
+                <adec:decorative xmlns:adec="http://schemas.microsoft.com/office/drawing/2017/decorative" val="1"/>
+              </a:ext>
+            </a:extLst>
+          </p:cNvPr>
+          <p:cNvSpPr>
+            <a:spLocks noGrp="1" noRot="1" noChangeAspect="1" noMove="1" noResize="1" noEditPoints="1" noAdjustHandles="1" noChangeArrowheads="1" noChangeShapeType="1" noTextEdit="1"/>
+          </p:cNvSpPr>
+          <p:nvPr>
+            <p:extLst>
+              <p:ext uri="{386F3935-93C4-4BCD-93E2-E3B085C9AB24}">
+                <p16:designElem xmlns:p16="http://schemas.microsoft.com/office/powerpoint/2015/main" val="1"/>
+              </p:ext>
+            </p:extLst>
+          </p:nvPr>
+        </p:nvSpPr>
+        <p:spPr>
+          <a:xfrm>
+            <a:off x="0" y="0"/>
+            <a:ext cx="9144000" cy="5143500"/>
+          </a:xfrm>
+          <a:prstGeom prst="rect">
+            <a:avLst/>
+          </a:prstGeom>
+          <a:solidFill>
+            <a:srgbClr val="FFFFFF"/>
+          </a:solidFill>
+          <a:ln>
+            <a:noFill/>
+          </a:ln>
+        </p:spPr>
+        <p:style>
+          <a:lnRef idx="2">
+            <a:schemeClr val="accent1">
+              <a:shade val="50000"/>
+            </a:schemeClr>
+          </a:lnRef>
+          <a:fillRef idx="1">
+            <a:schemeClr val="accent1"/>
+          </a:fillRef>
+          <a:effectRef idx="0">
+            <a:schemeClr val="accent1"/>
+          </a:effectRef>
+          <a:fontRef idx="minor">
+            <a:schemeClr val="lt1"/>
+          </a:fontRef>
+        </p:style>
+        <p:txBody>
+          <a:bodyPr rtlCol="0" anchor="ctr"/>
+          <a:lstStyle/>
+          <a:p>
+            <a:pPr marL="285750" indent="-285750" algn="ctr">
+              <a:buClr>
+                <a:schemeClr val="accent1"/>
+              </a:buClr>
+              <a:buFont typeface="Arial" panose="020B0604020202020204" pitchFamily="34" charset="0"/>
+              <a:buChar char="•"/>
+            </a:pPr>
+            <a:endParaRPr lang="en-US" dirty="0"/>
+          </a:p>
+        </p:txBody>
+      </p:sp>
+      <p:sp>
+        <p:nvSpPr>
+          <p:cNvPr id="128" name="Rectangle 127">
+            <a:extLst>
+              <a:ext uri="{FF2B5EF4-FFF2-40B4-BE49-F238E27FC236}">
+                <a16:creationId xmlns:a16="http://schemas.microsoft.com/office/drawing/2014/main" id="{54516B72-0116-42B2-82A2-B11218A36636}"/>
+              </a:ext>
+              <a:ext uri="{C183D7F6-B498-43B3-948B-1728B52AA6E4}">
+                <adec:decorative xmlns:adec="http://schemas.microsoft.com/office/drawing/2017/decorative" val="1"/>
+              </a:ext>
+            </a:extLst>
+          </p:cNvPr>
+          <p:cNvSpPr>
+            <a:spLocks noGrp="1" noRot="1" noChangeAspect="1" noMove="1" noResize="1" noEditPoints="1" noAdjustHandles="1" noChangeArrowheads="1" noChangeShapeType="1" noTextEdit="1"/>
+          </p:cNvSpPr>
+          <p:nvPr>
+            <p:extLst>
+              <p:ext uri="{386F3935-93C4-4BCD-93E2-E3B085C9AB24}">
+                <p16:designElem xmlns:p16="http://schemas.microsoft.com/office/powerpoint/2015/main" val="1"/>
+              </p:ext>
+            </p:extLst>
+          </p:nvPr>
+        </p:nvSpPr>
+        <p:spPr>
+          <a:xfrm>
+            <a:off x="0" y="0"/>
+            <a:ext cx="4584892" cy="5143500"/>
+          </a:xfrm>
+          <a:prstGeom prst="rect">
+            <a:avLst/>
+          </a:prstGeom>
+          <a:ln>
+            <a:noFill/>
+          </a:ln>
+        </p:spPr>
+        <p:style>
+          <a:lnRef idx="2">
+            <a:schemeClr val="accent1">
+              <a:shade val="50000"/>
+            </a:schemeClr>
+          </a:lnRef>
+          <a:fillRef idx="1">
+            <a:schemeClr val="accent1"/>
+          </a:fillRef>
+          <a:effectRef idx="0">
+            <a:schemeClr val="accent1"/>
+          </a:effectRef>
+          <a:fontRef idx="minor">
+            <a:schemeClr val="lt1"/>
+          </a:fontRef>
+        </p:style>
+        <p:txBody>
+          <a:bodyPr rtlCol="0" anchor="ctr"/>
+          <a:lstStyle/>
+          <a:p>
+            <a:pPr algn="ctr"/>
+            <a:endParaRPr lang="en-US"/>
+          </a:p>
+        </p:txBody>
+      </p:sp>
+      <p:sp>
+        <p:nvSpPr>
+          <p:cNvPr id="97" name="Google Shape;97;p20"/>
+          <p:cNvSpPr txBox="1">
+            <a:spLocks noGrp="1"/>
+          </p:cNvSpPr>
+          <p:nvPr>
+            <p:ph type="title"/>
+          </p:nvPr>
+        </p:nvSpPr>
+        <p:spPr>
+          <a:xfrm>
+            <a:off x="482601" y="775041"/>
+            <a:ext cx="3619692" cy="3619057"/>
+          </a:xfrm>
+          <a:prstGeom prst="rect">
+            <a:avLst/>
+          </a:prstGeom>
+        </p:spPr>
+        <p:txBody>
+          <a:bodyPr spcFirstLastPara="1" vert="horz" lIns="91440" tIns="45720" rIns="91440" bIns="45720" rtlCol="0" anchor="ctr" anchorCtr="0">
+            <a:normAutofit/>
+          </a:bodyPr>
+          <a:lstStyle/>
+          <a:p>
+            <a:pPr marL="0" lvl="0" indent="0" defTabSz="457200">
+              <a:spcBef>
+                <a:spcPct val="0"/>
+              </a:spcBef>
+              <a:spcAft>
+                <a:spcPts val="0"/>
+              </a:spcAft>
+            </a:pPr>
+            <a:r>
+              <a:rPr lang="en-US" sz="4100" dirty="0">
+                <a:solidFill>
+                  <a:srgbClr val="FFFFFF"/>
+                </a:solidFill>
+              </a:rPr>
+              <a:t>Thank you!</a:t>
+            </a:r>
+          </a:p>
+        </p:txBody>
+      </p:sp>
+      <p:sp>
+        <p:nvSpPr>
+          <p:cNvPr id="130" name="Rectangle 129">
+            <a:extLst>
+              <a:ext uri="{FF2B5EF4-FFF2-40B4-BE49-F238E27FC236}">
+                <a16:creationId xmlns:a16="http://schemas.microsoft.com/office/drawing/2014/main" id="{7CDB507F-21B7-4C27-B0FC-D9C465C6DB44}"/>
+              </a:ext>
+              <a:ext uri="{C183D7F6-B498-43B3-948B-1728B52AA6E4}">
+                <adec:decorative xmlns:adec="http://schemas.microsoft.com/office/drawing/2017/decorative" val="1"/>
+              </a:ext>
+            </a:extLst>
+          </p:cNvPr>
+          <p:cNvSpPr>
+            <a:spLocks noGrp="1" noRot="1" noChangeAspect="1" noMove="1" noResize="1" noEditPoints="1" noAdjustHandles="1" noChangeArrowheads="1" noChangeShapeType="1" noTextEdit="1"/>
+          </p:cNvSpPr>
+          <p:nvPr>
+            <p:extLst>
+              <p:ext uri="{386F3935-93C4-4BCD-93E2-E3B085C9AB24}">
+                <p16:designElem xmlns:p16="http://schemas.microsoft.com/office/powerpoint/2015/main" val="1"/>
+              </p:ext>
+            </p:extLst>
+          </p:nvPr>
+        </p:nvSpPr>
+        <p:spPr>
+          <a:xfrm>
+            <a:off x="481934" y="345651"/>
+            <a:ext cx="3621024" cy="83740"/>
+          </a:xfrm>
+          <a:prstGeom prst="rect">
+            <a:avLst/>
+          </a:prstGeom>
+          <a:solidFill>
+            <a:srgbClr val="FFFFFF"/>
+          </a:solidFill>
+          <a:ln>
+            <a:noFill/>
+          </a:ln>
+          <a:effectLst/>
+        </p:spPr>
+        <p:style>
+          <a:lnRef idx="1">
+            <a:schemeClr val="accent1"/>
+          </a:lnRef>
+          <a:fillRef idx="3">
+            <a:schemeClr val="accent1"/>
+          </a:fillRef>
+          <a:effectRef idx="2">
+            <a:schemeClr val="accent1"/>
+          </a:effectRef>
+          <a:fontRef idx="minor">
+            <a:schemeClr val="lt1"/>
+          </a:fontRef>
+        </p:style>
+      </p:sp>
+      <p:sp>
+        <p:nvSpPr>
+          <p:cNvPr id="132" name="Rectangle 131">
+            <a:extLst>
+              <a:ext uri="{FF2B5EF4-FFF2-40B4-BE49-F238E27FC236}">
+                <a16:creationId xmlns:a16="http://schemas.microsoft.com/office/drawing/2014/main" id="{7AB1AE17-B7A3-4363-95CD-25441E2FF1F3}"/>
+              </a:ext>
+              <a:ext uri="{C183D7F6-B498-43B3-948B-1728B52AA6E4}">
+                <adec:decorative xmlns:adec="http://schemas.microsoft.com/office/drawing/2017/decorative" val="1"/>
+              </a:ext>
+            </a:extLst>
+          </p:cNvPr>
+          <p:cNvSpPr>
+            <a:spLocks noGrp="1" noRot="1" noChangeAspect="1" noMove="1" noResize="1" noEditPoints="1" noAdjustHandles="1" noChangeArrowheads="1" noChangeShapeType="1" noTextEdit="1"/>
+          </p:cNvSpPr>
+          <p:nvPr>
+            <p:extLst>
+              <p:ext uri="{386F3935-93C4-4BCD-93E2-E3B085C9AB24}">
+                <p16:designElem xmlns:p16="http://schemas.microsoft.com/office/powerpoint/2015/main" val="1"/>
+              </p:ext>
+            </p:extLst>
+          </p:nvPr>
+        </p:nvSpPr>
+        <p:spPr>
+          <a:xfrm>
+            <a:off x="5087080" y="345651"/>
+            <a:ext cx="3621024" cy="83740"/>
+          </a:xfrm>
+          <a:prstGeom prst="rect">
+            <a:avLst/>
+          </a:prstGeom>
+          <a:solidFill>
+            <a:schemeClr val="accent2"/>
+          </a:solidFill>
+          <a:ln>
+            <a:noFill/>
+          </a:ln>
+          <a:effectLst/>
+        </p:spPr>
+        <p:style>
+          <a:lnRef idx="1">
+            <a:schemeClr val="accent1"/>
+          </a:lnRef>
+          <a:fillRef idx="3">
+            <a:schemeClr val="accent1"/>
+          </a:fillRef>
+          <a:effectRef idx="2">
+            <a:schemeClr val="accent1"/>
+          </a:effectRef>
+          <a:fontRef idx="minor">
+            <a:schemeClr val="lt1"/>
+          </a:fontRef>
+        </p:style>
+      </p:sp>
+      <p:sp>
+        <p:nvSpPr>
+          <p:cNvPr id="98" name="Google Shape;98;p20"/>
+          <p:cNvSpPr txBox="1">
+            <a:spLocks noGrp="1"/>
+          </p:cNvSpPr>
+          <p:nvPr>
+            <p:ph type="body" idx="1"/>
+          </p:nvPr>
+        </p:nvSpPr>
+        <p:spPr>
+          <a:xfrm>
+            <a:off x="5066826" y="775042"/>
+            <a:ext cx="3641278" cy="3619057"/>
+          </a:xfrm>
+          <a:prstGeom prst="rect">
+            <a:avLst/>
+          </a:prstGeom>
+          <a:ln w="57150">
+            <a:noFill/>
+          </a:ln>
+        </p:spPr>
+        <p:txBody>
+          <a:bodyPr spcFirstLastPara="1" vert="horz" lIns="91440" tIns="45720" rIns="91440" bIns="45720" rtlCol="0" anchor="ctr" anchorCtr="0">
+            <a:normAutofit/>
+          </a:bodyPr>
+          <a:lstStyle/>
+          <a:p>
+            <a:pPr defTabSz="457200">
+              <a:spcBef>
+                <a:spcPct val="20000"/>
+              </a:spcBef>
+              <a:spcAft>
+                <a:spcPts val="600"/>
+              </a:spcAft>
+              <a:buSzPct val="92000"/>
+              <a:buFont typeface="Wingdings 2" panose="05020102010507070707" pitchFamily="18" charset="2"/>
+              <a:buChar char=""/>
+            </a:pPr>
+            <a:r>
+              <a:rPr lang="en-US" sz="1500" dirty="0">
+                <a:solidFill>
+                  <a:schemeClr val="accent2">
+                    <a:lumMod val="50000"/>
+                  </a:schemeClr>
+                </a:solidFill>
+              </a:rPr>
+              <a:t>Data source: </a:t>
+            </a:r>
+            <a:r>
+              <a:rPr lang="en-US" sz="1500" dirty="0">
+                <a:solidFill>
+                  <a:schemeClr val="accent2">
+                    <a:lumMod val="50000"/>
+                  </a:schemeClr>
+                </a:solidFill>
+                <a:hlinkClick r:id="rId3">
+                  <a:extLst>
+                    <a:ext uri="{A12FA001-AC4F-418D-AE19-62706E023703}">
+                      <ahyp:hlinkClr xmlns:ahyp="http://schemas.microsoft.com/office/drawing/2018/hyperlinkcolor" val="tx"/>
+                    </a:ext>
+                  </a:extLst>
+                </a:hlinkClick>
+              </a:rPr>
+              <a:t>https://www.kaggle.com/huseyinelci/wne-qualty-by-uci</a:t>
+            </a:r>
+            <a:endParaRPr lang="en-US" sz="1500" dirty="0">
+              <a:solidFill>
+                <a:schemeClr val="accent2">
+                  <a:lumMod val="50000"/>
+                </a:schemeClr>
+              </a:solidFill>
+            </a:endParaRPr>
+          </a:p>
+          <a:p>
+            <a:pPr marL="457200" lvl="0" indent="-342900" defTabSz="457200">
+              <a:spcBef>
+                <a:spcPct val="20000"/>
+              </a:spcBef>
+              <a:spcAft>
+                <a:spcPts val="600"/>
+              </a:spcAft>
+              <a:buSzPct val="92000"/>
+              <a:buFont typeface="Wingdings 2" panose="05020102010507070707" pitchFamily="18" charset="2"/>
+              <a:buChar char=""/>
+            </a:pPr>
+            <a:r>
+              <a:rPr lang="en-US" sz="1500" dirty="0">
+                <a:solidFill>
+                  <a:schemeClr val="accent2">
+                    <a:lumMod val="50000"/>
+                  </a:schemeClr>
+                </a:solidFill>
+              </a:rPr>
+              <a:t>Project repo: </a:t>
+            </a:r>
+            <a:r>
+              <a:rPr lang="en-US" sz="1500" dirty="0">
+                <a:solidFill>
+                  <a:schemeClr val="accent2">
+                    <a:lumMod val="50000"/>
+                  </a:schemeClr>
+                </a:solidFill>
+                <a:hlinkClick r:id="rId4">
+                  <a:extLst>
+                    <a:ext uri="{A12FA001-AC4F-418D-AE19-62706E023703}">
+                      <ahyp:hlinkClr xmlns:ahyp="http://schemas.microsoft.com/office/drawing/2018/hyperlinkcolor" val="tx"/>
+                    </a:ext>
+                  </a:extLst>
+                </a:hlinkClick>
+              </a:rPr>
+              <a:t>https://github.com/klsalcedo/wine_analysis/tree/main</a:t>
+            </a:r>
+            <a:r>
+              <a:rPr lang="en-US" sz="1500" dirty="0">
+                <a:solidFill>
+                  <a:schemeClr val="accent2">
+                    <a:lumMod val="50000"/>
+                  </a:schemeClr>
+                </a:solidFill>
+              </a:rPr>
+              <a:t> </a:t>
+            </a:r>
+          </a:p>
+        </p:txBody>
+      </p:sp>
+    </p:spTree>
+  </p:cSld>
+  <p:clrMapOvr>
+    <a:masterClrMapping/>
+  </p:clrMapOvr>
+</p:sld>
+</file>
+
 <file path=ppt/slides/slide2.xml><?xml version="1.0" encoding="utf-8"?>
 <p:sld xmlns:a="http://schemas.openxmlformats.org/drawingml/2006/main" xmlns:r="http://schemas.openxmlformats.org/officeDocument/2006/relationships" xmlns:p="http://schemas.openxmlformats.org/presentationml/2006/main">
   <p:cSld>
@@ -10655,98 +12753,6 @@
   <p:clrMapOvr>
     <a:masterClrMapping/>
   </p:clrMapOvr>
-  <p:timing>
-    <p:tnLst>
-      <p:par>
-        <p:cTn id="1" dur="indefinite" restart="never" nodeType="tmRoot">
-          <p:childTnLst>
-            <p:seq concurrent="1" nextAc="seek">
-              <p:cTn id="2" dur="indefinite" nodeType="mainSeq">
-                <p:childTnLst>
-                  <p:par>
-                    <p:cTn id="3" fill="hold">
-                      <p:stCondLst>
-                        <p:cond delay="indefinite"/>
-                        <p:cond evt="onBegin" delay="0">
-                          <p:tn val="2"/>
-                        </p:cond>
-                      </p:stCondLst>
-                      <p:childTnLst>
-                        <p:par>
-                          <p:cTn id="4" fill="hold">
-                            <p:stCondLst>
-                              <p:cond delay="0"/>
-                            </p:stCondLst>
-                            <p:childTnLst>
-                              <p:par>
-                                <p:cTn id="5" presetID="10" presetClass="entr" presetSubtype="0" fill="hold" grpId="0" nodeType="withEffect">
-                                  <p:stCondLst>
-                                    <p:cond delay="500"/>
-                                  </p:stCondLst>
-                                  <p:iterate>
-                                    <p:tmPct val="10000"/>
-                                  </p:iterate>
-                                  <p:childTnLst>
-                                    <p:set>
-                                      <p:cBhvr>
-                                        <p:cTn id="6" dur="1" fill="hold">
-                                          <p:stCondLst>
-                                            <p:cond delay="0"/>
-                                          </p:stCondLst>
-                                        </p:cTn>
-                                        <p:tgtEl>
-                                          <p:spTgt spid="91"/>
-                                        </p:tgtEl>
-                                        <p:attrNameLst>
-                                          <p:attrName>style.visibility</p:attrName>
-                                        </p:attrNameLst>
-                                      </p:cBhvr>
-                                      <p:to>
-                                        <p:strVal val="visible"/>
-                                      </p:to>
-                                    </p:set>
-                                    <p:animEffect transition="in" filter="fade">
-                                      <p:cBhvr>
-                                        <p:cTn id="7" dur="700"/>
-                                        <p:tgtEl>
-                                          <p:spTgt spid="91"/>
-                                        </p:tgtEl>
-                                      </p:cBhvr>
-                                    </p:animEffect>
-                                  </p:childTnLst>
-                                </p:cTn>
-                              </p:par>
-                            </p:childTnLst>
-                          </p:cTn>
-                        </p:par>
-                      </p:childTnLst>
-                    </p:cTn>
-                  </p:par>
-                </p:childTnLst>
-              </p:cTn>
-              <p:prevCondLst>
-                <p:cond evt="onPrev" delay="0">
-                  <p:tgtEl>
-                    <p:sldTgt/>
-                  </p:tgtEl>
-                </p:cond>
-              </p:prevCondLst>
-              <p:nextCondLst>
-                <p:cond evt="onNext" delay="0">
-                  <p:tgtEl>
-                    <p:sldTgt/>
-                  </p:tgtEl>
-                </p:cond>
-              </p:nextCondLst>
-            </p:seq>
-          </p:childTnLst>
-        </p:cTn>
-      </p:par>
-    </p:tnLst>
-    <p:bldLst>
-      <p:bldP spid="91" grpId="0"/>
-    </p:bldLst>
-  </p:timing>
 </p:sld>
 </file>
 
@@ -12106,10 +14112,10 @@
       </p:grpSpPr>
       <p:sp>
         <p:nvSpPr>
-          <p:cNvPr id="82" name="Rectangle 84">
+          <p:cNvPr id="92" name="Rectangle 94">
             <a:extLst>
               <a:ext uri="{FF2B5EF4-FFF2-40B4-BE49-F238E27FC236}">
-                <a16:creationId xmlns:a16="http://schemas.microsoft.com/office/drawing/2014/main" id="{E9AA9F65-94B8-41A5-A7FF-23D2CFB116BB}"/>
+                <a16:creationId xmlns:a16="http://schemas.microsoft.com/office/drawing/2014/main" id="{DB691D59-8F51-4DD8-AD41-D568D29B08F8}"/>
               </a:ext>
               <a:ext uri="{C183D7F6-B498-43B3-948B-1728B52AA6E4}">
                 <adec:decorative xmlns:adec="http://schemas.microsoft.com/office/drawing/2017/decorative" val="1"/>
@@ -12160,10 +14166,10 @@
       </p:sp>
       <p:sp>
         <p:nvSpPr>
-          <p:cNvPr id="83" name="Rectangle 86">
+          <p:cNvPr id="97" name="Rectangle 96">
             <a:extLst>
               <a:ext uri="{FF2B5EF4-FFF2-40B4-BE49-F238E27FC236}">
-                <a16:creationId xmlns:a16="http://schemas.microsoft.com/office/drawing/2014/main" id="{7E8B0F8E-3F6C-4541-B9C1-774D80A08834}"/>
+                <a16:creationId xmlns:a16="http://schemas.microsoft.com/office/drawing/2014/main" id="{204AEF18-0627-48F3-9B3D-F7E8F050B1D4}"/>
               </a:ext>
               <a:ext uri="{C183D7F6-B498-43B3-948B-1728B52AA6E4}">
                 <adec:decorative xmlns:adec="http://schemas.microsoft.com/office/drawing/2017/decorative" val="1"/>
@@ -12214,10 +14220,10 @@
       </p:sp>
       <p:sp>
         <p:nvSpPr>
-          <p:cNvPr id="84" name="Rectangle 88">
+          <p:cNvPr id="99" name="Rectangle 98">
             <a:extLst>
               <a:ext uri="{FF2B5EF4-FFF2-40B4-BE49-F238E27FC236}">
-                <a16:creationId xmlns:a16="http://schemas.microsoft.com/office/drawing/2014/main" id="{7A45F5BC-32D1-41CD-B270-C46F18CA1ACC}"/>
+                <a16:creationId xmlns:a16="http://schemas.microsoft.com/office/drawing/2014/main" id="{CEAEE08A-C572-438F-9753-B0D527A515A7}"/>
               </a:ext>
               <a:ext uri="{C183D7F6-B498-43B3-948B-1728B52AA6E4}">
                 <adec:decorative xmlns:adec="http://schemas.microsoft.com/office/drawing/2017/decorative" val="1"/>
@@ -12268,10 +14274,10 @@
       </p:sp>
       <p:sp>
         <p:nvSpPr>
-          <p:cNvPr id="86" name="Rectangle 90">
+          <p:cNvPr id="101" name="Rectangle 100">
             <a:extLst>
               <a:ext uri="{FF2B5EF4-FFF2-40B4-BE49-F238E27FC236}">
-                <a16:creationId xmlns:a16="http://schemas.microsoft.com/office/drawing/2014/main" id="{5BB74D4E-F243-4A10-813D-500A14025392}"/>
+                <a16:creationId xmlns:a16="http://schemas.microsoft.com/office/drawing/2014/main" id="{993F09C6-4F57-4B05-9592-E253D8BC6286}"/>
               </a:ext>
               <a:ext uri="{C183D7F6-B498-43B3-948B-1728B52AA6E4}">
                 <adec:decorative xmlns:adec="http://schemas.microsoft.com/office/drawing/2017/decorative" val="1"/>
@@ -12320,12 +14326,12 @@
           </a:fontRef>
         </p:style>
       </p:sp>
-      <p:sp useBgFill="1">
-        <p:nvSpPr>
-          <p:cNvPr id="88" name="Rectangle 92">
+      <p:sp>
+        <p:nvSpPr>
+          <p:cNvPr id="103" name="Rectangle 102">
             <a:extLst>
               <a:ext uri="{FF2B5EF4-FFF2-40B4-BE49-F238E27FC236}">
-                <a16:creationId xmlns:a16="http://schemas.microsoft.com/office/drawing/2014/main" id="{B373F125-DEF3-41D6-9918-AB21A2ACC37A}"/>
+                <a16:creationId xmlns:a16="http://schemas.microsoft.com/office/drawing/2014/main" id="{636F6DB7-CF8D-494A-82F6-13B58DCA9896}"/>
               </a:ext>
               <a:ext uri="{C183D7F6-B498-43B3-948B-1728B52AA6E4}">
                 <adec:decorative xmlns:adec="http://schemas.microsoft.com/office/drawing/2017/decorative" val="1"/>
@@ -12351,6 +14357,9 @@
           <a:prstGeom prst="rect">
             <a:avLst/>
           </a:prstGeom>
+          <a:solidFill>
+            <a:schemeClr val="tx1"/>
+          </a:solidFill>
           <a:ln>
             <a:noFill/>
           </a:ln>
@@ -12382,10 +14391,10 @@
       </p:sp>
       <p:sp>
         <p:nvSpPr>
-          <p:cNvPr id="90" name="Rectangle 94">
+          <p:cNvPr id="105" name="Rectangle 104">
             <a:extLst>
               <a:ext uri="{FF2B5EF4-FFF2-40B4-BE49-F238E27FC236}">
-                <a16:creationId xmlns:a16="http://schemas.microsoft.com/office/drawing/2014/main" id="{71E9F226-EB6E-48C9-ADDA-636DE4BF4EBE}"/>
+                <a16:creationId xmlns:a16="http://schemas.microsoft.com/office/drawing/2014/main" id="{0B7E5194-6E82-4A44-99C3-FE7D87F34134}"/>
               </a:ext>
               <a:ext uri="{C183D7F6-B498-43B3-948B-1728B52AA6E4}">
                 <adec:decorative xmlns:adec="http://schemas.microsoft.com/office/drawing/2017/decorative" val="1"/>
@@ -12405,40 +14414,34 @@
         </p:nvSpPr>
         <p:spPr>
           <a:xfrm>
-            <a:off x="367935" y="364258"/>
-            <a:ext cx="3131058" cy="4416579"/>
+            <a:off x="331782" y="460805"/>
+            <a:ext cx="2780608" cy="4208829"/>
           </a:xfrm>
           <a:prstGeom prst="rect">
             <a:avLst/>
           </a:prstGeom>
+          <a:solidFill>
+            <a:schemeClr val="accent1"/>
+          </a:solidFill>
           <a:ln>
             <a:noFill/>
           </a:ln>
+          <a:effectLst/>
         </p:spPr>
         <p:style>
-          <a:lnRef idx="2">
-            <a:schemeClr val="accent1">
-              <a:shade val="50000"/>
-            </a:schemeClr>
+          <a:lnRef idx="1">
+            <a:schemeClr val="accent1"/>
           </a:lnRef>
-          <a:fillRef idx="1">
+          <a:fillRef idx="3">
             <a:schemeClr val="accent1"/>
           </a:fillRef>
-          <a:effectRef idx="0">
+          <a:effectRef idx="2">
             <a:schemeClr val="accent1"/>
           </a:effectRef>
           <a:fontRef idx="minor">
             <a:schemeClr val="lt1"/>
           </a:fontRef>
         </p:style>
-        <p:txBody>
-          <a:bodyPr rtlCol="0" anchor="ctr"/>
-          <a:lstStyle/>
-          <a:p>
-            <a:pPr algn="ctr"/>
-            <a:endParaRPr lang="en-US"/>
-          </a:p>
-        </p:txBody>
       </p:sp>
       <p:sp>
         <p:nvSpPr>
@@ -12452,15 +14455,15 @@
         </p:nvSpPr>
         <p:spPr>
           <a:xfrm>
-            <a:off x="719367" y="835323"/>
-            <a:ext cx="2452312" cy="3468245"/>
+            <a:off x="573082" y="619759"/>
+            <a:ext cx="2378929" cy="760350"/>
           </a:xfrm>
           <a:prstGeom prst="rect">
             <a:avLst/>
           </a:prstGeom>
         </p:spPr>
         <p:txBody>
-          <a:bodyPr spcFirstLastPara="1" vert="horz" lIns="91440" tIns="45720" rIns="91440" bIns="45720" rtlCol="0" anchor="ctr" anchorCtr="0">
+          <a:bodyPr spcFirstLastPara="1" vert="horz" lIns="91440" tIns="45720" rIns="91440" bIns="45720" rtlCol="0" anchor="b" anchorCtr="0">
             <a:normAutofit/>
           </a:bodyPr>
           <a:lstStyle/>
@@ -12471,123 +14474,486 @@
               </a:spcAft>
             </a:pPr>
             <a:r>
-              <a:rPr lang="en-US" sz="2400">
+              <a:rPr lang="en-US" sz="1800">
                 <a:solidFill>
                   <a:srgbClr val="FFFFFF"/>
                 </a:solidFill>
               </a:rPr>
-              <a:t>modeling (1-2 slides)</a:t>
+              <a:t>Initial model</a:t>
             </a:r>
           </a:p>
         </p:txBody>
       </p:sp>
-      <p:sp>
-        <p:nvSpPr>
-          <p:cNvPr id="80" name="Google Shape;80;p17"/>
-          <p:cNvSpPr txBox="1">
-            <a:spLocks noGrp="1"/>
-          </p:cNvSpPr>
+      <p:grpSp>
+        <p:nvGrpSpPr>
+          <p:cNvPr id="107" name="Group 106">
+            <a:extLst>
+              <a:ext uri="{FF2B5EF4-FFF2-40B4-BE49-F238E27FC236}">
+                <a16:creationId xmlns:a16="http://schemas.microsoft.com/office/drawing/2014/main" id="{49FCC1E1-84D3-494D-A0A0-286AFA1C3018}"/>
+              </a:ext>
+              <a:ext uri="{C183D7F6-B498-43B3-948B-1728B52AA6E4}">
+                <adec:decorative xmlns:adec="http://schemas.microsoft.com/office/drawing/2017/decorative" val="1"/>
+              </a:ext>
+            </a:extLst>
+          </p:cNvPr>
+          <p:cNvGrpSpPr>
+            <a:grpSpLocks noGrp="1" noUngrp="1" noRot="1" noChangeAspect="1" noMove="1" noResize="1"/>
+          </p:cNvGrpSpPr>
           <p:nvPr>
-            <p:ph type="body" idx="4294967295"/>
+            <p:extLst>
+              <p:ext uri="{386F3935-93C4-4BCD-93E2-E3B085C9AB24}">
+                <p16:designElem xmlns:p16="http://schemas.microsoft.com/office/powerpoint/2015/main" val="1"/>
+              </p:ext>
+            </p:extLst>
           </p:nvPr>
-        </p:nvSpPr>
-        <p:spPr>
+        </p:nvGrpSpPr>
+        <p:grpSpPr>
           <a:xfrm>
-            <a:off x="3866928" y="835323"/>
-            <a:ext cx="4581135" cy="3468245"/>
+            <a:off x="334900" y="340232"/>
+            <a:ext cx="8474200" cy="73915"/>
+            <a:chOff x="446534" y="453643"/>
+            <a:chExt cx="11298933" cy="98554"/>
+          </a:xfrm>
+        </p:grpSpPr>
+        <p:sp>
+          <p:nvSpPr>
+            <p:cNvPr id="108" name="Rectangle 107">
+              <a:extLst>
+                <a:ext uri="{FF2B5EF4-FFF2-40B4-BE49-F238E27FC236}">
+                  <a16:creationId xmlns:a16="http://schemas.microsoft.com/office/drawing/2014/main" id="{96E09E90-FF79-402E-AF01-97A279BEADAD}"/>
+                </a:ext>
+                <a:ext uri="{C183D7F6-B498-43B3-948B-1728B52AA6E4}">
+                  <adec:decorative xmlns:adec="http://schemas.microsoft.com/office/drawing/2017/decorative" val="1"/>
+                </a:ext>
+              </a:extLst>
+            </p:cNvPr>
+            <p:cNvSpPr/>
+            <p:nvPr>
+              <p:extLst>
+                <p:ext uri="{386F3935-93C4-4BCD-93E2-E3B085C9AB24}">
+                  <p16:designElem xmlns:p16="http://schemas.microsoft.com/office/powerpoint/2015/main" val="1"/>
+                </p:ext>
+              </p:extLst>
+            </p:nvPr>
+          </p:nvSpPr>
+          <p:spPr>
+            <a:xfrm>
+              <a:off x="446534" y="457200"/>
+              <a:ext cx="3703320" cy="94997"/>
+            </a:xfrm>
+            <a:prstGeom prst="rect">
+              <a:avLst/>
+            </a:prstGeom>
+            <a:solidFill>
+              <a:schemeClr val="accent1"/>
+            </a:solidFill>
+            <a:ln>
+              <a:noFill/>
+            </a:ln>
+            <a:effectLst/>
+          </p:spPr>
+          <p:style>
+            <a:lnRef idx="1">
+              <a:schemeClr val="accent1"/>
+            </a:lnRef>
+            <a:fillRef idx="3">
+              <a:schemeClr val="accent1"/>
+            </a:fillRef>
+            <a:effectRef idx="2">
+              <a:schemeClr val="accent1"/>
+            </a:effectRef>
+            <a:fontRef idx="minor">
+              <a:schemeClr val="lt1"/>
+            </a:fontRef>
+          </p:style>
+        </p:sp>
+        <p:sp>
+          <p:nvSpPr>
+            <p:cNvPr id="109" name="Rectangle 108">
+              <a:extLst>
+                <a:ext uri="{FF2B5EF4-FFF2-40B4-BE49-F238E27FC236}">
+                  <a16:creationId xmlns:a16="http://schemas.microsoft.com/office/drawing/2014/main" id="{EC6946F8-4B9B-4C51-9F51-2DB377392CC1}"/>
+                </a:ext>
+                <a:ext uri="{C183D7F6-B498-43B3-948B-1728B52AA6E4}">
+                  <adec:decorative xmlns:adec="http://schemas.microsoft.com/office/drawing/2017/decorative" val="1"/>
+                </a:ext>
+              </a:extLst>
+            </p:cNvPr>
+            <p:cNvSpPr/>
+            <p:nvPr>
+              <p:extLst>
+                <p:ext uri="{386F3935-93C4-4BCD-93E2-E3B085C9AB24}">
+                  <p16:designElem xmlns:p16="http://schemas.microsoft.com/office/powerpoint/2015/main" val="1"/>
+                </p:ext>
+              </p:extLst>
+            </p:nvPr>
+          </p:nvSpPr>
+          <p:spPr>
+            <a:xfrm>
+              <a:off x="8042147" y="453643"/>
+              <a:ext cx="3703320" cy="98554"/>
+            </a:xfrm>
+            <a:prstGeom prst="rect">
+              <a:avLst/>
+            </a:prstGeom>
+            <a:solidFill>
+              <a:schemeClr val="accent4"/>
+            </a:solidFill>
+            <a:ln>
+              <a:noFill/>
+            </a:ln>
+            <a:effectLst/>
+          </p:spPr>
+          <p:style>
+            <a:lnRef idx="1">
+              <a:schemeClr val="accent1"/>
+            </a:lnRef>
+            <a:fillRef idx="3">
+              <a:schemeClr val="accent1"/>
+            </a:fillRef>
+            <a:effectRef idx="2">
+              <a:schemeClr val="accent1"/>
+            </a:effectRef>
+            <a:fontRef idx="minor">
+              <a:schemeClr val="lt1"/>
+            </a:fontRef>
+          </p:style>
+        </p:sp>
+        <p:sp>
+          <p:nvSpPr>
+            <p:cNvPr id="110" name="Rectangle 109">
+              <a:extLst>
+                <a:ext uri="{FF2B5EF4-FFF2-40B4-BE49-F238E27FC236}">
+                  <a16:creationId xmlns:a16="http://schemas.microsoft.com/office/drawing/2014/main" id="{7B3D2B3D-A285-438C-A344-AED3E46A0782}"/>
+                </a:ext>
+                <a:ext uri="{C183D7F6-B498-43B3-948B-1728B52AA6E4}">
+                  <adec:decorative xmlns:adec="http://schemas.microsoft.com/office/drawing/2017/decorative" val="1"/>
+                </a:ext>
+              </a:extLst>
+            </p:cNvPr>
+            <p:cNvSpPr/>
+            <p:nvPr>
+              <p:extLst>
+                <p:ext uri="{386F3935-93C4-4BCD-93E2-E3B085C9AB24}">
+                  <p16:designElem xmlns:p16="http://schemas.microsoft.com/office/powerpoint/2015/main" val="1"/>
+                </p:ext>
+              </p:extLst>
+            </p:nvPr>
+          </p:nvSpPr>
+          <p:spPr>
+            <a:xfrm>
+              <a:off x="4241830" y="457200"/>
+              <a:ext cx="3703320" cy="91440"/>
+            </a:xfrm>
+            <a:prstGeom prst="rect">
+              <a:avLst/>
+            </a:prstGeom>
+            <a:solidFill>
+              <a:schemeClr val="accent2"/>
+            </a:solidFill>
+            <a:ln>
+              <a:noFill/>
+            </a:ln>
+            <a:effectLst/>
+          </p:spPr>
+          <p:style>
+            <a:lnRef idx="1">
+              <a:schemeClr val="accent1"/>
+            </a:lnRef>
+            <a:fillRef idx="3">
+              <a:schemeClr val="accent1"/>
+            </a:fillRef>
+            <a:effectRef idx="2">
+              <a:schemeClr val="accent1"/>
+            </a:effectRef>
+            <a:fontRef idx="minor">
+              <a:schemeClr val="lt1"/>
+            </a:fontRef>
+          </p:style>
+        </p:sp>
+      </p:grpSp>
+      <p:sp>
+        <p:nvSpPr>
+          <p:cNvPr id="5" name="Rectangle 1">
+            <a:extLst>
+              <a:ext uri="{FF2B5EF4-FFF2-40B4-BE49-F238E27FC236}">
+                <a16:creationId xmlns:a16="http://schemas.microsoft.com/office/drawing/2014/main" id="{DF2DA1F5-94CE-4582-A850-9F4076492277}"/>
+              </a:ext>
+            </a:extLst>
+          </p:cNvPr>
+          <p:cNvSpPr>
+            <a:spLocks noChangeArrowheads="1"/>
+          </p:cNvSpPr>
+          <p:nvPr/>
+        </p:nvSpPr>
+        <p:spPr bwMode="auto">
+          <a:xfrm>
+            <a:off x="573082" y="1539063"/>
+            <a:ext cx="2274937" cy="2892171"/>
           </a:xfrm>
           <a:prstGeom prst="rect">
             <a:avLst/>
           </a:prstGeom>
+          <a:extLst>
+            <a:ext uri="{91240B29-F687-4F45-9708-019B960494DF}">
+              <a14:hiddenLine xmlns:a14="http://schemas.microsoft.com/office/drawing/2010/main" w="9525">
+                <a:solidFill>
+                  <a:schemeClr val="tx1"/>
+                </a:solidFill>
+                <a:miter lim="800000"/>
+                <a:headEnd/>
+                <a:tailEnd/>
+              </a14:hiddenLine>
+            </a:ext>
+            <a:ext uri="{AF507438-7753-43E0-B8FC-AC1667EBCBE1}">
+              <a14:hiddenEffects xmlns:a14="http://schemas.microsoft.com/office/drawing/2010/main">
+                <a:effectLst>
+                  <a:outerShdw dist="35921" dir="2700000" algn="ctr" rotWithShape="0">
+                    <a:schemeClr val="bg2"/>
+                  </a:outerShdw>
+                </a:effectLst>
+              </a14:hiddenEffects>
+            </a:ext>
+          </a:extLst>
         </p:spPr>
         <p:txBody>
-          <a:bodyPr spcFirstLastPara="1" vert="horz" lIns="91440" tIns="45720" rIns="91440" bIns="45720" rtlCol="0" anchor="ctr" anchorCtr="0">
+          <a:bodyPr vert="horz" lIns="91440" tIns="45720" rIns="91440" bIns="45720" numCol="1" rtlCol="0" anchor="t" anchorCtr="0" compatLnSpc="1">
+            <a:prstTxWarp prst="textNoShape">
+              <a:avLst/>
+            </a:prstTxWarp>
             <a:normAutofit/>
           </a:bodyPr>
           <a:lstStyle/>
           <a:p>
-            <a:pPr marL="457200" lvl="0" indent="-342900" defTabSz="457200">
+            <a:pPr marL="0" marR="0" lvl="0" indent="0" fontAlgn="base">
+              <a:spcBef>
+                <a:spcPct val="20000"/>
+              </a:spcBef>
               <a:spcAft>
                 <a:spcPts val="600"/>
               </a:spcAft>
+              <a:buClr>
+                <a:schemeClr val="accent2"/>
+              </a:buClr>
+              <a:buSzPct val="92000"/>
+              <a:buFont typeface="Wingdings 2" panose="05020102010507070707" pitchFamily="18" charset="2"/>
+              <a:buChar char=""/>
+              <a:tabLst/>
             </a:pPr>
             <a:r>
-              <a:rPr lang="en-US"/>
-              <a:t>present your final model (or an intermediate one if you think it adds to your presentation)</a:t>
+              <a:rPr kumimoji="0" lang="en-US" altLang="en-US" sz="1200" b="0" i="0" u="none" strike="noStrike" cap="none" normalizeH="0" baseline="0" dirty="0">
+                <a:ln>
+                  <a:noFill/>
+                </a:ln>
+                <a:solidFill>
+                  <a:srgbClr val="FFFFFF"/>
+                </a:solidFill>
+                <a:effectLst/>
+              </a:rPr>
+              <a:t>Model RMSE: 0.732</a:t>
             </a:r>
           </a:p>
           <a:p>
-            <a:pPr marL="457200" lvl="0" indent="-342900" defTabSz="457200">
+            <a:pPr marL="0" marR="0" lvl="0" indent="0" fontAlgn="base">
+              <a:spcBef>
+                <a:spcPct val="20000"/>
+              </a:spcBef>
               <a:spcAft>
                 <a:spcPts val="600"/>
               </a:spcAft>
+              <a:buClr>
+                <a:schemeClr val="accent2"/>
+              </a:buClr>
+              <a:buSzPct val="92000"/>
+              <a:buFont typeface="Wingdings 2" panose="05020102010507070707" pitchFamily="18" charset="2"/>
+              <a:buChar char=""/>
+              <a:tabLst/>
             </a:pPr>
             <a:r>
-              <a:rPr lang="en-US"/>
-              <a:t>briefly talk about any feature selection/feature engineering that you did</a:t>
+              <a:rPr kumimoji="0" lang="en-US" altLang="en-US" sz="1200" b="0" i="0" u="none" strike="noStrike" cap="none" normalizeH="0" baseline="0" dirty="0">
+                <a:ln>
+                  <a:noFill/>
+                </a:ln>
+                <a:solidFill>
+                  <a:srgbClr val="FFFFFF"/>
+                </a:solidFill>
+                <a:effectLst/>
+              </a:rPr>
+              <a:t>Prediction RMSE: 0.735</a:t>
             </a:r>
           </a:p>
           <a:p>
-            <a:pPr marL="914400" lvl="1" indent="-317500" defTabSz="457200">
+            <a:pPr marL="0" marR="0" lvl="0" indent="0" fontAlgn="base">
+              <a:spcBef>
+                <a:spcPct val="20000"/>
+              </a:spcBef>
               <a:spcAft>
                 <a:spcPts val="600"/>
               </a:spcAft>
+              <a:buClr>
+                <a:schemeClr val="accent2"/>
+              </a:buClr>
+              <a:buSzPct val="92000"/>
+              <a:buFont typeface="Wingdings 2" panose="05020102010507070707" pitchFamily="18" charset="2"/>
+              <a:buChar char=""/>
+              <a:tabLst/>
             </a:pPr>
-            <a:r>
-              <a:rPr lang="en-US"/>
-              <a:t>eliminated variables based on p-values, removed collinear variables</a:t>
-            </a:r>
-          </a:p>
-          <a:p>
-            <a:pPr marL="914400" lvl="1" indent="-317500" defTabSz="457200">
-              <a:spcAft>
-                <a:spcPts val="600"/>
-              </a:spcAft>
-            </a:pPr>
-            <a:r>
-              <a:rPr lang="en-US"/>
-              <a:t>interaction terms, scaling, transforming, etc.</a:t>
-            </a:r>
-          </a:p>
-          <a:p>
-            <a:pPr marL="457200" lvl="0" indent="-342900" defTabSz="457200">
-              <a:spcAft>
-                <a:spcPts val="600"/>
-              </a:spcAft>
-            </a:pPr>
-            <a:r>
-              <a:rPr lang="en-US"/>
-              <a:t>evaluate your model and interpret some of the more important coefficients</a:t>
-            </a:r>
-          </a:p>
-          <a:p>
-            <a:pPr marL="457200" lvl="0" indent="-342900" defTabSz="457200">
-              <a:spcAft>
-                <a:spcPts val="600"/>
-              </a:spcAft>
-            </a:pPr>
-            <a:r>
-              <a:rPr lang="en-US"/>
-              <a:t>interpret your R2 with the correct definition </a:t>
-            </a:r>
-          </a:p>
-          <a:p>
-            <a:pPr marL="457200" lvl="0" indent="-342900" defTabSz="457200">
-              <a:spcAft>
-                <a:spcPts val="600"/>
-              </a:spcAft>
-            </a:pPr>
-            <a:r>
-              <a:rPr lang="en-US"/>
-              <a:t>show RMSE</a:t>
-            </a:r>
+            <a:endParaRPr kumimoji="0" lang="en-US" altLang="en-US" sz="1200" b="0" i="0" u="none" strike="noStrike" cap="none" normalizeH="0" baseline="0" dirty="0">
+              <a:ln>
+                <a:noFill/>
+              </a:ln>
+              <a:solidFill>
+                <a:srgbClr val="FFFFFF"/>
+              </a:solidFill>
+              <a:effectLst/>
+            </a:endParaRPr>
           </a:p>
         </p:txBody>
       </p:sp>
+      <p:sp>
+        <p:nvSpPr>
+          <p:cNvPr id="4" name="TextBox 3">
+            <a:extLst>
+              <a:ext uri="{FF2B5EF4-FFF2-40B4-BE49-F238E27FC236}">
+                <a16:creationId xmlns:a16="http://schemas.microsoft.com/office/drawing/2014/main" id="{A91860E7-872F-49B7-91A6-B83EFF48BC39}"/>
+              </a:ext>
+            </a:extLst>
+          </p:cNvPr>
+          <p:cNvSpPr txBox="1"/>
+          <p:nvPr/>
+        </p:nvSpPr>
+        <p:spPr>
+          <a:xfrm>
+            <a:off x="7399020" y="1203960"/>
+            <a:ext cx="1524000" cy="701040"/>
+          </a:xfrm>
+          <a:prstGeom prst="rect">
+            <a:avLst/>
+          </a:prstGeom>
+          <a:noFill/>
+        </p:spPr>
+        <p:txBody>
+          <a:bodyPr wrap="square" rtlCol="0">
+            <a:spAutoFit/>
+          </a:bodyPr>
+          <a:lstStyle/>
+          <a:p>
+            <a:endParaRPr lang="en-US" dirty="0"/>
+          </a:p>
+        </p:txBody>
+      </p:sp>
+      <p:grpSp>
+        <p:nvGrpSpPr>
+          <p:cNvPr id="24" name="Group 23">
+            <a:extLst>
+              <a:ext uri="{FF2B5EF4-FFF2-40B4-BE49-F238E27FC236}">
+                <a16:creationId xmlns:a16="http://schemas.microsoft.com/office/drawing/2014/main" id="{94602859-D40A-4F19-AB4A-030C6F45D0C2}"/>
+              </a:ext>
+            </a:extLst>
+          </p:cNvPr>
+          <p:cNvGrpSpPr/>
+          <p:nvPr/>
+        </p:nvGrpSpPr>
+        <p:grpSpPr>
+          <a:xfrm>
+            <a:off x="3154669" y="1203960"/>
+            <a:ext cx="5947052" cy="2713939"/>
+            <a:chOff x="207825" y="510540"/>
+            <a:chExt cx="5947052" cy="2713939"/>
+          </a:xfrm>
+        </p:grpSpPr>
+        <p:pic>
+          <p:nvPicPr>
+            <p:cNvPr id="25" name="Picture 24" descr="Graphical user interface, application, table&#10;&#10;Description automatically generated">
+              <a:extLst>
+                <a:ext uri="{FF2B5EF4-FFF2-40B4-BE49-F238E27FC236}">
+                  <a16:creationId xmlns:a16="http://schemas.microsoft.com/office/drawing/2014/main" id="{48498F1A-F267-44AC-8CC3-F06401C23E20}"/>
+                </a:ext>
+              </a:extLst>
+            </p:cNvPr>
+            <p:cNvPicPr>
+              <a:picLocks noChangeAspect="1"/>
+            </p:cNvPicPr>
+            <p:nvPr/>
+          </p:nvPicPr>
+          <p:blipFill rotWithShape="1">
+            <a:blip r:embed="rId3"/>
+            <a:srcRect t="32710" b="14525"/>
+            <a:stretch/>
+          </p:blipFill>
+          <p:spPr>
+            <a:xfrm>
+              <a:off x="2989127" y="510540"/>
+              <a:ext cx="3165750" cy="2713939"/>
+            </a:xfrm>
+            <a:prstGeom prst="rect">
+              <a:avLst/>
+            </a:prstGeom>
+          </p:spPr>
+        </p:pic>
+        <p:pic>
+          <p:nvPicPr>
+            <p:cNvPr id="26" name="Picture 25" descr="Graphical user interface, application, table&#10;&#10;Description automatically generated">
+              <a:extLst>
+                <a:ext uri="{FF2B5EF4-FFF2-40B4-BE49-F238E27FC236}">
+                  <a16:creationId xmlns:a16="http://schemas.microsoft.com/office/drawing/2014/main" id="{FDEDA3B1-77F3-4B13-80FF-6A913EBC34BE}"/>
+                </a:ext>
+              </a:extLst>
+            </p:cNvPr>
+            <p:cNvPicPr>
+              <a:picLocks noChangeAspect="1"/>
+            </p:cNvPicPr>
+            <p:nvPr/>
+          </p:nvPicPr>
+          <p:blipFill rotWithShape="1">
+            <a:blip r:embed="rId3"/>
+            <a:srcRect t="86495" r="26161"/>
+            <a:stretch/>
+          </p:blipFill>
+          <p:spPr>
+            <a:xfrm>
+              <a:off x="207825" y="2179930"/>
+              <a:ext cx="2337560" cy="694639"/>
+            </a:xfrm>
+            <a:prstGeom prst="rect">
+              <a:avLst/>
+            </a:prstGeom>
+          </p:spPr>
+        </p:pic>
+        <p:pic>
+          <p:nvPicPr>
+            <p:cNvPr id="27" name="Picture 26" descr="Graphical user interface, application, table&#10;&#10;Description automatically generated">
+              <a:extLst>
+                <a:ext uri="{FF2B5EF4-FFF2-40B4-BE49-F238E27FC236}">
+                  <a16:creationId xmlns:a16="http://schemas.microsoft.com/office/drawing/2014/main" id="{C2D77FD6-19BA-48E3-ADA7-5509291D5059}"/>
+                </a:ext>
+              </a:extLst>
+            </p:cNvPr>
+            <p:cNvPicPr>
+              <a:picLocks noChangeAspect="1"/>
+            </p:cNvPicPr>
+            <p:nvPr/>
+          </p:nvPicPr>
+          <p:blipFill rotWithShape="1">
+            <a:blip r:embed="rId3"/>
+            <a:srcRect r="12144" b="67544"/>
+            <a:stretch/>
+          </p:blipFill>
+          <p:spPr>
+            <a:xfrm>
+              <a:off x="207825" y="510540"/>
+              <a:ext cx="2781300" cy="1669390"/>
+            </a:xfrm>
+            <a:prstGeom prst="rect">
+              <a:avLst/>
+            </a:prstGeom>
+          </p:spPr>
+        </p:pic>
+      </p:grpSp>
     </p:spTree>
   </p:cSld>
   <p:clrMapOvr>
-    <a:masterClrMapping/>
+    <a:overrideClrMapping bg1="dk1" tx1="lt1" bg2="dk2" tx2="lt2" accent1="accent1" accent2="accent2" accent3="accent3" accent4="accent4" accent5="accent5" accent6="accent6" hlink="hlink" folHlink="folHlink"/>
   </p:clrMapOvr>
 </p:sld>
 </file>
@@ -12598,14 +14964,14 @@
     <p:bg>
       <p:bgPr>
         <a:solidFill>
-          <a:schemeClr val="bg2"/>
+          <a:schemeClr val="bg1"/>
         </a:solidFill>
         <a:effectLst/>
       </p:bgPr>
     </p:bg>
     <p:spTree>
       <p:nvGrpSpPr>
-        <p:cNvPr id="1" name="Shape 84"/>
+        <p:cNvPr id="1" name="Shape 78"/>
         <p:cNvGrpSpPr/>
         <p:nvPr/>
       </p:nvGrpSpPr>
@@ -12619,10 +14985,10 @@
       </p:grpSpPr>
       <p:sp>
         <p:nvSpPr>
-          <p:cNvPr id="91" name="Rectangle 90">
+          <p:cNvPr id="92" name="Rectangle 94">
             <a:extLst>
               <a:ext uri="{FF2B5EF4-FFF2-40B4-BE49-F238E27FC236}">
-                <a16:creationId xmlns:a16="http://schemas.microsoft.com/office/drawing/2014/main" id="{E9AA9F65-94B8-41A5-A7FF-23D2CFB116BB}"/>
+                <a16:creationId xmlns:a16="http://schemas.microsoft.com/office/drawing/2014/main" id="{DB691D59-8F51-4DD8-AD41-D568D29B08F8}"/>
               </a:ext>
               <a:ext uri="{C183D7F6-B498-43B3-948B-1728B52AA6E4}">
                 <adec:decorative xmlns:adec="http://schemas.microsoft.com/office/drawing/2017/decorative" val="1"/>
@@ -12673,10 +15039,10 @@
       </p:sp>
       <p:sp>
         <p:nvSpPr>
-          <p:cNvPr id="93" name="Rectangle 92">
+          <p:cNvPr id="97" name="Rectangle 96">
             <a:extLst>
               <a:ext uri="{FF2B5EF4-FFF2-40B4-BE49-F238E27FC236}">
-                <a16:creationId xmlns:a16="http://schemas.microsoft.com/office/drawing/2014/main" id="{7E8B0F8E-3F6C-4541-B9C1-774D80A08834}"/>
+                <a16:creationId xmlns:a16="http://schemas.microsoft.com/office/drawing/2014/main" id="{204AEF18-0627-48F3-9B3D-F7E8F050B1D4}"/>
               </a:ext>
               <a:ext uri="{C183D7F6-B498-43B3-948B-1728B52AA6E4}">
                 <adec:decorative xmlns:adec="http://schemas.microsoft.com/office/drawing/2017/decorative" val="1"/>
@@ -12727,10 +15093,10 @@
       </p:sp>
       <p:sp>
         <p:nvSpPr>
-          <p:cNvPr id="95" name="Rectangle 94">
+          <p:cNvPr id="99" name="Rectangle 98">
             <a:extLst>
               <a:ext uri="{FF2B5EF4-FFF2-40B4-BE49-F238E27FC236}">
-                <a16:creationId xmlns:a16="http://schemas.microsoft.com/office/drawing/2014/main" id="{7A45F5BC-32D1-41CD-B270-C46F18CA1ACC}"/>
+                <a16:creationId xmlns:a16="http://schemas.microsoft.com/office/drawing/2014/main" id="{CEAEE08A-C572-438F-9753-B0D527A515A7}"/>
               </a:ext>
               <a:ext uri="{C183D7F6-B498-43B3-948B-1728B52AA6E4}">
                 <adec:decorative xmlns:adec="http://schemas.microsoft.com/office/drawing/2017/decorative" val="1"/>
@@ -12781,10 +15147,10 @@
       </p:sp>
       <p:sp>
         <p:nvSpPr>
-          <p:cNvPr id="97" name="Rectangle 96">
+          <p:cNvPr id="101" name="Rectangle 100">
             <a:extLst>
               <a:ext uri="{FF2B5EF4-FFF2-40B4-BE49-F238E27FC236}">
-                <a16:creationId xmlns:a16="http://schemas.microsoft.com/office/drawing/2014/main" id="{5BB74D4E-F243-4A10-813D-500A14025392}"/>
+                <a16:creationId xmlns:a16="http://schemas.microsoft.com/office/drawing/2014/main" id="{993F09C6-4F57-4B05-9592-E253D8BC6286}"/>
               </a:ext>
               <a:ext uri="{C183D7F6-B498-43B3-948B-1728B52AA6E4}">
                 <adec:decorative xmlns:adec="http://schemas.microsoft.com/office/drawing/2017/decorative" val="1"/>
@@ -12835,10 +15201,10 @@
       </p:sp>
       <p:sp>
         <p:nvSpPr>
-          <p:cNvPr id="99" name="Rectangle 98">
+          <p:cNvPr id="103" name="Rectangle 102">
             <a:extLst>
               <a:ext uri="{FF2B5EF4-FFF2-40B4-BE49-F238E27FC236}">
-                <a16:creationId xmlns:a16="http://schemas.microsoft.com/office/drawing/2014/main" id="{D70130DC-F780-43D2-B26A-92EACD78951B}"/>
+                <a16:creationId xmlns:a16="http://schemas.microsoft.com/office/drawing/2014/main" id="{636F6DB7-CF8D-494A-82F6-13B58DCA9896}"/>
               </a:ext>
               <a:ext uri="{C183D7F6-B498-43B3-948B-1728B52AA6E4}">
                 <adec:decorative xmlns:adec="http://schemas.microsoft.com/office/drawing/2017/decorative" val="1"/>
@@ -12865,7 +15231,7 @@
             <a:avLst/>
           </a:prstGeom>
           <a:solidFill>
-            <a:srgbClr val="E4E4E4"/>
+            <a:schemeClr val="tx1"/>
           </a:solidFill>
           <a:ln>
             <a:noFill/>
@@ -12898,54 +15264,10 @@
       </p:sp>
       <p:sp>
         <p:nvSpPr>
-          <p:cNvPr id="85" name="Google Shape;85;p18"/>
-          <p:cNvSpPr txBox="1">
-            <a:spLocks noGrp="1"/>
-          </p:cNvSpPr>
-          <p:nvPr>
-            <p:ph type="title"/>
-          </p:nvPr>
-        </p:nvSpPr>
-        <p:spPr>
-          <a:xfrm>
-            <a:off x="435894" y="481239"/>
-            <a:ext cx="8272212" cy="821670"/>
-          </a:xfrm>
-          <a:prstGeom prst="rect">
-            <a:avLst/>
-          </a:prstGeom>
-        </p:spPr>
-        <p:txBody>
-          <a:bodyPr spcFirstLastPara="1" vert="horz" lIns="91440" tIns="45720" rIns="91440" bIns="45720" rtlCol="0" anchor="t" anchorCtr="0">
-            <a:normAutofit/>
-          </a:bodyPr>
-          <a:lstStyle/>
-          <a:p>
-            <a:pPr marL="0" lvl="0" indent="0" defTabSz="457200">
-              <a:spcBef>
-                <a:spcPct val="0"/>
-              </a:spcBef>
-              <a:spcAft>
-                <a:spcPts val="0"/>
-              </a:spcAft>
-            </a:pPr>
-            <a:r>
-              <a:rPr lang="en-US" sz="2800" dirty="0">
-                <a:solidFill>
-                  <a:schemeClr val="accent2"/>
-                </a:solidFill>
-              </a:rPr>
-              <a:t>summary/conclusions/recommendations</a:t>
-            </a:r>
-          </a:p>
-        </p:txBody>
-      </p:sp>
-      <p:sp>
-        <p:nvSpPr>
-          <p:cNvPr id="101" name="Rectangle 100">
+          <p:cNvPr id="105" name="Rectangle 104">
             <a:extLst>
               <a:ext uri="{FF2B5EF4-FFF2-40B4-BE49-F238E27FC236}">
-                <a16:creationId xmlns:a16="http://schemas.microsoft.com/office/drawing/2014/main" id="{17676E0E-5B44-4166-8EDD-CFDBAC622C26}"/>
+                <a16:creationId xmlns:a16="http://schemas.microsoft.com/office/drawing/2014/main" id="{0B7E5194-6E82-4A44-99C3-FE7D87F34134}"/>
               </a:ext>
               <a:ext uri="{C183D7F6-B498-43B3-948B-1728B52AA6E4}">
                 <adec:decorative xmlns:adec="http://schemas.microsoft.com/office/drawing/2017/decorative" val="1"/>
@@ -12965,8 +15287,8 @@
         </p:nvSpPr>
         <p:spPr>
           <a:xfrm>
-            <a:off x="334899" y="342900"/>
-            <a:ext cx="8474200" cy="68580"/>
+            <a:off x="331782" y="460805"/>
+            <a:ext cx="2780608" cy="4208829"/>
           </a:xfrm>
           <a:prstGeom prst="rect">
             <a:avLst/>
@@ -12996,77 +15318,520 @@
       </p:sp>
       <p:sp>
         <p:nvSpPr>
-          <p:cNvPr id="86" name="Google Shape;86;p18"/>
+          <p:cNvPr id="79" name="Google Shape;79;p17"/>
           <p:cNvSpPr txBox="1">
             <a:spLocks noGrp="1"/>
           </p:cNvSpPr>
           <p:nvPr>
-            <p:ph type="body" idx="1"/>
+            <p:ph type="title"/>
           </p:nvPr>
         </p:nvSpPr>
         <p:spPr>
           <a:xfrm>
-            <a:off x="435894" y="1409700"/>
-            <a:ext cx="8272211" cy="2984400"/>
+            <a:off x="573082" y="619759"/>
+            <a:ext cx="2378929" cy="760350"/>
           </a:xfrm>
           <a:prstGeom prst="rect">
             <a:avLst/>
           </a:prstGeom>
         </p:spPr>
         <p:txBody>
-          <a:bodyPr spcFirstLastPara="1" vert="horz" lIns="91440" tIns="45720" rIns="91440" bIns="45720" rtlCol="0" anchor="ctr" anchorCtr="0">
+          <a:bodyPr spcFirstLastPara="1" vert="horz" lIns="91440" tIns="45720" rIns="91440" bIns="45720" rtlCol="0" anchor="b" anchorCtr="0">
             <a:normAutofit/>
           </a:bodyPr>
           <a:lstStyle/>
           <a:p>
-            <a:pPr marL="457200" lvl="0" indent="-342900" defTabSz="457200">
+            <a:pPr marL="0" lvl="0" indent="0" defTabSz="457200">
+              <a:spcAft>
+                <a:spcPts val="0"/>
+              </a:spcAft>
+            </a:pPr>
+            <a:r>
+              <a:rPr lang="en-US" sz="1800" dirty="0">
+                <a:solidFill>
+                  <a:srgbClr val="FFFFFF"/>
+                </a:solidFill>
+              </a:rPr>
+              <a:t>Final model</a:t>
+            </a:r>
+          </a:p>
+        </p:txBody>
+      </p:sp>
+      <p:grpSp>
+        <p:nvGrpSpPr>
+          <p:cNvPr id="107" name="Group 106">
+            <a:extLst>
+              <a:ext uri="{FF2B5EF4-FFF2-40B4-BE49-F238E27FC236}">
+                <a16:creationId xmlns:a16="http://schemas.microsoft.com/office/drawing/2014/main" id="{49FCC1E1-84D3-494D-A0A0-286AFA1C3018}"/>
+              </a:ext>
+              <a:ext uri="{C183D7F6-B498-43B3-948B-1728B52AA6E4}">
+                <adec:decorative xmlns:adec="http://schemas.microsoft.com/office/drawing/2017/decorative" val="1"/>
+              </a:ext>
+            </a:extLst>
+          </p:cNvPr>
+          <p:cNvGrpSpPr>
+            <a:grpSpLocks noGrp="1" noUngrp="1" noRot="1" noChangeAspect="1" noMove="1" noResize="1"/>
+          </p:cNvGrpSpPr>
+          <p:nvPr>
+            <p:extLst>
+              <p:ext uri="{386F3935-93C4-4BCD-93E2-E3B085C9AB24}">
+                <p16:designElem xmlns:p16="http://schemas.microsoft.com/office/powerpoint/2015/main" val="1"/>
+              </p:ext>
+            </p:extLst>
+          </p:nvPr>
+        </p:nvGrpSpPr>
+        <p:grpSpPr>
+          <a:xfrm>
+            <a:off x="334900" y="340232"/>
+            <a:ext cx="8474200" cy="73915"/>
+            <a:chOff x="446534" y="453643"/>
+            <a:chExt cx="11298933" cy="98554"/>
+          </a:xfrm>
+        </p:grpSpPr>
+        <p:sp>
+          <p:nvSpPr>
+            <p:cNvPr id="108" name="Rectangle 107">
+              <a:extLst>
+                <a:ext uri="{FF2B5EF4-FFF2-40B4-BE49-F238E27FC236}">
+                  <a16:creationId xmlns:a16="http://schemas.microsoft.com/office/drawing/2014/main" id="{96E09E90-FF79-402E-AF01-97A279BEADAD}"/>
+                </a:ext>
+                <a:ext uri="{C183D7F6-B498-43B3-948B-1728B52AA6E4}">
+                  <adec:decorative xmlns:adec="http://schemas.microsoft.com/office/drawing/2017/decorative" val="1"/>
+                </a:ext>
+              </a:extLst>
+            </p:cNvPr>
+            <p:cNvSpPr/>
+            <p:nvPr>
+              <p:extLst>
+                <p:ext uri="{386F3935-93C4-4BCD-93E2-E3B085C9AB24}">
+                  <p16:designElem xmlns:p16="http://schemas.microsoft.com/office/powerpoint/2015/main" val="1"/>
+                </p:ext>
+              </p:extLst>
+            </p:nvPr>
+          </p:nvSpPr>
+          <p:spPr>
+            <a:xfrm>
+              <a:off x="446534" y="457200"/>
+              <a:ext cx="3703320" cy="94997"/>
+            </a:xfrm>
+            <a:prstGeom prst="rect">
+              <a:avLst/>
+            </a:prstGeom>
+            <a:solidFill>
+              <a:schemeClr val="accent1"/>
+            </a:solidFill>
+            <a:ln>
+              <a:noFill/>
+            </a:ln>
+            <a:effectLst/>
+          </p:spPr>
+          <p:style>
+            <a:lnRef idx="1">
+              <a:schemeClr val="accent1"/>
+            </a:lnRef>
+            <a:fillRef idx="3">
+              <a:schemeClr val="accent1"/>
+            </a:fillRef>
+            <a:effectRef idx="2">
+              <a:schemeClr val="accent1"/>
+            </a:effectRef>
+            <a:fontRef idx="minor">
+              <a:schemeClr val="lt1"/>
+            </a:fontRef>
+          </p:style>
+        </p:sp>
+        <p:sp>
+          <p:nvSpPr>
+            <p:cNvPr id="109" name="Rectangle 108">
+              <a:extLst>
+                <a:ext uri="{FF2B5EF4-FFF2-40B4-BE49-F238E27FC236}">
+                  <a16:creationId xmlns:a16="http://schemas.microsoft.com/office/drawing/2014/main" id="{EC6946F8-4B9B-4C51-9F51-2DB377392CC1}"/>
+                </a:ext>
+                <a:ext uri="{C183D7F6-B498-43B3-948B-1728B52AA6E4}">
+                  <adec:decorative xmlns:adec="http://schemas.microsoft.com/office/drawing/2017/decorative" val="1"/>
+                </a:ext>
+              </a:extLst>
+            </p:cNvPr>
+            <p:cNvSpPr/>
+            <p:nvPr>
+              <p:extLst>
+                <p:ext uri="{386F3935-93C4-4BCD-93E2-E3B085C9AB24}">
+                  <p16:designElem xmlns:p16="http://schemas.microsoft.com/office/powerpoint/2015/main" val="1"/>
+                </p:ext>
+              </p:extLst>
+            </p:nvPr>
+          </p:nvSpPr>
+          <p:spPr>
+            <a:xfrm>
+              <a:off x="8042147" y="453643"/>
+              <a:ext cx="3703320" cy="98554"/>
+            </a:xfrm>
+            <a:prstGeom prst="rect">
+              <a:avLst/>
+            </a:prstGeom>
+            <a:solidFill>
+              <a:schemeClr val="accent4"/>
+            </a:solidFill>
+            <a:ln>
+              <a:noFill/>
+            </a:ln>
+            <a:effectLst/>
+          </p:spPr>
+          <p:style>
+            <a:lnRef idx="1">
+              <a:schemeClr val="accent1"/>
+            </a:lnRef>
+            <a:fillRef idx="3">
+              <a:schemeClr val="accent1"/>
+            </a:fillRef>
+            <a:effectRef idx="2">
+              <a:schemeClr val="accent1"/>
+            </a:effectRef>
+            <a:fontRef idx="minor">
+              <a:schemeClr val="lt1"/>
+            </a:fontRef>
+          </p:style>
+        </p:sp>
+        <p:sp>
+          <p:nvSpPr>
+            <p:cNvPr id="110" name="Rectangle 109">
+              <a:extLst>
+                <a:ext uri="{FF2B5EF4-FFF2-40B4-BE49-F238E27FC236}">
+                  <a16:creationId xmlns:a16="http://schemas.microsoft.com/office/drawing/2014/main" id="{7B3D2B3D-A285-438C-A344-AED3E46A0782}"/>
+                </a:ext>
+                <a:ext uri="{C183D7F6-B498-43B3-948B-1728B52AA6E4}">
+                  <adec:decorative xmlns:adec="http://schemas.microsoft.com/office/drawing/2017/decorative" val="1"/>
+                </a:ext>
+              </a:extLst>
+            </p:cNvPr>
+            <p:cNvSpPr/>
+            <p:nvPr>
+              <p:extLst>
+                <p:ext uri="{386F3935-93C4-4BCD-93E2-E3B085C9AB24}">
+                  <p16:designElem xmlns:p16="http://schemas.microsoft.com/office/powerpoint/2015/main" val="1"/>
+                </p:ext>
+              </p:extLst>
+            </p:nvPr>
+          </p:nvSpPr>
+          <p:spPr>
+            <a:xfrm>
+              <a:off x="4241830" y="457200"/>
+              <a:ext cx="3703320" cy="91440"/>
+            </a:xfrm>
+            <a:prstGeom prst="rect">
+              <a:avLst/>
+            </a:prstGeom>
+            <a:solidFill>
+              <a:schemeClr val="accent2"/>
+            </a:solidFill>
+            <a:ln>
+              <a:noFill/>
+            </a:ln>
+            <a:effectLst/>
+          </p:spPr>
+          <p:style>
+            <a:lnRef idx="1">
+              <a:schemeClr val="accent1"/>
+            </a:lnRef>
+            <a:fillRef idx="3">
+              <a:schemeClr val="accent1"/>
+            </a:fillRef>
+            <a:effectRef idx="2">
+              <a:schemeClr val="accent1"/>
+            </a:effectRef>
+            <a:fontRef idx="minor">
+              <a:schemeClr val="lt1"/>
+            </a:fontRef>
+          </p:style>
+        </p:sp>
+      </p:grpSp>
+      <p:sp>
+        <p:nvSpPr>
+          <p:cNvPr id="5" name="Rectangle 1">
+            <a:extLst>
+              <a:ext uri="{FF2B5EF4-FFF2-40B4-BE49-F238E27FC236}">
+                <a16:creationId xmlns:a16="http://schemas.microsoft.com/office/drawing/2014/main" id="{DF2DA1F5-94CE-4582-A850-9F4076492277}"/>
+              </a:ext>
+            </a:extLst>
+          </p:cNvPr>
+          <p:cNvSpPr>
+            <a:spLocks noChangeArrowheads="1"/>
+          </p:cNvSpPr>
+          <p:nvPr/>
+        </p:nvSpPr>
+        <p:spPr bwMode="auto">
+          <a:xfrm>
+            <a:off x="573082" y="1539063"/>
+            <a:ext cx="2274937" cy="2892171"/>
+          </a:xfrm>
+          <a:prstGeom prst="rect">
+            <a:avLst/>
+          </a:prstGeom>
+          <a:extLst>
+            <a:ext uri="{91240B29-F687-4F45-9708-019B960494DF}">
+              <a14:hiddenLine xmlns:a14="http://schemas.microsoft.com/office/drawing/2010/main" w="9525">
+                <a:solidFill>
+                  <a:schemeClr val="tx1"/>
+                </a:solidFill>
+                <a:miter lim="800000"/>
+                <a:headEnd/>
+                <a:tailEnd/>
+              </a14:hiddenLine>
+            </a:ext>
+            <a:ext uri="{AF507438-7753-43E0-B8FC-AC1667EBCBE1}">
+              <a14:hiddenEffects xmlns:a14="http://schemas.microsoft.com/office/drawing/2010/main">
+                <a:effectLst>
+                  <a:outerShdw dist="35921" dir="2700000" algn="ctr" rotWithShape="0">
+                    <a:schemeClr val="bg2"/>
+                  </a:outerShdw>
+                </a:effectLst>
+              </a14:hiddenEffects>
+            </a:ext>
+          </a:extLst>
+        </p:spPr>
+        <p:txBody>
+          <a:bodyPr vert="horz" lIns="91440" tIns="45720" rIns="91440" bIns="45720" numCol="1" rtlCol="0" anchor="t" anchorCtr="0" compatLnSpc="1">
+            <a:prstTxWarp prst="textNoShape">
+              <a:avLst/>
+            </a:prstTxWarp>
+            <a:normAutofit/>
+          </a:bodyPr>
+          <a:lstStyle/>
+          <a:p>
+            <a:pPr marL="0" marR="0" lvl="0" indent="0" fontAlgn="base">
               <a:spcBef>
                 <a:spcPct val="20000"/>
               </a:spcBef>
               <a:spcAft>
                 <a:spcPts val="600"/>
               </a:spcAft>
+              <a:buClr>
+                <a:schemeClr val="accent2"/>
+              </a:buClr>
               <a:buSzPct val="92000"/>
               <a:buFont typeface="Wingdings 2" panose="05020102010507070707" pitchFamily="18" charset="2"/>
               <a:buChar char=""/>
+              <a:tabLst/>
             </a:pPr>
             <a:r>
-              <a:rPr lang="en-US" sz="1800">
+              <a:rPr kumimoji="0" lang="en-US" altLang="en-US" sz="1200" b="0" i="0" u="none" strike="noStrike" cap="none" normalizeH="0" baseline="0" dirty="0">
+                <a:ln>
+                  <a:noFill/>
+                </a:ln>
                 <a:solidFill>
-                  <a:schemeClr val="accent2">
-                    <a:lumMod val="50000"/>
-                  </a:schemeClr>
+                  <a:srgbClr val="FFFFFF"/>
                 </a:solidFill>
+                <a:effectLst/>
               </a:rPr>
-              <a:t>summarize all your insights in a single slide and (if applicable) add any overall recommendations</a:t>
+              <a:t>Model RMSE: 0.727</a:t>
             </a:r>
           </a:p>
           <a:p>
-            <a:pPr marL="0" lvl="0" indent="0" defTabSz="457200">
+            <a:pPr marL="0" marR="0" lvl="0" indent="0" fontAlgn="base">
               <a:spcBef>
                 <a:spcPct val="20000"/>
               </a:spcBef>
               <a:spcAft>
                 <a:spcPts val="600"/>
               </a:spcAft>
+              <a:buClr>
+                <a:schemeClr val="accent2"/>
+              </a:buClr>
               <a:buSzPct val="92000"/>
               <a:buFont typeface="Wingdings 2" panose="05020102010507070707" pitchFamily="18" charset="2"/>
               <a:buChar char=""/>
+              <a:tabLst/>
             </a:pPr>
-            <a:endParaRPr lang="en-US" sz="1800">
+            <a:r>
+              <a:rPr kumimoji="0" lang="en-US" altLang="en-US" sz="1200" b="0" i="0" u="none" strike="noStrike" cap="none" normalizeH="0" baseline="0" dirty="0">
+                <a:ln>
+                  <a:noFill/>
+                </a:ln>
+                <a:solidFill>
+                  <a:srgbClr val="FFFFFF"/>
+                </a:solidFill>
+                <a:effectLst/>
+              </a:rPr>
+              <a:t>Prediction RMSE: 0.730</a:t>
+            </a:r>
+          </a:p>
+          <a:p>
+            <a:pPr marL="0" marR="0" lvl="0" indent="0" fontAlgn="base">
+              <a:spcBef>
+                <a:spcPct val="20000"/>
+              </a:spcBef>
+              <a:spcAft>
+                <a:spcPts val="600"/>
+              </a:spcAft>
+              <a:buClr>
+                <a:schemeClr val="accent2"/>
+              </a:buClr>
+              <a:buSzPct val="92000"/>
+              <a:buFont typeface="Wingdings 2" panose="05020102010507070707" pitchFamily="18" charset="2"/>
+              <a:buChar char=""/>
+              <a:tabLst/>
+            </a:pPr>
+            <a:endParaRPr kumimoji="0" lang="en-US" altLang="en-US" sz="1200" b="0" i="0" u="none" strike="noStrike" cap="none" normalizeH="0" baseline="0" dirty="0">
+              <a:ln>
+                <a:noFill/>
+              </a:ln>
               <a:solidFill>
-                <a:schemeClr val="accent2">
-                  <a:lumMod val="50000"/>
-                </a:schemeClr>
+                <a:srgbClr val="FFFFFF"/>
               </a:solidFill>
+              <a:effectLst/>
             </a:endParaRPr>
           </a:p>
         </p:txBody>
       </p:sp>
+      <p:sp>
+        <p:nvSpPr>
+          <p:cNvPr id="4" name="TextBox 3">
+            <a:extLst>
+              <a:ext uri="{FF2B5EF4-FFF2-40B4-BE49-F238E27FC236}">
+                <a16:creationId xmlns:a16="http://schemas.microsoft.com/office/drawing/2014/main" id="{A91860E7-872F-49B7-91A6-B83EFF48BC39}"/>
+              </a:ext>
+            </a:extLst>
+          </p:cNvPr>
+          <p:cNvSpPr txBox="1"/>
+          <p:nvPr/>
+        </p:nvSpPr>
+        <p:spPr>
+          <a:xfrm>
+            <a:off x="7399020" y="1203960"/>
+            <a:ext cx="1524000" cy="701040"/>
+          </a:xfrm>
+          <a:prstGeom prst="rect">
+            <a:avLst/>
+          </a:prstGeom>
+          <a:noFill/>
+        </p:spPr>
+        <p:txBody>
+          <a:bodyPr wrap="square" rtlCol="0">
+            <a:spAutoFit/>
+          </a:bodyPr>
+          <a:lstStyle/>
+          <a:p>
+            <a:endParaRPr lang="en-US" dirty="0"/>
+          </a:p>
+        </p:txBody>
+      </p:sp>
+      <p:grpSp>
+        <p:nvGrpSpPr>
+          <p:cNvPr id="18" name="Group 17">
+            <a:extLst>
+              <a:ext uri="{FF2B5EF4-FFF2-40B4-BE49-F238E27FC236}">
+                <a16:creationId xmlns:a16="http://schemas.microsoft.com/office/drawing/2014/main" id="{E3B82C0D-953B-4178-9847-5197394DD914}"/>
+              </a:ext>
+            </a:extLst>
+          </p:cNvPr>
+          <p:cNvGrpSpPr/>
+          <p:nvPr/>
+        </p:nvGrpSpPr>
+        <p:grpSpPr>
+          <a:xfrm>
+            <a:off x="3112390" y="1203960"/>
+            <a:ext cx="6013103" cy="2571750"/>
+            <a:chOff x="776933" y="590550"/>
+            <a:chExt cx="6013103" cy="2571750"/>
+          </a:xfrm>
+        </p:grpSpPr>
+        <p:pic>
+          <p:nvPicPr>
+            <p:cNvPr id="19" name="Picture 18" descr="Graphical user interface, application, table&#10;&#10;Description automatically generated">
+              <a:extLst>
+                <a:ext uri="{FF2B5EF4-FFF2-40B4-BE49-F238E27FC236}">
+                  <a16:creationId xmlns:a16="http://schemas.microsoft.com/office/drawing/2014/main" id="{76659538-54FA-4A4E-9542-34BFF8EF1472}"/>
+                </a:ext>
+              </a:extLst>
+            </p:cNvPr>
+            <p:cNvPicPr>
+              <a:picLocks noChangeAspect="1"/>
+            </p:cNvPicPr>
+            <p:nvPr/>
+          </p:nvPicPr>
+          <p:blipFill rotWithShape="1">
+            <a:blip r:embed="rId3"/>
+            <a:srcRect t="33629" b="16371"/>
+            <a:stretch/>
+          </p:blipFill>
+          <p:spPr>
+            <a:xfrm>
+              <a:off x="3665221" y="590550"/>
+              <a:ext cx="3124815" cy="2571750"/>
+            </a:xfrm>
+            <a:prstGeom prst="rect">
+              <a:avLst/>
+            </a:prstGeom>
+          </p:spPr>
+        </p:pic>
+        <p:pic>
+          <p:nvPicPr>
+            <p:cNvPr id="20" name="Picture 19" descr="Graphical user interface, application, table&#10;&#10;Description automatically generated">
+              <a:extLst>
+                <a:ext uri="{FF2B5EF4-FFF2-40B4-BE49-F238E27FC236}">
+                  <a16:creationId xmlns:a16="http://schemas.microsoft.com/office/drawing/2014/main" id="{8F2C3963-4BFC-4714-9A9F-283CA08A0DEF}"/>
+                </a:ext>
+              </a:extLst>
+            </p:cNvPr>
+            <p:cNvPicPr>
+              <a:picLocks noChangeAspect="1"/>
+            </p:cNvPicPr>
+            <p:nvPr/>
+          </p:nvPicPr>
+          <p:blipFill rotWithShape="1">
+            <a:blip r:embed="rId3"/>
+            <a:srcRect r="7570" b="66445"/>
+            <a:stretch/>
+          </p:blipFill>
+          <p:spPr>
+            <a:xfrm>
+              <a:off x="776933" y="590550"/>
+              <a:ext cx="2888288" cy="1725930"/>
+            </a:xfrm>
+            <a:prstGeom prst="rect">
+              <a:avLst/>
+            </a:prstGeom>
+          </p:spPr>
+        </p:pic>
+        <p:pic>
+          <p:nvPicPr>
+            <p:cNvPr id="21" name="Picture 20" descr="Graphical user interface, application, table&#10;&#10;Description automatically generated">
+              <a:extLst>
+                <a:ext uri="{FF2B5EF4-FFF2-40B4-BE49-F238E27FC236}">
+                  <a16:creationId xmlns:a16="http://schemas.microsoft.com/office/drawing/2014/main" id="{80F17E0E-EDF0-4966-92A7-BBF4B4B1BAAE}"/>
+                </a:ext>
+              </a:extLst>
+            </p:cNvPr>
+            <p:cNvPicPr>
+              <a:picLocks noChangeAspect="1"/>
+            </p:cNvPicPr>
+            <p:nvPr/>
+          </p:nvPicPr>
+          <p:blipFill rotWithShape="1">
+            <a:blip r:embed="rId3"/>
+            <a:srcRect t="83704" r="21957"/>
+            <a:stretch/>
+          </p:blipFill>
+          <p:spPr>
+            <a:xfrm>
+              <a:off x="776933" y="2316480"/>
+              <a:ext cx="2438708" cy="838200"/>
+            </a:xfrm>
+            <a:prstGeom prst="rect">
+              <a:avLst/>
+            </a:prstGeom>
+          </p:spPr>
+        </p:pic>
+      </p:grpSp>
     </p:spTree>
+    <p:extLst>
+      <p:ext uri="{BB962C8B-B14F-4D97-AF65-F5344CB8AC3E}">
+        <p14:creationId xmlns:p14="http://schemas.microsoft.com/office/powerpoint/2010/main" val="1062561137"/>
+      </p:ext>
+    </p:extLst>
   </p:cSld>
   <p:clrMapOvr>
-    <a:masterClrMapping/>
+    <a:overrideClrMapping bg1="dk1" tx1="lt1" bg2="dk2" tx2="lt2" accent1="accent1" accent2="accent2" accent3="accent3" accent4="accent4" accent5="accent5" accent6="accent6" hlink="hlink" folHlink="folHlink"/>
   </p:clrMapOvr>
 </p:sld>
 </file>
@@ -13084,7 +15849,7 @@
     </p:bg>
     <p:spTree>
       <p:nvGrpSpPr>
-        <p:cNvPr id="1" name="Shape 90"/>
+        <p:cNvPr id="1" name="Shape 78"/>
         <p:cNvGrpSpPr/>
         <p:nvPr/>
       </p:nvGrpSpPr>
@@ -13098,10 +15863,10 @@
       </p:grpSpPr>
       <p:sp>
         <p:nvSpPr>
-          <p:cNvPr id="150" name="Rectangle 149">
+          <p:cNvPr id="115" name="Rectangle 114">
             <a:extLst>
               <a:ext uri="{FF2B5EF4-FFF2-40B4-BE49-F238E27FC236}">
-                <a16:creationId xmlns:a16="http://schemas.microsoft.com/office/drawing/2014/main" id="{E9AA9F65-94B8-41A5-A7FF-23D2CFB116BB}"/>
+                <a16:creationId xmlns:a16="http://schemas.microsoft.com/office/drawing/2014/main" id="{DB691D59-8F51-4DD8-AD41-D568D29B08F8}"/>
               </a:ext>
               <a:ext uri="{C183D7F6-B498-43B3-948B-1728B52AA6E4}">
                 <adec:decorative xmlns:adec="http://schemas.microsoft.com/office/drawing/2017/decorative" val="1"/>
@@ -13152,10 +15917,10 @@
       </p:sp>
       <p:sp>
         <p:nvSpPr>
-          <p:cNvPr id="152" name="Rectangle 151">
+          <p:cNvPr id="117" name="Rectangle 116">
             <a:extLst>
               <a:ext uri="{FF2B5EF4-FFF2-40B4-BE49-F238E27FC236}">
-                <a16:creationId xmlns:a16="http://schemas.microsoft.com/office/drawing/2014/main" id="{7E8B0F8E-3F6C-4541-B9C1-774D80A08834}"/>
+                <a16:creationId xmlns:a16="http://schemas.microsoft.com/office/drawing/2014/main" id="{204AEF18-0627-48F3-9B3D-F7E8F050B1D4}"/>
               </a:ext>
               <a:ext uri="{C183D7F6-B498-43B3-948B-1728B52AA6E4}">
                 <adec:decorative xmlns:adec="http://schemas.microsoft.com/office/drawing/2017/decorative" val="1"/>
@@ -13206,10 +15971,10 @@
       </p:sp>
       <p:sp>
         <p:nvSpPr>
-          <p:cNvPr id="154" name="Rectangle 153">
+          <p:cNvPr id="119" name="Rectangle 118">
             <a:extLst>
               <a:ext uri="{FF2B5EF4-FFF2-40B4-BE49-F238E27FC236}">
-                <a16:creationId xmlns:a16="http://schemas.microsoft.com/office/drawing/2014/main" id="{7A45F5BC-32D1-41CD-B270-C46F18CA1ACC}"/>
+                <a16:creationId xmlns:a16="http://schemas.microsoft.com/office/drawing/2014/main" id="{CEAEE08A-C572-438F-9753-B0D527A515A7}"/>
               </a:ext>
               <a:ext uri="{C183D7F6-B498-43B3-948B-1728B52AA6E4}">
                 <adec:decorative xmlns:adec="http://schemas.microsoft.com/office/drawing/2017/decorative" val="1"/>
@@ -13260,10 +16025,10 @@
       </p:sp>
       <p:sp>
         <p:nvSpPr>
-          <p:cNvPr id="156" name="Rectangle 155">
+          <p:cNvPr id="121" name="Rectangle 120">
             <a:extLst>
               <a:ext uri="{FF2B5EF4-FFF2-40B4-BE49-F238E27FC236}">
-                <a16:creationId xmlns:a16="http://schemas.microsoft.com/office/drawing/2014/main" id="{5BB74D4E-F243-4A10-813D-500A14025392}"/>
+                <a16:creationId xmlns:a16="http://schemas.microsoft.com/office/drawing/2014/main" id="{DB93146F-62ED-4C59-844C-0935D0FB5031}"/>
               </a:ext>
               <a:ext uri="{C183D7F6-B498-43B3-948B-1728B52AA6E4}">
                 <adec:decorative xmlns:adec="http://schemas.microsoft.com/office/drawing/2017/decorative" val="1"/>
@@ -13283,8 +16048,8 @@
         </p:nvSpPr>
         <p:spPr>
           <a:xfrm>
-            <a:off x="330214" y="460805"/>
-            <a:ext cx="8482004" cy="891973"/>
+            <a:off x="334900" y="2314323"/>
+            <a:ext cx="8447150" cy="2478600"/>
           </a:xfrm>
           <a:prstGeom prst="rect">
             <a:avLst/>
@@ -13314,10 +16079,51 @@
       </p:sp>
       <p:sp>
         <p:nvSpPr>
-          <p:cNvPr id="158" name="Rectangle 157">
+          <p:cNvPr id="79" name="Google Shape;79;p17"/>
+          <p:cNvSpPr txBox="1">
+            <a:spLocks noGrp="1"/>
+          </p:cNvSpPr>
+          <p:nvPr>
+            <p:ph type="title"/>
+          </p:nvPr>
+        </p:nvSpPr>
+        <p:spPr>
+          <a:xfrm>
+            <a:off x="435893" y="3457574"/>
+            <a:ext cx="8245162" cy="800101"/>
+          </a:xfrm>
+          <a:prstGeom prst="rect">
+            <a:avLst/>
+          </a:prstGeom>
+        </p:spPr>
+        <p:txBody>
+          <a:bodyPr spcFirstLastPara="1" vert="horz" lIns="91440" tIns="45720" rIns="91440" bIns="45720" rtlCol="0" anchor="b" anchorCtr="0">
+            <a:normAutofit/>
+          </a:bodyPr>
+          <a:lstStyle/>
+          <a:p>
+            <a:pPr marL="0" lvl="0" indent="0" defTabSz="457200">
+              <a:spcAft>
+                <a:spcPts val="0"/>
+              </a:spcAft>
+            </a:pPr>
+            <a:r>
+              <a:rPr lang="en-US" sz="3600">
+                <a:solidFill>
+                  <a:srgbClr val="FFFFFF"/>
+                </a:solidFill>
+              </a:rPr>
+              <a:t>Final model</a:t>
+            </a:r>
+          </a:p>
+        </p:txBody>
+      </p:sp>
+      <p:sp useBgFill="1">
+        <p:nvSpPr>
+          <p:cNvPr id="123" name="Rectangle 122">
             <a:extLst>
               <a:ext uri="{FF2B5EF4-FFF2-40B4-BE49-F238E27FC236}">
-                <a16:creationId xmlns:a16="http://schemas.microsoft.com/office/drawing/2014/main" id="{1A59258C-AAC2-41CD-973C-7439B122A3FF}"/>
+                <a16:creationId xmlns:a16="http://schemas.microsoft.com/office/drawing/2014/main" id="{B1A515B1-A9B3-49B0-AE0D-D038D42C21A9}"/>
               </a:ext>
               <a:ext uri="{C183D7F6-B498-43B3-948B-1728B52AA6E4}">
                 <adec:decorative xmlns:adec="http://schemas.microsoft.com/office/drawing/2017/decorative" val="1"/>
@@ -13337,77 +16143,8 @@
         </p:nvSpPr>
         <p:spPr>
           <a:xfrm>
-            <a:off x="0" y="0"/>
-            <a:ext cx="9144000" cy="5143500"/>
-          </a:xfrm>
-          <a:prstGeom prst="rect">
-            <a:avLst/>
-          </a:prstGeom>
-          <a:solidFill>
-            <a:srgbClr val="FFFFFF"/>
-          </a:solidFill>
-          <a:ln>
-            <a:noFill/>
-          </a:ln>
-        </p:spPr>
-        <p:style>
-          <a:lnRef idx="2">
-            <a:schemeClr val="accent1">
-              <a:shade val="50000"/>
-            </a:schemeClr>
-          </a:lnRef>
-          <a:fillRef idx="1">
-            <a:schemeClr val="accent1"/>
-          </a:fillRef>
-          <a:effectRef idx="0">
-            <a:schemeClr val="accent1"/>
-          </a:effectRef>
-          <a:fontRef idx="minor">
-            <a:schemeClr val="lt1"/>
-          </a:fontRef>
-        </p:style>
-        <p:txBody>
-          <a:bodyPr rtlCol="0" anchor="ctr"/>
-          <a:lstStyle/>
-          <a:p>
-            <a:pPr marL="285750" indent="-285750" algn="ctr">
-              <a:buClr>
-                <a:schemeClr val="accent1"/>
-              </a:buClr>
-              <a:buFont typeface="Arial" panose="020B0604020202020204" pitchFamily="34" charset="0"/>
-              <a:buChar char="•"/>
-            </a:pPr>
-            <a:endParaRPr lang="en-US" dirty="0"/>
-          </a:p>
-        </p:txBody>
-      </p:sp>
-      <p:sp>
-        <p:nvSpPr>
-          <p:cNvPr id="160" name="Rectangle 159">
-            <a:extLst>
-              <a:ext uri="{FF2B5EF4-FFF2-40B4-BE49-F238E27FC236}">
-                <a16:creationId xmlns:a16="http://schemas.microsoft.com/office/drawing/2014/main" id="{54516B72-0116-42B2-82A2-B11218A36636}"/>
-              </a:ext>
-              <a:ext uri="{C183D7F6-B498-43B3-948B-1728B52AA6E4}">
-                <adec:decorative xmlns:adec="http://schemas.microsoft.com/office/drawing/2017/decorative" val="1"/>
-              </a:ext>
-            </a:extLst>
-          </p:cNvPr>
-          <p:cNvSpPr>
-            <a:spLocks noGrp="1" noRot="1" noChangeAspect="1" noMove="1" noResize="1" noEditPoints="1" noAdjustHandles="1" noChangeArrowheads="1" noChangeShapeType="1" noTextEdit="1"/>
-          </p:cNvSpPr>
-          <p:nvPr>
-            <p:extLst>
-              <p:ext uri="{386F3935-93C4-4BCD-93E2-E3B085C9AB24}">
-                <p16:designElem xmlns:p16="http://schemas.microsoft.com/office/powerpoint/2015/main" val="1"/>
-              </p:ext>
-            </p:extLst>
-          </p:nvPr>
-        </p:nvSpPr>
-        <p:spPr>
-          <a:xfrm>
-            <a:off x="0" y="0"/>
-            <a:ext cx="4584892" cy="5143500"/>
+            <a:off x="0" y="542925"/>
+            <a:ext cx="9144000" cy="2781134"/>
           </a:xfrm>
           <a:prstGeom prst="rect">
             <a:avLst/>
@@ -13441,353 +16178,78 @@
           </a:p>
         </p:txBody>
       </p:sp>
-      <p:sp>
-        <p:nvSpPr>
-          <p:cNvPr id="91" name="Google Shape;91;p19"/>
-          <p:cNvSpPr txBox="1">
-            <a:spLocks noGrp="1"/>
-          </p:cNvSpPr>
-          <p:nvPr>
-            <p:ph type="title"/>
-          </p:nvPr>
-        </p:nvSpPr>
+      <p:pic>
+        <p:nvPicPr>
+          <p:cNvPr id="6" name="Picture 5" descr="Chart, histogram&#10;&#10;Description automatically generated">
+            <a:extLst>
+              <a:ext uri="{FF2B5EF4-FFF2-40B4-BE49-F238E27FC236}">
+                <a16:creationId xmlns:a16="http://schemas.microsoft.com/office/drawing/2014/main" id="{D3AD4CAF-C814-4171-BE41-514E3DBCAF2C}"/>
+              </a:ext>
+            </a:extLst>
+          </p:cNvPr>
+          <p:cNvPicPr>
+            <a:picLocks noChangeAspect="1"/>
+          </p:cNvPicPr>
+          <p:nvPr/>
+        </p:nvPicPr>
+        <p:blipFill>
+          <a:blip r:embed="rId3"/>
+          <a:stretch>
+            <a:fillRect/>
+          </a:stretch>
+        </p:blipFill>
         <p:spPr>
           <a:xfrm>
-            <a:off x="482601" y="775041"/>
-            <a:ext cx="3619692" cy="3619057"/>
+            <a:off x="1961755" y="596181"/>
+            <a:ext cx="5193438" cy="2674621"/>
           </a:xfrm>
           <a:prstGeom prst="rect">
             <a:avLst/>
           </a:prstGeom>
         </p:spPr>
-        <p:txBody>
-          <a:bodyPr spcFirstLastPara="1" vert="horz" lIns="91440" tIns="45720" rIns="91440" bIns="45720" rtlCol="0" anchor="ctr" anchorCtr="0">
-            <a:normAutofit/>
-          </a:bodyPr>
-          <a:lstStyle/>
-          <a:p>
-            <a:pPr marL="0" lvl="0" indent="0" defTabSz="457200">
-              <a:spcBef>
-                <a:spcPct val="0"/>
-              </a:spcBef>
-              <a:spcAft>
-                <a:spcPts val="0"/>
-              </a:spcAft>
-            </a:pPr>
-            <a:r>
-              <a:rPr lang="en-US" sz="4100">
-                <a:solidFill>
-                  <a:srgbClr val="FFFFFF"/>
-                </a:solidFill>
-              </a:rPr>
-              <a:t>next steps</a:t>
-            </a:r>
-          </a:p>
-        </p:txBody>
-      </p:sp>
-      <p:sp>
-        <p:nvSpPr>
-          <p:cNvPr id="162" name="Rectangle 161">
+      </p:pic>
+      <p:sp>
+        <p:nvSpPr>
+          <p:cNvPr id="4" name="TextBox 3">
             <a:extLst>
               <a:ext uri="{FF2B5EF4-FFF2-40B4-BE49-F238E27FC236}">
-                <a16:creationId xmlns:a16="http://schemas.microsoft.com/office/drawing/2014/main" id="{7CDB507F-21B7-4C27-B0FC-D9C465C6DB44}"/>
-              </a:ext>
-              <a:ext uri="{C183D7F6-B498-43B3-948B-1728B52AA6E4}">
-                <adec:decorative xmlns:adec="http://schemas.microsoft.com/office/drawing/2017/decorative" val="1"/>
+                <a16:creationId xmlns:a16="http://schemas.microsoft.com/office/drawing/2014/main" id="{A91860E7-872F-49B7-91A6-B83EFF48BC39}"/>
               </a:ext>
             </a:extLst>
           </p:cNvPr>
-          <p:cNvSpPr>
-            <a:spLocks noGrp="1" noRot="1" noChangeAspect="1" noMove="1" noResize="1" noEditPoints="1" noAdjustHandles="1" noChangeArrowheads="1" noChangeShapeType="1" noTextEdit="1"/>
-          </p:cNvSpPr>
-          <p:nvPr>
-            <p:extLst>
-              <p:ext uri="{386F3935-93C4-4BCD-93E2-E3B085C9AB24}">
-                <p16:designElem xmlns:p16="http://schemas.microsoft.com/office/powerpoint/2015/main" val="1"/>
-              </p:ext>
-            </p:extLst>
-          </p:nvPr>
+          <p:cNvSpPr txBox="1"/>
+          <p:nvPr/>
         </p:nvSpPr>
         <p:spPr>
           <a:xfrm>
-            <a:off x="481934" y="345651"/>
-            <a:ext cx="3621024" cy="83740"/>
+            <a:off x="7399020" y="1203960"/>
+            <a:ext cx="1524000" cy="701040"/>
           </a:xfrm>
           <a:prstGeom prst="rect">
             <a:avLst/>
           </a:prstGeom>
-          <a:solidFill>
-            <a:srgbClr val="FFFFFF"/>
-          </a:solidFill>
-          <a:ln>
-            <a:noFill/>
-          </a:ln>
-          <a:effectLst/>
-        </p:spPr>
-        <p:style>
-          <a:lnRef idx="1">
-            <a:schemeClr val="accent1"/>
-          </a:lnRef>
-          <a:fillRef idx="3">
-            <a:schemeClr val="accent1"/>
-          </a:fillRef>
-          <a:effectRef idx="2">
-            <a:schemeClr val="accent1"/>
-          </a:effectRef>
-          <a:fontRef idx="minor">
-            <a:schemeClr val="lt1"/>
-          </a:fontRef>
-        </p:style>
-      </p:sp>
-      <p:sp>
-        <p:nvSpPr>
-          <p:cNvPr id="164" name="Rectangle 163">
-            <a:extLst>
-              <a:ext uri="{FF2B5EF4-FFF2-40B4-BE49-F238E27FC236}">
-                <a16:creationId xmlns:a16="http://schemas.microsoft.com/office/drawing/2014/main" id="{7AB1AE17-B7A3-4363-95CD-25441E2FF1F3}"/>
-              </a:ext>
-              <a:ext uri="{C183D7F6-B498-43B3-948B-1728B52AA6E4}">
-                <adec:decorative xmlns:adec="http://schemas.microsoft.com/office/drawing/2017/decorative" val="1"/>
-              </a:ext>
-            </a:extLst>
-          </p:cNvPr>
-          <p:cNvSpPr>
-            <a:spLocks noGrp="1" noRot="1" noChangeAspect="1" noMove="1" noResize="1" noEditPoints="1" noAdjustHandles="1" noChangeArrowheads="1" noChangeShapeType="1" noTextEdit="1"/>
-          </p:cNvSpPr>
-          <p:nvPr>
-            <p:extLst>
-              <p:ext uri="{386F3935-93C4-4BCD-93E2-E3B085C9AB24}">
-                <p16:designElem xmlns:p16="http://schemas.microsoft.com/office/powerpoint/2015/main" val="1"/>
-              </p:ext>
-            </p:extLst>
-          </p:nvPr>
-        </p:nvSpPr>
-        <p:spPr>
-          <a:xfrm>
-            <a:off x="5087080" y="345651"/>
-            <a:ext cx="3621024" cy="83740"/>
-          </a:xfrm>
-          <a:prstGeom prst="rect">
-            <a:avLst/>
-          </a:prstGeom>
-          <a:solidFill>
-            <a:schemeClr val="accent2"/>
-          </a:solidFill>
-          <a:ln>
-            <a:noFill/>
-          </a:ln>
-          <a:effectLst/>
-        </p:spPr>
-        <p:style>
-          <a:lnRef idx="1">
-            <a:schemeClr val="accent1"/>
-          </a:lnRef>
-          <a:fillRef idx="3">
-            <a:schemeClr val="accent1"/>
-          </a:fillRef>
-          <a:effectRef idx="2">
-            <a:schemeClr val="accent1"/>
-          </a:effectRef>
-          <a:fontRef idx="minor">
-            <a:schemeClr val="lt1"/>
-          </a:fontRef>
-        </p:style>
-      </p:sp>
-      <p:sp>
-        <p:nvSpPr>
-          <p:cNvPr id="92" name="Google Shape;92;p19"/>
-          <p:cNvSpPr txBox="1">
-            <a:spLocks noGrp="1"/>
-          </p:cNvSpPr>
-          <p:nvPr>
-            <p:ph type="body" idx="1"/>
-          </p:nvPr>
-        </p:nvSpPr>
-        <p:spPr>
-          <a:xfrm>
-            <a:off x="5066826" y="775042"/>
-            <a:ext cx="3641278" cy="3619057"/>
-          </a:xfrm>
-          <a:prstGeom prst="rect">
-            <a:avLst/>
-          </a:prstGeom>
-          <a:ln w="57150">
-            <a:noFill/>
-          </a:ln>
+          <a:noFill/>
         </p:spPr>
         <p:txBody>
-          <a:bodyPr spcFirstLastPara="1" vert="horz" lIns="91440" tIns="45720" rIns="91440" bIns="45720" rtlCol="0" anchor="ctr" anchorCtr="0">
-            <a:normAutofit/>
+          <a:bodyPr wrap="square" rtlCol="0">
+            <a:spAutoFit/>
           </a:bodyPr>
           <a:lstStyle/>
           <a:p>
-            <a:pPr marL="457200" lvl="0" indent="-342900" defTabSz="457200">
-              <a:spcBef>
-                <a:spcPct val="20000"/>
-              </a:spcBef>
-              <a:spcAft>
-                <a:spcPts val="600"/>
-              </a:spcAft>
-              <a:buSzPct val="92000"/>
-              <a:buFont typeface="Wingdings 2" panose="05020102010507070707" pitchFamily="18" charset="2"/>
-              <a:buChar char=""/>
-            </a:pPr>
-            <a:r>
-              <a:rPr lang="en-US" sz="1500">
-                <a:solidFill>
-                  <a:schemeClr val="accent2">
-                    <a:lumMod val="50000"/>
-                  </a:schemeClr>
-                </a:solidFill>
-              </a:rPr>
-              <a:t>Missing data points:</a:t>
-            </a:r>
-          </a:p>
-          <a:p>
-            <a:pPr lvl="1" indent="-342900" defTabSz="457200">
-              <a:spcBef>
-                <a:spcPct val="20000"/>
-              </a:spcBef>
-              <a:spcAft>
-                <a:spcPts val="600"/>
-              </a:spcAft>
-              <a:buSzPct val="92000"/>
-              <a:buFont typeface="Wingdings 2" panose="05020102010507070707" pitchFamily="18" charset="2"/>
-              <a:buChar char=""/>
-            </a:pPr>
-            <a:r>
-              <a:rPr lang="en-US" sz="1500">
-                <a:solidFill>
-                  <a:schemeClr val="accent2">
-                    <a:lumMod val="50000"/>
-                  </a:schemeClr>
-                </a:solidFill>
-              </a:rPr>
-              <a:t>Varietal</a:t>
-            </a:r>
-          </a:p>
-          <a:p>
-            <a:pPr lvl="1" indent="-342900" defTabSz="457200">
-              <a:spcBef>
-                <a:spcPct val="20000"/>
-              </a:spcBef>
-              <a:spcAft>
-                <a:spcPts val="600"/>
-              </a:spcAft>
-              <a:buSzPct val="92000"/>
-              <a:buFont typeface="Wingdings 2" panose="05020102010507070707" pitchFamily="18" charset="2"/>
-              <a:buChar char=""/>
-            </a:pPr>
-            <a:r>
-              <a:rPr lang="en-US" sz="1500">
-                <a:solidFill>
-                  <a:schemeClr val="accent2">
-                    <a:lumMod val="50000"/>
-                  </a:schemeClr>
-                </a:solidFill>
-              </a:rPr>
-              <a:t>Label</a:t>
-            </a:r>
+            <a:endParaRPr lang="en-US" dirty="0"/>
           </a:p>
         </p:txBody>
       </p:sp>
     </p:spTree>
+    <p:extLst>
+      <p:ext uri="{BB962C8B-B14F-4D97-AF65-F5344CB8AC3E}">
+        <p14:creationId xmlns:p14="http://schemas.microsoft.com/office/powerpoint/2010/main" val="2365533740"/>
+      </p:ext>
+    </p:extLst>
   </p:cSld>
   <p:clrMapOvr>
     <a:masterClrMapping/>
   </p:clrMapOvr>
-  <p:timing>
-    <p:tnLst>
-      <p:par>
-        <p:cTn id="1" dur="indefinite" restart="never" nodeType="tmRoot">
-          <p:childTnLst>
-            <p:seq concurrent="1" nextAc="seek">
-              <p:cTn id="2" dur="indefinite" nodeType="mainSeq">
-                <p:childTnLst>
-                  <p:par>
-                    <p:cTn id="3" fill="hold">
-                      <p:stCondLst>
-                        <p:cond delay="indefinite"/>
-                        <p:cond evt="onBegin" delay="0">
-                          <p:tn val="2"/>
-                        </p:cond>
-                      </p:stCondLst>
-                      <p:childTnLst>
-                        <p:par>
-                          <p:cTn id="4" fill="hold">
-                            <p:stCondLst>
-                              <p:cond delay="0"/>
-                            </p:stCondLst>
-                            <p:childTnLst>
-                              <p:par>
-                                <p:cTn id="5" presetID="10" presetClass="entr" presetSubtype="0" fill="hold" grpId="0" nodeType="withEffect">
-                                  <p:stCondLst>
-                                    <p:cond delay="500"/>
-                                  </p:stCondLst>
-                                  <p:iterate>
-                                    <p:tmPct val="10000"/>
-                                  </p:iterate>
-                                  <p:childTnLst>
-                                    <p:set>
-                                      <p:cBhvr>
-                                        <p:cTn id="6" dur="1" fill="hold">
-                                          <p:stCondLst>
-                                            <p:cond delay="0"/>
-                                          </p:stCondLst>
-                                        </p:cTn>
-                                        <p:tgtEl>
-                                          <p:spTgt spid="91"/>
-                                        </p:tgtEl>
-                                        <p:attrNameLst>
-                                          <p:attrName>style.visibility</p:attrName>
-                                        </p:attrNameLst>
-                                      </p:cBhvr>
-                                      <p:to>
-                                        <p:strVal val="visible"/>
-                                      </p:to>
-                                    </p:set>
-                                    <p:animEffect transition="in" filter="fade">
-                                      <p:cBhvr>
-                                        <p:cTn id="7" dur="700"/>
-                                        <p:tgtEl>
-                                          <p:spTgt spid="91"/>
-                                        </p:tgtEl>
-                                      </p:cBhvr>
-                                    </p:animEffect>
-                                  </p:childTnLst>
-                                </p:cTn>
-                              </p:par>
-                            </p:childTnLst>
-                          </p:cTn>
-                        </p:par>
-                      </p:childTnLst>
-                    </p:cTn>
-                  </p:par>
-                </p:childTnLst>
-              </p:cTn>
-              <p:prevCondLst>
-                <p:cond evt="onPrev" delay="0">
-                  <p:tgtEl>
-                    <p:sldTgt/>
-                  </p:tgtEl>
-                </p:cond>
-              </p:prevCondLst>
-              <p:nextCondLst>
-                <p:cond evt="onNext" delay="0">
-                  <p:tgtEl>
-                    <p:sldTgt/>
-                  </p:tgtEl>
-                </p:cond>
-              </p:nextCondLst>
-            </p:seq>
-          </p:childTnLst>
-        </p:cTn>
-      </p:par>
-    </p:tnLst>
-    <p:bldLst>
-      <p:bldP spid="91" grpId="0"/>
-    </p:bldLst>
-  </p:timing>
 </p:sld>
 </file>
 
@@ -13804,7 +16266,7 @@
     </p:bg>
     <p:spTree>
       <p:nvGrpSpPr>
-        <p:cNvPr id="1" name="Shape 96"/>
+        <p:cNvPr id="1" name="Shape 78"/>
         <p:cNvGrpSpPr/>
         <p:nvPr/>
       </p:nvGrpSpPr>
@@ -13818,10 +16280,10 @@
       </p:grpSpPr>
       <p:sp>
         <p:nvSpPr>
-          <p:cNvPr id="118" name="Rectangle 117">
+          <p:cNvPr id="115" name="Rectangle 114">
             <a:extLst>
               <a:ext uri="{FF2B5EF4-FFF2-40B4-BE49-F238E27FC236}">
-                <a16:creationId xmlns:a16="http://schemas.microsoft.com/office/drawing/2014/main" id="{E9AA9F65-94B8-41A5-A7FF-23D2CFB116BB}"/>
+                <a16:creationId xmlns:a16="http://schemas.microsoft.com/office/drawing/2014/main" id="{DB691D59-8F51-4DD8-AD41-D568D29B08F8}"/>
               </a:ext>
               <a:ext uri="{C183D7F6-B498-43B3-948B-1728B52AA6E4}">
                 <adec:decorative xmlns:adec="http://schemas.microsoft.com/office/drawing/2017/decorative" val="1"/>
@@ -13872,10 +16334,10 @@
       </p:sp>
       <p:sp>
         <p:nvSpPr>
-          <p:cNvPr id="120" name="Rectangle 119">
+          <p:cNvPr id="117" name="Rectangle 116">
             <a:extLst>
               <a:ext uri="{FF2B5EF4-FFF2-40B4-BE49-F238E27FC236}">
-                <a16:creationId xmlns:a16="http://schemas.microsoft.com/office/drawing/2014/main" id="{7E8B0F8E-3F6C-4541-B9C1-774D80A08834}"/>
+                <a16:creationId xmlns:a16="http://schemas.microsoft.com/office/drawing/2014/main" id="{204AEF18-0627-48F3-9B3D-F7E8F050B1D4}"/>
               </a:ext>
               <a:ext uri="{C183D7F6-B498-43B3-948B-1728B52AA6E4}">
                 <adec:decorative xmlns:adec="http://schemas.microsoft.com/office/drawing/2017/decorative" val="1"/>
@@ -13926,10 +16388,10 @@
       </p:sp>
       <p:sp>
         <p:nvSpPr>
-          <p:cNvPr id="122" name="Rectangle 121">
+          <p:cNvPr id="119" name="Rectangle 118">
             <a:extLst>
               <a:ext uri="{FF2B5EF4-FFF2-40B4-BE49-F238E27FC236}">
-                <a16:creationId xmlns:a16="http://schemas.microsoft.com/office/drawing/2014/main" id="{7A45F5BC-32D1-41CD-B270-C46F18CA1ACC}"/>
+                <a16:creationId xmlns:a16="http://schemas.microsoft.com/office/drawing/2014/main" id="{CEAEE08A-C572-438F-9753-B0D527A515A7}"/>
               </a:ext>
               <a:ext uri="{C183D7F6-B498-43B3-948B-1728B52AA6E4}">
                 <adec:decorative xmlns:adec="http://schemas.microsoft.com/office/drawing/2017/decorative" val="1"/>
@@ -13980,10 +16442,10 @@
       </p:sp>
       <p:sp>
         <p:nvSpPr>
-          <p:cNvPr id="124" name="Rectangle 123">
+          <p:cNvPr id="121" name="Rectangle 120">
             <a:extLst>
               <a:ext uri="{FF2B5EF4-FFF2-40B4-BE49-F238E27FC236}">
-                <a16:creationId xmlns:a16="http://schemas.microsoft.com/office/drawing/2014/main" id="{5BB74D4E-F243-4A10-813D-500A14025392}"/>
+                <a16:creationId xmlns:a16="http://schemas.microsoft.com/office/drawing/2014/main" id="{DB93146F-62ED-4C59-844C-0935D0FB5031}"/>
               </a:ext>
               <a:ext uri="{C183D7F6-B498-43B3-948B-1728B52AA6E4}">
                 <adec:decorative xmlns:adec="http://schemas.microsoft.com/office/drawing/2017/decorative" val="1"/>
@@ -14003,8 +16465,8 @@
         </p:nvSpPr>
         <p:spPr>
           <a:xfrm>
-            <a:off x="330214" y="460805"/>
-            <a:ext cx="8482004" cy="891973"/>
+            <a:off x="334900" y="2314323"/>
+            <a:ext cx="8447150" cy="2478600"/>
           </a:xfrm>
           <a:prstGeom prst="rect">
             <a:avLst/>
@@ -14034,10 +16496,51 @@
       </p:sp>
       <p:sp>
         <p:nvSpPr>
-          <p:cNvPr id="126" name="Rectangle 125">
+          <p:cNvPr id="79" name="Google Shape;79;p17"/>
+          <p:cNvSpPr txBox="1">
+            <a:spLocks noGrp="1"/>
+          </p:cNvSpPr>
+          <p:nvPr>
+            <p:ph type="title"/>
+          </p:nvPr>
+        </p:nvSpPr>
+        <p:spPr>
+          <a:xfrm>
+            <a:off x="435893" y="3457574"/>
+            <a:ext cx="8245162" cy="800101"/>
+          </a:xfrm>
+          <a:prstGeom prst="rect">
+            <a:avLst/>
+          </a:prstGeom>
+        </p:spPr>
+        <p:txBody>
+          <a:bodyPr spcFirstLastPara="1" vert="horz" lIns="91440" tIns="45720" rIns="91440" bIns="45720" rtlCol="0" anchor="b" anchorCtr="0">
+            <a:normAutofit/>
+          </a:bodyPr>
+          <a:lstStyle/>
+          <a:p>
+            <a:pPr marL="0" lvl="0" indent="0" defTabSz="457200">
+              <a:spcAft>
+                <a:spcPts val="0"/>
+              </a:spcAft>
+            </a:pPr>
+            <a:r>
+              <a:rPr lang="en-US" sz="3600">
+                <a:solidFill>
+                  <a:srgbClr val="FFFFFF"/>
+                </a:solidFill>
+              </a:rPr>
+              <a:t>Final model</a:t>
+            </a:r>
+          </a:p>
+        </p:txBody>
+      </p:sp>
+      <p:sp useBgFill="1">
+        <p:nvSpPr>
+          <p:cNvPr id="123" name="Rectangle 122">
             <a:extLst>
               <a:ext uri="{FF2B5EF4-FFF2-40B4-BE49-F238E27FC236}">
-                <a16:creationId xmlns:a16="http://schemas.microsoft.com/office/drawing/2014/main" id="{1A59258C-AAC2-41CD-973C-7439B122A3FF}"/>
+                <a16:creationId xmlns:a16="http://schemas.microsoft.com/office/drawing/2014/main" id="{B1A515B1-A9B3-49B0-AE0D-D038D42C21A9}"/>
               </a:ext>
               <a:ext uri="{C183D7F6-B498-43B3-948B-1728B52AA6E4}">
                 <adec:decorative xmlns:adec="http://schemas.microsoft.com/office/drawing/2017/decorative" val="1"/>
@@ -14057,77 +16560,8 @@
         </p:nvSpPr>
         <p:spPr>
           <a:xfrm>
-            <a:off x="0" y="0"/>
-            <a:ext cx="9144000" cy="5143500"/>
-          </a:xfrm>
-          <a:prstGeom prst="rect">
-            <a:avLst/>
-          </a:prstGeom>
-          <a:solidFill>
-            <a:srgbClr val="FFFFFF"/>
-          </a:solidFill>
-          <a:ln>
-            <a:noFill/>
-          </a:ln>
-        </p:spPr>
-        <p:style>
-          <a:lnRef idx="2">
-            <a:schemeClr val="accent1">
-              <a:shade val="50000"/>
-            </a:schemeClr>
-          </a:lnRef>
-          <a:fillRef idx="1">
-            <a:schemeClr val="accent1"/>
-          </a:fillRef>
-          <a:effectRef idx="0">
-            <a:schemeClr val="accent1"/>
-          </a:effectRef>
-          <a:fontRef idx="minor">
-            <a:schemeClr val="lt1"/>
-          </a:fontRef>
-        </p:style>
-        <p:txBody>
-          <a:bodyPr rtlCol="0" anchor="ctr"/>
-          <a:lstStyle/>
-          <a:p>
-            <a:pPr marL="285750" indent="-285750" algn="ctr">
-              <a:buClr>
-                <a:schemeClr val="accent1"/>
-              </a:buClr>
-              <a:buFont typeface="Arial" panose="020B0604020202020204" pitchFamily="34" charset="0"/>
-              <a:buChar char="•"/>
-            </a:pPr>
-            <a:endParaRPr lang="en-US" dirty="0"/>
-          </a:p>
-        </p:txBody>
-      </p:sp>
-      <p:sp>
-        <p:nvSpPr>
-          <p:cNvPr id="128" name="Rectangle 127">
-            <a:extLst>
-              <a:ext uri="{FF2B5EF4-FFF2-40B4-BE49-F238E27FC236}">
-                <a16:creationId xmlns:a16="http://schemas.microsoft.com/office/drawing/2014/main" id="{54516B72-0116-42B2-82A2-B11218A36636}"/>
-              </a:ext>
-              <a:ext uri="{C183D7F6-B498-43B3-948B-1728B52AA6E4}">
-                <adec:decorative xmlns:adec="http://schemas.microsoft.com/office/drawing/2017/decorative" val="1"/>
-              </a:ext>
-            </a:extLst>
-          </p:cNvPr>
-          <p:cNvSpPr>
-            <a:spLocks noGrp="1" noRot="1" noChangeAspect="1" noMove="1" noResize="1" noEditPoints="1" noAdjustHandles="1" noChangeArrowheads="1" noChangeShapeType="1" noTextEdit="1"/>
-          </p:cNvSpPr>
-          <p:nvPr>
-            <p:extLst>
-              <p:ext uri="{386F3935-93C4-4BCD-93E2-E3B085C9AB24}">
-                <p16:designElem xmlns:p16="http://schemas.microsoft.com/office/powerpoint/2015/main" val="1"/>
-              </p:ext>
-            </p:extLst>
-          </p:nvPr>
-        </p:nvSpPr>
-        <p:spPr>
-          <a:xfrm>
-            <a:off x="0" y="0"/>
-            <a:ext cx="4584892" cy="5143500"/>
+            <a:off x="0" y="542925"/>
+            <a:ext cx="9144000" cy="2781134"/>
           </a:xfrm>
           <a:prstGeom prst="rect">
             <a:avLst/>
@@ -14163,283 +16597,72 @@
       </p:sp>
       <p:sp>
         <p:nvSpPr>
-          <p:cNvPr id="97" name="Google Shape;97;p20"/>
-          <p:cNvSpPr txBox="1">
-            <a:spLocks noGrp="1"/>
-          </p:cNvSpPr>
-          <p:nvPr>
-            <p:ph type="title"/>
-          </p:nvPr>
+          <p:cNvPr id="4" name="TextBox 3">
+            <a:extLst>
+              <a:ext uri="{FF2B5EF4-FFF2-40B4-BE49-F238E27FC236}">
+                <a16:creationId xmlns:a16="http://schemas.microsoft.com/office/drawing/2014/main" id="{A91860E7-872F-49B7-91A6-B83EFF48BC39}"/>
+              </a:ext>
+            </a:extLst>
+          </p:cNvPr>
+          <p:cNvSpPr txBox="1"/>
+          <p:nvPr/>
         </p:nvSpPr>
         <p:spPr>
           <a:xfrm>
-            <a:off x="482601" y="775041"/>
-            <a:ext cx="3619692" cy="3619057"/>
+            <a:off x="7399020" y="1203960"/>
+            <a:ext cx="1524000" cy="701040"/>
+          </a:xfrm>
+          <a:prstGeom prst="rect">
+            <a:avLst/>
+          </a:prstGeom>
+          <a:noFill/>
+        </p:spPr>
+        <p:txBody>
+          <a:bodyPr wrap="square" rtlCol="0">
+            <a:spAutoFit/>
+          </a:bodyPr>
+          <a:lstStyle/>
+          <a:p>
+            <a:endParaRPr lang="en-US" dirty="0"/>
+          </a:p>
+        </p:txBody>
+      </p:sp>
+      <p:pic>
+        <p:nvPicPr>
+          <p:cNvPr id="3" name="Picture 2">
+            <a:extLst>
+              <a:ext uri="{FF2B5EF4-FFF2-40B4-BE49-F238E27FC236}">
+                <a16:creationId xmlns:a16="http://schemas.microsoft.com/office/drawing/2014/main" id="{51AB3BE5-8CCE-43EC-8F15-F4A3638DF800}"/>
+              </a:ext>
+            </a:extLst>
+          </p:cNvPr>
+          <p:cNvPicPr>
+            <a:picLocks noChangeAspect="1"/>
+          </p:cNvPicPr>
+          <p:nvPr/>
+        </p:nvPicPr>
+        <p:blipFill>
+          <a:blip r:embed="rId3"/>
+          <a:stretch>
+            <a:fillRect/>
+          </a:stretch>
+        </p:blipFill>
+        <p:spPr>
+          <a:xfrm>
+            <a:off x="2277735" y="602091"/>
+            <a:ext cx="4584764" cy="2605818"/>
           </a:xfrm>
           <a:prstGeom prst="rect">
             <a:avLst/>
           </a:prstGeom>
         </p:spPr>
-        <p:txBody>
-          <a:bodyPr spcFirstLastPara="1" vert="horz" lIns="91440" tIns="45720" rIns="91440" bIns="45720" rtlCol="0" anchor="ctr" anchorCtr="0">
-            <a:normAutofit/>
-          </a:bodyPr>
-          <a:lstStyle/>
-          <a:p>
-            <a:pPr marL="0" lvl="0" indent="0" defTabSz="457200">
-              <a:spcBef>
-                <a:spcPct val="0"/>
-              </a:spcBef>
-              <a:spcAft>
-                <a:spcPts val="0"/>
-              </a:spcAft>
-            </a:pPr>
-            <a:r>
-              <a:rPr lang="en-US" sz="4100" dirty="0">
-                <a:solidFill>
-                  <a:srgbClr val="FFFFFF"/>
-                </a:solidFill>
-              </a:rPr>
-              <a:t>Thank you!</a:t>
-            </a:r>
-          </a:p>
-        </p:txBody>
-      </p:sp>
-      <p:sp>
-        <p:nvSpPr>
-          <p:cNvPr id="130" name="Rectangle 129">
-            <a:extLst>
-              <a:ext uri="{FF2B5EF4-FFF2-40B4-BE49-F238E27FC236}">
-                <a16:creationId xmlns:a16="http://schemas.microsoft.com/office/drawing/2014/main" id="{7CDB507F-21B7-4C27-B0FC-D9C465C6DB44}"/>
-              </a:ext>
-              <a:ext uri="{C183D7F6-B498-43B3-948B-1728B52AA6E4}">
-                <adec:decorative xmlns:adec="http://schemas.microsoft.com/office/drawing/2017/decorative" val="1"/>
-              </a:ext>
-            </a:extLst>
-          </p:cNvPr>
-          <p:cNvSpPr>
-            <a:spLocks noGrp="1" noRot="1" noChangeAspect="1" noMove="1" noResize="1" noEditPoints="1" noAdjustHandles="1" noChangeArrowheads="1" noChangeShapeType="1" noTextEdit="1"/>
-          </p:cNvSpPr>
-          <p:nvPr>
-            <p:extLst>
-              <p:ext uri="{386F3935-93C4-4BCD-93E2-E3B085C9AB24}">
-                <p16:designElem xmlns:p16="http://schemas.microsoft.com/office/powerpoint/2015/main" val="1"/>
-              </p:ext>
-            </p:extLst>
-          </p:nvPr>
-        </p:nvSpPr>
-        <p:spPr>
-          <a:xfrm>
-            <a:off x="481934" y="345651"/>
-            <a:ext cx="3621024" cy="83740"/>
-          </a:xfrm>
-          <a:prstGeom prst="rect">
-            <a:avLst/>
-          </a:prstGeom>
-          <a:solidFill>
-            <a:srgbClr val="FFFFFF"/>
-          </a:solidFill>
-          <a:ln>
-            <a:noFill/>
-          </a:ln>
-          <a:effectLst/>
-        </p:spPr>
-        <p:style>
-          <a:lnRef idx="1">
-            <a:schemeClr val="accent1"/>
-          </a:lnRef>
-          <a:fillRef idx="3">
-            <a:schemeClr val="accent1"/>
-          </a:fillRef>
-          <a:effectRef idx="2">
-            <a:schemeClr val="accent1"/>
-          </a:effectRef>
-          <a:fontRef idx="minor">
-            <a:schemeClr val="lt1"/>
-          </a:fontRef>
-        </p:style>
-      </p:sp>
-      <p:sp>
-        <p:nvSpPr>
-          <p:cNvPr id="132" name="Rectangle 131">
-            <a:extLst>
-              <a:ext uri="{FF2B5EF4-FFF2-40B4-BE49-F238E27FC236}">
-                <a16:creationId xmlns:a16="http://schemas.microsoft.com/office/drawing/2014/main" id="{7AB1AE17-B7A3-4363-95CD-25441E2FF1F3}"/>
-              </a:ext>
-              <a:ext uri="{C183D7F6-B498-43B3-948B-1728B52AA6E4}">
-                <adec:decorative xmlns:adec="http://schemas.microsoft.com/office/drawing/2017/decorative" val="1"/>
-              </a:ext>
-            </a:extLst>
-          </p:cNvPr>
-          <p:cNvSpPr>
-            <a:spLocks noGrp="1" noRot="1" noChangeAspect="1" noMove="1" noResize="1" noEditPoints="1" noAdjustHandles="1" noChangeArrowheads="1" noChangeShapeType="1" noTextEdit="1"/>
-          </p:cNvSpPr>
-          <p:nvPr>
-            <p:extLst>
-              <p:ext uri="{386F3935-93C4-4BCD-93E2-E3B085C9AB24}">
-                <p16:designElem xmlns:p16="http://schemas.microsoft.com/office/powerpoint/2015/main" val="1"/>
-              </p:ext>
-            </p:extLst>
-          </p:nvPr>
-        </p:nvSpPr>
-        <p:spPr>
-          <a:xfrm>
-            <a:off x="5087080" y="345651"/>
-            <a:ext cx="3621024" cy="83740"/>
-          </a:xfrm>
-          <a:prstGeom prst="rect">
-            <a:avLst/>
-          </a:prstGeom>
-          <a:solidFill>
-            <a:schemeClr val="accent2"/>
-          </a:solidFill>
-          <a:ln>
-            <a:noFill/>
-          </a:ln>
-          <a:effectLst/>
-        </p:spPr>
-        <p:style>
-          <a:lnRef idx="1">
-            <a:schemeClr val="accent1"/>
-          </a:lnRef>
-          <a:fillRef idx="3">
-            <a:schemeClr val="accent1"/>
-          </a:fillRef>
-          <a:effectRef idx="2">
-            <a:schemeClr val="accent1"/>
-          </a:effectRef>
-          <a:fontRef idx="minor">
-            <a:schemeClr val="lt1"/>
-          </a:fontRef>
-        </p:style>
-      </p:sp>
-      <p:sp>
-        <p:nvSpPr>
-          <p:cNvPr id="98" name="Google Shape;98;p20"/>
-          <p:cNvSpPr txBox="1">
-            <a:spLocks noGrp="1"/>
-          </p:cNvSpPr>
-          <p:nvPr>
-            <p:ph type="body" idx="1"/>
-          </p:nvPr>
-        </p:nvSpPr>
-        <p:spPr>
-          <a:xfrm>
-            <a:off x="5066826" y="775042"/>
-            <a:ext cx="3641278" cy="3619057"/>
-          </a:xfrm>
-          <a:prstGeom prst="rect">
-            <a:avLst/>
-          </a:prstGeom>
-          <a:ln w="57150">
-            <a:noFill/>
-          </a:ln>
-        </p:spPr>
-        <p:txBody>
-          <a:bodyPr spcFirstLastPara="1" vert="horz" lIns="91440" tIns="45720" rIns="91440" bIns="45720" rtlCol="0" anchor="ctr" anchorCtr="0">
-            <a:normAutofit/>
-          </a:bodyPr>
-          <a:lstStyle/>
-          <a:p>
-            <a:pPr defTabSz="457200">
-              <a:spcBef>
-                <a:spcPct val="20000"/>
-              </a:spcBef>
-              <a:spcAft>
-                <a:spcPts val="600"/>
-              </a:spcAft>
-              <a:buSzPct val="92000"/>
-              <a:buFont typeface="Wingdings 2" panose="05020102010507070707" pitchFamily="18" charset="2"/>
-              <a:buChar char=""/>
-            </a:pPr>
-            <a:r>
-              <a:rPr lang="en-US" sz="1500" dirty="0">
-                <a:solidFill>
-                  <a:schemeClr val="accent2">
-                    <a:lumMod val="50000"/>
-                  </a:schemeClr>
-                </a:solidFill>
-              </a:rPr>
-              <a:t>Data source: </a:t>
-            </a:r>
-            <a:r>
-              <a:rPr lang="en-US" sz="1500" dirty="0">
-                <a:solidFill>
-                  <a:schemeClr val="accent2">
-                    <a:lumMod val="50000"/>
-                  </a:schemeClr>
-                </a:solidFill>
-                <a:hlinkClick r:id="rId3">
-                  <a:extLst>
-                    <a:ext uri="{A12FA001-AC4F-418D-AE19-62706E023703}">
-                      <ahyp:hlinkClr xmlns:ahyp="http://schemas.microsoft.com/office/drawing/2018/hyperlinkcolor" val="tx"/>
-                    </a:ext>
-                  </a:extLst>
-                </a:hlinkClick>
-              </a:rPr>
-              <a:t>https://www.kaggle.com/huseyinelci/wne-qualty-by-uci</a:t>
-            </a:r>
-            <a:endParaRPr lang="en-US" sz="1500" dirty="0">
-              <a:solidFill>
-                <a:schemeClr val="accent2">
-                  <a:lumMod val="50000"/>
-                </a:schemeClr>
-              </a:solidFill>
-            </a:endParaRPr>
-          </a:p>
-          <a:p>
-            <a:pPr marL="457200" lvl="0" indent="-342900" defTabSz="457200">
-              <a:spcBef>
-                <a:spcPct val="20000"/>
-              </a:spcBef>
-              <a:spcAft>
-                <a:spcPts val="600"/>
-              </a:spcAft>
-              <a:buSzPct val="92000"/>
-              <a:buFont typeface="Wingdings 2" panose="05020102010507070707" pitchFamily="18" charset="2"/>
-              <a:buChar char=""/>
-            </a:pPr>
-            <a:r>
-              <a:rPr lang="en-US" sz="1500" dirty="0">
-                <a:solidFill>
-                  <a:schemeClr val="accent2">
-                    <a:lumMod val="50000"/>
-                  </a:schemeClr>
-                </a:solidFill>
-              </a:rPr>
-              <a:t>Project repo: </a:t>
-            </a:r>
-            <a:r>
-              <a:rPr lang="en-US" sz="1500" dirty="0">
-                <a:solidFill>
-                  <a:schemeClr val="accent2">
-                    <a:lumMod val="50000"/>
-                  </a:schemeClr>
-                </a:solidFill>
-                <a:hlinkClick r:id="rId4">
-                  <a:extLst>
-                    <a:ext uri="{A12FA001-AC4F-418D-AE19-62706E023703}">
-                      <ahyp:hlinkClr xmlns:ahyp="http://schemas.microsoft.com/office/drawing/2018/hyperlinkcolor" val="tx"/>
-                    </a:ext>
-                  </a:extLst>
-                </a:hlinkClick>
-              </a:rPr>
-              <a:t>https://github.com/klsalcedo/wine_analysis/tree/main</a:t>
-            </a:r>
-            <a:r>
-              <a:rPr lang="en-US" sz="1500" dirty="0">
-                <a:solidFill>
-                  <a:schemeClr val="accent2">
-                    <a:lumMod val="50000"/>
-                  </a:schemeClr>
-                </a:solidFill>
-              </a:rPr>
-              <a:t> </a:t>
-            </a:r>
-          </a:p>
-        </p:txBody>
-      </p:sp>
+      </p:pic>
     </p:spTree>
+    <p:extLst>
+      <p:ext uri="{BB962C8B-B14F-4D97-AF65-F5344CB8AC3E}">
+        <p14:creationId xmlns:p14="http://schemas.microsoft.com/office/powerpoint/2010/main" val="3203728628"/>
+      </p:ext>
+    </p:extLst>
   </p:cSld>
   <p:clrMapOvr>
     <a:masterClrMapping/>

--- a/presentation.pptx
+++ b/presentation.pptx
@@ -5,20 +5,18 @@
     <p:sldMasterId id="2147483660" r:id="rId1"/>
   </p:sldMasterIdLst>
   <p:notesMasterIdLst>
-    <p:notesMasterId r:id="rId13"/>
+    <p:notesMasterId r:id="rId11"/>
   </p:notesMasterIdLst>
   <p:sldIdLst>
     <p:sldId id="256" r:id="rId2"/>
     <p:sldId id="264" r:id="rId3"/>
     <p:sldId id="258" r:id="rId4"/>
     <p:sldId id="259" r:id="rId5"/>
-    <p:sldId id="265" r:id="rId6"/>
-    <p:sldId id="260" r:id="rId7"/>
-    <p:sldId id="266" r:id="rId8"/>
-    <p:sldId id="267" r:id="rId9"/>
-    <p:sldId id="269" r:id="rId10"/>
-    <p:sldId id="262" r:id="rId11"/>
-    <p:sldId id="263" r:id="rId12"/>
+    <p:sldId id="260" r:id="rId6"/>
+    <p:sldId id="266" r:id="rId7"/>
+    <p:sldId id="267" r:id="rId8"/>
+    <p:sldId id="262" r:id="rId9"/>
+    <p:sldId id="263" r:id="rId10"/>
   </p:sldIdLst>
   <p:sldSz cx="9144000" cy="5143500" type="screen16x9"/>
   <p:notesSz cx="6858000" cy="9144000"/>
@@ -139,7 +137,7 @@
 <file path=ppt/revisionInfo.xml><?xml version="1.0" encoding="utf-8"?>
 <p1510:revInfo xmlns:a="http://schemas.openxmlformats.org/drawingml/2006/main" xmlns:r="http://schemas.openxmlformats.org/officeDocument/2006/relationships" xmlns:p1510="http://schemas.microsoft.com/office/powerpoint/2015/10/main">
   <p1510:revLst>
-    <p1510:client id="{1F30A4A2-7351-4E12-AB10-81D23271015E}" v="35" dt="2021-07-09T01:38:30.045"/>
+    <p1510:client id="{1F30A4A2-7351-4E12-AB10-81D23271015E}" v="63" dt="2021-07-09T04:13:43.296"/>
     <p1510:client id="{5AC852AB-BB6F-4532-B269-064141533E55}" v="20" dt="2021-07-09T01:07:53.627"/>
   </p1510:revLst>
 </p1510:revInfo>
@@ -150,10 +148,184 @@
   <pc:docChgLst>
     <pc:chgData name="Noelle Ferrari" userId="a847421d777b2bc0" providerId="LiveId" clId="{1F30A4A2-7351-4E12-AB10-81D23271015E}"/>
     <pc:docChg chg="custSel addSld delSld modSld">
-      <pc:chgData name="Noelle Ferrari" userId="a847421d777b2bc0" providerId="LiveId" clId="{1F30A4A2-7351-4E12-AB10-81D23271015E}" dt="2021-07-09T01:38:36.949" v="168" actId="47"/>
+      <pc:chgData name="Noelle Ferrari" userId="a847421d777b2bc0" providerId="LiveId" clId="{1F30A4A2-7351-4E12-AB10-81D23271015E}" dt="2021-07-09T04:13:43.296" v="665" actId="20577"/>
       <pc:docMkLst>
         <pc:docMk/>
       </pc:docMkLst>
+      <pc:sldChg chg="modSp">
+        <pc:chgData name="Noelle Ferrari" userId="a847421d777b2bc0" providerId="LiveId" clId="{1F30A4A2-7351-4E12-AB10-81D23271015E}" dt="2021-07-09T04:13:43.296" v="665" actId="20577"/>
+        <pc:sldMkLst>
+          <pc:docMk/>
+          <pc:sldMk cId="0" sldId="258"/>
+        </pc:sldMkLst>
+        <pc:graphicFrameChg chg="mod">
+          <ac:chgData name="Noelle Ferrari" userId="a847421d777b2bc0" providerId="LiveId" clId="{1F30A4A2-7351-4E12-AB10-81D23271015E}" dt="2021-07-09T04:13:43.296" v="665" actId="20577"/>
+          <ac:graphicFrameMkLst>
+            <pc:docMk/>
+            <pc:sldMk cId="0" sldId="258"/>
+            <ac:graphicFrameMk id="74" creationId="{27EB50F2-26CA-4654-AA34-AD5941B6D598}"/>
+          </ac:graphicFrameMkLst>
+        </pc:graphicFrameChg>
+      </pc:sldChg>
+      <pc:sldChg chg="addSp delSp modSp mod">
+        <pc:chgData name="Noelle Ferrari" userId="a847421d777b2bc0" providerId="LiveId" clId="{1F30A4A2-7351-4E12-AB10-81D23271015E}" dt="2021-07-09T04:12:41.125" v="639" actId="947"/>
+        <pc:sldMkLst>
+          <pc:docMk/>
+          <pc:sldMk cId="0" sldId="259"/>
+        </pc:sldMkLst>
+        <pc:spChg chg="mod">
+          <ac:chgData name="Noelle Ferrari" userId="a847421d777b2bc0" providerId="LiveId" clId="{1F30A4A2-7351-4E12-AB10-81D23271015E}" dt="2021-07-09T03:50:44.397" v="277" actId="26606"/>
+          <ac:spMkLst>
+            <pc:docMk/>
+            <pc:sldMk cId="0" sldId="259"/>
+            <ac:spMk id="73" creationId="{00000000-0000-0000-0000-000000000000}"/>
+          </ac:spMkLst>
+        </pc:spChg>
+        <pc:spChg chg="mod">
+          <ac:chgData name="Noelle Ferrari" userId="a847421d777b2bc0" providerId="LiveId" clId="{1F30A4A2-7351-4E12-AB10-81D23271015E}" dt="2021-07-09T04:12:41.125" v="639" actId="947"/>
+          <ac:spMkLst>
+            <pc:docMk/>
+            <pc:sldMk cId="0" sldId="259"/>
+            <ac:spMk id="74" creationId="{00000000-0000-0000-0000-000000000000}"/>
+          </ac:spMkLst>
+        </pc:spChg>
+        <pc:spChg chg="del">
+          <ac:chgData name="Noelle Ferrari" userId="a847421d777b2bc0" providerId="LiveId" clId="{1F30A4A2-7351-4E12-AB10-81D23271015E}" dt="2021-07-09T03:50:44.397" v="277" actId="26606"/>
+          <ac:spMkLst>
+            <pc:docMk/>
+            <pc:sldMk cId="0" sldId="259"/>
+            <ac:spMk id="94" creationId="{E9AA9F65-94B8-41A5-A7FF-23D2CFB116BB}"/>
+          </ac:spMkLst>
+        </pc:spChg>
+        <pc:spChg chg="del">
+          <ac:chgData name="Noelle Ferrari" userId="a847421d777b2bc0" providerId="LiveId" clId="{1F30A4A2-7351-4E12-AB10-81D23271015E}" dt="2021-07-09T03:50:44.397" v="277" actId="26606"/>
+          <ac:spMkLst>
+            <pc:docMk/>
+            <pc:sldMk cId="0" sldId="259"/>
+            <ac:spMk id="96" creationId="{7E8B0F8E-3F6C-4541-B9C1-774D80A08834}"/>
+          </ac:spMkLst>
+        </pc:spChg>
+        <pc:spChg chg="del">
+          <ac:chgData name="Noelle Ferrari" userId="a847421d777b2bc0" providerId="LiveId" clId="{1F30A4A2-7351-4E12-AB10-81D23271015E}" dt="2021-07-09T03:50:44.397" v="277" actId="26606"/>
+          <ac:spMkLst>
+            <pc:docMk/>
+            <pc:sldMk cId="0" sldId="259"/>
+            <ac:spMk id="98" creationId="{7A45F5BC-32D1-41CD-B270-C46F18CA1ACC}"/>
+          </ac:spMkLst>
+        </pc:spChg>
+        <pc:spChg chg="del">
+          <ac:chgData name="Noelle Ferrari" userId="a847421d777b2bc0" providerId="LiveId" clId="{1F30A4A2-7351-4E12-AB10-81D23271015E}" dt="2021-07-09T03:50:44.397" v="277" actId="26606"/>
+          <ac:spMkLst>
+            <pc:docMk/>
+            <pc:sldMk cId="0" sldId="259"/>
+            <ac:spMk id="100" creationId="{5BB74D4E-F243-4A10-813D-500A14025392}"/>
+          </ac:spMkLst>
+        </pc:spChg>
+        <pc:spChg chg="del">
+          <ac:chgData name="Noelle Ferrari" userId="a847421d777b2bc0" providerId="LiveId" clId="{1F30A4A2-7351-4E12-AB10-81D23271015E}" dt="2021-07-09T03:50:44.397" v="277" actId="26606"/>
+          <ac:spMkLst>
+            <pc:docMk/>
+            <pc:sldMk cId="0" sldId="259"/>
+            <ac:spMk id="102" creationId="{F92989FB-1024-49B7-BDF1-B3CE27D48623}"/>
+          </ac:spMkLst>
+        </pc:spChg>
+        <pc:spChg chg="del">
+          <ac:chgData name="Noelle Ferrari" userId="a847421d777b2bc0" providerId="LiveId" clId="{1F30A4A2-7351-4E12-AB10-81D23271015E}" dt="2021-07-09T03:50:44.397" v="277" actId="26606"/>
+          <ac:spMkLst>
+            <pc:docMk/>
+            <pc:sldMk cId="0" sldId="259"/>
+            <ac:spMk id="104" creationId="{DFEE959E-BF10-4204-9556-D1707088D445}"/>
+          </ac:spMkLst>
+        </pc:spChg>
+        <pc:spChg chg="del">
+          <ac:chgData name="Noelle Ferrari" userId="a847421d777b2bc0" providerId="LiveId" clId="{1F30A4A2-7351-4E12-AB10-81D23271015E}" dt="2021-07-09T03:50:44.397" v="277" actId="26606"/>
+          <ac:spMkLst>
+            <pc:docMk/>
+            <pc:sldMk cId="0" sldId="259"/>
+            <ac:spMk id="106" creationId="{DDD17B6A-CB37-4005-9681-A20AFCDC7822}"/>
+          </ac:spMkLst>
+        </pc:spChg>
+        <pc:spChg chg="del">
+          <ac:chgData name="Noelle Ferrari" userId="a847421d777b2bc0" providerId="LiveId" clId="{1F30A4A2-7351-4E12-AB10-81D23271015E}" dt="2021-07-09T03:50:44.397" v="277" actId="26606"/>
+          <ac:spMkLst>
+            <pc:docMk/>
+            <pc:sldMk cId="0" sldId="259"/>
+            <ac:spMk id="108" creationId="{3B7BBDE9-DAED-40B0-A640-503C918D1CE3}"/>
+          </ac:spMkLst>
+        </pc:spChg>
+        <pc:spChg chg="del">
+          <ac:chgData name="Noelle Ferrari" userId="a847421d777b2bc0" providerId="LiveId" clId="{1F30A4A2-7351-4E12-AB10-81D23271015E}" dt="2021-07-09T03:50:44.397" v="277" actId="26606"/>
+          <ac:spMkLst>
+            <pc:docMk/>
+            <pc:sldMk cId="0" sldId="259"/>
+            <ac:spMk id="110" creationId="{7BC7EA7B-802E-41F4-8926-C4475287AA31}"/>
+          </ac:spMkLst>
+        </pc:spChg>
+        <pc:spChg chg="add">
+          <ac:chgData name="Noelle Ferrari" userId="a847421d777b2bc0" providerId="LiveId" clId="{1F30A4A2-7351-4E12-AB10-81D23271015E}" dt="2021-07-09T03:50:44.397" v="277" actId="26606"/>
+          <ac:spMkLst>
+            <pc:docMk/>
+            <pc:sldMk cId="0" sldId="259"/>
+            <ac:spMk id="115" creationId="{E9AA9F65-94B8-41A5-A7FF-23D2CFB116BB}"/>
+          </ac:spMkLst>
+        </pc:spChg>
+        <pc:spChg chg="add">
+          <ac:chgData name="Noelle Ferrari" userId="a847421d777b2bc0" providerId="LiveId" clId="{1F30A4A2-7351-4E12-AB10-81D23271015E}" dt="2021-07-09T03:50:44.397" v="277" actId="26606"/>
+          <ac:spMkLst>
+            <pc:docMk/>
+            <pc:sldMk cId="0" sldId="259"/>
+            <ac:spMk id="117" creationId="{7E8B0F8E-3F6C-4541-B9C1-774D80A08834}"/>
+          </ac:spMkLst>
+        </pc:spChg>
+        <pc:spChg chg="add">
+          <ac:chgData name="Noelle Ferrari" userId="a847421d777b2bc0" providerId="LiveId" clId="{1F30A4A2-7351-4E12-AB10-81D23271015E}" dt="2021-07-09T03:50:44.397" v="277" actId="26606"/>
+          <ac:spMkLst>
+            <pc:docMk/>
+            <pc:sldMk cId="0" sldId="259"/>
+            <ac:spMk id="119" creationId="{7A45F5BC-32D1-41CD-B270-C46F18CA1ACC}"/>
+          </ac:spMkLst>
+        </pc:spChg>
+        <pc:spChg chg="add">
+          <ac:chgData name="Noelle Ferrari" userId="a847421d777b2bc0" providerId="LiveId" clId="{1F30A4A2-7351-4E12-AB10-81D23271015E}" dt="2021-07-09T03:50:44.397" v="277" actId="26606"/>
+          <ac:spMkLst>
+            <pc:docMk/>
+            <pc:sldMk cId="0" sldId="259"/>
+            <ac:spMk id="121" creationId="{5BB74D4E-F243-4A10-813D-500A14025392}"/>
+          </ac:spMkLst>
+        </pc:spChg>
+        <pc:spChg chg="add">
+          <ac:chgData name="Noelle Ferrari" userId="a847421d777b2bc0" providerId="LiveId" clId="{1F30A4A2-7351-4E12-AB10-81D23271015E}" dt="2021-07-09T03:50:44.397" v="277" actId="26606"/>
+          <ac:spMkLst>
+            <pc:docMk/>
+            <pc:sldMk cId="0" sldId="259"/>
+            <ac:spMk id="123" creationId="{1A59258C-AAC2-41CD-973C-7439B122A3FF}"/>
+          </ac:spMkLst>
+        </pc:spChg>
+        <pc:spChg chg="add">
+          <ac:chgData name="Noelle Ferrari" userId="a847421d777b2bc0" providerId="LiveId" clId="{1F30A4A2-7351-4E12-AB10-81D23271015E}" dt="2021-07-09T03:50:44.397" v="277" actId="26606"/>
+          <ac:spMkLst>
+            <pc:docMk/>
+            <pc:sldMk cId="0" sldId="259"/>
+            <ac:spMk id="125" creationId="{54516B72-0116-42B2-82A2-B11218A36636}"/>
+          </ac:spMkLst>
+        </pc:spChg>
+        <pc:spChg chg="add">
+          <ac:chgData name="Noelle Ferrari" userId="a847421d777b2bc0" providerId="LiveId" clId="{1F30A4A2-7351-4E12-AB10-81D23271015E}" dt="2021-07-09T03:50:44.397" v="277" actId="26606"/>
+          <ac:spMkLst>
+            <pc:docMk/>
+            <pc:sldMk cId="0" sldId="259"/>
+            <ac:spMk id="127" creationId="{7CDB507F-21B7-4C27-B0FC-D9C465C6DB44}"/>
+          </ac:spMkLst>
+        </pc:spChg>
+        <pc:spChg chg="add">
+          <ac:chgData name="Noelle Ferrari" userId="a847421d777b2bc0" providerId="LiveId" clId="{1F30A4A2-7351-4E12-AB10-81D23271015E}" dt="2021-07-09T03:50:44.397" v="277" actId="26606"/>
+          <ac:spMkLst>
+            <pc:docMk/>
+            <pc:sldMk cId="0" sldId="259"/>
+            <ac:spMk id="129" creationId="{7AB1AE17-B7A3-4363-95CD-25441E2FF1F3}"/>
+          </ac:spMkLst>
+        </pc:spChg>
+      </pc:sldChg>
       <pc:sldChg chg="addSp delSp modSp mod setClrOvrMap">
         <pc:chgData name="Noelle Ferrari" userId="a847421d777b2bc0" providerId="LiveId" clId="{1F30A4A2-7351-4E12-AB10-81D23271015E}" dt="2021-07-09T01:35:45.840" v="160" actId="1076"/>
         <pc:sldMkLst>
@@ -345,7 +517,7 @@
         </pc:sldMkLst>
       </pc:sldChg>
       <pc:sldChg chg="modSp mod modAnim">
-        <pc:chgData name="Noelle Ferrari" userId="a847421d777b2bc0" providerId="LiveId" clId="{1F30A4A2-7351-4E12-AB10-81D23271015E}" dt="2021-07-09T01:38:22.554" v="166"/>
+        <pc:chgData name="Noelle Ferrari" userId="a847421d777b2bc0" providerId="LiveId" clId="{1F30A4A2-7351-4E12-AB10-81D23271015E}" dt="2021-07-09T04:11:17.896" v="638" actId="20577"/>
         <pc:sldMkLst>
           <pc:docMk/>
           <pc:sldMk cId="0" sldId="262"/>
@@ -359,7 +531,7 @@
           </ac:spMkLst>
         </pc:spChg>
         <pc:spChg chg="mod">
-          <ac:chgData name="Noelle Ferrari" userId="a847421d777b2bc0" providerId="LiveId" clId="{1F30A4A2-7351-4E12-AB10-81D23271015E}" dt="2021-07-09T01:29:53.132" v="98" actId="20577"/>
+          <ac:chgData name="Noelle Ferrari" userId="a847421d777b2bc0" providerId="LiveId" clId="{1F30A4A2-7351-4E12-AB10-81D23271015E}" dt="2021-07-09T04:11:17.896" v="638" actId="20577"/>
           <ac:spMkLst>
             <pc:docMk/>
             <pc:sldMk cId="0" sldId="262"/>
@@ -367,20 +539,43 @@
           </ac:spMkLst>
         </pc:spChg>
       </pc:sldChg>
-      <pc:sldChg chg="modAnim">
-        <pc:chgData name="Noelle Ferrari" userId="a847421d777b2bc0" providerId="LiveId" clId="{1F30A4A2-7351-4E12-AB10-81D23271015E}" dt="2021-07-09T01:38:30.045" v="167"/>
+      <pc:sldChg chg="modSp mod modAnim">
+        <pc:chgData name="Noelle Ferrari" userId="a847421d777b2bc0" providerId="LiveId" clId="{1F30A4A2-7351-4E12-AB10-81D23271015E}" dt="2021-07-09T03:53:52.863" v="281" actId="20577"/>
         <pc:sldMkLst>
           <pc:docMk/>
           <pc:sldMk cId="2654920240" sldId="264"/>
         </pc:sldMkLst>
+        <pc:spChg chg="mod">
+          <ac:chgData name="Noelle Ferrari" userId="a847421d777b2bc0" providerId="LiveId" clId="{1F30A4A2-7351-4E12-AB10-81D23271015E}" dt="2021-07-09T03:53:52.863" v="281" actId="20577"/>
+          <ac:spMkLst>
+            <pc:docMk/>
+            <pc:sldMk cId="2654920240" sldId="264"/>
+            <ac:spMk id="92" creationId="{00000000-0000-0000-0000-000000000000}"/>
+          </ac:spMkLst>
+        </pc:spChg>
+      </pc:sldChg>
+      <pc:sldChg chg="del">
+        <pc:chgData name="Noelle Ferrari" userId="a847421d777b2bc0" providerId="LiveId" clId="{1F30A4A2-7351-4E12-AB10-81D23271015E}" dt="2021-07-09T03:48:15.191" v="230" actId="47"/>
+        <pc:sldMkLst>
+          <pc:docMk/>
+          <pc:sldMk cId="3712317119" sldId="265"/>
+        </pc:sldMkLst>
       </pc:sldChg>
       <pc:sldChg chg="addSp delSp modSp add mod">
-        <pc:chgData name="Noelle Ferrari" userId="a847421d777b2bc0" providerId="LiveId" clId="{1F30A4A2-7351-4E12-AB10-81D23271015E}" dt="2021-07-09T01:34:20.842" v="141" actId="1076"/>
+        <pc:chgData name="Noelle Ferrari" userId="a847421d777b2bc0" providerId="LiveId" clId="{1F30A4A2-7351-4E12-AB10-81D23271015E}" dt="2021-07-09T03:45:58.688" v="229" actId="1035"/>
         <pc:sldMkLst>
           <pc:docMk/>
           <pc:sldMk cId="1062561137" sldId="266"/>
         </pc:sldMkLst>
         <pc:spChg chg="mod">
+          <ac:chgData name="Noelle Ferrari" userId="a847421d777b2bc0" providerId="LiveId" clId="{1F30A4A2-7351-4E12-AB10-81D23271015E}" dt="2021-07-09T03:45:54.058" v="192" actId="164"/>
+          <ac:spMkLst>
+            <pc:docMk/>
+            <pc:sldMk cId="1062561137" sldId="266"/>
+            <ac:spMk id="4" creationId="{A91860E7-872F-49B7-91A6-B83EFF48BC39}"/>
+          </ac:spMkLst>
+        </pc:spChg>
+        <pc:spChg chg="mod">
           <ac:chgData name="Noelle Ferrari" userId="a847421d777b2bc0" providerId="LiveId" clId="{1F30A4A2-7351-4E12-AB10-81D23271015E}" dt="2021-07-09T01:25:48.643" v="84" actId="20577"/>
           <ac:spMkLst>
             <pc:docMk/>
@@ -397,7 +592,15 @@
           </ac:spMkLst>
         </pc:spChg>
         <pc:grpChg chg="add mod">
-          <ac:chgData name="Noelle Ferrari" userId="a847421d777b2bc0" providerId="LiveId" clId="{1F30A4A2-7351-4E12-AB10-81D23271015E}" dt="2021-07-09T01:34:20.842" v="141" actId="1076"/>
+          <ac:chgData name="Noelle Ferrari" userId="a847421d777b2bc0" providerId="LiveId" clId="{1F30A4A2-7351-4E12-AB10-81D23271015E}" dt="2021-07-09T03:45:58.688" v="229" actId="1035"/>
+          <ac:grpSpMkLst>
+            <pc:docMk/>
+            <pc:sldMk cId="1062561137" sldId="266"/>
+            <ac:grpSpMk id="10" creationId="{E2DEAE54-7501-486B-9818-B6E5EBD12A2E}"/>
+          </ac:grpSpMkLst>
+        </pc:grpChg>
+        <pc:grpChg chg="add del mod">
+          <ac:chgData name="Noelle Ferrari" userId="a847421d777b2bc0" providerId="LiveId" clId="{1F30A4A2-7351-4E12-AB10-81D23271015E}" dt="2021-07-09T03:44:13.725" v="169" actId="478"/>
           <ac:grpSpMkLst>
             <pc:docMk/>
             <pc:sldMk cId="1062561137" sldId="266"/>
@@ -412,12 +615,36 @@
             <ac:picMk id="3" creationId="{3E59BCE8-8ABA-4F1B-A179-510E30065AF3}"/>
           </ac:picMkLst>
         </pc:picChg>
+        <pc:picChg chg="add mod">
+          <ac:chgData name="Noelle Ferrari" userId="a847421d777b2bc0" providerId="LiveId" clId="{1F30A4A2-7351-4E12-AB10-81D23271015E}" dt="2021-07-09T03:45:54.058" v="192" actId="164"/>
+          <ac:picMkLst>
+            <pc:docMk/>
+            <pc:sldMk cId="1062561137" sldId="266"/>
+            <ac:picMk id="3" creationId="{61C17E50-30C2-4987-98A8-C75E673F7613}"/>
+          </ac:picMkLst>
+        </pc:picChg>
         <pc:picChg chg="add del mod">
           <ac:chgData name="Noelle Ferrari" userId="a847421d777b2bc0" providerId="LiveId" clId="{1F30A4A2-7351-4E12-AB10-81D23271015E}" dt="2021-07-09T01:34:13.955" v="139" actId="478"/>
           <ac:picMkLst>
             <pc:docMk/>
             <pc:sldMk cId="1062561137" sldId="266"/>
             <ac:picMk id="6" creationId="{93A2D8BC-8F83-4790-8B12-017A8F8CDB02}"/>
+          </ac:picMkLst>
+        </pc:picChg>
+        <pc:picChg chg="add mod">
+          <ac:chgData name="Noelle Ferrari" userId="a847421d777b2bc0" providerId="LiveId" clId="{1F30A4A2-7351-4E12-AB10-81D23271015E}" dt="2021-07-09T03:45:54.058" v="192" actId="164"/>
+          <ac:picMkLst>
+            <pc:docMk/>
+            <pc:sldMk cId="1062561137" sldId="266"/>
+            <ac:picMk id="7" creationId="{3697B718-A8E8-4768-8282-25547435832C}"/>
+          </ac:picMkLst>
+        </pc:picChg>
+        <pc:picChg chg="add mod">
+          <ac:chgData name="Noelle Ferrari" userId="a847421d777b2bc0" providerId="LiveId" clId="{1F30A4A2-7351-4E12-AB10-81D23271015E}" dt="2021-07-09T03:45:54.058" v="192" actId="164"/>
+          <ac:picMkLst>
+            <pc:docMk/>
+            <pc:sldMk cId="1062561137" sldId="266"/>
+            <ac:picMk id="9" creationId="{9D4C75C6-F6B2-466F-8ACF-8BF2AF8116A6}"/>
           </ac:picMkLst>
         </pc:picChg>
         <pc:picChg chg="mod">
@@ -446,7 +673,7 @@
         </pc:picChg>
       </pc:sldChg>
       <pc:sldChg chg="addSp delSp modSp add mod setClrOvrMap">
-        <pc:chgData name="Noelle Ferrari" userId="a847421d777b2bc0" providerId="LiveId" clId="{1F30A4A2-7351-4E12-AB10-81D23271015E}" dt="2021-07-09T01:31:33.107" v="110" actId="1076"/>
+        <pc:chgData name="Noelle Ferrari" userId="a847421d777b2bc0" providerId="LiveId" clId="{1F30A4A2-7351-4E12-AB10-81D23271015E}" dt="2021-07-09T04:03:11.009" v="290" actId="732"/>
         <pc:sldMkLst>
           <pc:docMk/>
           <pc:sldMk cId="2365533740" sldId="267"/>
@@ -579,12 +806,20 @@
             <ac:picMk id="3" creationId="{3E59BCE8-8ABA-4F1B-A179-510E30065AF3}"/>
           </ac:picMkLst>
         </pc:picChg>
-        <pc:picChg chg="add mod">
-          <ac:chgData name="Noelle Ferrari" userId="a847421d777b2bc0" providerId="LiveId" clId="{1F30A4A2-7351-4E12-AB10-81D23271015E}" dt="2021-07-09T01:31:33.107" v="110" actId="1076"/>
+        <pc:picChg chg="add mod modCrop">
+          <ac:chgData name="Noelle Ferrari" userId="a847421d777b2bc0" providerId="LiveId" clId="{1F30A4A2-7351-4E12-AB10-81D23271015E}" dt="2021-07-09T04:03:11.009" v="290" actId="732"/>
           <ac:picMkLst>
             <pc:docMk/>
             <pc:sldMk cId="2365533740" sldId="267"/>
             <ac:picMk id="6" creationId="{D3AD4CAF-C814-4171-BE41-514E3DBCAF2C}"/>
+          </ac:picMkLst>
+        </pc:picChg>
+        <pc:picChg chg="add mod">
+          <ac:chgData name="Noelle Ferrari" userId="a847421d777b2bc0" providerId="LiveId" clId="{1F30A4A2-7351-4E12-AB10-81D23271015E}" dt="2021-07-09T04:02:59.448" v="289" actId="1076"/>
+          <ac:picMkLst>
+            <pc:docMk/>
+            <pc:sldMk cId="2365533740" sldId="267"/>
+            <ac:picMk id="10" creationId="{C430C996-C0B7-47AF-8470-1EFA334DA19A}"/>
           </ac:picMkLst>
         </pc:picChg>
       </pc:sldChg>
@@ -675,14 +910,14 @@
           </ac:picMkLst>
         </pc:picChg>
       </pc:sldChg>
-      <pc:sldChg chg="addSp delSp modSp add mod">
-        <pc:chgData name="Noelle Ferrari" userId="a847421d777b2bc0" providerId="LiveId" clId="{1F30A4A2-7351-4E12-AB10-81D23271015E}" dt="2021-07-09T01:37:49.463" v="165" actId="1076"/>
+      <pc:sldChg chg="addSp delSp modSp add del mod">
+        <pc:chgData name="Noelle Ferrari" userId="a847421d777b2bc0" providerId="LiveId" clId="{1F30A4A2-7351-4E12-AB10-81D23271015E}" dt="2021-07-09T04:03:17.594" v="291" actId="47"/>
         <pc:sldMkLst>
           <pc:docMk/>
           <pc:sldMk cId="3203728628" sldId="269"/>
         </pc:sldMkLst>
-        <pc:picChg chg="add mod">
-          <ac:chgData name="Noelle Ferrari" userId="a847421d777b2bc0" providerId="LiveId" clId="{1F30A4A2-7351-4E12-AB10-81D23271015E}" dt="2021-07-09T01:37:49.463" v="165" actId="1076"/>
+        <pc:picChg chg="add mod modCrop">
+          <ac:chgData name="Noelle Ferrari" userId="a847421d777b2bc0" providerId="LiveId" clId="{1F30A4A2-7351-4E12-AB10-81D23271015E}" dt="2021-07-09T04:02:41.990" v="285" actId="732"/>
           <ac:picMkLst>
             <pc:docMk/>
             <pc:sldMk cId="3203728628" sldId="269"/>
@@ -2681,8 +2916,8 @@
             <a:defRPr cap="all"/>
           </a:pPr>
           <a:r>
-            <a:rPr lang="en-US"/>
-            <a:t>Contains 11 different chemical features of each wine</a:t>
+            <a:rPr lang="en-US" dirty="0"/>
+            <a:t>Contains 11 different chemical features and 6497 wines</a:t>
           </a:r>
         </a:p>
       </dgm:t>
@@ -3245,8 +3480,8 @@
             <a:defRPr cap="all"/>
           </a:pPr>
           <a:r>
-            <a:rPr lang="en-US" sz="1600" kern="1200"/>
-            <a:t>Contains 11 different chemical features of each wine</a:t>
+            <a:rPr lang="en-US" sz="1600" kern="1200" dirty="0"/>
+            <a:t>Contains 11 different chemical features and 6497 wines</a:t>
           </a:r>
         </a:p>
       </dsp:txBody>
@@ -5202,214 +5437,6 @@
 </p:notes>
 </file>
 
-<file path=ppt/notesSlides/notesSlide10.xml><?xml version="1.0" encoding="utf-8"?>
-<p:notes xmlns:a="http://schemas.openxmlformats.org/drawingml/2006/main" xmlns:r="http://schemas.openxmlformats.org/officeDocument/2006/relationships" xmlns:p="http://schemas.openxmlformats.org/presentationml/2006/main" showMasterSp="0" showMasterPhAnim="0">
-  <p:cSld>
-    <p:spTree>
-      <p:nvGrpSpPr>
-        <p:cNvPr id="1" name="Shape 87"/>
-        <p:cNvGrpSpPr/>
-        <p:nvPr/>
-      </p:nvGrpSpPr>
-      <p:grpSpPr>
-        <a:xfrm>
-          <a:off x="0" y="0"/>
-          <a:ext cx="0" cy="0"/>
-          <a:chOff x="0" y="0"/>
-          <a:chExt cx="0" cy="0"/>
-        </a:xfrm>
-      </p:grpSpPr>
-      <p:sp>
-        <p:nvSpPr>
-          <p:cNvPr id="88" name="Google Shape;88;g912c4d88ba_0_15:notes"/>
-          <p:cNvSpPr>
-            <a:spLocks noGrp="1" noRot="1" noChangeAspect="1"/>
-          </p:cNvSpPr>
-          <p:nvPr>
-            <p:ph type="sldImg" idx="2"/>
-          </p:nvPr>
-        </p:nvSpPr>
-        <p:spPr>
-          <a:xfrm>
-            <a:off x="381000" y="685800"/>
-            <a:ext cx="6096000" cy="3429000"/>
-          </a:xfrm>
-          <a:custGeom>
-            <a:avLst/>
-            <a:gdLst/>
-            <a:ahLst/>
-            <a:cxnLst/>
-            <a:rect l="l" t="t" r="r" b="b"/>
-            <a:pathLst>
-              <a:path w="120000" h="120000" extrusionOk="0">
-                <a:moveTo>
-                  <a:pt x="0" y="0"/>
-                </a:moveTo>
-                <a:lnTo>
-                  <a:pt x="120000" y="0"/>
-                </a:lnTo>
-                <a:lnTo>
-                  <a:pt x="120000" y="120000"/>
-                </a:lnTo>
-                <a:lnTo>
-                  <a:pt x="0" y="120000"/>
-                </a:lnTo>
-                <a:close/>
-              </a:path>
-            </a:pathLst>
-          </a:custGeom>
-        </p:spPr>
-      </p:sp>
-      <p:sp>
-        <p:nvSpPr>
-          <p:cNvPr id="89" name="Google Shape;89;g912c4d88ba_0_15:notes"/>
-          <p:cNvSpPr txBox="1">
-            <a:spLocks noGrp="1"/>
-          </p:cNvSpPr>
-          <p:nvPr>
-            <p:ph type="body" idx="1"/>
-          </p:nvPr>
-        </p:nvSpPr>
-        <p:spPr>
-          <a:xfrm>
-            <a:off x="685800" y="4343400"/>
-            <a:ext cx="5486400" cy="4114800"/>
-          </a:xfrm>
-          <a:prstGeom prst="rect">
-            <a:avLst/>
-          </a:prstGeom>
-        </p:spPr>
-        <p:txBody>
-          <a:bodyPr spcFirstLastPara="1" wrap="square" lIns="91425" tIns="91425" rIns="91425" bIns="91425" anchor="t" anchorCtr="0">
-            <a:noAutofit/>
-          </a:bodyPr>
-          <a:lstStyle/>
-          <a:p>
-            <a:pPr marL="0" lvl="0" indent="0" algn="l" rtl="0">
-              <a:spcBef>
-                <a:spcPts val="0"/>
-              </a:spcBef>
-              <a:spcAft>
-                <a:spcPts val="0"/>
-              </a:spcAft>
-              <a:buNone/>
-            </a:pPr>
-            <a:endParaRPr/>
-          </a:p>
-        </p:txBody>
-      </p:sp>
-    </p:spTree>
-  </p:cSld>
-  <p:clrMapOvr>
-    <a:masterClrMapping/>
-  </p:clrMapOvr>
-</p:notes>
-</file>
-
-<file path=ppt/notesSlides/notesSlide11.xml><?xml version="1.0" encoding="utf-8"?>
-<p:notes xmlns:a="http://schemas.openxmlformats.org/drawingml/2006/main" xmlns:r="http://schemas.openxmlformats.org/officeDocument/2006/relationships" xmlns:p="http://schemas.openxmlformats.org/presentationml/2006/main" showMasterSp="0" showMasterPhAnim="0">
-  <p:cSld>
-    <p:spTree>
-      <p:nvGrpSpPr>
-        <p:cNvPr id="1" name="Shape 93"/>
-        <p:cNvGrpSpPr/>
-        <p:nvPr/>
-      </p:nvGrpSpPr>
-      <p:grpSpPr>
-        <a:xfrm>
-          <a:off x="0" y="0"/>
-          <a:ext cx="0" cy="0"/>
-          <a:chOff x="0" y="0"/>
-          <a:chExt cx="0" cy="0"/>
-        </a:xfrm>
-      </p:grpSpPr>
-      <p:sp>
-        <p:nvSpPr>
-          <p:cNvPr id="94" name="Google Shape;94;g912c4d88ba_0_25:notes"/>
-          <p:cNvSpPr>
-            <a:spLocks noGrp="1" noRot="1" noChangeAspect="1"/>
-          </p:cNvSpPr>
-          <p:nvPr>
-            <p:ph type="sldImg" idx="2"/>
-          </p:nvPr>
-        </p:nvSpPr>
-        <p:spPr>
-          <a:xfrm>
-            <a:off x="381000" y="685800"/>
-            <a:ext cx="6096000" cy="3429000"/>
-          </a:xfrm>
-          <a:custGeom>
-            <a:avLst/>
-            <a:gdLst/>
-            <a:ahLst/>
-            <a:cxnLst/>
-            <a:rect l="l" t="t" r="r" b="b"/>
-            <a:pathLst>
-              <a:path w="120000" h="120000" extrusionOk="0">
-                <a:moveTo>
-                  <a:pt x="0" y="0"/>
-                </a:moveTo>
-                <a:lnTo>
-                  <a:pt x="120000" y="0"/>
-                </a:lnTo>
-                <a:lnTo>
-                  <a:pt x="120000" y="120000"/>
-                </a:lnTo>
-                <a:lnTo>
-                  <a:pt x="0" y="120000"/>
-                </a:lnTo>
-                <a:close/>
-              </a:path>
-            </a:pathLst>
-          </a:custGeom>
-        </p:spPr>
-      </p:sp>
-      <p:sp>
-        <p:nvSpPr>
-          <p:cNvPr id="95" name="Google Shape;95;g912c4d88ba_0_25:notes"/>
-          <p:cNvSpPr txBox="1">
-            <a:spLocks noGrp="1"/>
-          </p:cNvSpPr>
-          <p:nvPr>
-            <p:ph type="body" idx="1"/>
-          </p:nvPr>
-        </p:nvSpPr>
-        <p:spPr>
-          <a:xfrm>
-            <a:off x="685800" y="4343400"/>
-            <a:ext cx="5486400" cy="4114800"/>
-          </a:xfrm>
-          <a:prstGeom prst="rect">
-            <a:avLst/>
-          </a:prstGeom>
-        </p:spPr>
-        <p:txBody>
-          <a:bodyPr spcFirstLastPara="1" wrap="square" lIns="91425" tIns="91425" rIns="91425" bIns="91425" anchor="t" anchorCtr="0">
-            <a:noAutofit/>
-          </a:bodyPr>
-          <a:lstStyle/>
-          <a:p>
-            <a:pPr marL="0" lvl="0" indent="0" algn="l" rtl="0">
-              <a:spcBef>
-                <a:spcPts val="0"/>
-              </a:spcBef>
-              <a:spcAft>
-                <a:spcPts val="0"/>
-              </a:spcAft>
-              <a:buNone/>
-            </a:pPr>
-            <a:endParaRPr/>
-          </a:p>
-        </p:txBody>
-      </p:sp>
-    </p:spTree>
-  </p:cSld>
-  <p:clrMapOvr>
-    <a:masterClrMapping/>
-  </p:clrMapOvr>
-</p:notes>
-</file>
-
 <file path=ppt/notesSlides/notesSlide2.xml><?xml version="1.0" encoding="utf-8"?>
 <p:notes xmlns:a="http://schemas.openxmlformats.org/drawingml/2006/main" xmlns:r="http://schemas.openxmlformats.org/officeDocument/2006/relationships" xmlns:p="http://schemas.openxmlformats.org/presentationml/2006/main" showMasterSp="0" showMasterPhAnim="0">
   <p:cSld>
@@ -5732,7 +5759,7 @@
   <p:cSld>
     <p:spTree>
       <p:nvGrpSpPr>
-        <p:cNvPr id="1" name="Shape 69"/>
+        <p:cNvPr id="1" name="Shape 75"/>
         <p:cNvGrpSpPr/>
         <p:nvPr/>
       </p:nvGrpSpPr>
@@ -5746,7 +5773,7 @@
       </p:grpSpPr>
       <p:sp>
         <p:nvSpPr>
-          <p:cNvPr id="70" name="Google Shape;70;g912c4d88ba_0_5:notes"/>
+          <p:cNvPr id="76" name="Google Shape;76;ga41b3325aa_0_0:notes"/>
           <p:cNvSpPr>
             <a:spLocks noGrp="1" noRot="1" noChangeAspect="1"/>
           </p:cNvSpPr>
@@ -5787,7 +5814,7 @@
       </p:sp>
       <p:sp>
         <p:nvSpPr>
-          <p:cNvPr id="71" name="Google Shape;71;g912c4d88ba_0_5:notes"/>
+          <p:cNvPr id="77" name="Google Shape;77;ga41b3325aa_0_0:notes"/>
           <p:cNvSpPr txBox="1">
             <a:spLocks noGrp="1"/>
           </p:cNvSpPr>
@@ -5824,11 +5851,6 @@
         </p:txBody>
       </p:sp>
     </p:spTree>
-    <p:extLst>
-      <p:ext uri="{BB962C8B-B14F-4D97-AF65-F5344CB8AC3E}">
-        <p14:creationId xmlns:p14="http://schemas.microsoft.com/office/powerpoint/2010/main" val="2293416490"/>
-      </p:ext>
-    </p:extLst>
   </p:cSld>
   <p:clrMapOvr>
     <a:masterClrMapping/>
@@ -5933,6 +5955,11 @@
         </p:txBody>
       </p:sp>
     </p:spTree>
+    <p:extLst>
+      <p:ext uri="{BB962C8B-B14F-4D97-AF65-F5344CB8AC3E}">
+        <p14:creationId xmlns:p14="http://schemas.microsoft.com/office/powerpoint/2010/main" val="2420711538"/>
+      </p:ext>
+    </p:extLst>
   </p:cSld>
   <p:clrMapOvr>
     <a:masterClrMapping/>
@@ -6039,7 +6066,7 @@
     </p:spTree>
     <p:extLst>
       <p:ext uri="{BB962C8B-B14F-4D97-AF65-F5344CB8AC3E}">
-        <p14:creationId xmlns:p14="http://schemas.microsoft.com/office/powerpoint/2010/main" val="2420711538"/>
+        <p14:creationId xmlns:p14="http://schemas.microsoft.com/office/powerpoint/2010/main" val="1040432575"/>
       </p:ext>
     </p:extLst>
   </p:cSld>
@@ -6054,7 +6081,7 @@
   <p:cSld>
     <p:spTree>
       <p:nvGrpSpPr>
-        <p:cNvPr id="1" name="Shape 75"/>
+        <p:cNvPr id="1" name="Shape 87"/>
         <p:cNvGrpSpPr/>
         <p:nvPr/>
       </p:nvGrpSpPr>
@@ -6068,7 +6095,7 @@
       </p:grpSpPr>
       <p:sp>
         <p:nvSpPr>
-          <p:cNvPr id="76" name="Google Shape;76;ga41b3325aa_0_0:notes"/>
+          <p:cNvPr id="88" name="Google Shape;88;g912c4d88ba_0_15:notes"/>
           <p:cNvSpPr>
             <a:spLocks noGrp="1" noRot="1" noChangeAspect="1"/>
           </p:cNvSpPr>
@@ -6109,7 +6136,7 @@
       </p:sp>
       <p:sp>
         <p:nvSpPr>
-          <p:cNvPr id="77" name="Google Shape;77;ga41b3325aa_0_0:notes"/>
+          <p:cNvPr id="89" name="Google Shape;89;g912c4d88ba_0_15:notes"/>
           <p:cNvSpPr txBox="1">
             <a:spLocks noGrp="1"/>
           </p:cNvSpPr>
@@ -6146,11 +6173,6 @@
         </p:txBody>
       </p:sp>
     </p:spTree>
-    <p:extLst>
-      <p:ext uri="{BB962C8B-B14F-4D97-AF65-F5344CB8AC3E}">
-        <p14:creationId xmlns:p14="http://schemas.microsoft.com/office/powerpoint/2010/main" val="1040432575"/>
-      </p:ext>
-    </p:extLst>
   </p:cSld>
   <p:clrMapOvr>
     <a:masterClrMapping/>
@@ -6163,7 +6185,7 @@
   <p:cSld>
     <p:spTree>
       <p:nvGrpSpPr>
-        <p:cNvPr id="1" name="Shape 75"/>
+        <p:cNvPr id="1" name="Shape 93"/>
         <p:cNvGrpSpPr/>
         <p:nvPr/>
       </p:nvGrpSpPr>
@@ -6177,7 +6199,7 @@
       </p:grpSpPr>
       <p:sp>
         <p:nvSpPr>
-          <p:cNvPr id="76" name="Google Shape;76;ga41b3325aa_0_0:notes"/>
+          <p:cNvPr id="94" name="Google Shape;94;g912c4d88ba_0_25:notes"/>
           <p:cNvSpPr>
             <a:spLocks noGrp="1" noRot="1" noChangeAspect="1"/>
           </p:cNvSpPr>
@@ -6218,7 +6240,7 @@
       </p:sp>
       <p:sp>
         <p:nvSpPr>
-          <p:cNvPr id="77" name="Google Shape;77;ga41b3325aa_0_0:notes"/>
+          <p:cNvPr id="95" name="Google Shape;95;g912c4d88ba_0_25:notes"/>
           <p:cNvSpPr txBox="1">
             <a:spLocks noGrp="1"/>
           </p:cNvSpPr>
@@ -6255,11 +6277,6 @@
         </p:txBody>
       </p:sp>
     </p:spTree>
-    <p:extLst>
-      <p:ext uri="{BB962C8B-B14F-4D97-AF65-F5344CB8AC3E}">
-        <p14:creationId xmlns:p14="http://schemas.microsoft.com/office/powerpoint/2010/main" val="1805655838"/>
-      </p:ext>
-    </p:extLst>
   </p:cSld>
   <p:clrMapOvr>
     <a:masterClrMapping/>
@@ -10853,1325 +10870,6 @@
 </p:sld>
 </file>
 
-<file path=ppt/slides/slide10.xml><?xml version="1.0" encoding="utf-8"?>
-<p:sld xmlns:a="http://schemas.openxmlformats.org/drawingml/2006/main" xmlns:r="http://schemas.openxmlformats.org/officeDocument/2006/relationships" xmlns:p="http://schemas.openxmlformats.org/presentationml/2006/main">
-  <p:cSld>
-    <p:bg>
-      <p:bgPr>
-        <a:solidFill>
-          <a:schemeClr val="bg1"/>
-        </a:solidFill>
-        <a:effectLst/>
-      </p:bgPr>
-    </p:bg>
-    <p:spTree>
-      <p:nvGrpSpPr>
-        <p:cNvPr id="1" name="Shape 90"/>
-        <p:cNvGrpSpPr/>
-        <p:nvPr/>
-      </p:nvGrpSpPr>
-      <p:grpSpPr>
-        <a:xfrm>
-          <a:off x="0" y="0"/>
-          <a:ext cx="0" cy="0"/>
-          <a:chOff x="0" y="0"/>
-          <a:chExt cx="0" cy="0"/>
-        </a:xfrm>
-      </p:grpSpPr>
-      <p:sp>
-        <p:nvSpPr>
-          <p:cNvPr id="150" name="Rectangle 149">
-            <a:extLst>
-              <a:ext uri="{FF2B5EF4-FFF2-40B4-BE49-F238E27FC236}">
-                <a16:creationId xmlns:a16="http://schemas.microsoft.com/office/drawing/2014/main" id="{E9AA9F65-94B8-41A5-A7FF-23D2CFB116BB}"/>
-              </a:ext>
-              <a:ext uri="{C183D7F6-B498-43B3-948B-1728B52AA6E4}">
-                <adec:decorative xmlns:adec="http://schemas.microsoft.com/office/drawing/2017/decorative" val="1"/>
-              </a:ext>
-            </a:extLst>
-          </p:cNvPr>
-          <p:cNvSpPr>
-            <a:spLocks noGrp="1" noRot="1" noChangeAspect="1" noMove="1" noResize="1" noEditPoints="1" noAdjustHandles="1" noChangeArrowheads="1" noChangeShapeType="1" noTextEdit="1"/>
-          </p:cNvSpPr>
-          <p:nvPr>
-            <p:extLst>
-              <p:ext uri="{386F3935-93C4-4BCD-93E2-E3B085C9AB24}">
-                <p16:designElem xmlns:p16="http://schemas.microsoft.com/office/powerpoint/2015/main" val="1"/>
-              </p:ext>
-            </p:extLst>
-          </p:nvPr>
-        </p:nvSpPr>
-        <p:spPr>
-          <a:xfrm>
-            <a:off x="334900" y="342900"/>
-            <a:ext cx="2777490" cy="71247"/>
-          </a:xfrm>
-          <a:prstGeom prst="rect">
-            <a:avLst/>
-          </a:prstGeom>
-          <a:solidFill>
-            <a:schemeClr val="accent1"/>
-          </a:solidFill>
-          <a:ln>
-            <a:noFill/>
-          </a:ln>
-          <a:effectLst/>
-        </p:spPr>
-        <p:style>
-          <a:lnRef idx="1">
-            <a:schemeClr val="accent1"/>
-          </a:lnRef>
-          <a:fillRef idx="3">
-            <a:schemeClr val="accent1"/>
-          </a:fillRef>
-          <a:effectRef idx="2">
-            <a:schemeClr val="accent1"/>
-          </a:effectRef>
-          <a:fontRef idx="minor">
-            <a:schemeClr val="lt1"/>
-          </a:fontRef>
-        </p:style>
-      </p:sp>
-      <p:sp>
-        <p:nvSpPr>
-          <p:cNvPr id="152" name="Rectangle 151">
-            <a:extLst>
-              <a:ext uri="{FF2B5EF4-FFF2-40B4-BE49-F238E27FC236}">
-                <a16:creationId xmlns:a16="http://schemas.microsoft.com/office/drawing/2014/main" id="{7E8B0F8E-3F6C-4541-B9C1-774D80A08834}"/>
-              </a:ext>
-              <a:ext uri="{C183D7F6-B498-43B3-948B-1728B52AA6E4}">
-                <adec:decorative xmlns:adec="http://schemas.microsoft.com/office/drawing/2017/decorative" val="1"/>
-              </a:ext>
-            </a:extLst>
-          </p:cNvPr>
-          <p:cNvSpPr>
-            <a:spLocks noGrp="1" noRot="1" noChangeAspect="1" noMove="1" noResize="1" noEditPoints="1" noAdjustHandles="1" noChangeArrowheads="1" noChangeShapeType="1" noTextEdit="1"/>
-          </p:cNvSpPr>
-          <p:nvPr>
-            <p:extLst>
-              <p:ext uri="{386F3935-93C4-4BCD-93E2-E3B085C9AB24}">
-                <p16:designElem xmlns:p16="http://schemas.microsoft.com/office/powerpoint/2015/main" val="1"/>
-              </p:ext>
-            </p:extLst>
-          </p:nvPr>
-        </p:nvSpPr>
-        <p:spPr>
-          <a:xfrm>
-            <a:off x="6031610" y="340232"/>
-            <a:ext cx="2777490" cy="73915"/>
-          </a:xfrm>
-          <a:prstGeom prst="rect">
-            <a:avLst/>
-          </a:prstGeom>
-          <a:solidFill>
-            <a:schemeClr val="accent4"/>
-          </a:solidFill>
-          <a:ln>
-            <a:noFill/>
-          </a:ln>
-          <a:effectLst/>
-        </p:spPr>
-        <p:style>
-          <a:lnRef idx="1">
-            <a:schemeClr val="accent1"/>
-          </a:lnRef>
-          <a:fillRef idx="3">
-            <a:schemeClr val="accent1"/>
-          </a:fillRef>
-          <a:effectRef idx="2">
-            <a:schemeClr val="accent1"/>
-          </a:effectRef>
-          <a:fontRef idx="minor">
-            <a:schemeClr val="lt1"/>
-          </a:fontRef>
-        </p:style>
-      </p:sp>
-      <p:sp>
-        <p:nvSpPr>
-          <p:cNvPr id="154" name="Rectangle 153">
-            <a:extLst>
-              <a:ext uri="{FF2B5EF4-FFF2-40B4-BE49-F238E27FC236}">
-                <a16:creationId xmlns:a16="http://schemas.microsoft.com/office/drawing/2014/main" id="{7A45F5BC-32D1-41CD-B270-C46F18CA1ACC}"/>
-              </a:ext>
-              <a:ext uri="{C183D7F6-B498-43B3-948B-1728B52AA6E4}">
-                <adec:decorative xmlns:adec="http://schemas.microsoft.com/office/drawing/2017/decorative" val="1"/>
-              </a:ext>
-            </a:extLst>
-          </p:cNvPr>
-          <p:cNvSpPr>
-            <a:spLocks noGrp="1" noRot="1" noChangeAspect="1" noMove="1" noResize="1" noEditPoints="1" noAdjustHandles="1" noChangeArrowheads="1" noChangeShapeType="1" noTextEdit="1"/>
-          </p:cNvSpPr>
-          <p:nvPr>
-            <p:extLst>
-              <p:ext uri="{386F3935-93C4-4BCD-93E2-E3B085C9AB24}">
-                <p16:designElem xmlns:p16="http://schemas.microsoft.com/office/powerpoint/2015/main" val="1"/>
-              </p:ext>
-            </p:extLst>
-          </p:nvPr>
-        </p:nvSpPr>
-        <p:spPr>
-          <a:xfrm>
-            <a:off x="3181372" y="342900"/>
-            <a:ext cx="2777490" cy="68580"/>
-          </a:xfrm>
-          <a:prstGeom prst="rect">
-            <a:avLst/>
-          </a:prstGeom>
-          <a:solidFill>
-            <a:schemeClr val="accent2"/>
-          </a:solidFill>
-          <a:ln>
-            <a:noFill/>
-          </a:ln>
-          <a:effectLst/>
-        </p:spPr>
-        <p:style>
-          <a:lnRef idx="1">
-            <a:schemeClr val="accent1"/>
-          </a:lnRef>
-          <a:fillRef idx="3">
-            <a:schemeClr val="accent1"/>
-          </a:fillRef>
-          <a:effectRef idx="2">
-            <a:schemeClr val="accent1"/>
-          </a:effectRef>
-          <a:fontRef idx="minor">
-            <a:schemeClr val="lt1"/>
-          </a:fontRef>
-        </p:style>
-      </p:sp>
-      <p:sp>
-        <p:nvSpPr>
-          <p:cNvPr id="156" name="Rectangle 155">
-            <a:extLst>
-              <a:ext uri="{FF2B5EF4-FFF2-40B4-BE49-F238E27FC236}">
-                <a16:creationId xmlns:a16="http://schemas.microsoft.com/office/drawing/2014/main" id="{5BB74D4E-F243-4A10-813D-500A14025392}"/>
-              </a:ext>
-              <a:ext uri="{C183D7F6-B498-43B3-948B-1728B52AA6E4}">
-                <adec:decorative xmlns:adec="http://schemas.microsoft.com/office/drawing/2017/decorative" val="1"/>
-              </a:ext>
-            </a:extLst>
-          </p:cNvPr>
-          <p:cNvSpPr>
-            <a:spLocks noGrp="1" noRot="1" noChangeAspect="1" noMove="1" noResize="1" noEditPoints="1" noAdjustHandles="1" noChangeArrowheads="1" noChangeShapeType="1" noTextEdit="1"/>
-          </p:cNvSpPr>
-          <p:nvPr>
-            <p:extLst>
-              <p:ext uri="{386F3935-93C4-4BCD-93E2-E3B085C9AB24}">
-                <p16:designElem xmlns:p16="http://schemas.microsoft.com/office/powerpoint/2015/main" val="1"/>
-              </p:ext>
-            </p:extLst>
-          </p:nvPr>
-        </p:nvSpPr>
-        <p:spPr>
-          <a:xfrm>
-            <a:off x="330214" y="460805"/>
-            <a:ext cx="8482004" cy="891973"/>
-          </a:xfrm>
-          <a:prstGeom prst="rect">
-            <a:avLst/>
-          </a:prstGeom>
-          <a:solidFill>
-            <a:schemeClr val="accent1"/>
-          </a:solidFill>
-          <a:ln>
-            <a:noFill/>
-          </a:ln>
-          <a:effectLst/>
-        </p:spPr>
-        <p:style>
-          <a:lnRef idx="1">
-            <a:schemeClr val="accent1"/>
-          </a:lnRef>
-          <a:fillRef idx="3">
-            <a:schemeClr val="accent1"/>
-          </a:fillRef>
-          <a:effectRef idx="2">
-            <a:schemeClr val="accent1"/>
-          </a:effectRef>
-          <a:fontRef idx="minor">
-            <a:schemeClr val="lt1"/>
-          </a:fontRef>
-        </p:style>
-      </p:sp>
-      <p:sp>
-        <p:nvSpPr>
-          <p:cNvPr id="158" name="Rectangle 157">
-            <a:extLst>
-              <a:ext uri="{FF2B5EF4-FFF2-40B4-BE49-F238E27FC236}">
-                <a16:creationId xmlns:a16="http://schemas.microsoft.com/office/drawing/2014/main" id="{1A59258C-AAC2-41CD-973C-7439B122A3FF}"/>
-              </a:ext>
-              <a:ext uri="{C183D7F6-B498-43B3-948B-1728B52AA6E4}">
-                <adec:decorative xmlns:adec="http://schemas.microsoft.com/office/drawing/2017/decorative" val="1"/>
-              </a:ext>
-            </a:extLst>
-          </p:cNvPr>
-          <p:cNvSpPr>
-            <a:spLocks noGrp="1" noRot="1" noChangeAspect="1" noMove="1" noResize="1" noEditPoints="1" noAdjustHandles="1" noChangeArrowheads="1" noChangeShapeType="1" noTextEdit="1"/>
-          </p:cNvSpPr>
-          <p:nvPr>
-            <p:extLst>
-              <p:ext uri="{386F3935-93C4-4BCD-93E2-E3B085C9AB24}">
-                <p16:designElem xmlns:p16="http://schemas.microsoft.com/office/powerpoint/2015/main" val="1"/>
-              </p:ext>
-            </p:extLst>
-          </p:nvPr>
-        </p:nvSpPr>
-        <p:spPr>
-          <a:xfrm>
-            <a:off x="0" y="0"/>
-            <a:ext cx="9144000" cy="5143500"/>
-          </a:xfrm>
-          <a:prstGeom prst="rect">
-            <a:avLst/>
-          </a:prstGeom>
-          <a:solidFill>
-            <a:srgbClr val="FFFFFF"/>
-          </a:solidFill>
-          <a:ln>
-            <a:noFill/>
-          </a:ln>
-        </p:spPr>
-        <p:style>
-          <a:lnRef idx="2">
-            <a:schemeClr val="accent1">
-              <a:shade val="50000"/>
-            </a:schemeClr>
-          </a:lnRef>
-          <a:fillRef idx="1">
-            <a:schemeClr val="accent1"/>
-          </a:fillRef>
-          <a:effectRef idx="0">
-            <a:schemeClr val="accent1"/>
-          </a:effectRef>
-          <a:fontRef idx="minor">
-            <a:schemeClr val="lt1"/>
-          </a:fontRef>
-        </p:style>
-        <p:txBody>
-          <a:bodyPr rtlCol="0" anchor="ctr"/>
-          <a:lstStyle/>
-          <a:p>
-            <a:pPr marL="285750" indent="-285750" algn="ctr">
-              <a:buClr>
-                <a:schemeClr val="accent1"/>
-              </a:buClr>
-              <a:buFont typeface="Arial" panose="020B0604020202020204" pitchFamily="34" charset="0"/>
-              <a:buChar char="•"/>
-            </a:pPr>
-            <a:endParaRPr lang="en-US" dirty="0"/>
-          </a:p>
-        </p:txBody>
-      </p:sp>
-      <p:sp>
-        <p:nvSpPr>
-          <p:cNvPr id="160" name="Rectangle 159">
-            <a:extLst>
-              <a:ext uri="{FF2B5EF4-FFF2-40B4-BE49-F238E27FC236}">
-                <a16:creationId xmlns:a16="http://schemas.microsoft.com/office/drawing/2014/main" id="{54516B72-0116-42B2-82A2-B11218A36636}"/>
-              </a:ext>
-              <a:ext uri="{C183D7F6-B498-43B3-948B-1728B52AA6E4}">
-                <adec:decorative xmlns:adec="http://schemas.microsoft.com/office/drawing/2017/decorative" val="1"/>
-              </a:ext>
-            </a:extLst>
-          </p:cNvPr>
-          <p:cNvSpPr>
-            <a:spLocks noGrp="1" noRot="1" noChangeAspect="1" noMove="1" noResize="1" noEditPoints="1" noAdjustHandles="1" noChangeArrowheads="1" noChangeShapeType="1" noTextEdit="1"/>
-          </p:cNvSpPr>
-          <p:nvPr>
-            <p:extLst>
-              <p:ext uri="{386F3935-93C4-4BCD-93E2-E3B085C9AB24}">
-                <p16:designElem xmlns:p16="http://schemas.microsoft.com/office/powerpoint/2015/main" val="1"/>
-              </p:ext>
-            </p:extLst>
-          </p:nvPr>
-        </p:nvSpPr>
-        <p:spPr>
-          <a:xfrm>
-            <a:off x="0" y="0"/>
-            <a:ext cx="4584892" cy="5143500"/>
-          </a:xfrm>
-          <a:prstGeom prst="rect">
-            <a:avLst/>
-          </a:prstGeom>
-          <a:ln>
-            <a:noFill/>
-          </a:ln>
-        </p:spPr>
-        <p:style>
-          <a:lnRef idx="2">
-            <a:schemeClr val="accent1">
-              <a:shade val="50000"/>
-            </a:schemeClr>
-          </a:lnRef>
-          <a:fillRef idx="1">
-            <a:schemeClr val="accent1"/>
-          </a:fillRef>
-          <a:effectRef idx="0">
-            <a:schemeClr val="accent1"/>
-          </a:effectRef>
-          <a:fontRef idx="minor">
-            <a:schemeClr val="lt1"/>
-          </a:fontRef>
-        </p:style>
-        <p:txBody>
-          <a:bodyPr rtlCol="0" anchor="ctr"/>
-          <a:lstStyle/>
-          <a:p>
-            <a:pPr algn="ctr"/>
-            <a:endParaRPr lang="en-US"/>
-          </a:p>
-        </p:txBody>
-      </p:sp>
-      <p:sp>
-        <p:nvSpPr>
-          <p:cNvPr id="91" name="Google Shape;91;p19"/>
-          <p:cNvSpPr txBox="1">
-            <a:spLocks noGrp="1"/>
-          </p:cNvSpPr>
-          <p:nvPr>
-            <p:ph type="title"/>
-          </p:nvPr>
-        </p:nvSpPr>
-        <p:spPr>
-          <a:xfrm>
-            <a:off x="482601" y="775041"/>
-            <a:ext cx="3619692" cy="3619057"/>
-          </a:xfrm>
-          <a:prstGeom prst="rect">
-            <a:avLst/>
-          </a:prstGeom>
-        </p:spPr>
-        <p:txBody>
-          <a:bodyPr spcFirstLastPara="1" vert="horz" lIns="91440" tIns="45720" rIns="91440" bIns="45720" rtlCol="0" anchor="ctr" anchorCtr="0">
-            <a:normAutofit/>
-          </a:bodyPr>
-          <a:lstStyle/>
-          <a:p>
-            <a:pPr marL="0" lvl="0" indent="0" defTabSz="457200">
-              <a:spcBef>
-                <a:spcPct val="0"/>
-              </a:spcBef>
-              <a:spcAft>
-                <a:spcPts val="0"/>
-              </a:spcAft>
-            </a:pPr>
-            <a:r>
-              <a:rPr lang="en-US" sz="4100" dirty="0">
-                <a:solidFill>
-                  <a:srgbClr val="FFFFFF"/>
-                </a:solidFill>
-              </a:rPr>
-              <a:t>Summary and</a:t>
-            </a:r>
-            <a:br>
-              <a:rPr lang="en-US" sz="4100" dirty="0">
-                <a:solidFill>
-                  <a:srgbClr val="FFFFFF"/>
-                </a:solidFill>
-              </a:rPr>
-            </a:br>
-            <a:r>
-              <a:rPr lang="en-US" sz="4100" dirty="0">
-                <a:solidFill>
-                  <a:srgbClr val="FFFFFF"/>
-                </a:solidFill>
-              </a:rPr>
-              <a:t>next steps</a:t>
-            </a:r>
-          </a:p>
-        </p:txBody>
-      </p:sp>
-      <p:sp>
-        <p:nvSpPr>
-          <p:cNvPr id="162" name="Rectangle 161">
-            <a:extLst>
-              <a:ext uri="{FF2B5EF4-FFF2-40B4-BE49-F238E27FC236}">
-                <a16:creationId xmlns:a16="http://schemas.microsoft.com/office/drawing/2014/main" id="{7CDB507F-21B7-4C27-B0FC-D9C465C6DB44}"/>
-              </a:ext>
-              <a:ext uri="{C183D7F6-B498-43B3-948B-1728B52AA6E4}">
-                <adec:decorative xmlns:adec="http://schemas.microsoft.com/office/drawing/2017/decorative" val="1"/>
-              </a:ext>
-            </a:extLst>
-          </p:cNvPr>
-          <p:cNvSpPr>
-            <a:spLocks noGrp="1" noRot="1" noChangeAspect="1" noMove="1" noResize="1" noEditPoints="1" noAdjustHandles="1" noChangeArrowheads="1" noChangeShapeType="1" noTextEdit="1"/>
-          </p:cNvSpPr>
-          <p:nvPr>
-            <p:extLst>
-              <p:ext uri="{386F3935-93C4-4BCD-93E2-E3B085C9AB24}">
-                <p16:designElem xmlns:p16="http://schemas.microsoft.com/office/powerpoint/2015/main" val="1"/>
-              </p:ext>
-            </p:extLst>
-          </p:nvPr>
-        </p:nvSpPr>
-        <p:spPr>
-          <a:xfrm>
-            <a:off x="481934" y="345651"/>
-            <a:ext cx="3621024" cy="83740"/>
-          </a:xfrm>
-          <a:prstGeom prst="rect">
-            <a:avLst/>
-          </a:prstGeom>
-          <a:solidFill>
-            <a:srgbClr val="FFFFFF"/>
-          </a:solidFill>
-          <a:ln>
-            <a:noFill/>
-          </a:ln>
-          <a:effectLst/>
-        </p:spPr>
-        <p:style>
-          <a:lnRef idx="1">
-            <a:schemeClr val="accent1"/>
-          </a:lnRef>
-          <a:fillRef idx="3">
-            <a:schemeClr val="accent1"/>
-          </a:fillRef>
-          <a:effectRef idx="2">
-            <a:schemeClr val="accent1"/>
-          </a:effectRef>
-          <a:fontRef idx="minor">
-            <a:schemeClr val="lt1"/>
-          </a:fontRef>
-        </p:style>
-      </p:sp>
-      <p:sp>
-        <p:nvSpPr>
-          <p:cNvPr id="164" name="Rectangle 163">
-            <a:extLst>
-              <a:ext uri="{FF2B5EF4-FFF2-40B4-BE49-F238E27FC236}">
-                <a16:creationId xmlns:a16="http://schemas.microsoft.com/office/drawing/2014/main" id="{7AB1AE17-B7A3-4363-95CD-25441E2FF1F3}"/>
-              </a:ext>
-              <a:ext uri="{C183D7F6-B498-43B3-948B-1728B52AA6E4}">
-                <adec:decorative xmlns:adec="http://schemas.microsoft.com/office/drawing/2017/decorative" val="1"/>
-              </a:ext>
-            </a:extLst>
-          </p:cNvPr>
-          <p:cNvSpPr>
-            <a:spLocks noGrp="1" noRot="1" noChangeAspect="1" noMove="1" noResize="1" noEditPoints="1" noAdjustHandles="1" noChangeArrowheads="1" noChangeShapeType="1" noTextEdit="1"/>
-          </p:cNvSpPr>
-          <p:nvPr>
-            <p:extLst>
-              <p:ext uri="{386F3935-93C4-4BCD-93E2-E3B085C9AB24}">
-                <p16:designElem xmlns:p16="http://schemas.microsoft.com/office/powerpoint/2015/main" val="1"/>
-              </p:ext>
-            </p:extLst>
-          </p:nvPr>
-        </p:nvSpPr>
-        <p:spPr>
-          <a:xfrm>
-            <a:off x="5087080" y="345651"/>
-            <a:ext cx="3621024" cy="83740"/>
-          </a:xfrm>
-          <a:prstGeom prst="rect">
-            <a:avLst/>
-          </a:prstGeom>
-          <a:solidFill>
-            <a:schemeClr val="accent2"/>
-          </a:solidFill>
-          <a:ln>
-            <a:noFill/>
-          </a:ln>
-          <a:effectLst/>
-        </p:spPr>
-        <p:style>
-          <a:lnRef idx="1">
-            <a:schemeClr val="accent1"/>
-          </a:lnRef>
-          <a:fillRef idx="3">
-            <a:schemeClr val="accent1"/>
-          </a:fillRef>
-          <a:effectRef idx="2">
-            <a:schemeClr val="accent1"/>
-          </a:effectRef>
-          <a:fontRef idx="minor">
-            <a:schemeClr val="lt1"/>
-          </a:fontRef>
-        </p:style>
-      </p:sp>
-      <p:sp>
-        <p:nvSpPr>
-          <p:cNvPr id="92" name="Google Shape;92;p19"/>
-          <p:cNvSpPr txBox="1">
-            <a:spLocks noGrp="1"/>
-          </p:cNvSpPr>
-          <p:nvPr>
-            <p:ph type="body" idx="1"/>
-          </p:nvPr>
-        </p:nvSpPr>
-        <p:spPr>
-          <a:xfrm>
-            <a:off x="5066826" y="775042"/>
-            <a:ext cx="3641278" cy="3619057"/>
-          </a:xfrm>
-          <a:prstGeom prst="rect">
-            <a:avLst/>
-          </a:prstGeom>
-          <a:ln w="57150">
-            <a:noFill/>
-          </a:ln>
-        </p:spPr>
-        <p:txBody>
-          <a:bodyPr spcFirstLastPara="1" vert="horz" lIns="91440" tIns="45720" rIns="91440" bIns="45720" rtlCol="0" anchor="ctr" anchorCtr="0">
-            <a:normAutofit/>
-          </a:bodyPr>
-          <a:lstStyle/>
-          <a:p>
-            <a:pPr marL="457200" lvl="0" indent="-342900" defTabSz="457200">
-              <a:spcBef>
-                <a:spcPct val="20000"/>
-              </a:spcBef>
-              <a:spcAft>
-                <a:spcPts val="600"/>
-              </a:spcAft>
-              <a:buSzPct val="92000"/>
-              <a:buFont typeface="Wingdings 2" panose="05020102010507070707" pitchFamily="18" charset="2"/>
-              <a:buChar char=""/>
-            </a:pPr>
-            <a:endParaRPr lang="en-US" sz="1500" dirty="0">
-              <a:solidFill>
-                <a:schemeClr val="accent2">
-                  <a:lumMod val="50000"/>
-                </a:schemeClr>
-              </a:solidFill>
-            </a:endParaRPr>
-          </a:p>
-          <a:p>
-            <a:pPr marL="457200" lvl="0" indent="-342900" defTabSz="457200">
-              <a:spcBef>
-                <a:spcPct val="20000"/>
-              </a:spcBef>
-              <a:spcAft>
-                <a:spcPts val="600"/>
-              </a:spcAft>
-              <a:buSzPct val="92000"/>
-              <a:buFont typeface="Wingdings 2" panose="05020102010507070707" pitchFamily="18" charset="2"/>
-              <a:buChar char=""/>
-            </a:pPr>
-            <a:r>
-              <a:rPr lang="en-US" sz="1500" dirty="0">
-                <a:solidFill>
-                  <a:schemeClr val="accent2">
-                    <a:lumMod val="50000"/>
-                  </a:schemeClr>
-                </a:solidFill>
-              </a:rPr>
-              <a:t>Missing data points:</a:t>
-            </a:r>
-          </a:p>
-          <a:p>
-            <a:pPr lvl="1" indent="-342900" defTabSz="457200">
-              <a:spcBef>
-                <a:spcPct val="20000"/>
-              </a:spcBef>
-              <a:spcAft>
-                <a:spcPts val="600"/>
-              </a:spcAft>
-              <a:buSzPct val="92000"/>
-              <a:buFont typeface="Wingdings 2" panose="05020102010507070707" pitchFamily="18" charset="2"/>
-              <a:buChar char=""/>
-            </a:pPr>
-            <a:r>
-              <a:rPr lang="en-US" sz="1500" dirty="0">
-                <a:solidFill>
-                  <a:schemeClr val="accent2">
-                    <a:lumMod val="50000"/>
-                  </a:schemeClr>
-                </a:solidFill>
-              </a:rPr>
-              <a:t>Varietal</a:t>
-            </a:r>
-          </a:p>
-          <a:p>
-            <a:pPr lvl="1" indent="-342900" defTabSz="457200">
-              <a:spcBef>
-                <a:spcPct val="20000"/>
-              </a:spcBef>
-              <a:spcAft>
-                <a:spcPts val="600"/>
-              </a:spcAft>
-              <a:buSzPct val="92000"/>
-              <a:buFont typeface="Wingdings 2" panose="05020102010507070707" pitchFamily="18" charset="2"/>
-              <a:buChar char=""/>
-            </a:pPr>
-            <a:r>
-              <a:rPr lang="en-US" sz="1500" dirty="0">
-                <a:solidFill>
-                  <a:schemeClr val="accent2">
-                    <a:lumMod val="50000"/>
-                  </a:schemeClr>
-                </a:solidFill>
-              </a:rPr>
-              <a:t>Label</a:t>
-            </a:r>
-          </a:p>
-        </p:txBody>
-      </p:sp>
-    </p:spTree>
-  </p:cSld>
-  <p:clrMapOvr>
-    <a:masterClrMapping/>
-  </p:clrMapOvr>
-</p:sld>
-</file>
-
-<file path=ppt/slides/slide11.xml><?xml version="1.0" encoding="utf-8"?>
-<p:sld xmlns:a="http://schemas.openxmlformats.org/drawingml/2006/main" xmlns:r="http://schemas.openxmlformats.org/officeDocument/2006/relationships" xmlns:p="http://schemas.openxmlformats.org/presentationml/2006/main">
-  <p:cSld>
-    <p:bg>
-      <p:bgPr>
-        <a:solidFill>
-          <a:schemeClr val="bg1"/>
-        </a:solidFill>
-        <a:effectLst/>
-      </p:bgPr>
-    </p:bg>
-    <p:spTree>
-      <p:nvGrpSpPr>
-        <p:cNvPr id="1" name="Shape 96"/>
-        <p:cNvGrpSpPr/>
-        <p:nvPr/>
-      </p:nvGrpSpPr>
-      <p:grpSpPr>
-        <a:xfrm>
-          <a:off x="0" y="0"/>
-          <a:ext cx="0" cy="0"/>
-          <a:chOff x="0" y="0"/>
-          <a:chExt cx="0" cy="0"/>
-        </a:xfrm>
-      </p:grpSpPr>
-      <p:sp>
-        <p:nvSpPr>
-          <p:cNvPr id="118" name="Rectangle 117">
-            <a:extLst>
-              <a:ext uri="{FF2B5EF4-FFF2-40B4-BE49-F238E27FC236}">
-                <a16:creationId xmlns:a16="http://schemas.microsoft.com/office/drawing/2014/main" id="{E9AA9F65-94B8-41A5-A7FF-23D2CFB116BB}"/>
-              </a:ext>
-              <a:ext uri="{C183D7F6-B498-43B3-948B-1728B52AA6E4}">
-                <adec:decorative xmlns:adec="http://schemas.microsoft.com/office/drawing/2017/decorative" val="1"/>
-              </a:ext>
-            </a:extLst>
-          </p:cNvPr>
-          <p:cNvSpPr>
-            <a:spLocks noGrp="1" noRot="1" noChangeAspect="1" noMove="1" noResize="1" noEditPoints="1" noAdjustHandles="1" noChangeArrowheads="1" noChangeShapeType="1" noTextEdit="1"/>
-          </p:cNvSpPr>
-          <p:nvPr>
-            <p:extLst>
-              <p:ext uri="{386F3935-93C4-4BCD-93E2-E3B085C9AB24}">
-                <p16:designElem xmlns:p16="http://schemas.microsoft.com/office/powerpoint/2015/main" val="1"/>
-              </p:ext>
-            </p:extLst>
-          </p:nvPr>
-        </p:nvSpPr>
-        <p:spPr>
-          <a:xfrm>
-            <a:off x="334900" y="342900"/>
-            <a:ext cx="2777490" cy="71247"/>
-          </a:xfrm>
-          <a:prstGeom prst="rect">
-            <a:avLst/>
-          </a:prstGeom>
-          <a:solidFill>
-            <a:schemeClr val="accent1"/>
-          </a:solidFill>
-          <a:ln>
-            <a:noFill/>
-          </a:ln>
-          <a:effectLst/>
-        </p:spPr>
-        <p:style>
-          <a:lnRef idx="1">
-            <a:schemeClr val="accent1"/>
-          </a:lnRef>
-          <a:fillRef idx="3">
-            <a:schemeClr val="accent1"/>
-          </a:fillRef>
-          <a:effectRef idx="2">
-            <a:schemeClr val="accent1"/>
-          </a:effectRef>
-          <a:fontRef idx="minor">
-            <a:schemeClr val="lt1"/>
-          </a:fontRef>
-        </p:style>
-      </p:sp>
-      <p:sp>
-        <p:nvSpPr>
-          <p:cNvPr id="120" name="Rectangle 119">
-            <a:extLst>
-              <a:ext uri="{FF2B5EF4-FFF2-40B4-BE49-F238E27FC236}">
-                <a16:creationId xmlns:a16="http://schemas.microsoft.com/office/drawing/2014/main" id="{7E8B0F8E-3F6C-4541-B9C1-774D80A08834}"/>
-              </a:ext>
-              <a:ext uri="{C183D7F6-B498-43B3-948B-1728B52AA6E4}">
-                <adec:decorative xmlns:adec="http://schemas.microsoft.com/office/drawing/2017/decorative" val="1"/>
-              </a:ext>
-            </a:extLst>
-          </p:cNvPr>
-          <p:cNvSpPr>
-            <a:spLocks noGrp="1" noRot="1" noChangeAspect="1" noMove="1" noResize="1" noEditPoints="1" noAdjustHandles="1" noChangeArrowheads="1" noChangeShapeType="1" noTextEdit="1"/>
-          </p:cNvSpPr>
-          <p:nvPr>
-            <p:extLst>
-              <p:ext uri="{386F3935-93C4-4BCD-93E2-E3B085C9AB24}">
-                <p16:designElem xmlns:p16="http://schemas.microsoft.com/office/powerpoint/2015/main" val="1"/>
-              </p:ext>
-            </p:extLst>
-          </p:nvPr>
-        </p:nvSpPr>
-        <p:spPr>
-          <a:xfrm>
-            <a:off x="6031610" y="340232"/>
-            <a:ext cx="2777490" cy="73915"/>
-          </a:xfrm>
-          <a:prstGeom prst="rect">
-            <a:avLst/>
-          </a:prstGeom>
-          <a:solidFill>
-            <a:schemeClr val="accent4"/>
-          </a:solidFill>
-          <a:ln>
-            <a:noFill/>
-          </a:ln>
-          <a:effectLst/>
-        </p:spPr>
-        <p:style>
-          <a:lnRef idx="1">
-            <a:schemeClr val="accent1"/>
-          </a:lnRef>
-          <a:fillRef idx="3">
-            <a:schemeClr val="accent1"/>
-          </a:fillRef>
-          <a:effectRef idx="2">
-            <a:schemeClr val="accent1"/>
-          </a:effectRef>
-          <a:fontRef idx="minor">
-            <a:schemeClr val="lt1"/>
-          </a:fontRef>
-        </p:style>
-      </p:sp>
-      <p:sp>
-        <p:nvSpPr>
-          <p:cNvPr id="122" name="Rectangle 121">
-            <a:extLst>
-              <a:ext uri="{FF2B5EF4-FFF2-40B4-BE49-F238E27FC236}">
-                <a16:creationId xmlns:a16="http://schemas.microsoft.com/office/drawing/2014/main" id="{7A45F5BC-32D1-41CD-B270-C46F18CA1ACC}"/>
-              </a:ext>
-              <a:ext uri="{C183D7F6-B498-43B3-948B-1728B52AA6E4}">
-                <adec:decorative xmlns:adec="http://schemas.microsoft.com/office/drawing/2017/decorative" val="1"/>
-              </a:ext>
-            </a:extLst>
-          </p:cNvPr>
-          <p:cNvSpPr>
-            <a:spLocks noGrp="1" noRot="1" noChangeAspect="1" noMove="1" noResize="1" noEditPoints="1" noAdjustHandles="1" noChangeArrowheads="1" noChangeShapeType="1" noTextEdit="1"/>
-          </p:cNvSpPr>
-          <p:nvPr>
-            <p:extLst>
-              <p:ext uri="{386F3935-93C4-4BCD-93E2-E3B085C9AB24}">
-                <p16:designElem xmlns:p16="http://schemas.microsoft.com/office/powerpoint/2015/main" val="1"/>
-              </p:ext>
-            </p:extLst>
-          </p:nvPr>
-        </p:nvSpPr>
-        <p:spPr>
-          <a:xfrm>
-            <a:off x="3181372" y="342900"/>
-            <a:ext cx="2777490" cy="68580"/>
-          </a:xfrm>
-          <a:prstGeom prst="rect">
-            <a:avLst/>
-          </a:prstGeom>
-          <a:solidFill>
-            <a:schemeClr val="accent2"/>
-          </a:solidFill>
-          <a:ln>
-            <a:noFill/>
-          </a:ln>
-          <a:effectLst/>
-        </p:spPr>
-        <p:style>
-          <a:lnRef idx="1">
-            <a:schemeClr val="accent1"/>
-          </a:lnRef>
-          <a:fillRef idx="3">
-            <a:schemeClr val="accent1"/>
-          </a:fillRef>
-          <a:effectRef idx="2">
-            <a:schemeClr val="accent1"/>
-          </a:effectRef>
-          <a:fontRef idx="minor">
-            <a:schemeClr val="lt1"/>
-          </a:fontRef>
-        </p:style>
-      </p:sp>
-      <p:sp>
-        <p:nvSpPr>
-          <p:cNvPr id="124" name="Rectangle 123">
-            <a:extLst>
-              <a:ext uri="{FF2B5EF4-FFF2-40B4-BE49-F238E27FC236}">
-                <a16:creationId xmlns:a16="http://schemas.microsoft.com/office/drawing/2014/main" id="{5BB74D4E-F243-4A10-813D-500A14025392}"/>
-              </a:ext>
-              <a:ext uri="{C183D7F6-B498-43B3-948B-1728B52AA6E4}">
-                <adec:decorative xmlns:adec="http://schemas.microsoft.com/office/drawing/2017/decorative" val="1"/>
-              </a:ext>
-            </a:extLst>
-          </p:cNvPr>
-          <p:cNvSpPr>
-            <a:spLocks noGrp="1" noRot="1" noChangeAspect="1" noMove="1" noResize="1" noEditPoints="1" noAdjustHandles="1" noChangeArrowheads="1" noChangeShapeType="1" noTextEdit="1"/>
-          </p:cNvSpPr>
-          <p:nvPr>
-            <p:extLst>
-              <p:ext uri="{386F3935-93C4-4BCD-93E2-E3B085C9AB24}">
-                <p16:designElem xmlns:p16="http://schemas.microsoft.com/office/powerpoint/2015/main" val="1"/>
-              </p:ext>
-            </p:extLst>
-          </p:nvPr>
-        </p:nvSpPr>
-        <p:spPr>
-          <a:xfrm>
-            <a:off x="330214" y="460805"/>
-            <a:ext cx="8482004" cy="891973"/>
-          </a:xfrm>
-          <a:prstGeom prst="rect">
-            <a:avLst/>
-          </a:prstGeom>
-          <a:solidFill>
-            <a:schemeClr val="accent1"/>
-          </a:solidFill>
-          <a:ln>
-            <a:noFill/>
-          </a:ln>
-          <a:effectLst/>
-        </p:spPr>
-        <p:style>
-          <a:lnRef idx="1">
-            <a:schemeClr val="accent1"/>
-          </a:lnRef>
-          <a:fillRef idx="3">
-            <a:schemeClr val="accent1"/>
-          </a:fillRef>
-          <a:effectRef idx="2">
-            <a:schemeClr val="accent1"/>
-          </a:effectRef>
-          <a:fontRef idx="minor">
-            <a:schemeClr val="lt1"/>
-          </a:fontRef>
-        </p:style>
-      </p:sp>
-      <p:sp>
-        <p:nvSpPr>
-          <p:cNvPr id="126" name="Rectangle 125">
-            <a:extLst>
-              <a:ext uri="{FF2B5EF4-FFF2-40B4-BE49-F238E27FC236}">
-                <a16:creationId xmlns:a16="http://schemas.microsoft.com/office/drawing/2014/main" id="{1A59258C-AAC2-41CD-973C-7439B122A3FF}"/>
-              </a:ext>
-              <a:ext uri="{C183D7F6-B498-43B3-948B-1728B52AA6E4}">
-                <adec:decorative xmlns:adec="http://schemas.microsoft.com/office/drawing/2017/decorative" val="1"/>
-              </a:ext>
-            </a:extLst>
-          </p:cNvPr>
-          <p:cNvSpPr>
-            <a:spLocks noGrp="1" noRot="1" noChangeAspect="1" noMove="1" noResize="1" noEditPoints="1" noAdjustHandles="1" noChangeArrowheads="1" noChangeShapeType="1" noTextEdit="1"/>
-          </p:cNvSpPr>
-          <p:nvPr>
-            <p:extLst>
-              <p:ext uri="{386F3935-93C4-4BCD-93E2-E3B085C9AB24}">
-                <p16:designElem xmlns:p16="http://schemas.microsoft.com/office/powerpoint/2015/main" val="1"/>
-              </p:ext>
-            </p:extLst>
-          </p:nvPr>
-        </p:nvSpPr>
-        <p:spPr>
-          <a:xfrm>
-            <a:off x="0" y="0"/>
-            <a:ext cx="9144000" cy="5143500"/>
-          </a:xfrm>
-          <a:prstGeom prst="rect">
-            <a:avLst/>
-          </a:prstGeom>
-          <a:solidFill>
-            <a:srgbClr val="FFFFFF"/>
-          </a:solidFill>
-          <a:ln>
-            <a:noFill/>
-          </a:ln>
-        </p:spPr>
-        <p:style>
-          <a:lnRef idx="2">
-            <a:schemeClr val="accent1">
-              <a:shade val="50000"/>
-            </a:schemeClr>
-          </a:lnRef>
-          <a:fillRef idx="1">
-            <a:schemeClr val="accent1"/>
-          </a:fillRef>
-          <a:effectRef idx="0">
-            <a:schemeClr val="accent1"/>
-          </a:effectRef>
-          <a:fontRef idx="minor">
-            <a:schemeClr val="lt1"/>
-          </a:fontRef>
-        </p:style>
-        <p:txBody>
-          <a:bodyPr rtlCol="0" anchor="ctr"/>
-          <a:lstStyle/>
-          <a:p>
-            <a:pPr marL="285750" indent="-285750" algn="ctr">
-              <a:buClr>
-                <a:schemeClr val="accent1"/>
-              </a:buClr>
-              <a:buFont typeface="Arial" panose="020B0604020202020204" pitchFamily="34" charset="0"/>
-              <a:buChar char="•"/>
-            </a:pPr>
-            <a:endParaRPr lang="en-US" dirty="0"/>
-          </a:p>
-        </p:txBody>
-      </p:sp>
-      <p:sp>
-        <p:nvSpPr>
-          <p:cNvPr id="128" name="Rectangle 127">
-            <a:extLst>
-              <a:ext uri="{FF2B5EF4-FFF2-40B4-BE49-F238E27FC236}">
-                <a16:creationId xmlns:a16="http://schemas.microsoft.com/office/drawing/2014/main" id="{54516B72-0116-42B2-82A2-B11218A36636}"/>
-              </a:ext>
-              <a:ext uri="{C183D7F6-B498-43B3-948B-1728B52AA6E4}">
-                <adec:decorative xmlns:adec="http://schemas.microsoft.com/office/drawing/2017/decorative" val="1"/>
-              </a:ext>
-            </a:extLst>
-          </p:cNvPr>
-          <p:cNvSpPr>
-            <a:spLocks noGrp="1" noRot="1" noChangeAspect="1" noMove="1" noResize="1" noEditPoints="1" noAdjustHandles="1" noChangeArrowheads="1" noChangeShapeType="1" noTextEdit="1"/>
-          </p:cNvSpPr>
-          <p:nvPr>
-            <p:extLst>
-              <p:ext uri="{386F3935-93C4-4BCD-93E2-E3B085C9AB24}">
-                <p16:designElem xmlns:p16="http://schemas.microsoft.com/office/powerpoint/2015/main" val="1"/>
-              </p:ext>
-            </p:extLst>
-          </p:nvPr>
-        </p:nvSpPr>
-        <p:spPr>
-          <a:xfrm>
-            <a:off x="0" y="0"/>
-            <a:ext cx="4584892" cy="5143500"/>
-          </a:xfrm>
-          <a:prstGeom prst="rect">
-            <a:avLst/>
-          </a:prstGeom>
-          <a:ln>
-            <a:noFill/>
-          </a:ln>
-        </p:spPr>
-        <p:style>
-          <a:lnRef idx="2">
-            <a:schemeClr val="accent1">
-              <a:shade val="50000"/>
-            </a:schemeClr>
-          </a:lnRef>
-          <a:fillRef idx="1">
-            <a:schemeClr val="accent1"/>
-          </a:fillRef>
-          <a:effectRef idx="0">
-            <a:schemeClr val="accent1"/>
-          </a:effectRef>
-          <a:fontRef idx="minor">
-            <a:schemeClr val="lt1"/>
-          </a:fontRef>
-        </p:style>
-        <p:txBody>
-          <a:bodyPr rtlCol="0" anchor="ctr"/>
-          <a:lstStyle/>
-          <a:p>
-            <a:pPr algn="ctr"/>
-            <a:endParaRPr lang="en-US"/>
-          </a:p>
-        </p:txBody>
-      </p:sp>
-      <p:sp>
-        <p:nvSpPr>
-          <p:cNvPr id="97" name="Google Shape;97;p20"/>
-          <p:cNvSpPr txBox="1">
-            <a:spLocks noGrp="1"/>
-          </p:cNvSpPr>
-          <p:nvPr>
-            <p:ph type="title"/>
-          </p:nvPr>
-        </p:nvSpPr>
-        <p:spPr>
-          <a:xfrm>
-            <a:off x="482601" y="775041"/>
-            <a:ext cx="3619692" cy="3619057"/>
-          </a:xfrm>
-          <a:prstGeom prst="rect">
-            <a:avLst/>
-          </a:prstGeom>
-        </p:spPr>
-        <p:txBody>
-          <a:bodyPr spcFirstLastPara="1" vert="horz" lIns="91440" tIns="45720" rIns="91440" bIns="45720" rtlCol="0" anchor="ctr" anchorCtr="0">
-            <a:normAutofit/>
-          </a:bodyPr>
-          <a:lstStyle/>
-          <a:p>
-            <a:pPr marL="0" lvl="0" indent="0" defTabSz="457200">
-              <a:spcBef>
-                <a:spcPct val="0"/>
-              </a:spcBef>
-              <a:spcAft>
-                <a:spcPts val="0"/>
-              </a:spcAft>
-            </a:pPr>
-            <a:r>
-              <a:rPr lang="en-US" sz="4100" dirty="0">
-                <a:solidFill>
-                  <a:srgbClr val="FFFFFF"/>
-                </a:solidFill>
-              </a:rPr>
-              <a:t>Thank you!</a:t>
-            </a:r>
-          </a:p>
-        </p:txBody>
-      </p:sp>
-      <p:sp>
-        <p:nvSpPr>
-          <p:cNvPr id="130" name="Rectangle 129">
-            <a:extLst>
-              <a:ext uri="{FF2B5EF4-FFF2-40B4-BE49-F238E27FC236}">
-                <a16:creationId xmlns:a16="http://schemas.microsoft.com/office/drawing/2014/main" id="{7CDB507F-21B7-4C27-B0FC-D9C465C6DB44}"/>
-              </a:ext>
-              <a:ext uri="{C183D7F6-B498-43B3-948B-1728B52AA6E4}">
-                <adec:decorative xmlns:adec="http://schemas.microsoft.com/office/drawing/2017/decorative" val="1"/>
-              </a:ext>
-            </a:extLst>
-          </p:cNvPr>
-          <p:cNvSpPr>
-            <a:spLocks noGrp="1" noRot="1" noChangeAspect="1" noMove="1" noResize="1" noEditPoints="1" noAdjustHandles="1" noChangeArrowheads="1" noChangeShapeType="1" noTextEdit="1"/>
-          </p:cNvSpPr>
-          <p:nvPr>
-            <p:extLst>
-              <p:ext uri="{386F3935-93C4-4BCD-93E2-E3B085C9AB24}">
-                <p16:designElem xmlns:p16="http://schemas.microsoft.com/office/powerpoint/2015/main" val="1"/>
-              </p:ext>
-            </p:extLst>
-          </p:nvPr>
-        </p:nvSpPr>
-        <p:spPr>
-          <a:xfrm>
-            <a:off x="481934" y="345651"/>
-            <a:ext cx="3621024" cy="83740"/>
-          </a:xfrm>
-          <a:prstGeom prst="rect">
-            <a:avLst/>
-          </a:prstGeom>
-          <a:solidFill>
-            <a:srgbClr val="FFFFFF"/>
-          </a:solidFill>
-          <a:ln>
-            <a:noFill/>
-          </a:ln>
-          <a:effectLst/>
-        </p:spPr>
-        <p:style>
-          <a:lnRef idx="1">
-            <a:schemeClr val="accent1"/>
-          </a:lnRef>
-          <a:fillRef idx="3">
-            <a:schemeClr val="accent1"/>
-          </a:fillRef>
-          <a:effectRef idx="2">
-            <a:schemeClr val="accent1"/>
-          </a:effectRef>
-          <a:fontRef idx="minor">
-            <a:schemeClr val="lt1"/>
-          </a:fontRef>
-        </p:style>
-      </p:sp>
-      <p:sp>
-        <p:nvSpPr>
-          <p:cNvPr id="132" name="Rectangle 131">
-            <a:extLst>
-              <a:ext uri="{FF2B5EF4-FFF2-40B4-BE49-F238E27FC236}">
-                <a16:creationId xmlns:a16="http://schemas.microsoft.com/office/drawing/2014/main" id="{7AB1AE17-B7A3-4363-95CD-25441E2FF1F3}"/>
-              </a:ext>
-              <a:ext uri="{C183D7F6-B498-43B3-948B-1728B52AA6E4}">
-                <adec:decorative xmlns:adec="http://schemas.microsoft.com/office/drawing/2017/decorative" val="1"/>
-              </a:ext>
-            </a:extLst>
-          </p:cNvPr>
-          <p:cNvSpPr>
-            <a:spLocks noGrp="1" noRot="1" noChangeAspect="1" noMove="1" noResize="1" noEditPoints="1" noAdjustHandles="1" noChangeArrowheads="1" noChangeShapeType="1" noTextEdit="1"/>
-          </p:cNvSpPr>
-          <p:nvPr>
-            <p:extLst>
-              <p:ext uri="{386F3935-93C4-4BCD-93E2-E3B085C9AB24}">
-                <p16:designElem xmlns:p16="http://schemas.microsoft.com/office/powerpoint/2015/main" val="1"/>
-              </p:ext>
-            </p:extLst>
-          </p:nvPr>
-        </p:nvSpPr>
-        <p:spPr>
-          <a:xfrm>
-            <a:off x="5087080" y="345651"/>
-            <a:ext cx="3621024" cy="83740"/>
-          </a:xfrm>
-          <a:prstGeom prst="rect">
-            <a:avLst/>
-          </a:prstGeom>
-          <a:solidFill>
-            <a:schemeClr val="accent2"/>
-          </a:solidFill>
-          <a:ln>
-            <a:noFill/>
-          </a:ln>
-          <a:effectLst/>
-        </p:spPr>
-        <p:style>
-          <a:lnRef idx="1">
-            <a:schemeClr val="accent1"/>
-          </a:lnRef>
-          <a:fillRef idx="3">
-            <a:schemeClr val="accent1"/>
-          </a:fillRef>
-          <a:effectRef idx="2">
-            <a:schemeClr val="accent1"/>
-          </a:effectRef>
-          <a:fontRef idx="minor">
-            <a:schemeClr val="lt1"/>
-          </a:fontRef>
-        </p:style>
-      </p:sp>
-      <p:sp>
-        <p:nvSpPr>
-          <p:cNvPr id="98" name="Google Shape;98;p20"/>
-          <p:cNvSpPr txBox="1">
-            <a:spLocks noGrp="1"/>
-          </p:cNvSpPr>
-          <p:nvPr>
-            <p:ph type="body" idx="1"/>
-          </p:nvPr>
-        </p:nvSpPr>
-        <p:spPr>
-          <a:xfrm>
-            <a:off x="5066826" y="775042"/>
-            <a:ext cx="3641278" cy="3619057"/>
-          </a:xfrm>
-          <a:prstGeom prst="rect">
-            <a:avLst/>
-          </a:prstGeom>
-          <a:ln w="57150">
-            <a:noFill/>
-          </a:ln>
-        </p:spPr>
-        <p:txBody>
-          <a:bodyPr spcFirstLastPara="1" vert="horz" lIns="91440" tIns="45720" rIns="91440" bIns="45720" rtlCol="0" anchor="ctr" anchorCtr="0">
-            <a:normAutofit/>
-          </a:bodyPr>
-          <a:lstStyle/>
-          <a:p>
-            <a:pPr defTabSz="457200">
-              <a:spcBef>
-                <a:spcPct val="20000"/>
-              </a:spcBef>
-              <a:spcAft>
-                <a:spcPts val="600"/>
-              </a:spcAft>
-              <a:buSzPct val="92000"/>
-              <a:buFont typeface="Wingdings 2" panose="05020102010507070707" pitchFamily="18" charset="2"/>
-              <a:buChar char=""/>
-            </a:pPr>
-            <a:r>
-              <a:rPr lang="en-US" sz="1500" dirty="0">
-                <a:solidFill>
-                  <a:schemeClr val="accent2">
-                    <a:lumMod val="50000"/>
-                  </a:schemeClr>
-                </a:solidFill>
-              </a:rPr>
-              <a:t>Data source: </a:t>
-            </a:r>
-            <a:r>
-              <a:rPr lang="en-US" sz="1500" dirty="0">
-                <a:solidFill>
-                  <a:schemeClr val="accent2">
-                    <a:lumMod val="50000"/>
-                  </a:schemeClr>
-                </a:solidFill>
-                <a:hlinkClick r:id="rId3">
-                  <a:extLst>
-                    <a:ext uri="{A12FA001-AC4F-418D-AE19-62706E023703}">
-                      <ahyp:hlinkClr xmlns:ahyp="http://schemas.microsoft.com/office/drawing/2018/hyperlinkcolor" val="tx"/>
-                    </a:ext>
-                  </a:extLst>
-                </a:hlinkClick>
-              </a:rPr>
-              <a:t>https://www.kaggle.com/huseyinelci/wne-qualty-by-uci</a:t>
-            </a:r>
-            <a:endParaRPr lang="en-US" sz="1500" dirty="0">
-              <a:solidFill>
-                <a:schemeClr val="accent2">
-                  <a:lumMod val="50000"/>
-                </a:schemeClr>
-              </a:solidFill>
-            </a:endParaRPr>
-          </a:p>
-          <a:p>
-            <a:pPr marL="457200" lvl="0" indent="-342900" defTabSz="457200">
-              <a:spcBef>
-                <a:spcPct val="20000"/>
-              </a:spcBef>
-              <a:spcAft>
-                <a:spcPts val="600"/>
-              </a:spcAft>
-              <a:buSzPct val="92000"/>
-              <a:buFont typeface="Wingdings 2" panose="05020102010507070707" pitchFamily="18" charset="2"/>
-              <a:buChar char=""/>
-            </a:pPr>
-            <a:r>
-              <a:rPr lang="en-US" sz="1500" dirty="0">
-                <a:solidFill>
-                  <a:schemeClr val="accent2">
-                    <a:lumMod val="50000"/>
-                  </a:schemeClr>
-                </a:solidFill>
-              </a:rPr>
-              <a:t>Project repo: </a:t>
-            </a:r>
-            <a:r>
-              <a:rPr lang="en-US" sz="1500" dirty="0">
-                <a:solidFill>
-                  <a:schemeClr val="accent2">
-                    <a:lumMod val="50000"/>
-                  </a:schemeClr>
-                </a:solidFill>
-                <a:hlinkClick r:id="rId4">
-                  <a:extLst>
-                    <a:ext uri="{A12FA001-AC4F-418D-AE19-62706E023703}">
-                      <ahyp:hlinkClr xmlns:ahyp="http://schemas.microsoft.com/office/drawing/2018/hyperlinkcolor" val="tx"/>
-                    </a:ext>
-                  </a:extLst>
-                </a:hlinkClick>
-              </a:rPr>
-              <a:t>https://github.com/klsalcedo/wine_analysis/tree/main</a:t>
-            </a:r>
-            <a:r>
-              <a:rPr lang="en-US" sz="1500" dirty="0">
-                <a:solidFill>
-                  <a:schemeClr val="accent2">
-                    <a:lumMod val="50000"/>
-                  </a:schemeClr>
-                </a:solidFill>
-              </a:rPr>
-              <a:t> </a:t>
-            </a:r>
-          </a:p>
-        </p:txBody>
-      </p:sp>
-    </p:spTree>
-  </p:cSld>
-  <p:clrMapOvr>
-    <a:masterClrMapping/>
-  </p:clrMapOvr>
-</p:sld>
-</file>
-
 <file path=ppt/slides/slide2.xml><?xml version="1.0" encoding="utf-8"?>
 <p:sld xmlns:a="http://schemas.openxmlformats.org/drawingml/2006/main" xmlns:r="http://schemas.openxmlformats.org/officeDocument/2006/relationships" xmlns:p="http://schemas.openxmlformats.org/presentationml/2006/main">
   <p:cSld>
@@ -12738,7 +11436,7 @@
                   <a:schemeClr val="tx1"/>
                 </a:solidFill>
               </a:rPr>
-              <a:t>Predict wine quality to give the Washington winegrower’s association a model for choosing wines to send to competitions</a:t>
+              <a:t>Predict wine quality to give the Washington Winegrower’s Association a model for choosing wines to send to competitions</a:t>
             </a:r>
           </a:p>
         </p:txBody>
@@ -12831,7 +11529,7 @@
             <p:ph idx="1"/>
             <p:extLst>
               <p:ext uri="{D42A27DB-BD31-4B8C-83A1-F6EECF244321}">
-                <p14:modId xmlns:p14="http://schemas.microsoft.com/office/powerpoint/2010/main" val="2528190890"/>
+                <p14:modId xmlns:p14="http://schemas.microsoft.com/office/powerpoint/2010/main" val="628894768"/>
               </p:ext>
             </p:extLst>
           </p:nvPr>
@@ -12881,7 +11579,7 @@
       </p:grpSpPr>
       <p:sp>
         <p:nvSpPr>
-          <p:cNvPr id="94" name="Rectangle 93">
+          <p:cNvPr id="115" name="Rectangle 114">
             <a:extLst>
               <a:ext uri="{FF2B5EF4-FFF2-40B4-BE49-F238E27FC236}">
                 <a16:creationId xmlns:a16="http://schemas.microsoft.com/office/drawing/2014/main" id="{E9AA9F65-94B8-41A5-A7FF-23D2CFB116BB}"/>
@@ -12935,7 +11633,7 @@
       </p:sp>
       <p:sp>
         <p:nvSpPr>
-          <p:cNvPr id="96" name="Rectangle 95">
+          <p:cNvPr id="117" name="Rectangle 116">
             <a:extLst>
               <a:ext uri="{FF2B5EF4-FFF2-40B4-BE49-F238E27FC236}">
                 <a16:creationId xmlns:a16="http://schemas.microsoft.com/office/drawing/2014/main" id="{7E8B0F8E-3F6C-4541-B9C1-774D80A08834}"/>
@@ -12989,7 +11687,7 @@
       </p:sp>
       <p:sp>
         <p:nvSpPr>
-          <p:cNvPr id="98" name="Rectangle 97">
+          <p:cNvPr id="119" name="Rectangle 118">
             <a:extLst>
               <a:ext uri="{FF2B5EF4-FFF2-40B4-BE49-F238E27FC236}">
                 <a16:creationId xmlns:a16="http://schemas.microsoft.com/office/drawing/2014/main" id="{7A45F5BC-32D1-41CD-B270-C46F18CA1ACC}"/>
@@ -13043,7 +11741,7 @@
       </p:sp>
       <p:sp>
         <p:nvSpPr>
-          <p:cNvPr id="100" name="Rectangle 99">
+          <p:cNvPr id="121" name="Rectangle 120">
             <a:extLst>
               <a:ext uri="{FF2B5EF4-FFF2-40B4-BE49-F238E27FC236}">
                 <a16:creationId xmlns:a16="http://schemas.microsoft.com/office/drawing/2014/main" id="{5BB74D4E-F243-4A10-813D-500A14025392}"/>
@@ -13097,10 +11795,10 @@
       </p:sp>
       <p:sp>
         <p:nvSpPr>
-          <p:cNvPr id="102" name="Rectangle 101">
+          <p:cNvPr id="123" name="Rectangle 122">
             <a:extLst>
               <a:ext uri="{FF2B5EF4-FFF2-40B4-BE49-F238E27FC236}">
-                <a16:creationId xmlns:a16="http://schemas.microsoft.com/office/drawing/2014/main" id="{F92989FB-1024-49B7-BDF1-B3CE27D48623}"/>
+                <a16:creationId xmlns:a16="http://schemas.microsoft.com/office/drawing/2014/main" id="{1A59258C-AAC2-41CD-973C-7439B122A3FF}"/>
               </a:ext>
               <a:ext uri="{C183D7F6-B498-43B3-948B-1728B52AA6E4}">
                 <adec:decorative xmlns:adec="http://schemas.microsoft.com/office/drawing/2017/decorative" val="1"/>
@@ -13121,14 +11819,80 @@
         <p:spPr>
           <a:xfrm>
             <a:off x="0" y="0"/>
-            <a:ext cx="9143999" cy="5143500"/>
+            <a:ext cx="9144000" cy="5143500"/>
           </a:xfrm>
           <a:prstGeom prst="rect">
             <a:avLst/>
           </a:prstGeom>
           <a:solidFill>
-            <a:srgbClr val="FFFEFF"/>
+            <a:srgbClr val="FFFFFF"/>
           </a:solidFill>
+          <a:ln>
+            <a:noFill/>
+          </a:ln>
+        </p:spPr>
+        <p:style>
+          <a:lnRef idx="2">
+            <a:schemeClr val="accent1">
+              <a:shade val="50000"/>
+            </a:schemeClr>
+          </a:lnRef>
+          <a:fillRef idx="1">
+            <a:schemeClr val="accent1"/>
+          </a:fillRef>
+          <a:effectRef idx="0">
+            <a:schemeClr val="accent1"/>
+          </a:effectRef>
+          <a:fontRef idx="minor">
+            <a:schemeClr val="lt1"/>
+          </a:fontRef>
+        </p:style>
+        <p:txBody>
+          <a:bodyPr rtlCol="0" anchor="ctr"/>
+          <a:lstStyle/>
+          <a:p>
+            <a:pPr marL="285750" indent="-285750" algn="ctr">
+              <a:buClr>
+                <a:schemeClr val="accent1"/>
+              </a:buClr>
+              <a:buFont typeface="Arial" panose="020B0604020202020204" pitchFamily="34" charset="0"/>
+              <a:buChar char="•"/>
+            </a:pPr>
+            <a:endParaRPr lang="en-US" dirty="0"/>
+          </a:p>
+        </p:txBody>
+      </p:sp>
+      <p:sp>
+        <p:nvSpPr>
+          <p:cNvPr id="125" name="Rectangle 124">
+            <a:extLst>
+              <a:ext uri="{FF2B5EF4-FFF2-40B4-BE49-F238E27FC236}">
+                <a16:creationId xmlns:a16="http://schemas.microsoft.com/office/drawing/2014/main" id="{54516B72-0116-42B2-82A2-B11218A36636}"/>
+              </a:ext>
+              <a:ext uri="{C183D7F6-B498-43B3-948B-1728B52AA6E4}">
+                <adec:decorative xmlns:adec="http://schemas.microsoft.com/office/drawing/2017/decorative" val="1"/>
+              </a:ext>
+            </a:extLst>
+          </p:cNvPr>
+          <p:cNvSpPr>
+            <a:spLocks noGrp="1" noRot="1" noChangeAspect="1" noMove="1" noResize="1" noEditPoints="1" noAdjustHandles="1" noChangeArrowheads="1" noChangeShapeType="1" noTextEdit="1"/>
+          </p:cNvSpPr>
+          <p:nvPr>
+            <p:extLst>
+              <p:ext uri="{386F3935-93C4-4BCD-93E2-E3B085C9AB24}">
+                <p16:designElem xmlns:p16="http://schemas.microsoft.com/office/powerpoint/2015/main" val="1"/>
+              </p:ext>
+            </p:extLst>
+          </p:nvPr>
+        </p:nvSpPr>
+        <p:spPr>
+          <a:xfrm>
+            <a:off x="0" y="0"/>
+            <a:ext cx="4584892" cy="5143500"/>
+          </a:xfrm>
+          <a:prstGeom prst="rect">
+            <a:avLst/>
+          </a:prstGeom>
           <a:ln>
             <a:noFill/>
           </a:ln>
@@ -13170,8 +11934,8 @@
         </p:nvSpPr>
         <p:spPr>
           <a:xfrm>
-            <a:off x="559671" y="804923"/>
-            <a:ext cx="2290568" cy="3533654"/>
+            <a:off x="482601" y="775041"/>
+            <a:ext cx="3619692" cy="3619057"/>
           </a:xfrm>
           <a:prstGeom prst="rect">
             <a:avLst/>
@@ -13192,22 +11956,22 @@
               </a:spcAft>
             </a:pPr>
             <a:r>
-              <a:rPr lang="en-US" sz="2400" dirty="0">
+              <a:rPr lang="en-US" sz="4100">
                 <a:solidFill>
-                  <a:schemeClr val="accent1"/>
+                  <a:srgbClr val="FFFFFF"/>
                 </a:solidFill>
               </a:rPr>
-              <a:t>EDA</a:t>
+              <a:t>Variable Definitions</a:t>
             </a:r>
           </a:p>
         </p:txBody>
       </p:sp>
       <p:sp>
         <p:nvSpPr>
-          <p:cNvPr id="104" name="Rectangle 103">
+          <p:cNvPr id="127" name="Rectangle 126">
             <a:extLst>
               <a:ext uri="{FF2B5EF4-FFF2-40B4-BE49-F238E27FC236}">
-                <a16:creationId xmlns:a16="http://schemas.microsoft.com/office/drawing/2014/main" id="{DFEE959E-BF10-4204-9556-D1707088D445}"/>
+                <a16:creationId xmlns:a16="http://schemas.microsoft.com/office/drawing/2014/main" id="{7CDB507F-21B7-4C27-B0FC-D9C465C6DB44}"/>
               </a:ext>
               <a:ext uri="{C183D7F6-B498-43B3-948B-1728B52AA6E4}">
                 <adec:decorative xmlns:adec="http://schemas.microsoft.com/office/drawing/2017/decorative" val="1"/>
@@ -13227,14 +11991,14 @@
         </p:nvSpPr>
         <p:spPr>
           <a:xfrm>
-            <a:off x="334900" y="342900"/>
-            <a:ext cx="2777490" cy="71247"/>
+            <a:off x="481934" y="345651"/>
+            <a:ext cx="3621024" cy="83740"/>
           </a:xfrm>
           <a:prstGeom prst="rect">
             <a:avLst/>
           </a:prstGeom>
           <a:solidFill>
-            <a:schemeClr val="accent1"/>
+            <a:srgbClr val="FFFFFF"/>
           </a:solidFill>
           <a:ln>
             <a:noFill/>
@@ -13258,10 +12022,10 @@
       </p:sp>
       <p:sp>
         <p:nvSpPr>
-          <p:cNvPr id="106" name="Rectangle 105">
+          <p:cNvPr id="129" name="Rectangle 128">
             <a:extLst>
               <a:ext uri="{FF2B5EF4-FFF2-40B4-BE49-F238E27FC236}">
-                <a16:creationId xmlns:a16="http://schemas.microsoft.com/office/drawing/2014/main" id="{DDD17B6A-CB37-4005-9681-A20AFCDC7822}"/>
+                <a16:creationId xmlns:a16="http://schemas.microsoft.com/office/drawing/2014/main" id="{7AB1AE17-B7A3-4363-95CD-25441E2FF1F3}"/>
               </a:ext>
               <a:ext uri="{C183D7F6-B498-43B3-948B-1728B52AA6E4}">
                 <adec:decorative xmlns:adec="http://schemas.microsoft.com/office/drawing/2017/decorative" val="1"/>
@@ -13281,8 +12045,8 @@
         </p:nvSpPr>
         <p:spPr>
           <a:xfrm>
-            <a:off x="3181372" y="342900"/>
-            <a:ext cx="2777490" cy="68580"/>
+            <a:off x="5087080" y="345651"/>
+            <a:ext cx="3621024" cy="83740"/>
           </a:xfrm>
           <a:prstGeom prst="rect">
             <a:avLst/>
@@ -13312,114 +12076,6 @@
       </p:sp>
       <p:sp>
         <p:nvSpPr>
-          <p:cNvPr id="108" name="Rectangle 107">
-            <a:extLst>
-              <a:ext uri="{FF2B5EF4-FFF2-40B4-BE49-F238E27FC236}">
-                <a16:creationId xmlns:a16="http://schemas.microsoft.com/office/drawing/2014/main" id="{3B7BBDE9-DAED-40B0-A640-503C918D1CE3}"/>
-              </a:ext>
-              <a:ext uri="{C183D7F6-B498-43B3-948B-1728B52AA6E4}">
-                <adec:decorative xmlns:adec="http://schemas.microsoft.com/office/drawing/2017/decorative" val="1"/>
-              </a:ext>
-            </a:extLst>
-          </p:cNvPr>
-          <p:cNvSpPr>
-            <a:spLocks noGrp="1" noRot="1" noChangeAspect="1" noMove="1" noResize="1" noEditPoints="1" noAdjustHandles="1" noChangeArrowheads="1" noChangeShapeType="1" noTextEdit="1"/>
-          </p:cNvSpPr>
-          <p:nvPr>
-            <p:extLst>
-              <p:ext uri="{386F3935-93C4-4BCD-93E2-E3B085C9AB24}">
-                <p16:designElem xmlns:p16="http://schemas.microsoft.com/office/powerpoint/2015/main" val="1"/>
-              </p:ext>
-            </p:extLst>
-          </p:nvPr>
-        </p:nvSpPr>
-        <p:spPr>
-          <a:xfrm>
-            <a:off x="6031610" y="340232"/>
-            <a:ext cx="2777490" cy="73915"/>
-          </a:xfrm>
-          <a:prstGeom prst="rect">
-            <a:avLst/>
-          </a:prstGeom>
-          <a:solidFill>
-            <a:schemeClr val="accent4"/>
-          </a:solidFill>
-          <a:ln>
-            <a:noFill/>
-          </a:ln>
-          <a:effectLst/>
-        </p:spPr>
-        <p:style>
-          <a:lnRef idx="1">
-            <a:schemeClr val="accent1"/>
-          </a:lnRef>
-          <a:fillRef idx="3">
-            <a:schemeClr val="accent1"/>
-          </a:fillRef>
-          <a:effectRef idx="2">
-            <a:schemeClr val="accent1"/>
-          </a:effectRef>
-          <a:fontRef idx="minor">
-            <a:schemeClr val="lt1"/>
-          </a:fontRef>
-        </p:style>
-      </p:sp>
-      <p:sp>
-        <p:nvSpPr>
-          <p:cNvPr id="110" name="Rectangle 109">
-            <a:extLst>
-              <a:ext uri="{FF2B5EF4-FFF2-40B4-BE49-F238E27FC236}">
-                <a16:creationId xmlns:a16="http://schemas.microsoft.com/office/drawing/2014/main" id="{7BC7EA7B-802E-41F4-8926-C4475287AA31}"/>
-              </a:ext>
-              <a:ext uri="{C183D7F6-B498-43B3-948B-1728B52AA6E4}">
-                <adec:decorative xmlns:adec="http://schemas.microsoft.com/office/drawing/2017/decorative" val="1"/>
-              </a:ext>
-            </a:extLst>
-          </p:cNvPr>
-          <p:cNvSpPr>
-            <a:spLocks noGrp="1" noRot="1" noChangeAspect="1" noMove="1" noResize="1" noEditPoints="1" noAdjustHandles="1" noChangeArrowheads="1" noChangeShapeType="1" noTextEdit="1"/>
-          </p:cNvSpPr>
-          <p:nvPr>
-            <p:extLst>
-              <p:ext uri="{386F3935-93C4-4BCD-93E2-E3B085C9AB24}">
-                <p16:designElem xmlns:p16="http://schemas.microsoft.com/office/powerpoint/2015/main" val="1"/>
-              </p:ext>
-            </p:extLst>
-          </p:nvPr>
-        </p:nvSpPr>
-        <p:spPr>
-          <a:xfrm>
-            <a:off x="3185138" y="542923"/>
-            <a:ext cx="5623962" cy="4257676"/>
-          </a:xfrm>
-          <a:prstGeom prst="rect">
-            <a:avLst/>
-          </a:prstGeom>
-          <a:solidFill>
-            <a:schemeClr val="accent1"/>
-          </a:solidFill>
-          <a:ln>
-            <a:noFill/>
-          </a:ln>
-          <a:effectLst/>
-        </p:spPr>
-        <p:style>
-          <a:lnRef idx="1">
-            <a:schemeClr val="accent1"/>
-          </a:lnRef>
-          <a:fillRef idx="3">
-            <a:schemeClr val="accent1"/>
-          </a:fillRef>
-          <a:effectRef idx="2">
-            <a:schemeClr val="accent1"/>
-          </a:effectRef>
-          <a:fontRef idx="minor">
-            <a:schemeClr val="lt1"/>
-          </a:fontRef>
-        </p:style>
-      </p:sp>
-      <p:sp>
-        <p:nvSpPr>
           <p:cNvPr id="74" name="Google Shape;74;p16"/>
           <p:cNvSpPr txBox="1">
             <a:spLocks noGrp="1"/>
@@ -13430,42 +12086,21 @@
         </p:nvSpPr>
         <p:spPr>
           <a:xfrm>
-            <a:off x="3526971" y="804923"/>
-            <a:ext cx="4949687" cy="3533654"/>
+            <a:off x="5066826" y="775042"/>
+            <a:ext cx="3641278" cy="3619057"/>
           </a:xfrm>
           <a:prstGeom prst="rect">
             <a:avLst/>
           </a:prstGeom>
+          <a:ln w="57150">
+            <a:noFill/>
+          </a:ln>
         </p:spPr>
         <p:txBody>
           <a:bodyPr spcFirstLastPara="1" vert="horz" lIns="91440" tIns="45720" rIns="91440" bIns="45720" rtlCol="0" anchor="ctr" anchorCtr="0">
             <a:normAutofit/>
           </a:bodyPr>
           <a:lstStyle/>
-          <a:p>
-            <a:pPr marL="457200" lvl="0" indent="-342900" defTabSz="457200">
-              <a:lnSpc>
-                <a:spcPct val="90000"/>
-              </a:lnSpc>
-              <a:spcBef>
-                <a:spcPct val="20000"/>
-              </a:spcBef>
-              <a:spcAft>
-                <a:spcPts val="600"/>
-              </a:spcAft>
-              <a:buSzPct val="92000"/>
-              <a:buFont typeface="Wingdings 2" panose="05020102010507070707" pitchFamily="18" charset="2"/>
-              <a:buChar char=""/>
-            </a:pPr>
-            <a:r>
-              <a:rPr lang="en-US" sz="1300">
-                <a:solidFill>
-                  <a:srgbClr val="FFFFFF"/>
-                </a:solidFill>
-              </a:rPr>
-              <a:t>Variable definitions:</a:t>
-            </a:r>
-          </a:p>
           <a:p>
             <a:pPr lvl="1" indent="-342900" defTabSz="457200">
               <a:lnSpc>
@@ -13482,9 +12117,11 @@
               <a:buChar char=""/>
             </a:pPr>
             <a:r>
-              <a:rPr lang="en-US" sz="1300">
+              <a:rPr lang="en-US" dirty="0">
                 <a:solidFill>
-                  <a:srgbClr val="FFFFFF"/>
+                  <a:schemeClr val="accent2">
+                    <a:lumMod val="50000"/>
+                  </a:schemeClr>
                 </a:solidFill>
               </a:rPr>
               <a:t>Fixed acidity: non-volatile acids</a:t>
@@ -13506,9 +12143,11 @@
               <a:buChar char=""/>
             </a:pPr>
             <a:r>
-              <a:rPr lang="en-US" sz="1300">
+              <a:rPr lang="en-US" dirty="0">
                 <a:solidFill>
-                  <a:srgbClr val="FFFFFF"/>
+                  <a:schemeClr val="accent2">
+                    <a:lumMod val="50000"/>
+                  </a:schemeClr>
                 </a:solidFill>
               </a:rPr>
               <a:t>Volatile acidity: Acetic acid content. High amounts are associated with a vinegary taste</a:t>
@@ -13530,9 +12169,11 @@
               <a:buChar char=""/>
             </a:pPr>
             <a:r>
-              <a:rPr lang="en-US" sz="1300">
+              <a:rPr lang="en-US" dirty="0">
                 <a:solidFill>
-                  <a:srgbClr val="FFFFFF"/>
+                  <a:schemeClr val="accent2">
+                    <a:lumMod val="50000"/>
+                  </a:schemeClr>
                 </a:solidFill>
               </a:rPr>
               <a:t>Residual sugar: Amount of sugar remaining after fermentation, more than 45g/liter is considered a “sweet” wine</a:t>
@@ -13554,9 +12195,11 @@
               <a:buChar char=""/>
             </a:pPr>
             <a:r>
-              <a:rPr lang="en-US" sz="1300">
+              <a:rPr lang="en-US" dirty="0">
                 <a:solidFill>
-                  <a:srgbClr val="FFFFFF"/>
+                  <a:schemeClr val="accent2">
+                    <a:lumMod val="50000"/>
+                  </a:schemeClr>
                 </a:solidFill>
               </a:rPr>
               <a:t>Chlorides: Amount of salt </a:t>
@@ -13578,9 +12221,11 @@
               <a:buChar char=""/>
             </a:pPr>
             <a:r>
-              <a:rPr lang="en-US" sz="1300">
+              <a:rPr lang="en-US" dirty="0">
                 <a:solidFill>
-                  <a:srgbClr val="FFFFFF"/>
+                  <a:schemeClr val="accent2">
+                    <a:lumMod val="50000"/>
+                  </a:schemeClr>
                 </a:solidFill>
               </a:rPr>
               <a:t>Free sulfur dioxide: protects against oxidation</a:t>
@@ -13602,12 +12247,34 @@
               <a:buChar char=""/>
             </a:pPr>
             <a:r>
-              <a:rPr lang="en-US" sz="1300">
+              <a:rPr lang="en-US" dirty="0">
                 <a:solidFill>
-                  <a:srgbClr val="FFFFFF"/>
+                  <a:schemeClr val="accent2">
+                    <a:lumMod val="50000"/>
+                  </a:schemeClr>
                 </a:solidFill>
               </a:rPr>
-              <a:t>Total sulfur dioxide: Both free and bound forms of SO2, flavor becomes detectable above 50ppm</a:t>
+              <a:t>Total sulfur dioxide: Both free and bound forms of SO</a:t>
+            </a:r>
+            <a:r>
+              <a:rPr lang="en-US" baseline="-25000" dirty="0">
+                <a:solidFill>
+                  <a:schemeClr val="accent2">
+                    <a:lumMod val="50000"/>
+                  </a:schemeClr>
+                </a:solidFill>
+              </a:rPr>
+              <a:t>2</a:t>
+            </a:r>
+            <a:r>
+              <a:rPr lang="en-US" dirty="0">
+                <a:solidFill>
+                  <a:schemeClr val="accent2">
+                    <a:lumMod val="50000"/>
+                  </a:schemeClr>
+                </a:solidFill>
+              </a:rPr>
+              <a:t>, flavor becomes detectable above 50ppm</a:t>
             </a:r>
           </a:p>
           <a:p>
@@ -13626,9 +12293,11 @@
               <a:buChar char=""/>
             </a:pPr>
             <a:r>
-              <a:rPr lang="en-US" sz="1300">
+              <a:rPr lang="en-US" dirty="0">
                 <a:solidFill>
-                  <a:srgbClr val="FFFFFF"/>
+                  <a:schemeClr val="accent2">
+                    <a:lumMod val="50000"/>
+                  </a:schemeClr>
                 </a:solidFill>
               </a:rPr>
               <a:t>Sulphates: an additive that acts as a preservative and can influence sulfur dioxide levels</a:t>
@@ -13645,447 +12314,6 @@
 </file>
 
 <file path=ppt/slides/slide5.xml><?xml version="1.0" encoding="utf-8"?>
-<p:sld xmlns:a="http://schemas.openxmlformats.org/drawingml/2006/main" xmlns:r="http://schemas.openxmlformats.org/officeDocument/2006/relationships" xmlns:p="http://schemas.openxmlformats.org/presentationml/2006/main">
-  <p:cSld>
-    <p:bg>
-      <p:bgPr>
-        <a:solidFill>
-          <a:schemeClr val="bg1"/>
-        </a:solidFill>
-        <a:effectLst/>
-      </p:bgPr>
-    </p:bg>
-    <p:spTree>
-      <p:nvGrpSpPr>
-        <p:cNvPr id="1" name="Shape 72"/>
-        <p:cNvGrpSpPr/>
-        <p:nvPr/>
-      </p:nvGrpSpPr>
-      <p:grpSpPr>
-        <a:xfrm>
-          <a:off x="0" y="0"/>
-          <a:ext cx="0" cy="0"/>
-          <a:chOff x="0" y="0"/>
-          <a:chExt cx="0" cy="0"/>
-        </a:xfrm>
-      </p:grpSpPr>
-      <p:sp>
-        <p:nvSpPr>
-          <p:cNvPr id="115" name="Rectangle 114">
-            <a:extLst>
-              <a:ext uri="{FF2B5EF4-FFF2-40B4-BE49-F238E27FC236}">
-                <a16:creationId xmlns:a16="http://schemas.microsoft.com/office/drawing/2014/main" id="{DB691D59-8F51-4DD8-AD41-D568D29B08F8}"/>
-              </a:ext>
-              <a:ext uri="{C183D7F6-B498-43B3-948B-1728B52AA6E4}">
-                <adec:decorative xmlns:adec="http://schemas.microsoft.com/office/drawing/2017/decorative" val="1"/>
-              </a:ext>
-            </a:extLst>
-          </p:cNvPr>
-          <p:cNvSpPr>
-            <a:spLocks noGrp="1" noRot="1" noChangeAspect="1" noMove="1" noResize="1" noEditPoints="1" noAdjustHandles="1" noChangeArrowheads="1" noChangeShapeType="1" noTextEdit="1"/>
-          </p:cNvSpPr>
-          <p:nvPr>
-            <p:extLst>
-              <p:ext uri="{386F3935-93C4-4BCD-93E2-E3B085C9AB24}">
-                <p16:designElem xmlns:p16="http://schemas.microsoft.com/office/powerpoint/2015/main" val="1"/>
-              </p:ext>
-            </p:extLst>
-          </p:nvPr>
-        </p:nvSpPr>
-        <p:spPr>
-          <a:xfrm>
-            <a:off x="334900" y="342900"/>
-            <a:ext cx="2777490" cy="71247"/>
-          </a:xfrm>
-          <a:prstGeom prst="rect">
-            <a:avLst/>
-          </a:prstGeom>
-          <a:solidFill>
-            <a:schemeClr val="accent1"/>
-          </a:solidFill>
-          <a:ln>
-            <a:noFill/>
-          </a:ln>
-          <a:effectLst/>
-        </p:spPr>
-        <p:style>
-          <a:lnRef idx="1">
-            <a:schemeClr val="accent1"/>
-          </a:lnRef>
-          <a:fillRef idx="3">
-            <a:schemeClr val="accent1"/>
-          </a:fillRef>
-          <a:effectRef idx="2">
-            <a:schemeClr val="accent1"/>
-          </a:effectRef>
-          <a:fontRef idx="minor">
-            <a:schemeClr val="lt1"/>
-          </a:fontRef>
-        </p:style>
-      </p:sp>
-      <p:sp>
-        <p:nvSpPr>
-          <p:cNvPr id="117" name="Rectangle 116">
-            <a:extLst>
-              <a:ext uri="{FF2B5EF4-FFF2-40B4-BE49-F238E27FC236}">
-                <a16:creationId xmlns:a16="http://schemas.microsoft.com/office/drawing/2014/main" id="{204AEF18-0627-48F3-9B3D-F7E8F050B1D4}"/>
-              </a:ext>
-              <a:ext uri="{C183D7F6-B498-43B3-948B-1728B52AA6E4}">
-                <adec:decorative xmlns:adec="http://schemas.microsoft.com/office/drawing/2017/decorative" val="1"/>
-              </a:ext>
-            </a:extLst>
-          </p:cNvPr>
-          <p:cNvSpPr>
-            <a:spLocks noGrp="1" noRot="1" noChangeAspect="1" noMove="1" noResize="1" noEditPoints="1" noAdjustHandles="1" noChangeArrowheads="1" noChangeShapeType="1" noTextEdit="1"/>
-          </p:cNvSpPr>
-          <p:nvPr>
-            <p:extLst>
-              <p:ext uri="{386F3935-93C4-4BCD-93E2-E3B085C9AB24}">
-                <p16:designElem xmlns:p16="http://schemas.microsoft.com/office/powerpoint/2015/main" val="1"/>
-              </p:ext>
-            </p:extLst>
-          </p:nvPr>
-        </p:nvSpPr>
-        <p:spPr>
-          <a:xfrm>
-            <a:off x="6031610" y="340232"/>
-            <a:ext cx="2777490" cy="73915"/>
-          </a:xfrm>
-          <a:prstGeom prst="rect">
-            <a:avLst/>
-          </a:prstGeom>
-          <a:solidFill>
-            <a:schemeClr val="accent4"/>
-          </a:solidFill>
-          <a:ln>
-            <a:noFill/>
-          </a:ln>
-          <a:effectLst/>
-        </p:spPr>
-        <p:style>
-          <a:lnRef idx="1">
-            <a:schemeClr val="accent1"/>
-          </a:lnRef>
-          <a:fillRef idx="3">
-            <a:schemeClr val="accent1"/>
-          </a:fillRef>
-          <a:effectRef idx="2">
-            <a:schemeClr val="accent1"/>
-          </a:effectRef>
-          <a:fontRef idx="minor">
-            <a:schemeClr val="lt1"/>
-          </a:fontRef>
-        </p:style>
-      </p:sp>
-      <p:sp>
-        <p:nvSpPr>
-          <p:cNvPr id="119" name="Rectangle 118">
-            <a:extLst>
-              <a:ext uri="{FF2B5EF4-FFF2-40B4-BE49-F238E27FC236}">
-                <a16:creationId xmlns:a16="http://schemas.microsoft.com/office/drawing/2014/main" id="{CEAEE08A-C572-438F-9753-B0D527A515A7}"/>
-              </a:ext>
-              <a:ext uri="{C183D7F6-B498-43B3-948B-1728B52AA6E4}">
-                <adec:decorative xmlns:adec="http://schemas.microsoft.com/office/drawing/2017/decorative" val="1"/>
-              </a:ext>
-            </a:extLst>
-          </p:cNvPr>
-          <p:cNvSpPr>
-            <a:spLocks noGrp="1" noRot="1" noChangeAspect="1" noMove="1" noResize="1" noEditPoints="1" noAdjustHandles="1" noChangeArrowheads="1" noChangeShapeType="1" noTextEdit="1"/>
-          </p:cNvSpPr>
-          <p:nvPr>
-            <p:extLst>
-              <p:ext uri="{386F3935-93C4-4BCD-93E2-E3B085C9AB24}">
-                <p16:designElem xmlns:p16="http://schemas.microsoft.com/office/powerpoint/2015/main" val="1"/>
-              </p:ext>
-            </p:extLst>
-          </p:nvPr>
-        </p:nvSpPr>
-        <p:spPr>
-          <a:xfrm>
-            <a:off x="3181372" y="342900"/>
-            <a:ext cx="2777490" cy="68580"/>
-          </a:xfrm>
-          <a:prstGeom prst="rect">
-            <a:avLst/>
-          </a:prstGeom>
-          <a:solidFill>
-            <a:schemeClr val="accent2"/>
-          </a:solidFill>
-          <a:ln>
-            <a:noFill/>
-          </a:ln>
-          <a:effectLst/>
-        </p:spPr>
-        <p:style>
-          <a:lnRef idx="1">
-            <a:schemeClr val="accent1"/>
-          </a:lnRef>
-          <a:fillRef idx="3">
-            <a:schemeClr val="accent1"/>
-          </a:fillRef>
-          <a:effectRef idx="2">
-            <a:schemeClr val="accent1"/>
-          </a:effectRef>
-          <a:fontRef idx="minor">
-            <a:schemeClr val="lt1"/>
-          </a:fontRef>
-        </p:style>
-      </p:sp>
-      <p:sp>
-        <p:nvSpPr>
-          <p:cNvPr id="121" name="Rectangle 120">
-            <a:extLst>
-              <a:ext uri="{FF2B5EF4-FFF2-40B4-BE49-F238E27FC236}">
-                <a16:creationId xmlns:a16="http://schemas.microsoft.com/office/drawing/2014/main" id="{DB93146F-62ED-4C59-844C-0935D0FB5031}"/>
-              </a:ext>
-              <a:ext uri="{C183D7F6-B498-43B3-948B-1728B52AA6E4}">
-                <adec:decorative xmlns:adec="http://schemas.microsoft.com/office/drawing/2017/decorative" val="1"/>
-              </a:ext>
-            </a:extLst>
-          </p:cNvPr>
-          <p:cNvSpPr>
-            <a:spLocks noGrp="1" noRot="1" noChangeAspect="1" noMove="1" noResize="1" noEditPoints="1" noAdjustHandles="1" noChangeArrowheads="1" noChangeShapeType="1" noTextEdit="1"/>
-          </p:cNvSpPr>
-          <p:nvPr>
-            <p:extLst>
-              <p:ext uri="{386F3935-93C4-4BCD-93E2-E3B085C9AB24}">
-                <p16:designElem xmlns:p16="http://schemas.microsoft.com/office/powerpoint/2015/main" val="1"/>
-              </p:ext>
-            </p:extLst>
-          </p:nvPr>
-        </p:nvSpPr>
-        <p:spPr>
-          <a:xfrm>
-            <a:off x="334900" y="2314323"/>
-            <a:ext cx="8447150" cy="2478600"/>
-          </a:xfrm>
-          <a:prstGeom prst="rect">
-            <a:avLst/>
-          </a:prstGeom>
-          <a:solidFill>
-            <a:schemeClr val="accent1"/>
-          </a:solidFill>
-          <a:ln>
-            <a:noFill/>
-          </a:ln>
-          <a:effectLst/>
-        </p:spPr>
-        <p:style>
-          <a:lnRef idx="1">
-            <a:schemeClr val="accent1"/>
-          </a:lnRef>
-          <a:fillRef idx="3">
-            <a:schemeClr val="accent1"/>
-          </a:fillRef>
-          <a:effectRef idx="2">
-            <a:schemeClr val="accent1"/>
-          </a:effectRef>
-          <a:fontRef idx="minor">
-            <a:schemeClr val="lt1"/>
-          </a:fontRef>
-        </p:style>
-      </p:sp>
-      <p:sp useBgFill="1">
-        <p:nvSpPr>
-          <p:cNvPr id="123" name="Rectangle 122">
-            <a:extLst>
-              <a:ext uri="{FF2B5EF4-FFF2-40B4-BE49-F238E27FC236}">
-                <a16:creationId xmlns:a16="http://schemas.microsoft.com/office/drawing/2014/main" id="{BF3D65BA-1C65-40FB-92EF-83951BDC1D7C}"/>
-              </a:ext>
-              <a:ext uri="{C183D7F6-B498-43B3-948B-1728B52AA6E4}">
-                <adec:decorative xmlns:adec="http://schemas.microsoft.com/office/drawing/2017/decorative" val="1"/>
-              </a:ext>
-            </a:extLst>
-          </p:cNvPr>
-          <p:cNvSpPr>
-            <a:spLocks noGrp="1" noRot="1" noChangeAspect="1" noMove="1" noResize="1" noEditPoints="1" noAdjustHandles="1" noChangeArrowheads="1" noChangeShapeType="1" noTextEdit="1"/>
-          </p:cNvSpPr>
-          <p:nvPr>
-            <p:extLst>
-              <p:ext uri="{386F3935-93C4-4BCD-93E2-E3B085C9AB24}">
-                <p16:designElem xmlns:p16="http://schemas.microsoft.com/office/powerpoint/2015/main" val="1"/>
-              </p:ext>
-            </p:extLst>
-          </p:nvPr>
-        </p:nvSpPr>
-        <p:spPr>
-          <a:xfrm>
-            <a:off x="0" y="478631"/>
-            <a:ext cx="9143999" cy="4664869"/>
-          </a:xfrm>
-          <a:prstGeom prst="rect">
-            <a:avLst/>
-          </a:prstGeom>
-          <a:ln>
-            <a:noFill/>
-          </a:ln>
-        </p:spPr>
-        <p:style>
-          <a:lnRef idx="2">
-            <a:schemeClr val="accent1">
-              <a:shade val="50000"/>
-            </a:schemeClr>
-          </a:lnRef>
-          <a:fillRef idx="1">
-            <a:schemeClr val="accent1"/>
-          </a:fillRef>
-          <a:effectRef idx="0">
-            <a:schemeClr val="accent1"/>
-          </a:effectRef>
-          <a:fontRef idx="minor">
-            <a:schemeClr val="lt1"/>
-          </a:fontRef>
-        </p:style>
-        <p:txBody>
-          <a:bodyPr rtlCol="0" anchor="ctr"/>
-          <a:lstStyle/>
-          <a:p>
-            <a:pPr algn="ctr"/>
-            <a:endParaRPr lang="en-US"/>
-          </a:p>
-        </p:txBody>
-      </p:sp>
-      <p:pic>
-        <p:nvPicPr>
-          <p:cNvPr id="4" name="Picture 3">
-            <a:extLst>
-              <a:ext uri="{FF2B5EF4-FFF2-40B4-BE49-F238E27FC236}">
-                <a16:creationId xmlns:a16="http://schemas.microsoft.com/office/drawing/2014/main" id="{A5BFE3B7-D3EA-42DC-A5AD-3B0F4A608F1D}"/>
-              </a:ext>
-            </a:extLst>
-          </p:cNvPr>
-          <p:cNvPicPr>
-            <a:picLocks noChangeAspect="1"/>
-          </p:cNvPicPr>
-          <p:nvPr/>
-        </p:nvPicPr>
-        <p:blipFill rotWithShape="1">
-          <a:blip r:embed="rId3"/>
-          <a:srcRect l="2986" t="996" r="1045" b="2863"/>
-          <a:stretch/>
-        </p:blipFill>
-        <p:spPr>
-          <a:xfrm>
-            <a:off x="1003194" y="552606"/>
-            <a:ext cx="4356355" cy="4247447"/>
-          </a:xfrm>
-          <a:prstGeom prst="rect">
-            <a:avLst/>
-          </a:prstGeom>
-        </p:spPr>
-      </p:pic>
-      <p:sp>
-        <p:nvSpPr>
-          <p:cNvPr id="125" name="Rectangle 124">
-            <a:extLst>
-              <a:ext uri="{FF2B5EF4-FFF2-40B4-BE49-F238E27FC236}">
-                <a16:creationId xmlns:a16="http://schemas.microsoft.com/office/drawing/2014/main" id="{ADF52CCA-FCDD-49A0-BFFC-3BD41F1B827A}"/>
-              </a:ext>
-              <a:ext uri="{C183D7F6-B498-43B3-948B-1728B52AA6E4}">
-                <adec:decorative xmlns:adec="http://schemas.microsoft.com/office/drawing/2017/decorative" val="1"/>
-              </a:ext>
-            </a:extLst>
-          </p:cNvPr>
-          <p:cNvSpPr>
-            <a:spLocks noGrp="1" noRot="1" noChangeAspect="1" noMove="1" noResize="1" noEditPoints="1" noAdjustHandles="1" noChangeArrowheads="1" noChangeShapeType="1" noTextEdit="1"/>
-          </p:cNvSpPr>
-          <p:nvPr>
-            <p:extLst>
-              <p:ext uri="{386F3935-93C4-4BCD-93E2-E3B085C9AB24}">
-                <p16:designElem xmlns:p16="http://schemas.microsoft.com/office/powerpoint/2015/main" val="1"/>
-              </p:ext>
-            </p:extLst>
-          </p:nvPr>
-        </p:nvSpPr>
-        <p:spPr>
-          <a:xfrm>
-            <a:off x="6031610" y="542924"/>
-            <a:ext cx="2777490" cy="4249999"/>
-          </a:xfrm>
-          <a:prstGeom prst="rect">
-            <a:avLst/>
-          </a:prstGeom>
-          <a:solidFill>
-            <a:schemeClr val="accent1"/>
-          </a:solidFill>
-          <a:ln>
-            <a:noFill/>
-          </a:ln>
-          <a:effectLst/>
-        </p:spPr>
-        <p:style>
-          <a:lnRef idx="1">
-            <a:schemeClr val="accent1"/>
-          </a:lnRef>
-          <a:fillRef idx="3">
-            <a:schemeClr val="accent1"/>
-          </a:fillRef>
-          <a:effectRef idx="2">
-            <a:schemeClr val="accent1"/>
-          </a:effectRef>
-          <a:fontRef idx="minor">
-            <a:schemeClr val="lt1"/>
-          </a:fontRef>
-        </p:style>
-      </p:sp>
-      <p:sp>
-        <p:nvSpPr>
-          <p:cNvPr id="73" name="Google Shape;73;p16"/>
-          <p:cNvSpPr txBox="1">
-            <a:spLocks noGrp="1"/>
-          </p:cNvSpPr>
-          <p:nvPr>
-            <p:ph type="title"/>
-          </p:nvPr>
-        </p:nvSpPr>
-        <p:spPr>
-          <a:xfrm>
-            <a:off x="6222206" y="1064418"/>
-            <a:ext cx="2311182" cy="1564402"/>
-          </a:xfrm>
-          <a:prstGeom prst="rect">
-            <a:avLst/>
-          </a:prstGeom>
-        </p:spPr>
-        <p:txBody>
-          <a:bodyPr spcFirstLastPara="1" vert="horz" lIns="91440" tIns="45720" rIns="91440" bIns="45720" rtlCol="0" anchor="b" anchorCtr="0">
-            <a:normAutofit/>
-          </a:bodyPr>
-          <a:lstStyle/>
-          <a:p>
-            <a:pPr marL="0" lvl="0" indent="0" defTabSz="457200">
-              <a:spcBef>
-                <a:spcPct val="0"/>
-              </a:spcBef>
-              <a:spcAft>
-                <a:spcPts val="0"/>
-              </a:spcAft>
-            </a:pPr>
-            <a:r>
-              <a:rPr lang="en-US" sz="3600">
-                <a:solidFill>
-                  <a:srgbClr val="FFFFFF"/>
-                </a:solidFill>
-              </a:rPr>
-              <a:t>EDA</a:t>
-            </a:r>
-          </a:p>
-        </p:txBody>
-      </p:sp>
-    </p:spTree>
-    <p:extLst>
-      <p:ext uri="{BB962C8B-B14F-4D97-AF65-F5344CB8AC3E}">
-        <p14:creationId xmlns:p14="http://schemas.microsoft.com/office/powerpoint/2010/main" val="3712317119"/>
-      </p:ext>
-    </p:extLst>
-  </p:cSld>
-  <p:clrMapOvr>
-    <a:masterClrMapping/>
-  </p:clrMapOvr>
-</p:sld>
-</file>
-
-<file path=ppt/slides/slide6.xml><?xml version="1.0" encoding="utf-8"?>
 <p:sld xmlns:a="http://schemas.openxmlformats.org/drawingml/2006/main" xmlns:r="http://schemas.openxmlformats.org/officeDocument/2006/relationships" xmlns:p="http://schemas.openxmlformats.org/presentationml/2006/main">
   <p:cSld>
     <p:bg>
@@ -14958,7 +13186,7 @@
 </p:sld>
 </file>
 
-<file path=ppt/slides/slide7.xml><?xml version="1.0" encoding="utf-8"?>
+<file path=ppt/slides/slide6.xml><?xml version="1.0" encoding="utf-8"?>
 <p:sld xmlns:a="http://schemas.openxmlformats.org/drawingml/2006/main" xmlns:r="http://schemas.openxmlformats.org/officeDocument/2006/relationships" xmlns:p="http://schemas.openxmlformats.org/presentationml/2006/main">
   <p:cSld>
     <p:bg>
@@ -15683,44 +13911,12 @@
           </a:p>
         </p:txBody>
       </p:sp>
-      <p:sp>
-        <p:nvSpPr>
-          <p:cNvPr id="4" name="TextBox 3">
+      <p:grpSp>
+        <p:nvGrpSpPr>
+          <p:cNvPr id="10" name="Group 9">
             <a:extLst>
               <a:ext uri="{FF2B5EF4-FFF2-40B4-BE49-F238E27FC236}">
-                <a16:creationId xmlns:a16="http://schemas.microsoft.com/office/drawing/2014/main" id="{A91860E7-872F-49B7-91A6-B83EFF48BC39}"/>
-              </a:ext>
-            </a:extLst>
-          </p:cNvPr>
-          <p:cNvSpPr txBox="1"/>
-          <p:nvPr/>
-        </p:nvSpPr>
-        <p:spPr>
-          <a:xfrm>
-            <a:off x="7399020" y="1203960"/>
-            <a:ext cx="1524000" cy="701040"/>
-          </a:xfrm>
-          <a:prstGeom prst="rect">
-            <a:avLst/>
-          </a:prstGeom>
-          <a:noFill/>
-        </p:spPr>
-        <p:txBody>
-          <a:bodyPr wrap="square" rtlCol="0">
-            <a:spAutoFit/>
-          </a:bodyPr>
-          <a:lstStyle/>
-          <a:p>
-            <a:endParaRPr lang="en-US" dirty="0"/>
-          </a:p>
-        </p:txBody>
-      </p:sp>
-      <p:grpSp>
-        <p:nvGrpSpPr>
-          <p:cNvPr id="18" name="Group 17">
-            <a:extLst>
-              <a:ext uri="{FF2B5EF4-FFF2-40B4-BE49-F238E27FC236}">
-                <a16:creationId xmlns:a16="http://schemas.microsoft.com/office/drawing/2014/main" id="{E3B82C0D-953B-4178-9847-5197394DD914}"/>
+                <a16:creationId xmlns:a16="http://schemas.microsoft.com/office/drawing/2014/main" id="{E2DEAE54-7501-486B-9818-B6E5EBD12A2E}"/>
               </a:ext>
             </a:extLst>
           </p:cNvPr>
@@ -15729,18 +13925,50 @@
         </p:nvGrpSpPr>
         <p:grpSpPr>
           <a:xfrm>
-            <a:off x="3112390" y="1203960"/>
-            <a:ext cx="6013103" cy="2571750"/>
-            <a:chOff x="776933" y="590550"/>
-            <a:chExt cx="6013103" cy="2571750"/>
+            <a:off x="3113322" y="1117483"/>
+            <a:ext cx="5809698" cy="2643266"/>
+            <a:chOff x="3113322" y="554265"/>
+            <a:chExt cx="5809698" cy="2643266"/>
           </a:xfrm>
         </p:grpSpPr>
+        <p:sp>
+          <p:nvSpPr>
+            <p:cNvPr id="4" name="TextBox 3">
+              <a:extLst>
+                <a:ext uri="{FF2B5EF4-FFF2-40B4-BE49-F238E27FC236}">
+                  <a16:creationId xmlns:a16="http://schemas.microsoft.com/office/drawing/2014/main" id="{A91860E7-872F-49B7-91A6-B83EFF48BC39}"/>
+                </a:ext>
+              </a:extLst>
+            </p:cNvPr>
+            <p:cNvSpPr txBox="1"/>
+            <p:nvPr/>
+          </p:nvSpPr>
+          <p:spPr>
+            <a:xfrm>
+              <a:off x="7399020" y="1203960"/>
+              <a:ext cx="1524000" cy="701040"/>
+            </a:xfrm>
+            <a:prstGeom prst="rect">
+              <a:avLst/>
+            </a:prstGeom>
+            <a:noFill/>
+          </p:spPr>
+          <p:txBody>
+            <a:bodyPr wrap="square" rtlCol="0">
+              <a:spAutoFit/>
+            </a:bodyPr>
+            <a:lstStyle/>
+            <a:p>
+              <a:endParaRPr lang="en-US" dirty="0"/>
+            </a:p>
+          </p:txBody>
+        </p:sp>
         <p:pic>
           <p:nvPicPr>
-            <p:cNvPr id="19" name="Picture 18" descr="Graphical user interface, application, table&#10;&#10;Description automatically generated">
+            <p:cNvPr id="3" name="Picture 2">
               <a:extLst>
                 <a:ext uri="{FF2B5EF4-FFF2-40B4-BE49-F238E27FC236}">
-                  <a16:creationId xmlns:a16="http://schemas.microsoft.com/office/drawing/2014/main" id="{76659538-54FA-4A4E-9542-34BFF8EF1472}"/>
+                  <a16:creationId xmlns:a16="http://schemas.microsoft.com/office/drawing/2014/main" id="{61C17E50-30C2-4987-98A8-C75E673F7613}"/>
                 </a:ext>
               </a:extLst>
             </p:cNvPr>
@@ -15749,15 +13977,16 @@
             </p:cNvPicPr>
             <p:nvPr/>
           </p:nvPicPr>
-          <p:blipFill rotWithShape="1">
+          <p:blipFill>
             <a:blip r:embed="rId3"/>
-            <a:srcRect t="33629" b="16371"/>
-            <a:stretch/>
+            <a:stretch>
+              <a:fillRect/>
+            </a:stretch>
           </p:blipFill>
           <p:spPr>
             <a:xfrm>
-              <a:off x="3665221" y="590550"/>
-              <a:ext cx="3124815" cy="2571750"/>
+              <a:off x="3113322" y="554265"/>
+              <a:ext cx="2806168" cy="1735393"/>
             </a:xfrm>
             <a:prstGeom prst="rect">
               <a:avLst/>
@@ -15766,10 +13995,10 @@
         </p:pic>
         <p:pic>
           <p:nvPicPr>
-            <p:cNvPr id="20" name="Picture 19" descr="Graphical user interface, application, table&#10;&#10;Description automatically generated">
+            <p:cNvPr id="7" name="Picture 6">
               <a:extLst>
                 <a:ext uri="{FF2B5EF4-FFF2-40B4-BE49-F238E27FC236}">
-                  <a16:creationId xmlns:a16="http://schemas.microsoft.com/office/drawing/2014/main" id="{8F2C3963-4BFC-4714-9A9F-283CA08A0DEF}"/>
+                  <a16:creationId xmlns:a16="http://schemas.microsoft.com/office/drawing/2014/main" id="{3697B718-A8E8-4768-8282-25547435832C}"/>
                 </a:ext>
               </a:extLst>
             </p:cNvPr>
@@ -15778,15 +14007,16 @@
             </p:cNvPicPr>
             <p:nvPr/>
           </p:nvPicPr>
-          <p:blipFill rotWithShape="1">
-            <a:blip r:embed="rId3"/>
-            <a:srcRect r="7570" b="66445"/>
-            <a:stretch/>
+          <p:blipFill>
+            <a:blip r:embed="rId4"/>
+            <a:stretch>
+              <a:fillRect/>
+            </a:stretch>
           </p:blipFill>
           <p:spPr>
             <a:xfrm>
-              <a:off x="776933" y="590550"/>
-              <a:ext cx="2888288" cy="1725930"/>
+              <a:off x="5835009" y="619759"/>
+              <a:ext cx="3088011" cy="2459940"/>
             </a:xfrm>
             <a:prstGeom prst="rect">
               <a:avLst/>
@@ -15795,10 +14025,10 @@
         </p:pic>
         <p:pic>
           <p:nvPicPr>
-            <p:cNvPr id="21" name="Picture 20" descr="Graphical user interface, application, table&#10;&#10;Description automatically generated">
+            <p:cNvPr id="9" name="Picture 8">
               <a:extLst>
                 <a:ext uri="{FF2B5EF4-FFF2-40B4-BE49-F238E27FC236}">
-                  <a16:creationId xmlns:a16="http://schemas.microsoft.com/office/drawing/2014/main" id="{80F17E0E-EDF0-4966-92A7-BBF4B4B1BAAE}"/>
+                  <a16:creationId xmlns:a16="http://schemas.microsoft.com/office/drawing/2014/main" id="{9D4C75C6-F6B2-466F-8ACF-8BF2AF8116A6}"/>
                 </a:ext>
               </a:extLst>
             </p:cNvPr>
@@ -15807,15 +14037,16 @@
             </p:cNvPicPr>
             <p:nvPr/>
           </p:nvPicPr>
-          <p:blipFill rotWithShape="1">
-            <a:blip r:embed="rId3"/>
-            <a:srcRect t="83704" r="21957"/>
-            <a:stretch/>
+          <p:blipFill>
+            <a:blip r:embed="rId5"/>
+            <a:stretch>
+              <a:fillRect/>
+            </a:stretch>
           </p:blipFill>
           <p:spPr>
             <a:xfrm>
-              <a:off x="776933" y="2316480"/>
-              <a:ext cx="2438708" cy="838200"/>
+              <a:off x="3181372" y="2275206"/>
+              <a:ext cx="2652705" cy="922325"/>
             </a:xfrm>
             <a:prstGeom prst="rect">
               <a:avLst/>
@@ -15836,7 +14067,7 @@
 </p:sld>
 </file>
 
-<file path=ppt/slides/slide8.xml><?xml version="1.0" encoding="utf-8"?>
+<file path=ppt/slides/slide7.xml><?xml version="1.0" encoding="utf-8"?>
 <p:sld xmlns:a="http://schemas.openxmlformats.org/drawingml/2006/main" xmlns:r="http://schemas.openxmlformats.org/officeDocument/2006/relationships" xmlns:p="http://schemas.openxmlformats.org/presentationml/2006/main">
   <p:cSld>
     <p:bg>
@@ -16192,16 +14423,15 @@
           </p:cNvPicPr>
           <p:nvPr/>
         </p:nvPicPr>
-        <p:blipFill>
+        <p:blipFill rotWithShape="1">
           <a:blip r:embed="rId3"/>
-          <a:stretch>
-            <a:fillRect/>
-          </a:stretch>
+          <a:srcRect t="2557"/>
+          <a:stretch/>
         </p:blipFill>
         <p:spPr>
           <a:xfrm>
-            <a:off x="1961755" y="596181"/>
-            <a:ext cx="5193438" cy="2674621"/>
+            <a:off x="515671" y="717825"/>
+            <a:ext cx="5193438" cy="2606234"/>
           </a:xfrm>
           <a:prstGeom prst="rect">
             <a:avLst/>
@@ -16240,12 +14470,727 @@
           </a:p>
         </p:txBody>
       </p:sp>
+      <p:pic>
+        <p:nvPicPr>
+          <p:cNvPr id="10" name="Picture 9">
+            <a:extLst>
+              <a:ext uri="{FF2B5EF4-FFF2-40B4-BE49-F238E27FC236}">
+                <a16:creationId xmlns:a16="http://schemas.microsoft.com/office/drawing/2014/main" id="{C430C996-C0B7-47AF-8470-1EFA334DA19A}"/>
+              </a:ext>
+            </a:extLst>
+          </p:cNvPr>
+          <p:cNvPicPr>
+            <a:picLocks noChangeAspect="1"/>
+          </p:cNvPicPr>
+          <p:nvPr/>
+        </p:nvPicPr>
+        <p:blipFill rotWithShape="1">
+          <a:blip r:embed="rId4"/>
+          <a:srcRect l="903" t="4882" r="49959" b="1814"/>
+          <a:stretch/>
+        </p:blipFill>
+        <p:spPr>
+          <a:xfrm>
+            <a:off x="5889880" y="717825"/>
+            <a:ext cx="2252870" cy="2431334"/>
+          </a:xfrm>
+          <a:prstGeom prst="rect">
+            <a:avLst/>
+          </a:prstGeom>
+        </p:spPr>
+      </p:pic>
     </p:spTree>
     <p:extLst>
       <p:ext uri="{BB962C8B-B14F-4D97-AF65-F5344CB8AC3E}">
         <p14:creationId xmlns:p14="http://schemas.microsoft.com/office/powerpoint/2010/main" val="2365533740"/>
       </p:ext>
     </p:extLst>
+  </p:cSld>
+  <p:clrMapOvr>
+    <a:masterClrMapping/>
+  </p:clrMapOvr>
+</p:sld>
+</file>
+
+<file path=ppt/slides/slide8.xml><?xml version="1.0" encoding="utf-8"?>
+<p:sld xmlns:a="http://schemas.openxmlformats.org/drawingml/2006/main" xmlns:r="http://schemas.openxmlformats.org/officeDocument/2006/relationships" xmlns:p="http://schemas.openxmlformats.org/presentationml/2006/main">
+  <p:cSld>
+    <p:bg>
+      <p:bgPr>
+        <a:solidFill>
+          <a:schemeClr val="bg1"/>
+        </a:solidFill>
+        <a:effectLst/>
+      </p:bgPr>
+    </p:bg>
+    <p:spTree>
+      <p:nvGrpSpPr>
+        <p:cNvPr id="1" name="Shape 90"/>
+        <p:cNvGrpSpPr/>
+        <p:nvPr/>
+      </p:nvGrpSpPr>
+      <p:grpSpPr>
+        <a:xfrm>
+          <a:off x="0" y="0"/>
+          <a:ext cx="0" cy="0"/>
+          <a:chOff x="0" y="0"/>
+          <a:chExt cx="0" cy="0"/>
+        </a:xfrm>
+      </p:grpSpPr>
+      <p:sp>
+        <p:nvSpPr>
+          <p:cNvPr id="150" name="Rectangle 149">
+            <a:extLst>
+              <a:ext uri="{FF2B5EF4-FFF2-40B4-BE49-F238E27FC236}">
+                <a16:creationId xmlns:a16="http://schemas.microsoft.com/office/drawing/2014/main" id="{E9AA9F65-94B8-41A5-A7FF-23D2CFB116BB}"/>
+              </a:ext>
+              <a:ext uri="{C183D7F6-B498-43B3-948B-1728B52AA6E4}">
+                <adec:decorative xmlns:adec="http://schemas.microsoft.com/office/drawing/2017/decorative" val="1"/>
+              </a:ext>
+            </a:extLst>
+          </p:cNvPr>
+          <p:cNvSpPr>
+            <a:spLocks noGrp="1" noRot="1" noChangeAspect="1" noMove="1" noResize="1" noEditPoints="1" noAdjustHandles="1" noChangeArrowheads="1" noChangeShapeType="1" noTextEdit="1"/>
+          </p:cNvSpPr>
+          <p:nvPr>
+            <p:extLst>
+              <p:ext uri="{386F3935-93C4-4BCD-93E2-E3B085C9AB24}">
+                <p16:designElem xmlns:p16="http://schemas.microsoft.com/office/powerpoint/2015/main" val="1"/>
+              </p:ext>
+            </p:extLst>
+          </p:nvPr>
+        </p:nvSpPr>
+        <p:spPr>
+          <a:xfrm>
+            <a:off x="334900" y="342900"/>
+            <a:ext cx="2777490" cy="71247"/>
+          </a:xfrm>
+          <a:prstGeom prst="rect">
+            <a:avLst/>
+          </a:prstGeom>
+          <a:solidFill>
+            <a:schemeClr val="accent1"/>
+          </a:solidFill>
+          <a:ln>
+            <a:noFill/>
+          </a:ln>
+          <a:effectLst/>
+        </p:spPr>
+        <p:style>
+          <a:lnRef idx="1">
+            <a:schemeClr val="accent1"/>
+          </a:lnRef>
+          <a:fillRef idx="3">
+            <a:schemeClr val="accent1"/>
+          </a:fillRef>
+          <a:effectRef idx="2">
+            <a:schemeClr val="accent1"/>
+          </a:effectRef>
+          <a:fontRef idx="minor">
+            <a:schemeClr val="lt1"/>
+          </a:fontRef>
+        </p:style>
+      </p:sp>
+      <p:sp>
+        <p:nvSpPr>
+          <p:cNvPr id="152" name="Rectangle 151">
+            <a:extLst>
+              <a:ext uri="{FF2B5EF4-FFF2-40B4-BE49-F238E27FC236}">
+                <a16:creationId xmlns:a16="http://schemas.microsoft.com/office/drawing/2014/main" id="{7E8B0F8E-3F6C-4541-B9C1-774D80A08834}"/>
+              </a:ext>
+              <a:ext uri="{C183D7F6-B498-43B3-948B-1728B52AA6E4}">
+                <adec:decorative xmlns:adec="http://schemas.microsoft.com/office/drawing/2017/decorative" val="1"/>
+              </a:ext>
+            </a:extLst>
+          </p:cNvPr>
+          <p:cNvSpPr>
+            <a:spLocks noGrp="1" noRot="1" noChangeAspect="1" noMove="1" noResize="1" noEditPoints="1" noAdjustHandles="1" noChangeArrowheads="1" noChangeShapeType="1" noTextEdit="1"/>
+          </p:cNvSpPr>
+          <p:nvPr>
+            <p:extLst>
+              <p:ext uri="{386F3935-93C4-4BCD-93E2-E3B085C9AB24}">
+                <p16:designElem xmlns:p16="http://schemas.microsoft.com/office/powerpoint/2015/main" val="1"/>
+              </p:ext>
+            </p:extLst>
+          </p:nvPr>
+        </p:nvSpPr>
+        <p:spPr>
+          <a:xfrm>
+            <a:off x="6031610" y="340232"/>
+            <a:ext cx="2777490" cy="73915"/>
+          </a:xfrm>
+          <a:prstGeom prst="rect">
+            <a:avLst/>
+          </a:prstGeom>
+          <a:solidFill>
+            <a:schemeClr val="accent4"/>
+          </a:solidFill>
+          <a:ln>
+            <a:noFill/>
+          </a:ln>
+          <a:effectLst/>
+        </p:spPr>
+        <p:style>
+          <a:lnRef idx="1">
+            <a:schemeClr val="accent1"/>
+          </a:lnRef>
+          <a:fillRef idx="3">
+            <a:schemeClr val="accent1"/>
+          </a:fillRef>
+          <a:effectRef idx="2">
+            <a:schemeClr val="accent1"/>
+          </a:effectRef>
+          <a:fontRef idx="minor">
+            <a:schemeClr val="lt1"/>
+          </a:fontRef>
+        </p:style>
+      </p:sp>
+      <p:sp>
+        <p:nvSpPr>
+          <p:cNvPr id="154" name="Rectangle 153">
+            <a:extLst>
+              <a:ext uri="{FF2B5EF4-FFF2-40B4-BE49-F238E27FC236}">
+                <a16:creationId xmlns:a16="http://schemas.microsoft.com/office/drawing/2014/main" id="{7A45F5BC-32D1-41CD-B270-C46F18CA1ACC}"/>
+              </a:ext>
+              <a:ext uri="{C183D7F6-B498-43B3-948B-1728B52AA6E4}">
+                <adec:decorative xmlns:adec="http://schemas.microsoft.com/office/drawing/2017/decorative" val="1"/>
+              </a:ext>
+            </a:extLst>
+          </p:cNvPr>
+          <p:cNvSpPr>
+            <a:spLocks noGrp="1" noRot="1" noChangeAspect="1" noMove="1" noResize="1" noEditPoints="1" noAdjustHandles="1" noChangeArrowheads="1" noChangeShapeType="1" noTextEdit="1"/>
+          </p:cNvSpPr>
+          <p:nvPr>
+            <p:extLst>
+              <p:ext uri="{386F3935-93C4-4BCD-93E2-E3B085C9AB24}">
+                <p16:designElem xmlns:p16="http://schemas.microsoft.com/office/powerpoint/2015/main" val="1"/>
+              </p:ext>
+            </p:extLst>
+          </p:nvPr>
+        </p:nvSpPr>
+        <p:spPr>
+          <a:xfrm>
+            <a:off x="3181372" y="342900"/>
+            <a:ext cx="2777490" cy="68580"/>
+          </a:xfrm>
+          <a:prstGeom prst="rect">
+            <a:avLst/>
+          </a:prstGeom>
+          <a:solidFill>
+            <a:schemeClr val="accent2"/>
+          </a:solidFill>
+          <a:ln>
+            <a:noFill/>
+          </a:ln>
+          <a:effectLst/>
+        </p:spPr>
+        <p:style>
+          <a:lnRef idx="1">
+            <a:schemeClr val="accent1"/>
+          </a:lnRef>
+          <a:fillRef idx="3">
+            <a:schemeClr val="accent1"/>
+          </a:fillRef>
+          <a:effectRef idx="2">
+            <a:schemeClr val="accent1"/>
+          </a:effectRef>
+          <a:fontRef idx="minor">
+            <a:schemeClr val="lt1"/>
+          </a:fontRef>
+        </p:style>
+      </p:sp>
+      <p:sp>
+        <p:nvSpPr>
+          <p:cNvPr id="156" name="Rectangle 155">
+            <a:extLst>
+              <a:ext uri="{FF2B5EF4-FFF2-40B4-BE49-F238E27FC236}">
+                <a16:creationId xmlns:a16="http://schemas.microsoft.com/office/drawing/2014/main" id="{5BB74D4E-F243-4A10-813D-500A14025392}"/>
+              </a:ext>
+              <a:ext uri="{C183D7F6-B498-43B3-948B-1728B52AA6E4}">
+                <adec:decorative xmlns:adec="http://schemas.microsoft.com/office/drawing/2017/decorative" val="1"/>
+              </a:ext>
+            </a:extLst>
+          </p:cNvPr>
+          <p:cNvSpPr>
+            <a:spLocks noGrp="1" noRot="1" noChangeAspect="1" noMove="1" noResize="1" noEditPoints="1" noAdjustHandles="1" noChangeArrowheads="1" noChangeShapeType="1" noTextEdit="1"/>
+          </p:cNvSpPr>
+          <p:nvPr>
+            <p:extLst>
+              <p:ext uri="{386F3935-93C4-4BCD-93E2-E3B085C9AB24}">
+                <p16:designElem xmlns:p16="http://schemas.microsoft.com/office/powerpoint/2015/main" val="1"/>
+              </p:ext>
+            </p:extLst>
+          </p:nvPr>
+        </p:nvSpPr>
+        <p:spPr>
+          <a:xfrm>
+            <a:off x="330214" y="460805"/>
+            <a:ext cx="8482004" cy="891973"/>
+          </a:xfrm>
+          <a:prstGeom prst="rect">
+            <a:avLst/>
+          </a:prstGeom>
+          <a:solidFill>
+            <a:schemeClr val="accent1"/>
+          </a:solidFill>
+          <a:ln>
+            <a:noFill/>
+          </a:ln>
+          <a:effectLst/>
+        </p:spPr>
+        <p:style>
+          <a:lnRef idx="1">
+            <a:schemeClr val="accent1"/>
+          </a:lnRef>
+          <a:fillRef idx="3">
+            <a:schemeClr val="accent1"/>
+          </a:fillRef>
+          <a:effectRef idx="2">
+            <a:schemeClr val="accent1"/>
+          </a:effectRef>
+          <a:fontRef idx="minor">
+            <a:schemeClr val="lt1"/>
+          </a:fontRef>
+        </p:style>
+      </p:sp>
+      <p:sp>
+        <p:nvSpPr>
+          <p:cNvPr id="158" name="Rectangle 157">
+            <a:extLst>
+              <a:ext uri="{FF2B5EF4-FFF2-40B4-BE49-F238E27FC236}">
+                <a16:creationId xmlns:a16="http://schemas.microsoft.com/office/drawing/2014/main" id="{1A59258C-AAC2-41CD-973C-7439B122A3FF}"/>
+              </a:ext>
+              <a:ext uri="{C183D7F6-B498-43B3-948B-1728B52AA6E4}">
+                <adec:decorative xmlns:adec="http://schemas.microsoft.com/office/drawing/2017/decorative" val="1"/>
+              </a:ext>
+            </a:extLst>
+          </p:cNvPr>
+          <p:cNvSpPr>
+            <a:spLocks noGrp="1" noRot="1" noChangeAspect="1" noMove="1" noResize="1" noEditPoints="1" noAdjustHandles="1" noChangeArrowheads="1" noChangeShapeType="1" noTextEdit="1"/>
+          </p:cNvSpPr>
+          <p:nvPr>
+            <p:extLst>
+              <p:ext uri="{386F3935-93C4-4BCD-93E2-E3B085C9AB24}">
+                <p16:designElem xmlns:p16="http://schemas.microsoft.com/office/powerpoint/2015/main" val="1"/>
+              </p:ext>
+            </p:extLst>
+          </p:nvPr>
+        </p:nvSpPr>
+        <p:spPr>
+          <a:xfrm>
+            <a:off x="0" y="0"/>
+            <a:ext cx="9144000" cy="5143500"/>
+          </a:xfrm>
+          <a:prstGeom prst="rect">
+            <a:avLst/>
+          </a:prstGeom>
+          <a:solidFill>
+            <a:srgbClr val="FFFFFF"/>
+          </a:solidFill>
+          <a:ln>
+            <a:noFill/>
+          </a:ln>
+        </p:spPr>
+        <p:style>
+          <a:lnRef idx="2">
+            <a:schemeClr val="accent1">
+              <a:shade val="50000"/>
+            </a:schemeClr>
+          </a:lnRef>
+          <a:fillRef idx="1">
+            <a:schemeClr val="accent1"/>
+          </a:fillRef>
+          <a:effectRef idx="0">
+            <a:schemeClr val="accent1"/>
+          </a:effectRef>
+          <a:fontRef idx="minor">
+            <a:schemeClr val="lt1"/>
+          </a:fontRef>
+        </p:style>
+        <p:txBody>
+          <a:bodyPr rtlCol="0" anchor="ctr"/>
+          <a:lstStyle/>
+          <a:p>
+            <a:pPr marL="285750" indent="-285750" algn="ctr">
+              <a:buClr>
+                <a:schemeClr val="accent1"/>
+              </a:buClr>
+              <a:buFont typeface="Arial" panose="020B0604020202020204" pitchFamily="34" charset="0"/>
+              <a:buChar char="•"/>
+            </a:pPr>
+            <a:endParaRPr lang="en-US" dirty="0"/>
+          </a:p>
+        </p:txBody>
+      </p:sp>
+      <p:sp>
+        <p:nvSpPr>
+          <p:cNvPr id="160" name="Rectangle 159">
+            <a:extLst>
+              <a:ext uri="{FF2B5EF4-FFF2-40B4-BE49-F238E27FC236}">
+                <a16:creationId xmlns:a16="http://schemas.microsoft.com/office/drawing/2014/main" id="{54516B72-0116-42B2-82A2-B11218A36636}"/>
+              </a:ext>
+              <a:ext uri="{C183D7F6-B498-43B3-948B-1728B52AA6E4}">
+                <adec:decorative xmlns:adec="http://schemas.microsoft.com/office/drawing/2017/decorative" val="1"/>
+              </a:ext>
+            </a:extLst>
+          </p:cNvPr>
+          <p:cNvSpPr>
+            <a:spLocks noGrp="1" noRot="1" noChangeAspect="1" noMove="1" noResize="1" noEditPoints="1" noAdjustHandles="1" noChangeArrowheads="1" noChangeShapeType="1" noTextEdit="1"/>
+          </p:cNvSpPr>
+          <p:nvPr>
+            <p:extLst>
+              <p:ext uri="{386F3935-93C4-4BCD-93E2-E3B085C9AB24}">
+                <p16:designElem xmlns:p16="http://schemas.microsoft.com/office/powerpoint/2015/main" val="1"/>
+              </p:ext>
+            </p:extLst>
+          </p:nvPr>
+        </p:nvSpPr>
+        <p:spPr>
+          <a:xfrm>
+            <a:off x="0" y="0"/>
+            <a:ext cx="4584892" cy="5143500"/>
+          </a:xfrm>
+          <a:prstGeom prst="rect">
+            <a:avLst/>
+          </a:prstGeom>
+          <a:ln>
+            <a:noFill/>
+          </a:ln>
+        </p:spPr>
+        <p:style>
+          <a:lnRef idx="2">
+            <a:schemeClr val="accent1">
+              <a:shade val="50000"/>
+            </a:schemeClr>
+          </a:lnRef>
+          <a:fillRef idx="1">
+            <a:schemeClr val="accent1"/>
+          </a:fillRef>
+          <a:effectRef idx="0">
+            <a:schemeClr val="accent1"/>
+          </a:effectRef>
+          <a:fontRef idx="minor">
+            <a:schemeClr val="lt1"/>
+          </a:fontRef>
+        </p:style>
+        <p:txBody>
+          <a:bodyPr rtlCol="0" anchor="ctr"/>
+          <a:lstStyle/>
+          <a:p>
+            <a:pPr algn="ctr"/>
+            <a:endParaRPr lang="en-US"/>
+          </a:p>
+        </p:txBody>
+      </p:sp>
+      <p:sp>
+        <p:nvSpPr>
+          <p:cNvPr id="91" name="Google Shape;91;p19"/>
+          <p:cNvSpPr txBox="1">
+            <a:spLocks noGrp="1"/>
+          </p:cNvSpPr>
+          <p:nvPr>
+            <p:ph type="title"/>
+          </p:nvPr>
+        </p:nvSpPr>
+        <p:spPr>
+          <a:xfrm>
+            <a:off x="482601" y="775041"/>
+            <a:ext cx="3619692" cy="3619057"/>
+          </a:xfrm>
+          <a:prstGeom prst="rect">
+            <a:avLst/>
+          </a:prstGeom>
+        </p:spPr>
+        <p:txBody>
+          <a:bodyPr spcFirstLastPara="1" vert="horz" lIns="91440" tIns="45720" rIns="91440" bIns="45720" rtlCol="0" anchor="ctr" anchorCtr="0">
+            <a:normAutofit/>
+          </a:bodyPr>
+          <a:lstStyle/>
+          <a:p>
+            <a:pPr marL="0" lvl="0" indent="0" defTabSz="457200">
+              <a:spcBef>
+                <a:spcPct val="0"/>
+              </a:spcBef>
+              <a:spcAft>
+                <a:spcPts val="0"/>
+              </a:spcAft>
+            </a:pPr>
+            <a:r>
+              <a:rPr lang="en-US" sz="4100" dirty="0">
+                <a:solidFill>
+                  <a:srgbClr val="FFFFFF"/>
+                </a:solidFill>
+              </a:rPr>
+              <a:t>Summary and</a:t>
+            </a:r>
+            <a:br>
+              <a:rPr lang="en-US" sz="4100" dirty="0">
+                <a:solidFill>
+                  <a:srgbClr val="FFFFFF"/>
+                </a:solidFill>
+              </a:rPr>
+            </a:br>
+            <a:r>
+              <a:rPr lang="en-US" sz="4100" dirty="0">
+                <a:solidFill>
+                  <a:srgbClr val="FFFFFF"/>
+                </a:solidFill>
+              </a:rPr>
+              <a:t>next steps</a:t>
+            </a:r>
+          </a:p>
+        </p:txBody>
+      </p:sp>
+      <p:sp>
+        <p:nvSpPr>
+          <p:cNvPr id="162" name="Rectangle 161">
+            <a:extLst>
+              <a:ext uri="{FF2B5EF4-FFF2-40B4-BE49-F238E27FC236}">
+                <a16:creationId xmlns:a16="http://schemas.microsoft.com/office/drawing/2014/main" id="{7CDB507F-21B7-4C27-B0FC-D9C465C6DB44}"/>
+              </a:ext>
+              <a:ext uri="{C183D7F6-B498-43B3-948B-1728B52AA6E4}">
+                <adec:decorative xmlns:adec="http://schemas.microsoft.com/office/drawing/2017/decorative" val="1"/>
+              </a:ext>
+            </a:extLst>
+          </p:cNvPr>
+          <p:cNvSpPr>
+            <a:spLocks noGrp="1" noRot="1" noChangeAspect="1" noMove="1" noResize="1" noEditPoints="1" noAdjustHandles="1" noChangeArrowheads="1" noChangeShapeType="1" noTextEdit="1"/>
+          </p:cNvSpPr>
+          <p:nvPr>
+            <p:extLst>
+              <p:ext uri="{386F3935-93C4-4BCD-93E2-E3B085C9AB24}">
+                <p16:designElem xmlns:p16="http://schemas.microsoft.com/office/powerpoint/2015/main" val="1"/>
+              </p:ext>
+            </p:extLst>
+          </p:nvPr>
+        </p:nvSpPr>
+        <p:spPr>
+          <a:xfrm>
+            <a:off x="481934" y="345651"/>
+            <a:ext cx="3621024" cy="83740"/>
+          </a:xfrm>
+          <a:prstGeom prst="rect">
+            <a:avLst/>
+          </a:prstGeom>
+          <a:solidFill>
+            <a:srgbClr val="FFFFFF"/>
+          </a:solidFill>
+          <a:ln>
+            <a:noFill/>
+          </a:ln>
+          <a:effectLst/>
+        </p:spPr>
+        <p:style>
+          <a:lnRef idx="1">
+            <a:schemeClr val="accent1"/>
+          </a:lnRef>
+          <a:fillRef idx="3">
+            <a:schemeClr val="accent1"/>
+          </a:fillRef>
+          <a:effectRef idx="2">
+            <a:schemeClr val="accent1"/>
+          </a:effectRef>
+          <a:fontRef idx="minor">
+            <a:schemeClr val="lt1"/>
+          </a:fontRef>
+        </p:style>
+      </p:sp>
+      <p:sp>
+        <p:nvSpPr>
+          <p:cNvPr id="164" name="Rectangle 163">
+            <a:extLst>
+              <a:ext uri="{FF2B5EF4-FFF2-40B4-BE49-F238E27FC236}">
+                <a16:creationId xmlns:a16="http://schemas.microsoft.com/office/drawing/2014/main" id="{7AB1AE17-B7A3-4363-95CD-25441E2FF1F3}"/>
+              </a:ext>
+              <a:ext uri="{C183D7F6-B498-43B3-948B-1728B52AA6E4}">
+                <adec:decorative xmlns:adec="http://schemas.microsoft.com/office/drawing/2017/decorative" val="1"/>
+              </a:ext>
+            </a:extLst>
+          </p:cNvPr>
+          <p:cNvSpPr>
+            <a:spLocks noGrp="1" noRot="1" noChangeAspect="1" noMove="1" noResize="1" noEditPoints="1" noAdjustHandles="1" noChangeArrowheads="1" noChangeShapeType="1" noTextEdit="1"/>
+          </p:cNvSpPr>
+          <p:nvPr>
+            <p:extLst>
+              <p:ext uri="{386F3935-93C4-4BCD-93E2-E3B085C9AB24}">
+                <p16:designElem xmlns:p16="http://schemas.microsoft.com/office/powerpoint/2015/main" val="1"/>
+              </p:ext>
+            </p:extLst>
+          </p:nvPr>
+        </p:nvSpPr>
+        <p:spPr>
+          <a:xfrm>
+            <a:off x="5087080" y="345651"/>
+            <a:ext cx="3621024" cy="83740"/>
+          </a:xfrm>
+          <a:prstGeom prst="rect">
+            <a:avLst/>
+          </a:prstGeom>
+          <a:solidFill>
+            <a:schemeClr val="accent2"/>
+          </a:solidFill>
+          <a:ln>
+            <a:noFill/>
+          </a:ln>
+          <a:effectLst/>
+        </p:spPr>
+        <p:style>
+          <a:lnRef idx="1">
+            <a:schemeClr val="accent1"/>
+          </a:lnRef>
+          <a:fillRef idx="3">
+            <a:schemeClr val="accent1"/>
+          </a:fillRef>
+          <a:effectRef idx="2">
+            <a:schemeClr val="accent1"/>
+          </a:effectRef>
+          <a:fontRef idx="minor">
+            <a:schemeClr val="lt1"/>
+          </a:fontRef>
+        </p:style>
+      </p:sp>
+      <p:sp>
+        <p:nvSpPr>
+          <p:cNvPr id="92" name="Google Shape;92;p19"/>
+          <p:cNvSpPr txBox="1">
+            <a:spLocks noGrp="1"/>
+          </p:cNvSpPr>
+          <p:nvPr>
+            <p:ph type="body" idx="1"/>
+          </p:nvPr>
+        </p:nvSpPr>
+        <p:spPr>
+          <a:xfrm>
+            <a:off x="5066826" y="775042"/>
+            <a:ext cx="3641278" cy="3619057"/>
+          </a:xfrm>
+          <a:prstGeom prst="rect">
+            <a:avLst/>
+          </a:prstGeom>
+          <a:ln w="57150">
+            <a:noFill/>
+          </a:ln>
+        </p:spPr>
+        <p:txBody>
+          <a:bodyPr spcFirstLastPara="1" vert="horz" lIns="91440" tIns="45720" rIns="91440" bIns="45720" rtlCol="0" anchor="ctr" anchorCtr="0">
+            <a:normAutofit/>
+          </a:bodyPr>
+          <a:lstStyle/>
+          <a:p>
+            <a:pPr marL="457200" lvl="0" indent="-342900" defTabSz="457200">
+              <a:spcBef>
+                <a:spcPct val="20000"/>
+              </a:spcBef>
+              <a:spcAft>
+                <a:spcPts val="600"/>
+              </a:spcAft>
+              <a:buSzPct val="92000"/>
+              <a:buFont typeface="Wingdings 2" panose="05020102010507070707" pitchFamily="18" charset="2"/>
+              <a:buChar char=""/>
+            </a:pPr>
+            <a:r>
+              <a:rPr lang="en-US" sz="1500" dirty="0">
+                <a:solidFill>
+                  <a:schemeClr val="accent2">
+                    <a:lumMod val="50000"/>
+                  </a:schemeClr>
+                </a:solidFill>
+              </a:rPr>
+              <a:t>30% of the variations in quality are explained by the chemical qualities of wine in our model.</a:t>
+            </a:r>
+          </a:p>
+          <a:p>
+            <a:pPr marL="457200" lvl="0" indent="-342900" defTabSz="457200">
+              <a:spcBef>
+                <a:spcPct val="20000"/>
+              </a:spcBef>
+              <a:spcAft>
+                <a:spcPts val="600"/>
+              </a:spcAft>
+              <a:buSzPct val="92000"/>
+              <a:buFont typeface="Wingdings 2" panose="05020102010507070707" pitchFamily="18" charset="2"/>
+              <a:buChar char=""/>
+            </a:pPr>
+            <a:r>
+              <a:rPr lang="en-US" sz="1500" dirty="0">
+                <a:solidFill>
+                  <a:schemeClr val="accent2">
+                    <a:lumMod val="50000"/>
+                  </a:schemeClr>
+                </a:solidFill>
+              </a:rPr>
+              <a:t>Next steps: </a:t>
+            </a:r>
+          </a:p>
+          <a:p>
+            <a:pPr lvl="1" indent="-342900" defTabSz="457200">
+              <a:spcBef>
+                <a:spcPct val="20000"/>
+              </a:spcBef>
+              <a:spcAft>
+                <a:spcPts val="600"/>
+              </a:spcAft>
+              <a:buSzPct val="92000"/>
+              <a:buFont typeface="Wingdings 2" panose="05020102010507070707" pitchFamily="18" charset="2"/>
+              <a:buChar char=""/>
+            </a:pPr>
+            <a:r>
+              <a:rPr lang="en-US" sz="1350" dirty="0">
+                <a:solidFill>
+                  <a:schemeClr val="accent2">
+                    <a:lumMod val="50000"/>
+                  </a:schemeClr>
+                </a:solidFill>
+              </a:rPr>
+              <a:t>Consider additional transformations to improve R-squared</a:t>
+            </a:r>
+          </a:p>
+          <a:p>
+            <a:pPr lvl="1" indent="-342900" defTabSz="457200">
+              <a:spcBef>
+                <a:spcPct val="20000"/>
+              </a:spcBef>
+              <a:spcAft>
+                <a:spcPts val="600"/>
+              </a:spcAft>
+              <a:buSzPct val="92000"/>
+              <a:buFont typeface="Wingdings 2" panose="05020102010507070707" pitchFamily="18" charset="2"/>
+              <a:buChar char=""/>
+            </a:pPr>
+            <a:r>
+              <a:rPr lang="en-US" sz="1350" dirty="0">
+                <a:solidFill>
+                  <a:schemeClr val="accent2">
+                    <a:lumMod val="50000"/>
+                  </a:schemeClr>
+                </a:solidFill>
+              </a:rPr>
+              <a:t>Gather data on wine varietal and/or brand to better account for variance within quality rankings</a:t>
+            </a:r>
+          </a:p>
+          <a:p>
+            <a:pPr lvl="1" indent="-342900" defTabSz="457200">
+              <a:spcBef>
+                <a:spcPct val="20000"/>
+              </a:spcBef>
+              <a:spcAft>
+                <a:spcPts val="600"/>
+              </a:spcAft>
+              <a:buSzPct val="92000"/>
+              <a:buFont typeface="Wingdings 2" panose="05020102010507070707" pitchFamily="18" charset="2"/>
+              <a:buChar char=""/>
+            </a:pPr>
+            <a:endParaRPr lang="en-US" sz="1350" dirty="0">
+              <a:solidFill>
+                <a:schemeClr val="accent2">
+                  <a:lumMod val="50000"/>
+                </a:schemeClr>
+              </a:solidFill>
+            </a:endParaRPr>
+          </a:p>
+        </p:txBody>
+      </p:sp>
+    </p:spTree>
   </p:cSld>
   <p:clrMapOvr>
     <a:masterClrMapping/>
@@ -16266,7 +15211,7 @@
     </p:bg>
     <p:spTree>
       <p:nvGrpSpPr>
-        <p:cNvPr id="1" name="Shape 78"/>
+        <p:cNvPr id="1" name="Shape 96"/>
         <p:cNvGrpSpPr/>
         <p:nvPr/>
       </p:nvGrpSpPr>
@@ -16280,10 +15225,10 @@
       </p:grpSpPr>
       <p:sp>
         <p:nvSpPr>
-          <p:cNvPr id="115" name="Rectangle 114">
+          <p:cNvPr id="118" name="Rectangle 117">
             <a:extLst>
               <a:ext uri="{FF2B5EF4-FFF2-40B4-BE49-F238E27FC236}">
-                <a16:creationId xmlns:a16="http://schemas.microsoft.com/office/drawing/2014/main" id="{DB691D59-8F51-4DD8-AD41-D568D29B08F8}"/>
+                <a16:creationId xmlns:a16="http://schemas.microsoft.com/office/drawing/2014/main" id="{E9AA9F65-94B8-41A5-A7FF-23D2CFB116BB}"/>
               </a:ext>
               <a:ext uri="{C183D7F6-B498-43B3-948B-1728B52AA6E4}">
                 <adec:decorative xmlns:adec="http://schemas.microsoft.com/office/drawing/2017/decorative" val="1"/>
@@ -16334,10 +15279,10 @@
       </p:sp>
       <p:sp>
         <p:nvSpPr>
-          <p:cNvPr id="117" name="Rectangle 116">
+          <p:cNvPr id="120" name="Rectangle 119">
             <a:extLst>
               <a:ext uri="{FF2B5EF4-FFF2-40B4-BE49-F238E27FC236}">
-                <a16:creationId xmlns:a16="http://schemas.microsoft.com/office/drawing/2014/main" id="{204AEF18-0627-48F3-9B3D-F7E8F050B1D4}"/>
+                <a16:creationId xmlns:a16="http://schemas.microsoft.com/office/drawing/2014/main" id="{7E8B0F8E-3F6C-4541-B9C1-774D80A08834}"/>
               </a:ext>
               <a:ext uri="{C183D7F6-B498-43B3-948B-1728B52AA6E4}">
                 <adec:decorative xmlns:adec="http://schemas.microsoft.com/office/drawing/2017/decorative" val="1"/>
@@ -16388,10 +15333,10 @@
       </p:sp>
       <p:sp>
         <p:nvSpPr>
-          <p:cNvPr id="119" name="Rectangle 118">
+          <p:cNvPr id="122" name="Rectangle 121">
             <a:extLst>
               <a:ext uri="{FF2B5EF4-FFF2-40B4-BE49-F238E27FC236}">
-                <a16:creationId xmlns:a16="http://schemas.microsoft.com/office/drawing/2014/main" id="{CEAEE08A-C572-438F-9753-B0D527A515A7}"/>
+                <a16:creationId xmlns:a16="http://schemas.microsoft.com/office/drawing/2014/main" id="{7A45F5BC-32D1-41CD-B270-C46F18CA1ACC}"/>
               </a:ext>
               <a:ext uri="{C183D7F6-B498-43B3-948B-1728B52AA6E4}">
                 <adec:decorative xmlns:adec="http://schemas.microsoft.com/office/drawing/2017/decorative" val="1"/>
@@ -16442,10 +15387,10 @@
       </p:sp>
       <p:sp>
         <p:nvSpPr>
-          <p:cNvPr id="121" name="Rectangle 120">
+          <p:cNvPr id="124" name="Rectangle 123">
             <a:extLst>
               <a:ext uri="{FF2B5EF4-FFF2-40B4-BE49-F238E27FC236}">
-                <a16:creationId xmlns:a16="http://schemas.microsoft.com/office/drawing/2014/main" id="{DB93146F-62ED-4C59-844C-0935D0FB5031}"/>
+                <a16:creationId xmlns:a16="http://schemas.microsoft.com/office/drawing/2014/main" id="{5BB74D4E-F243-4A10-813D-500A14025392}"/>
               </a:ext>
               <a:ext uri="{C183D7F6-B498-43B3-948B-1728B52AA6E4}">
                 <adec:decorative xmlns:adec="http://schemas.microsoft.com/office/drawing/2017/decorative" val="1"/>
@@ -16465,8 +15410,8 @@
         </p:nvSpPr>
         <p:spPr>
           <a:xfrm>
-            <a:off x="334900" y="2314323"/>
-            <a:ext cx="8447150" cy="2478600"/>
+            <a:off x="330214" y="460805"/>
+            <a:ext cx="8482004" cy="891973"/>
           </a:xfrm>
           <a:prstGeom prst="rect">
             <a:avLst/>
@@ -16496,51 +15441,10 @@
       </p:sp>
       <p:sp>
         <p:nvSpPr>
-          <p:cNvPr id="79" name="Google Shape;79;p17"/>
-          <p:cNvSpPr txBox="1">
-            <a:spLocks noGrp="1"/>
-          </p:cNvSpPr>
-          <p:nvPr>
-            <p:ph type="title"/>
-          </p:nvPr>
-        </p:nvSpPr>
-        <p:spPr>
-          <a:xfrm>
-            <a:off x="435893" y="3457574"/>
-            <a:ext cx="8245162" cy="800101"/>
-          </a:xfrm>
-          <a:prstGeom prst="rect">
-            <a:avLst/>
-          </a:prstGeom>
-        </p:spPr>
-        <p:txBody>
-          <a:bodyPr spcFirstLastPara="1" vert="horz" lIns="91440" tIns="45720" rIns="91440" bIns="45720" rtlCol="0" anchor="b" anchorCtr="0">
-            <a:normAutofit/>
-          </a:bodyPr>
-          <a:lstStyle/>
-          <a:p>
-            <a:pPr marL="0" lvl="0" indent="0" defTabSz="457200">
-              <a:spcAft>
-                <a:spcPts val="0"/>
-              </a:spcAft>
-            </a:pPr>
-            <a:r>
-              <a:rPr lang="en-US" sz="3600">
-                <a:solidFill>
-                  <a:srgbClr val="FFFFFF"/>
-                </a:solidFill>
-              </a:rPr>
-              <a:t>Final model</a:t>
-            </a:r>
-          </a:p>
-        </p:txBody>
-      </p:sp>
-      <p:sp useBgFill="1">
-        <p:nvSpPr>
-          <p:cNvPr id="123" name="Rectangle 122">
+          <p:cNvPr id="126" name="Rectangle 125">
             <a:extLst>
               <a:ext uri="{FF2B5EF4-FFF2-40B4-BE49-F238E27FC236}">
-                <a16:creationId xmlns:a16="http://schemas.microsoft.com/office/drawing/2014/main" id="{B1A515B1-A9B3-49B0-AE0D-D038D42C21A9}"/>
+                <a16:creationId xmlns:a16="http://schemas.microsoft.com/office/drawing/2014/main" id="{1A59258C-AAC2-41CD-973C-7439B122A3FF}"/>
               </a:ext>
               <a:ext uri="{C183D7F6-B498-43B3-948B-1728B52AA6E4}">
                 <adec:decorative xmlns:adec="http://schemas.microsoft.com/office/drawing/2017/decorative" val="1"/>
@@ -16560,8 +15464,77 @@
         </p:nvSpPr>
         <p:spPr>
           <a:xfrm>
-            <a:off x="0" y="542925"/>
-            <a:ext cx="9144000" cy="2781134"/>
+            <a:off x="0" y="0"/>
+            <a:ext cx="9144000" cy="5143500"/>
+          </a:xfrm>
+          <a:prstGeom prst="rect">
+            <a:avLst/>
+          </a:prstGeom>
+          <a:solidFill>
+            <a:srgbClr val="FFFFFF"/>
+          </a:solidFill>
+          <a:ln>
+            <a:noFill/>
+          </a:ln>
+        </p:spPr>
+        <p:style>
+          <a:lnRef idx="2">
+            <a:schemeClr val="accent1">
+              <a:shade val="50000"/>
+            </a:schemeClr>
+          </a:lnRef>
+          <a:fillRef idx="1">
+            <a:schemeClr val="accent1"/>
+          </a:fillRef>
+          <a:effectRef idx="0">
+            <a:schemeClr val="accent1"/>
+          </a:effectRef>
+          <a:fontRef idx="minor">
+            <a:schemeClr val="lt1"/>
+          </a:fontRef>
+        </p:style>
+        <p:txBody>
+          <a:bodyPr rtlCol="0" anchor="ctr"/>
+          <a:lstStyle/>
+          <a:p>
+            <a:pPr marL="285750" indent="-285750" algn="ctr">
+              <a:buClr>
+                <a:schemeClr val="accent1"/>
+              </a:buClr>
+              <a:buFont typeface="Arial" panose="020B0604020202020204" pitchFamily="34" charset="0"/>
+              <a:buChar char="•"/>
+            </a:pPr>
+            <a:endParaRPr lang="en-US" dirty="0"/>
+          </a:p>
+        </p:txBody>
+      </p:sp>
+      <p:sp>
+        <p:nvSpPr>
+          <p:cNvPr id="128" name="Rectangle 127">
+            <a:extLst>
+              <a:ext uri="{FF2B5EF4-FFF2-40B4-BE49-F238E27FC236}">
+                <a16:creationId xmlns:a16="http://schemas.microsoft.com/office/drawing/2014/main" id="{54516B72-0116-42B2-82A2-B11218A36636}"/>
+              </a:ext>
+              <a:ext uri="{C183D7F6-B498-43B3-948B-1728B52AA6E4}">
+                <adec:decorative xmlns:adec="http://schemas.microsoft.com/office/drawing/2017/decorative" val="1"/>
+              </a:ext>
+            </a:extLst>
+          </p:cNvPr>
+          <p:cNvSpPr>
+            <a:spLocks noGrp="1" noRot="1" noChangeAspect="1" noMove="1" noResize="1" noEditPoints="1" noAdjustHandles="1" noChangeArrowheads="1" noChangeShapeType="1" noTextEdit="1"/>
+          </p:cNvSpPr>
+          <p:nvPr>
+            <p:extLst>
+              <p:ext uri="{386F3935-93C4-4BCD-93E2-E3B085C9AB24}">
+                <p16:designElem xmlns:p16="http://schemas.microsoft.com/office/powerpoint/2015/main" val="1"/>
+              </p:ext>
+            </p:extLst>
+          </p:nvPr>
+        </p:nvSpPr>
+        <p:spPr>
+          <a:xfrm>
+            <a:off x="0" y="0"/>
+            <a:ext cx="4584892" cy="5143500"/>
           </a:xfrm>
           <a:prstGeom prst="rect">
             <a:avLst/>
@@ -16597,72 +15570,283 @@
       </p:sp>
       <p:sp>
         <p:nvSpPr>
-          <p:cNvPr id="4" name="TextBox 3">
-            <a:extLst>
-              <a:ext uri="{FF2B5EF4-FFF2-40B4-BE49-F238E27FC236}">
-                <a16:creationId xmlns:a16="http://schemas.microsoft.com/office/drawing/2014/main" id="{A91860E7-872F-49B7-91A6-B83EFF48BC39}"/>
-              </a:ext>
-            </a:extLst>
-          </p:cNvPr>
-          <p:cNvSpPr txBox="1"/>
-          <p:nvPr/>
+          <p:cNvPr id="97" name="Google Shape;97;p20"/>
+          <p:cNvSpPr txBox="1">
+            <a:spLocks noGrp="1"/>
+          </p:cNvSpPr>
+          <p:nvPr>
+            <p:ph type="title"/>
+          </p:nvPr>
         </p:nvSpPr>
         <p:spPr>
           <a:xfrm>
-            <a:off x="7399020" y="1203960"/>
-            <a:ext cx="1524000" cy="701040"/>
-          </a:xfrm>
-          <a:prstGeom prst="rect">
-            <a:avLst/>
-          </a:prstGeom>
-          <a:noFill/>
-        </p:spPr>
-        <p:txBody>
-          <a:bodyPr wrap="square" rtlCol="0">
-            <a:spAutoFit/>
-          </a:bodyPr>
-          <a:lstStyle/>
-          <a:p>
-            <a:endParaRPr lang="en-US" dirty="0"/>
-          </a:p>
-        </p:txBody>
-      </p:sp>
-      <p:pic>
-        <p:nvPicPr>
-          <p:cNvPr id="3" name="Picture 2">
-            <a:extLst>
-              <a:ext uri="{FF2B5EF4-FFF2-40B4-BE49-F238E27FC236}">
-                <a16:creationId xmlns:a16="http://schemas.microsoft.com/office/drawing/2014/main" id="{51AB3BE5-8CCE-43EC-8F15-F4A3638DF800}"/>
-              </a:ext>
-            </a:extLst>
-          </p:cNvPr>
-          <p:cNvPicPr>
-            <a:picLocks noChangeAspect="1"/>
-          </p:cNvPicPr>
-          <p:nvPr/>
-        </p:nvPicPr>
-        <p:blipFill>
-          <a:blip r:embed="rId3"/>
-          <a:stretch>
-            <a:fillRect/>
-          </a:stretch>
-        </p:blipFill>
-        <p:spPr>
-          <a:xfrm>
-            <a:off x="2277735" y="602091"/>
-            <a:ext cx="4584764" cy="2605818"/>
+            <a:off x="482601" y="775041"/>
+            <a:ext cx="3619692" cy="3619057"/>
           </a:xfrm>
           <a:prstGeom prst="rect">
             <a:avLst/>
           </a:prstGeom>
         </p:spPr>
-      </p:pic>
+        <p:txBody>
+          <a:bodyPr spcFirstLastPara="1" vert="horz" lIns="91440" tIns="45720" rIns="91440" bIns="45720" rtlCol="0" anchor="ctr" anchorCtr="0">
+            <a:normAutofit/>
+          </a:bodyPr>
+          <a:lstStyle/>
+          <a:p>
+            <a:pPr marL="0" lvl="0" indent="0" defTabSz="457200">
+              <a:spcBef>
+                <a:spcPct val="0"/>
+              </a:spcBef>
+              <a:spcAft>
+                <a:spcPts val="0"/>
+              </a:spcAft>
+            </a:pPr>
+            <a:r>
+              <a:rPr lang="en-US" sz="4100" dirty="0">
+                <a:solidFill>
+                  <a:srgbClr val="FFFFFF"/>
+                </a:solidFill>
+              </a:rPr>
+              <a:t>Thank you!</a:t>
+            </a:r>
+          </a:p>
+        </p:txBody>
+      </p:sp>
+      <p:sp>
+        <p:nvSpPr>
+          <p:cNvPr id="130" name="Rectangle 129">
+            <a:extLst>
+              <a:ext uri="{FF2B5EF4-FFF2-40B4-BE49-F238E27FC236}">
+                <a16:creationId xmlns:a16="http://schemas.microsoft.com/office/drawing/2014/main" id="{7CDB507F-21B7-4C27-B0FC-D9C465C6DB44}"/>
+              </a:ext>
+              <a:ext uri="{C183D7F6-B498-43B3-948B-1728B52AA6E4}">
+                <adec:decorative xmlns:adec="http://schemas.microsoft.com/office/drawing/2017/decorative" val="1"/>
+              </a:ext>
+            </a:extLst>
+          </p:cNvPr>
+          <p:cNvSpPr>
+            <a:spLocks noGrp="1" noRot="1" noChangeAspect="1" noMove="1" noResize="1" noEditPoints="1" noAdjustHandles="1" noChangeArrowheads="1" noChangeShapeType="1" noTextEdit="1"/>
+          </p:cNvSpPr>
+          <p:nvPr>
+            <p:extLst>
+              <p:ext uri="{386F3935-93C4-4BCD-93E2-E3B085C9AB24}">
+                <p16:designElem xmlns:p16="http://schemas.microsoft.com/office/powerpoint/2015/main" val="1"/>
+              </p:ext>
+            </p:extLst>
+          </p:nvPr>
+        </p:nvSpPr>
+        <p:spPr>
+          <a:xfrm>
+            <a:off x="481934" y="345651"/>
+            <a:ext cx="3621024" cy="83740"/>
+          </a:xfrm>
+          <a:prstGeom prst="rect">
+            <a:avLst/>
+          </a:prstGeom>
+          <a:solidFill>
+            <a:srgbClr val="FFFFFF"/>
+          </a:solidFill>
+          <a:ln>
+            <a:noFill/>
+          </a:ln>
+          <a:effectLst/>
+        </p:spPr>
+        <p:style>
+          <a:lnRef idx="1">
+            <a:schemeClr val="accent1"/>
+          </a:lnRef>
+          <a:fillRef idx="3">
+            <a:schemeClr val="accent1"/>
+          </a:fillRef>
+          <a:effectRef idx="2">
+            <a:schemeClr val="accent1"/>
+          </a:effectRef>
+          <a:fontRef idx="minor">
+            <a:schemeClr val="lt1"/>
+          </a:fontRef>
+        </p:style>
+      </p:sp>
+      <p:sp>
+        <p:nvSpPr>
+          <p:cNvPr id="132" name="Rectangle 131">
+            <a:extLst>
+              <a:ext uri="{FF2B5EF4-FFF2-40B4-BE49-F238E27FC236}">
+                <a16:creationId xmlns:a16="http://schemas.microsoft.com/office/drawing/2014/main" id="{7AB1AE17-B7A3-4363-95CD-25441E2FF1F3}"/>
+              </a:ext>
+              <a:ext uri="{C183D7F6-B498-43B3-948B-1728B52AA6E4}">
+                <adec:decorative xmlns:adec="http://schemas.microsoft.com/office/drawing/2017/decorative" val="1"/>
+              </a:ext>
+            </a:extLst>
+          </p:cNvPr>
+          <p:cNvSpPr>
+            <a:spLocks noGrp="1" noRot="1" noChangeAspect="1" noMove="1" noResize="1" noEditPoints="1" noAdjustHandles="1" noChangeArrowheads="1" noChangeShapeType="1" noTextEdit="1"/>
+          </p:cNvSpPr>
+          <p:nvPr>
+            <p:extLst>
+              <p:ext uri="{386F3935-93C4-4BCD-93E2-E3B085C9AB24}">
+                <p16:designElem xmlns:p16="http://schemas.microsoft.com/office/powerpoint/2015/main" val="1"/>
+              </p:ext>
+            </p:extLst>
+          </p:nvPr>
+        </p:nvSpPr>
+        <p:spPr>
+          <a:xfrm>
+            <a:off x="5087080" y="345651"/>
+            <a:ext cx="3621024" cy="83740"/>
+          </a:xfrm>
+          <a:prstGeom prst="rect">
+            <a:avLst/>
+          </a:prstGeom>
+          <a:solidFill>
+            <a:schemeClr val="accent2"/>
+          </a:solidFill>
+          <a:ln>
+            <a:noFill/>
+          </a:ln>
+          <a:effectLst/>
+        </p:spPr>
+        <p:style>
+          <a:lnRef idx="1">
+            <a:schemeClr val="accent1"/>
+          </a:lnRef>
+          <a:fillRef idx="3">
+            <a:schemeClr val="accent1"/>
+          </a:fillRef>
+          <a:effectRef idx="2">
+            <a:schemeClr val="accent1"/>
+          </a:effectRef>
+          <a:fontRef idx="minor">
+            <a:schemeClr val="lt1"/>
+          </a:fontRef>
+        </p:style>
+      </p:sp>
+      <p:sp>
+        <p:nvSpPr>
+          <p:cNvPr id="98" name="Google Shape;98;p20"/>
+          <p:cNvSpPr txBox="1">
+            <a:spLocks noGrp="1"/>
+          </p:cNvSpPr>
+          <p:nvPr>
+            <p:ph type="body" idx="1"/>
+          </p:nvPr>
+        </p:nvSpPr>
+        <p:spPr>
+          <a:xfrm>
+            <a:off x="5066826" y="775042"/>
+            <a:ext cx="3641278" cy="3619057"/>
+          </a:xfrm>
+          <a:prstGeom prst="rect">
+            <a:avLst/>
+          </a:prstGeom>
+          <a:ln w="57150">
+            <a:noFill/>
+          </a:ln>
+        </p:spPr>
+        <p:txBody>
+          <a:bodyPr spcFirstLastPara="1" vert="horz" lIns="91440" tIns="45720" rIns="91440" bIns="45720" rtlCol="0" anchor="ctr" anchorCtr="0">
+            <a:normAutofit/>
+          </a:bodyPr>
+          <a:lstStyle/>
+          <a:p>
+            <a:pPr defTabSz="457200">
+              <a:spcBef>
+                <a:spcPct val="20000"/>
+              </a:spcBef>
+              <a:spcAft>
+                <a:spcPts val="600"/>
+              </a:spcAft>
+              <a:buSzPct val="92000"/>
+              <a:buFont typeface="Wingdings 2" panose="05020102010507070707" pitchFamily="18" charset="2"/>
+              <a:buChar char=""/>
+            </a:pPr>
+            <a:r>
+              <a:rPr lang="en-US" sz="1500" dirty="0">
+                <a:solidFill>
+                  <a:schemeClr val="accent2">
+                    <a:lumMod val="50000"/>
+                  </a:schemeClr>
+                </a:solidFill>
+              </a:rPr>
+              <a:t>Data source: </a:t>
+            </a:r>
+            <a:r>
+              <a:rPr lang="en-US" sz="1500" dirty="0">
+                <a:solidFill>
+                  <a:schemeClr val="accent2">
+                    <a:lumMod val="50000"/>
+                  </a:schemeClr>
+                </a:solidFill>
+                <a:hlinkClick r:id="rId3">
+                  <a:extLst>
+                    <a:ext uri="{A12FA001-AC4F-418D-AE19-62706E023703}">
+                      <ahyp:hlinkClr xmlns:ahyp="http://schemas.microsoft.com/office/drawing/2018/hyperlinkcolor" val="tx"/>
+                    </a:ext>
+                  </a:extLst>
+                </a:hlinkClick>
+              </a:rPr>
+              <a:t>https://www.kaggle.com/huseyinelci/wne-qualty-by-uci</a:t>
+            </a:r>
+            <a:endParaRPr lang="en-US" sz="1500" dirty="0">
+              <a:solidFill>
+                <a:schemeClr val="accent2">
+                  <a:lumMod val="50000"/>
+                </a:schemeClr>
+              </a:solidFill>
+            </a:endParaRPr>
+          </a:p>
+          <a:p>
+            <a:pPr marL="457200" lvl="0" indent="-342900" defTabSz="457200">
+              <a:spcBef>
+                <a:spcPct val="20000"/>
+              </a:spcBef>
+              <a:spcAft>
+                <a:spcPts val="600"/>
+              </a:spcAft>
+              <a:buSzPct val="92000"/>
+              <a:buFont typeface="Wingdings 2" panose="05020102010507070707" pitchFamily="18" charset="2"/>
+              <a:buChar char=""/>
+            </a:pPr>
+            <a:r>
+              <a:rPr lang="en-US" sz="1500" dirty="0">
+                <a:solidFill>
+                  <a:schemeClr val="accent2">
+                    <a:lumMod val="50000"/>
+                  </a:schemeClr>
+                </a:solidFill>
+              </a:rPr>
+              <a:t>Project repo: </a:t>
+            </a:r>
+            <a:r>
+              <a:rPr lang="en-US" sz="1500" dirty="0">
+                <a:solidFill>
+                  <a:schemeClr val="accent2">
+                    <a:lumMod val="50000"/>
+                  </a:schemeClr>
+                </a:solidFill>
+                <a:hlinkClick r:id="rId4">
+                  <a:extLst>
+                    <a:ext uri="{A12FA001-AC4F-418D-AE19-62706E023703}">
+                      <ahyp:hlinkClr xmlns:ahyp="http://schemas.microsoft.com/office/drawing/2018/hyperlinkcolor" val="tx"/>
+                    </a:ext>
+                  </a:extLst>
+                </a:hlinkClick>
+              </a:rPr>
+              <a:t>https://github.com/klsalcedo/wine_analysis/tree/main</a:t>
+            </a:r>
+            <a:r>
+              <a:rPr lang="en-US" sz="1500" dirty="0">
+                <a:solidFill>
+                  <a:schemeClr val="accent2">
+                    <a:lumMod val="50000"/>
+                  </a:schemeClr>
+                </a:solidFill>
+              </a:rPr>
+              <a:t> </a:t>
+            </a:r>
+          </a:p>
+        </p:txBody>
+      </p:sp>
     </p:spTree>
-    <p:extLst>
-      <p:ext uri="{BB962C8B-B14F-4D97-AF65-F5344CB8AC3E}">
-        <p14:creationId xmlns:p14="http://schemas.microsoft.com/office/powerpoint/2010/main" val="3203728628"/>
-      </p:ext>
-    </p:extLst>
   </p:cSld>
   <p:clrMapOvr>
     <a:masterClrMapping/>

--- a/presentation.pptx
+++ b/presentation.pptx
@@ -148,7 +148,7 @@
   <pc:docChgLst>
     <pc:chgData name="Noelle Ferrari" userId="a847421d777b2bc0" providerId="LiveId" clId="{1F30A4A2-7351-4E12-AB10-81D23271015E}"/>
     <pc:docChg chg="custSel addSld delSld modSld">
-      <pc:chgData name="Noelle Ferrari" userId="a847421d777b2bc0" providerId="LiveId" clId="{1F30A4A2-7351-4E12-AB10-81D23271015E}" dt="2021-07-09T04:13:43.296" v="665" actId="20577"/>
+      <pc:chgData name="Noelle Ferrari" userId="a847421d777b2bc0" providerId="LiveId" clId="{1F30A4A2-7351-4E12-AB10-81D23271015E}" dt="2021-07-09T16:55:03.072" v="724" actId="20577"/>
       <pc:docMkLst>
         <pc:docMk/>
       </pc:docMkLst>
@@ -168,7 +168,7 @@
         </pc:graphicFrameChg>
       </pc:sldChg>
       <pc:sldChg chg="addSp delSp modSp mod">
-        <pc:chgData name="Noelle Ferrari" userId="a847421d777b2bc0" providerId="LiveId" clId="{1F30A4A2-7351-4E12-AB10-81D23271015E}" dt="2021-07-09T04:12:41.125" v="639" actId="947"/>
+        <pc:chgData name="Noelle Ferrari" userId="a847421d777b2bc0" providerId="LiveId" clId="{1F30A4A2-7351-4E12-AB10-81D23271015E}" dt="2021-07-09T16:55:03.072" v="724" actId="20577"/>
         <pc:sldMkLst>
           <pc:docMk/>
           <pc:sldMk cId="0" sldId="259"/>
@@ -182,7 +182,7 @@
           </ac:spMkLst>
         </pc:spChg>
         <pc:spChg chg="mod">
-          <ac:chgData name="Noelle Ferrari" userId="a847421d777b2bc0" providerId="LiveId" clId="{1F30A4A2-7351-4E12-AB10-81D23271015E}" dt="2021-07-09T04:12:41.125" v="639" actId="947"/>
+          <ac:chgData name="Noelle Ferrari" userId="a847421d777b2bc0" providerId="LiveId" clId="{1F30A4A2-7351-4E12-AB10-81D23271015E}" dt="2021-07-09T16:55:03.072" v="724" actId="20577"/>
           <ac:spMkLst>
             <pc:docMk/>
             <pc:sldMk cId="0" sldId="259"/>
@@ -6530,7 +6530,7 @@
             <a:fld id="{B61BEF0D-F0BB-DE4B-95CE-6DB70DBA9567}" type="datetimeFigureOut">
               <a:rPr lang="en-US" dirty="0"/>
               <a:pPr/>
-              <a:t>7/8/2021</a:t>
+              <a:t>7/9/2021</a:t>
             </a:fld>
             <a:endParaRPr lang="en-US" dirty="0"/>
           </a:p>
@@ -6803,7 +6803,7 @@
             <a:fld id="{B61BEF0D-F0BB-DE4B-95CE-6DB70DBA9567}" type="datetimeFigureOut">
               <a:rPr lang="en-US" dirty="0"/>
               <a:pPr/>
-              <a:t>7/8/2021</a:t>
+              <a:t>7/9/2021</a:t>
             </a:fld>
             <a:endParaRPr lang="en-US" dirty="0"/>
           </a:p>
@@ -7049,7 +7049,7 @@
             <a:fld id="{B61BEF0D-F0BB-DE4B-95CE-6DB70DBA9567}" type="datetimeFigureOut">
               <a:rPr lang="en-US" dirty="0"/>
               <a:pPr/>
-              <a:t>7/8/2021</a:t>
+              <a:t>7/9/2021</a:t>
             </a:fld>
             <a:endParaRPr lang="en-US" dirty="0"/>
           </a:p>
@@ -7667,7 +7667,7 @@
             <a:fld id="{B61BEF0D-F0BB-DE4B-95CE-6DB70DBA9567}" type="datetimeFigureOut">
               <a:rPr lang="en-US" dirty="0"/>
               <a:pPr/>
-              <a:t>7/8/2021</a:t>
+              <a:t>7/9/2021</a:t>
             </a:fld>
             <a:endParaRPr lang="en-US" dirty="0"/>
           </a:p>
@@ -7985,7 +7985,7 @@
             <a:fld id="{B61BEF0D-F0BB-DE4B-95CE-6DB70DBA9567}" type="datetimeFigureOut">
               <a:rPr lang="en-US" dirty="0"/>
               <a:pPr/>
-              <a:t>7/8/2021</a:t>
+              <a:t>7/9/2021</a:t>
             </a:fld>
             <a:endParaRPr lang="en-US" dirty="0"/>
           </a:p>
@@ -8298,7 +8298,7 @@
             <a:fld id="{B61BEF0D-F0BB-DE4B-95CE-6DB70DBA9567}" type="datetimeFigureOut">
               <a:rPr lang="en-US" dirty="0"/>
               <a:pPr/>
-              <a:t>7/8/2021</a:t>
+              <a:t>7/9/2021</a:t>
             </a:fld>
             <a:endParaRPr lang="en-US" dirty="0"/>
           </a:p>
@@ -8731,7 +8731,7 @@
             <a:fld id="{B61BEF0D-F0BB-DE4B-95CE-6DB70DBA9567}" type="datetimeFigureOut">
               <a:rPr lang="en-US" dirty="0"/>
               <a:pPr/>
-              <a:t>7/8/2021</a:t>
+              <a:t>7/9/2021</a:t>
             </a:fld>
             <a:endParaRPr lang="en-US" dirty="0"/>
           </a:p>
@@ -8904,7 +8904,7 @@
             <a:fld id="{B61BEF0D-F0BB-DE4B-95CE-6DB70DBA9567}" type="datetimeFigureOut">
               <a:rPr lang="en-US" dirty="0"/>
               <a:pPr/>
-              <a:t>7/8/2021</a:t>
+              <a:t>7/9/2021</a:t>
             </a:fld>
             <a:endParaRPr lang="en-US" dirty="0"/>
           </a:p>
@@ -9010,7 +9010,7 @@
             <a:fld id="{B61BEF0D-F0BB-DE4B-95CE-6DB70DBA9567}" type="datetimeFigureOut">
               <a:rPr lang="en-US" dirty="0"/>
               <a:pPr/>
-              <a:t>7/8/2021</a:t>
+              <a:t>7/9/2021</a:t>
             </a:fld>
             <a:endParaRPr lang="en-US" dirty="0"/>
           </a:p>
@@ -9398,7 +9398,7 @@
             <a:fld id="{B61BEF0D-F0BB-DE4B-95CE-6DB70DBA9567}" type="datetimeFigureOut">
               <a:rPr lang="en-US" dirty="0"/>
               <a:pPr/>
-              <a:t>7/8/2021</a:t>
+              <a:t>7/9/2021</a:t>
             </a:fld>
             <a:endParaRPr lang="en-US" dirty="0"/>
           </a:p>
@@ -9698,7 +9698,7 @@
             <a:fld id="{B61BEF0D-F0BB-DE4B-95CE-6DB70DBA9567}" type="datetimeFigureOut">
               <a:rPr lang="en-US" dirty="0"/>
               <a:pPr/>
-              <a:t>7/8/2021</a:t>
+              <a:t>7/9/2021</a:t>
             </a:fld>
             <a:endParaRPr lang="en-US" dirty="0"/>
           </a:p>
@@ -9920,7 +9920,7 @@
             <a:fld id="{B61BEF0D-F0BB-DE4B-95CE-6DB70DBA9567}" type="datetimeFigureOut">
               <a:rPr lang="en-US" dirty="0"/>
               <a:pPr/>
-              <a:t>7/8/2021</a:t>
+              <a:t>7/9/2021</a:t>
             </a:fld>
             <a:endParaRPr lang="en-US" dirty="0"/>
           </a:p>
@@ -12098,7 +12098,7 @@
         </p:spPr>
         <p:txBody>
           <a:bodyPr spcFirstLastPara="1" vert="horz" lIns="91440" tIns="45720" rIns="91440" bIns="45720" rtlCol="0" anchor="ctr" anchorCtr="0">
-            <a:normAutofit/>
+            <a:normAutofit fontScale="92500"/>
           </a:bodyPr>
           <a:lstStyle/>
           <a:p>
@@ -12301,6 +12301,32 @@
                 </a:solidFill>
               </a:rPr>
               <a:t>Sulphates: an additive that acts as a preservative and can influence sulfur dioxide levels</a:t>
+            </a:r>
+          </a:p>
+          <a:p>
+            <a:pPr lvl="1" indent="-342900" defTabSz="457200">
+              <a:lnSpc>
+                <a:spcPct val="90000"/>
+              </a:lnSpc>
+              <a:spcBef>
+                <a:spcPct val="20000"/>
+              </a:spcBef>
+              <a:spcAft>
+                <a:spcPts val="600"/>
+              </a:spcAft>
+              <a:buSzPct val="92000"/>
+              <a:buFont typeface="Wingdings 2" panose="05020102010507070707" pitchFamily="18" charset="2"/>
+              <a:buChar char=""/>
+            </a:pPr>
+            <a:r>
+              <a:rPr lang="en-US" dirty="0">
+                <a:solidFill>
+                  <a:schemeClr val="accent2">
+                    <a:lumMod val="50000"/>
+                  </a:schemeClr>
+                </a:solidFill>
+              </a:rPr>
+              <a:t>Other variables: citric acid, density, pH, alcohol</a:t>
             </a:r>
           </a:p>
         </p:txBody>
